--- a/posters/Romansky_Physica_2019.pptx
+++ b/posters/Romansky_Physica_2019.pptx
@@ -288,7 +288,7 @@
           <a:p>
             <a:fld id="{F515D3A2-22C3-4007-B598-9B555F861680}" type="datetimeFigureOut">
               <a:rPr lang="ru-RU" smtClean="0"/>
-              <a:t>11.10.2019</a:t>
+              <a:t>14.10.2019</a:t>
             </a:fld>
             <a:endParaRPr lang="ru-RU"/>
           </a:p>
@@ -458,7 +458,7 @@
           <a:p>
             <a:fld id="{F515D3A2-22C3-4007-B598-9B555F861680}" type="datetimeFigureOut">
               <a:rPr lang="ru-RU" smtClean="0"/>
-              <a:t>11.10.2019</a:t>
+              <a:t>14.10.2019</a:t>
             </a:fld>
             <a:endParaRPr lang="ru-RU"/>
           </a:p>
@@ -638,7 +638,7 @@
           <a:p>
             <a:fld id="{F515D3A2-22C3-4007-B598-9B555F861680}" type="datetimeFigureOut">
               <a:rPr lang="ru-RU" smtClean="0"/>
-              <a:t>11.10.2019</a:t>
+              <a:t>14.10.2019</a:t>
             </a:fld>
             <a:endParaRPr lang="ru-RU"/>
           </a:p>
@@ -808,7 +808,7 @@
           <a:p>
             <a:fld id="{F515D3A2-22C3-4007-B598-9B555F861680}" type="datetimeFigureOut">
               <a:rPr lang="ru-RU" smtClean="0"/>
-              <a:t>11.10.2019</a:t>
+              <a:t>14.10.2019</a:t>
             </a:fld>
             <a:endParaRPr lang="ru-RU"/>
           </a:p>
@@ -1054,7 +1054,7 @@
           <a:p>
             <a:fld id="{F515D3A2-22C3-4007-B598-9B555F861680}" type="datetimeFigureOut">
               <a:rPr lang="ru-RU" smtClean="0"/>
-              <a:t>11.10.2019</a:t>
+              <a:t>14.10.2019</a:t>
             </a:fld>
             <a:endParaRPr lang="ru-RU"/>
           </a:p>
@@ -1342,7 +1342,7 @@
           <a:p>
             <a:fld id="{F515D3A2-22C3-4007-B598-9B555F861680}" type="datetimeFigureOut">
               <a:rPr lang="ru-RU" smtClean="0"/>
-              <a:t>11.10.2019</a:t>
+              <a:t>14.10.2019</a:t>
             </a:fld>
             <a:endParaRPr lang="ru-RU"/>
           </a:p>
@@ -1764,7 +1764,7 @@
           <a:p>
             <a:fld id="{F515D3A2-22C3-4007-B598-9B555F861680}" type="datetimeFigureOut">
               <a:rPr lang="ru-RU" smtClean="0"/>
-              <a:t>11.10.2019</a:t>
+              <a:t>14.10.2019</a:t>
             </a:fld>
             <a:endParaRPr lang="ru-RU"/>
           </a:p>
@@ -1882,7 +1882,7 @@
           <a:p>
             <a:fld id="{F515D3A2-22C3-4007-B598-9B555F861680}" type="datetimeFigureOut">
               <a:rPr lang="ru-RU" smtClean="0"/>
-              <a:t>11.10.2019</a:t>
+              <a:t>14.10.2019</a:t>
             </a:fld>
             <a:endParaRPr lang="ru-RU"/>
           </a:p>
@@ -1977,7 +1977,7 @@
           <a:p>
             <a:fld id="{F515D3A2-22C3-4007-B598-9B555F861680}" type="datetimeFigureOut">
               <a:rPr lang="ru-RU" smtClean="0"/>
-              <a:t>11.10.2019</a:t>
+              <a:t>14.10.2019</a:t>
             </a:fld>
             <a:endParaRPr lang="ru-RU"/>
           </a:p>
@@ -2254,7 +2254,7 @@
           <a:p>
             <a:fld id="{F515D3A2-22C3-4007-B598-9B555F861680}" type="datetimeFigureOut">
               <a:rPr lang="ru-RU" smtClean="0"/>
-              <a:t>11.10.2019</a:t>
+              <a:t>14.10.2019</a:t>
             </a:fld>
             <a:endParaRPr lang="ru-RU"/>
           </a:p>
@@ -2507,7 +2507,7 @@
           <a:p>
             <a:fld id="{F515D3A2-22C3-4007-B598-9B555F861680}" type="datetimeFigureOut">
               <a:rPr lang="ru-RU" smtClean="0"/>
-              <a:t>11.10.2019</a:t>
+              <a:t>14.10.2019</a:t>
             </a:fld>
             <a:endParaRPr lang="ru-RU"/>
           </a:p>
@@ -2720,7 +2720,7 @@
           <a:p>
             <a:fld id="{F515D3A2-22C3-4007-B598-9B555F861680}" type="datetimeFigureOut">
               <a:rPr lang="ru-RU" smtClean="0"/>
-              <a:t>11.10.2019</a:t>
+              <a:t>14.10.2019</a:t>
             </a:fld>
             <a:endParaRPr lang="ru-RU"/>
           </a:p>
@@ -3676,17 +3676,7 @@
                   </a:schemeClr>
                 </a:solidFill>
               </a:rPr>
-              <a:t>Моделирование </a:t>
-            </a:r>
-            <a:r>
-              <a:rPr lang="ru-RU" sz="4400" i="1" dirty="0" smtClean="0">
-                <a:solidFill>
-                  <a:schemeClr val="accent1">
-                    <a:lumMod val="75000"/>
-                  </a:schemeClr>
-                </a:solidFill>
-              </a:rPr>
-              <a:t>ускорения электронов в релятивистских сверхновых</a:t>
+              <a:t>Моделирование ускорения электронов в релятивистских сверхновых</a:t>
             </a:r>
             <a:endParaRPr lang="ru-RU" altLang="ru-RU" sz="4400" i="1" dirty="0">
               <a:solidFill>
@@ -4222,17 +4212,57 @@
                 <a:latin typeface="Times New Roman" pitchFamily="16" charset="0"/>
                 <a:cs typeface="Times New Roman" pitchFamily="16" charset="0"/>
               </a:rPr>
-              <a:t>Романский В. И., Быков А. М., (Физико-Технический Институт им. </a:t>
-            </a:r>
-            <a:r>
-              <a:rPr lang="ru-RU" altLang="ru-RU" sz="2800" b="1" i="1" dirty="0" err="1">
+              <a:t>Романский В. И., Быков А. М., (Физико-Технический Институт им. А</a:t>
+            </a:r>
+            <a:r>
+              <a:rPr lang="ru-RU" altLang="ru-RU" sz="2800" b="1" i="1" dirty="0" smtClean="0">
                 <a:solidFill>
                   <a:srgbClr val="000000"/>
                 </a:solidFill>
                 <a:latin typeface="Times New Roman" pitchFamily="16" charset="0"/>
                 <a:cs typeface="Times New Roman" pitchFamily="16" charset="0"/>
               </a:rPr>
-              <a:t>А.Ф.Иоффе</a:t>
+              <a:t>.</a:t>
+            </a:r>
+            <a:r>
+              <a:rPr lang="en-US" altLang="ru-RU" sz="2800" b="1" i="1" dirty="0" smtClean="0">
+                <a:solidFill>
+                  <a:srgbClr val="000000"/>
+                </a:solidFill>
+                <a:latin typeface="Times New Roman" pitchFamily="16" charset="0"/>
+                <a:cs typeface="Times New Roman" pitchFamily="16" charset="0"/>
+              </a:rPr>
+              <a:t> </a:t>
+            </a:r>
+            <a:r>
+              <a:rPr lang="ru-RU" altLang="ru-RU" sz="2800" b="1" i="1" dirty="0" smtClean="0">
+                <a:solidFill>
+                  <a:srgbClr val="000000"/>
+                </a:solidFill>
+                <a:latin typeface="Times New Roman" pitchFamily="16" charset="0"/>
+                <a:cs typeface="Times New Roman" pitchFamily="16" charset="0"/>
+              </a:rPr>
+              <a:t>Ф.</a:t>
+            </a:r>
+            <a:r>
+              <a:rPr lang="en-US" altLang="ru-RU" sz="2800" b="1" i="1" dirty="0" smtClean="0">
+                <a:solidFill>
+                  <a:srgbClr val="000000"/>
+                </a:solidFill>
+                <a:latin typeface="Times New Roman" pitchFamily="16" charset="0"/>
+                <a:cs typeface="Times New Roman" pitchFamily="16" charset="0"/>
+              </a:rPr>
+              <a:t> </a:t>
+            </a:r>
+            <a:r>
+              <a:rPr lang="ru-RU" altLang="ru-RU" sz="2800" b="1" i="1" dirty="0" smtClean="0">
+                <a:solidFill>
+                  <a:srgbClr val="000000"/>
+                </a:solidFill>
+                <a:latin typeface="Times New Roman" pitchFamily="16" charset="0"/>
+                <a:cs typeface="Times New Roman" pitchFamily="16" charset="0"/>
+              </a:rPr>
+              <a:t>Иоффе</a:t>
             </a:r>
             <a:r>
               <a:rPr lang="ru-RU" altLang="ru-RU" sz="2800" b="1" i="1" dirty="0">
@@ -4258,7 +4288,7 @@
         <p:spPr bwMode="auto">
           <a:xfrm>
             <a:off x="451543" y="3653043"/>
-            <a:ext cx="6840760" cy="6964343"/>
+            <a:ext cx="6840760" cy="5933870"/>
           </a:xfrm>
           <a:prstGeom prst="rect">
             <a:avLst/>
@@ -4701,17 +4731,17 @@
                 <a:latin typeface="Times New Roman" pitchFamily="16" charset="0"/>
                 <a:cs typeface="DejaVu Sans" pitchFamily="32" charset="0"/>
               </a:rPr>
-              <a:t>Моделирование ударных волн в </a:t>
-            </a:r>
-            <a:r>
-              <a:rPr lang="ru-RU" altLang="ru-RU" sz="2400" dirty="0" err="1" smtClean="0">
+              <a:t>Последние наблюдения в радио диапазоне указывают на наличие интересного класса сверхновых, в которых значительная часть выброшенного вещества распространяется со скоростью близкой к скорости света. Такие объекты являются промежуточными между обычными сверхновыми и ультрарелятивистскими гамма-всплесками.  Ускорение космических лучей в таких объектах и объяснение наблюдаемых спектров их излучения представляют значительный интерес.</a:t>
+            </a:r>
+            <a:r>
+              <a:rPr lang="en-US" altLang="ru-RU" sz="2400" dirty="0" smtClean="0">
                 <a:solidFill>
                   <a:srgbClr val="000000"/>
                 </a:solidFill>
                 <a:latin typeface="Times New Roman" pitchFamily="16" charset="0"/>
                 <a:cs typeface="DejaVu Sans" pitchFamily="32" charset="0"/>
               </a:rPr>
-              <a:t>бесстолкновительной</a:t>
+              <a:t> </a:t>
             </a:r>
             <a:r>
               <a:rPr lang="ru-RU" altLang="ru-RU" sz="2400" dirty="0" smtClean="0">
@@ -4721,116 +4751,9 @@
                 <a:latin typeface="Times New Roman" pitchFamily="16" charset="0"/>
                 <a:cs typeface="DejaVu Sans" pitchFamily="32" charset="0"/>
               </a:rPr>
-              <a:t> плазме – актуальный вопрос современной астрофизики. Ударные волны частое явление, возникающее в остатках сверхновых, </a:t>
-            </a:r>
-            <a:r>
-              <a:rPr lang="ru-RU" altLang="ru-RU" sz="2400" dirty="0" err="1" smtClean="0">
-                <a:solidFill>
-                  <a:srgbClr val="000000"/>
-                </a:solidFill>
-                <a:latin typeface="Times New Roman" pitchFamily="16" charset="0"/>
-                <a:cs typeface="DejaVu Sans" pitchFamily="32" charset="0"/>
-              </a:rPr>
-              <a:t>джетах</a:t>
-            </a:r>
-            <a:r>
-              <a:rPr lang="ru-RU" altLang="ru-RU" sz="2400" dirty="0" smtClean="0">
-                <a:solidFill>
-                  <a:srgbClr val="000000"/>
-                </a:solidFill>
-                <a:latin typeface="Times New Roman" pitchFamily="16" charset="0"/>
-                <a:cs typeface="DejaVu Sans" pitchFamily="32" charset="0"/>
-              </a:rPr>
-              <a:t> пульсаров, звездных ветрах и многих других астрофизических объектах. Ударные волны в остатках сверхновых являются главным кандидатом на роль источника галактических космических лучей.</a:t>
+              <a:t>В результате  моделирования установлено, что наличие турбулентности в среде, в которой распространяется ударная волна является ключевым фактором для эффективного ускорения космических лучей.</a:t>
             </a:r>
             <a:endParaRPr lang="ru-RU" altLang="ru-RU" sz="2400" b="1" dirty="0">
-              <a:solidFill>
-                <a:srgbClr val="000000"/>
-              </a:solidFill>
-              <a:latin typeface="Times New Roman" pitchFamily="16" charset="0"/>
-              <a:cs typeface="DejaVu Sans" pitchFamily="32" charset="0"/>
-            </a:endParaRPr>
-          </a:p>
-          <a:p>
-            <a:pPr algn="just">
-              <a:lnSpc>
-                <a:spcPct val="93000"/>
-              </a:lnSpc>
-              <a:buClrTx/>
-              <a:buFontTx/>
-              <a:buNone/>
-            </a:pPr>
-            <a:r>
-              <a:rPr lang="ru-RU" altLang="ru-RU" sz="2400" dirty="0" smtClean="0">
-                <a:solidFill>
-                  <a:srgbClr val="000000"/>
-                </a:solidFill>
-                <a:latin typeface="Times New Roman" pitchFamily="16" charset="0"/>
-                <a:cs typeface="DejaVu Sans" pitchFamily="32" charset="0"/>
-              </a:rPr>
-              <a:t>  Одним </a:t>
-            </a:r>
-            <a:r>
-              <a:rPr lang="ru-RU" altLang="ru-RU" sz="2400" dirty="0">
-                <a:solidFill>
-                  <a:srgbClr val="000000"/>
-                </a:solidFill>
-                <a:latin typeface="Times New Roman" pitchFamily="16" charset="0"/>
-                <a:cs typeface="DejaVu Sans" pitchFamily="32" charset="0"/>
-              </a:rPr>
-              <a:t>из наиболее эффективных методов исследования процессов в астрофизической </a:t>
-            </a:r>
-            <a:r>
-              <a:rPr lang="ru-RU" altLang="ru-RU" sz="2400" dirty="0" err="1">
-                <a:solidFill>
-                  <a:srgbClr val="000000"/>
-                </a:solidFill>
-                <a:latin typeface="Times New Roman" pitchFamily="16" charset="0"/>
-                <a:cs typeface="DejaVu Sans" pitchFamily="32" charset="0"/>
-              </a:rPr>
-              <a:t>бесстолкновительной</a:t>
-            </a:r>
-            <a:r>
-              <a:rPr lang="ru-RU" altLang="ru-RU" sz="2400" dirty="0">
-                <a:solidFill>
-                  <a:srgbClr val="000000"/>
-                </a:solidFill>
-                <a:latin typeface="Times New Roman" pitchFamily="16" charset="0"/>
-                <a:cs typeface="DejaVu Sans" pitchFamily="32" charset="0"/>
-              </a:rPr>
-              <a:t> плазме является метод численного моделирования </a:t>
-            </a:r>
-            <a:r>
-              <a:rPr lang="ru-RU" altLang="ru-RU" sz="2400" dirty="0" err="1">
-                <a:solidFill>
-                  <a:srgbClr val="000000"/>
-                </a:solidFill>
-                <a:latin typeface="Times New Roman" pitchFamily="16" charset="0"/>
-                <a:cs typeface="DejaVu Sans" pitchFamily="32" charset="0"/>
-              </a:rPr>
-              <a:t>Particle-in-Cell</a:t>
-            </a:r>
-            <a:r>
-              <a:rPr lang="ru-RU" altLang="ru-RU" sz="2400" dirty="0">
-                <a:solidFill>
-                  <a:srgbClr val="000000"/>
-                </a:solidFill>
-                <a:latin typeface="Times New Roman" pitchFamily="16" charset="0"/>
-                <a:cs typeface="DejaVu Sans" pitchFamily="32" charset="0"/>
-              </a:rPr>
-              <a:t>. Этот метод исходит только из уравнений Максвелла и уравнений движения частиц, и позволяет не использовать модельные приближения. С помощью такого подхода возможно подробное изучение </a:t>
-            </a:r>
-            <a:r>
-              <a:rPr lang="ru-RU" altLang="ru-RU" sz="2400" dirty="0" smtClean="0">
-                <a:solidFill>
-                  <a:srgbClr val="000000"/>
-                </a:solidFill>
-                <a:latin typeface="Times New Roman" pitchFamily="16" charset="0"/>
-                <a:cs typeface="DejaVu Sans" pitchFamily="32" charset="0"/>
-              </a:rPr>
-              <a:t>ударных волн – изучение структуры фронта и спектров ускоренных частиц.</a:t>
-            </a:r>
-            <a:endParaRPr lang="ru-RU" altLang="ru-RU" sz="2400" dirty="0">
               <a:solidFill>
                 <a:srgbClr val="000000"/>
               </a:solidFill>
@@ -4850,8 +4773,8 @@
         </p:nvSpPr>
         <p:spPr bwMode="auto">
           <a:xfrm>
-            <a:off x="459984" y="10628060"/>
-            <a:ext cx="6696582" cy="5646996"/>
+            <a:off x="305928" y="15331725"/>
+            <a:ext cx="6914286" cy="6964343"/>
           </a:xfrm>
           <a:prstGeom prst="rect">
             <a:avLst/>
@@ -5264,9 +5187,93 @@
                 <a:latin typeface="Times New Roman" pitchFamily="16" charset="0"/>
                 <a:cs typeface="DejaVu Sans" pitchFamily="32" charset="0"/>
               </a:rPr>
-              <a:t>метода.</a:t>
-            </a:r>
-            <a:endParaRPr lang="ru-RU" altLang="ru-RU" sz="2400" b="1" dirty="0">
+              <a:t>метода</a:t>
+            </a:r>
+            <a:r>
+              <a:rPr lang="ru-RU" altLang="ru-RU" sz="2400" b="1" dirty="0" smtClean="0">
+                <a:solidFill>
+                  <a:srgbClr val="000000"/>
+                </a:solidFill>
+                <a:latin typeface="Times New Roman" pitchFamily="16" charset="0"/>
+                <a:cs typeface="DejaVu Sans" pitchFamily="32" charset="0"/>
+              </a:rPr>
+              <a:t>.</a:t>
+            </a:r>
+            <a:endParaRPr lang="en-US" altLang="ru-RU" sz="2400" b="1" dirty="0" smtClean="0">
+              <a:solidFill>
+                <a:srgbClr val="000000"/>
+              </a:solidFill>
+              <a:latin typeface="Times New Roman" pitchFamily="16" charset="0"/>
+              <a:cs typeface="DejaVu Sans" pitchFamily="32" charset="0"/>
+            </a:endParaRPr>
+          </a:p>
+          <a:p>
+            <a:pPr algn="just">
+              <a:lnSpc>
+                <a:spcPct val="93000"/>
+              </a:lnSpc>
+            </a:pPr>
+            <a:r>
+              <a:rPr lang="ru-RU" altLang="ru-RU" sz="2400" dirty="0" smtClean="0">
+                <a:solidFill>
+                  <a:srgbClr val="000000"/>
+                </a:solidFill>
+                <a:latin typeface="Times New Roman" pitchFamily="16" charset="0"/>
+                <a:cs typeface="DejaVu Sans" pitchFamily="32" charset="0"/>
+              </a:rPr>
+              <a:t>  Одним </a:t>
+            </a:r>
+            <a:r>
+              <a:rPr lang="ru-RU" altLang="ru-RU" sz="2400" dirty="0">
+                <a:solidFill>
+                  <a:srgbClr val="000000"/>
+                </a:solidFill>
+                <a:latin typeface="Times New Roman" pitchFamily="16" charset="0"/>
+                <a:cs typeface="DejaVu Sans" pitchFamily="32" charset="0"/>
+              </a:rPr>
+              <a:t>из наиболее эффективных методов исследования процессов в астрофизической </a:t>
+            </a:r>
+            <a:r>
+              <a:rPr lang="ru-RU" altLang="ru-RU" sz="2400" dirty="0" err="1">
+                <a:solidFill>
+                  <a:srgbClr val="000000"/>
+                </a:solidFill>
+                <a:latin typeface="Times New Roman" pitchFamily="16" charset="0"/>
+                <a:cs typeface="DejaVu Sans" pitchFamily="32" charset="0"/>
+              </a:rPr>
+              <a:t>бесстолкновительной</a:t>
+            </a:r>
+            <a:r>
+              <a:rPr lang="ru-RU" altLang="ru-RU" sz="2400" dirty="0">
+                <a:solidFill>
+                  <a:srgbClr val="000000"/>
+                </a:solidFill>
+                <a:latin typeface="Times New Roman" pitchFamily="16" charset="0"/>
+                <a:cs typeface="DejaVu Sans" pitchFamily="32" charset="0"/>
+              </a:rPr>
+              <a:t> плазме является метод численного моделирования </a:t>
+            </a:r>
+            <a:r>
+              <a:rPr lang="ru-RU" altLang="ru-RU" sz="2400" dirty="0" err="1">
+                <a:solidFill>
+                  <a:srgbClr val="000000"/>
+                </a:solidFill>
+                <a:latin typeface="Times New Roman" pitchFamily="16" charset="0"/>
+                <a:cs typeface="DejaVu Sans" pitchFamily="32" charset="0"/>
+              </a:rPr>
+              <a:t>Particle-in-Cell</a:t>
+            </a:r>
+            <a:r>
+              <a:rPr lang="ru-RU" altLang="ru-RU" sz="2400" dirty="0">
+                <a:solidFill>
+                  <a:srgbClr val="000000"/>
+                </a:solidFill>
+                <a:latin typeface="Times New Roman" pitchFamily="16" charset="0"/>
+                <a:cs typeface="DejaVu Sans" pitchFamily="32" charset="0"/>
+              </a:rPr>
+              <a:t>. Этот метод исходит только из уравнений Максвелла и уравнений движения частиц, и позволяет не использовать модельные приближения. </a:t>
+            </a:r>
+            <a:endParaRPr lang="ru-RU" altLang="ru-RU" sz="2400" b="1" dirty="0" smtClean="0">
               <a:solidFill>
                 <a:srgbClr val="000000"/>
               </a:solidFill>
@@ -5284,29 +5291,45 @@
               <a:buNone/>
             </a:pPr>
             <a:r>
-              <a:rPr lang="ru-RU" altLang="ru-RU" sz="2400" dirty="0">
+              <a:rPr lang="ru-RU" altLang="ru-RU" sz="2400" dirty="0" smtClean="0">
                 <a:solidFill>
                   <a:srgbClr val="000000"/>
                 </a:solidFill>
                 <a:latin typeface="Times New Roman" pitchFamily="16" charset="0"/>
                 <a:cs typeface="DejaVu Sans" pitchFamily="32" charset="0"/>
               </a:rPr>
-              <a:t>    В данном подходе, плазма представляется в виде набора супер-частиц, объединяющих в себе множество реальных частиц. Каждая из супер-частиц имеет такие характеристики, как масса, заряд и скорость и представляет собой облако плотности, распределенное в пространстве в соответствии с функцией-формы S(x), выбираемой в виде B-сплайна. Используя такое представление, можно определить макроскопические характеристики плазмы в каждой ячейке как сумму вкладов от всех частиц, попавших в эту ячейку, с весами соответствующими доле частицы находящейся в данной ячейке. Например, ток выражается как </a:t>
-            </a:r>
-          </a:p>
-          <a:p>
-            <a:pPr>
-              <a:buClrTx/>
-              <a:buFontTx/>
-              <a:buNone/>
-            </a:pPr>
-            <a:endParaRPr lang="ru-RU" altLang="ru-RU" sz="2600" dirty="0">
-              <a:solidFill>
-                <a:srgbClr val="000000"/>
-              </a:solidFill>
-              <a:latin typeface="Times New Roman" pitchFamily="16" charset="0"/>
-              <a:cs typeface="DejaVu Sans" pitchFamily="32" charset="0"/>
-            </a:endParaRPr>
+              <a:t>    </a:t>
+            </a:r>
+            <a:r>
+              <a:rPr lang="ru-RU" altLang="ru-RU" sz="2400" dirty="0">
+                <a:solidFill>
+                  <a:srgbClr val="000000"/>
+                </a:solidFill>
+                <a:latin typeface="Times New Roman" pitchFamily="16" charset="0"/>
+                <a:cs typeface="DejaVu Sans" pitchFamily="32" charset="0"/>
+              </a:rPr>
+              <a:t>В данном подходе, плазма представляется в виде набора супер-частиц, объединяющих в себе множество реальных частиц. Каждая из супер-частиц имеет такие характеристики, как масса, заряд и скорость и представляет собой облако плотности, распределенное в пространстве в соответствии с функцией-формы S(x), выбираемой в виде B-сплайна. Используя такое представление, можно определить макроскопические характеристики плазмы в каждой ячейке как сумму вкладов от всех частиц, попавших в эту </a:t>
+            </a:r>
+            <a:r>
+              <a:rPr lang="ru-RU" altLang="ru-RU" sz="2400" dirty="0" smtClean="0">
+                <a:solidFill>
+                  <a:srgbClr val="000000"/>
+                </a:solidFill>
+                <a:latin typeface="Times New Roman" pitchFamily="16" charset="0"/>
+                <a:cs typeface="DejaVu Sans" pitchFamily="32" charset="0"/>
+              </a:rPr>
+              <a:t>ячейку. </a:t>
+            </a:r>
+            <a:r>
+              <a:rPr lang="ru-RU" altLang="ru-RU" sz="2400" dirty="0">
+                <a:solidFill>
+                  <a:srgbClr val="000000"/>
+                </a:solidFill>
+                <a:latin typeface="Times New Roman" pitchFamily="16" charset="0"/>
+                <a:cs typeface="DejaVu Sans" pitchFamily="32" charset="0"/>
+              </a:rPr>
+              <a:t>Например, ток выражается как </a:t>
+            </a:r>
           </a:p>
         </p:txBody>
       </p:sp>
@@ -5333,7 +5356,7 @@
         </p:blipFill>
         <p:spPr bwMode="auto">
           <a:xfrm>
-            <a:off x="1787402" y="15881080"/>
+            <a:off x="1495601" y="22057952"/>
             <a:ext cx="3754437" cy="1382713"/>
           </a:xfrm>
           <a:prstGeom prst="rect">
@@ -5378,8 +5401,8 @@
           </a:extLst>
         </p:spPr>
       </p:pic>
-      <mc:AlternateContent xmlns:mc="http://schemas.openxmlformats.org/markup-compatibility/2006" xmlns:a14="http://schemas.microsoft.com/office/drawing/2010/main">
-        <mc:Choice Requires="a14">
+      <mc:AlternateContent xmlns:mc="http://schemas.openxmlformats.org/markup-compatibility/2006">
+        <mc:Choice xmlns:a14="http://schemas.microsoft.com/office/drawing/2010/main" Requires="a14">
           <p:sp>
             <p:nvSpPr>
               <p:cNvPr id="3" name="TextBox 2"/>
@@ -5388,7 +5411,7 @@
             </p:nvSpPr>
             <p:spPr>
               <a:xfrm>
-                <a:off x="410811" y="17088637"/>
+                <a:off x="407197" y="23255942"/>
                 <a:ext cx="6696582" cy="3091744"/>
               </a:xfrm>
               <a:prstGeom prst="rect">
@@ -5627,7 +5650,7 @@
             </p:txBody>
           </p:sp>
         </mc:Choice>
-        <mc:Fallback xmlns="">
+        <mc:Fallback>
           <p:sp>
             <p:nvSpPr>
               <p:cNvPr id="3" name="TextBox 2"/>
@@ -5638,7 +5661,7 @@
             </p:nvSpPr>
             <p:spPr>
               <a:xfrm>
-                <a:off x="410811" y="17088637"/>
+                <a:off x="407197" y="23255942"/>
                 <a:ext cx="6696582" cy="3091744"/>
               </a:xfrm>
               <a:prstGeom prst="rect">
@@ -5647,7 +5670,7 @@
               <a:blipFill rotWithShape="1">
                 <a:blip r:embed="rId4"/>
                 <a:stretch>
-                  <a:fillRect l="-1365" r="-1456" b="-3748"/>
+                  <a:fillRect l="-1457" r="-1457" b="-3748"/>
                 </a:stretch>
               </a:blipFill>
             </p:spPr>
@@ -5689,7 +5712,7 @@
         </p:blipFill>
         <p:spPr bwMode="auto">
           <a:xfrm>
-            <a:off x="2052500" y="20015621"/>
+            <a:off x="1415010" y="25874117"/>
             <a:ext cx="3511550" cy="1389062"/>
           </a:xfrm>
           <a:prstGeom prst="rect">
@@ -5744,8 +5767,8 @@
         </p:nvSpPr>
         <p:spPr bwMode="auto">
           <a:xfrm>
-            <a:off x="451543" y="21292214"/>
-            <a:ext cx="6662817" cy="2341283"/>
+            <a:off x="271599" y="27042217"/>
+            <a:ext cx="6662817" cy="3449279"/>
           </a:xfrm>
           <a:prstGeom prst="rect">
             <a:avLst/>
@@ -6170,8 +6193,162 @@
                 </a:solidFill>
                 <a:latin typeface="Times New Roman" pitchFamily="16" charset="0"/>
               </a:rPr>
-              <a:t>Поля рассчитываются по уравнениям Максвелла, с током и плотностью заряда зависящими от координат частиц</a:t>
-            </a:r>
+              <a:t>Поля рассчитываются по уравнениям Максвелла, с током и плотностью заряда зависящими от координат </a:t>
+            </a:r>
+            <a:r>
+              <a:rPr lang="ru-RU" altLang="ru-RU" sz="2400" dirty="0" smtClean="0">
+                <a:solidFill>
+                  <a:srgbClr val="000000"/>
+                </a:solidFill>
+                <a:latin typeface="Times New Roman" pitchFamily="16" charset="0"/>
+              </a:rPr>
+              <a:t>частиц.</a:t>
+            </a:r>
+          </a:p>
+          <a:p>
+            <a:pPr algn="just"/>
+            <a:r>
+              <a:rPr lang="ru-RU" altLang="ru-RU" sz="2400" dirty="0">
+                <a:solidFill>
+                  <a:srgbClr val="000000"/>
+                </a:solidFill>
+                <a:latin typeface="Times New Roman" pitchFamily="16" charset="0"/>
+              </a:rPr>
+              <a:t> </a:t>
+            </a:r>
+            <a:r>
+              <a:rPr lang="ru-RU" altLang="ru-RU" sz="2400" dirty="0" smtClean="0">
+                <a:solidFill>
+                  <a:srgbClr val="000000"/>
+                </a:solidFill>
+                <a:latin typeface="Times New Roman" pitchFamily="16" charset="0"/>
+              </a:rPr>
+              <a:t> В работе использован</a:t>
+            </a:r>
+            <a:r>
+              <a:rPr lang="en-US" altLang="ru-RU" sz="2400" dirty="0" smtClean="0">
+                <a:solidFill>
+                  <a:srgbClr val="000000"/>
+                </a:solidFill>
+                <a:latin typeface="Times New Roman" pitchFamily="16" charset="0"/>
+              </a:rPr>
+              <a:t> </a:t>
+            </a:r>
+            <a:r>
+              <a:rPr lang="ru-RU" altLang="ru-RU" sz="2400" dirty="0" smtClean="0">
+                <a:solidFill>
+                  <a:srgbClr val="000000"/>
+                </a:solidFill>
+                <a:latin typeface="Times New Roman" pitchFamily="16" charset="0"/>
+              </a:rPr>
+              <a:t>и дополнен код </a:t>
+            </a:r>
+            <a:r>
+              <a:rPr lang="en-US" altLang="ru-RU" sz="2400" dirty="0">
+                <a:solidFill>
+                  <a:srgbClr val="000000"/>
+                </a:solidFill>
+                <a:latin typeface="Times New Roman" pitchFamily="16" charset="0"/>
+                <a:cs typeface="DejaVu Sans" charset="0"/>
+              </a:rPr>
+              <a:t>Tristan-</a:t>
+            </a:r>
+            <a:r>
+              <a:rPr lang="en-US" altLang="ru-RU" sz="2400" dirty="0" err="1">
+                <a:solidFill>
+                  <a:srgbClr val="000000"/>
+                </a:solidFill>
+                <a:latin typeface="Times New Roman" pitchFamily="16" charset="0"/>
+                <a:cs typeface="DejaVu Sans" charset="0"/>
+              </a:rPr>
+              <a:t>mp</a:t>
+            </a:r>
+            <a:r>
+              <a:rPr lang="ru-RU" altLang="ru-RU" sz="2400" dirty="0">
+                <a:solidFill>
+                  <a:srgbClr val="000000"/>
+                </a:solidFill>
+                <a:latin typeface="Times New Roman" pitchFamily="16" charset="0"/>
+                <a:cs typeface="DejaVu Sans" charset="0"/>
+              </a:rPr>
+              <a:t>, разработанного </a:t>
+            </a:r>
+            <a:r>
+              <a:rPr lang="en-US" altLang="ru-RU" sz="2400" dirty="0" err="1" smtClean="0">
+                <a:solidFill>
+                  <a:srgbClr val="000000"/>
+                </a:solidFill>
+                <a:latin typeface="Times New Roman" pitchFamily="16" charset="0"/>
+                <a:cs typeface="DejaVu Sans" charset="0"/>
+              </a:rPr>
+              <a:t>Buneman</a:t>
+            </a:r>
+            <a:r>
+              <a:rPr lang="en-US" altLang="ru-RU" sz="2400" dirty="0" smtClean="0">
+                <a:solidFill>
+                  <a:srgbClr val="000000"/>
+                </a:solidFill>
+                <a:latin typeface="Times New Roman" pitchFamily="16" charset="0"/>
+                <a:cs typeface="DejaVu Sans" charset="0"/>
+              </a:rPr>
+              <a:t>, </a:t>
+            </a:r>
+            <a:r>
+              <a:rPr lang="en-US" altLang="ru-RU" sz="2400" dirty="0" err="1" smtClean="0">
+                <a:solidFill>
+                  <a:srgbClr val="000000"/>
+                </a:solidFill>
+                <a:latin typeface="Times New Roman" pitchFamily="16" charset="0"/>
+                <a:cs typeface="DejaVu Sans" charset="0"/>
+              </a:rPr>
+              <a:t>Spitkovsky</a:t>
+            </a:r>
+            <a:r>
+              <a:rPr lang="en-US" altLang="ru-RU" sz="2400" dirty="0" smtClean="0">
+                <a:solidFill>
+                  <a:srgbClr val="000000"/>
+                </a:solidFill>
+                <a:latin typeface="Times New Roman" pitchFamily="16" charset="0"/>
+                <a:cs typeface="DejaVu Sans" charset="0"/>
+              </a:rPr>
+              <a:t> </a:t>
+            </a:r>
+            <a:r>
+              <a:rPr lang="ru-RU" altLang="ru-RU" sz="2400" dirty="0">
+                <a:solidFill>
+                  <a:srgbClr val="000000"/>
+                </a:solidFill>
+                <a:latin typeface="Times New Roman" pitchFamily="16" charset="0"/>
+                <a:cs typeface="DejaVu Sans" charset="0"/>
+              </a:rPr>
+              <a:t>и </a:t>
+            </a:r>
+            <a:r>
+              <a:rPr lang="ru-RU" altLang="ru-RU" sz="2400" dirty="0" smtClean="0">
+                <a:solidFill>
+                  <a:srgbClr val="000000"/>
+                </a:solidFill>
+                <a:latin typeface="Times New Roman" pitchFamily="16" charset="0"/>
+                <a:cs typeface="DejaVu Sans" charset="0"/>
+              </a:rPr>
+              <a:t>другими </a:t>
+            </a:r>
+            <a:r>
+              <a:rPr lang="en-US" altLang="ru-RU" sz="2400" dirty="0" smtClean="0">
+                <a:solidFill>
+                  <a:srgbClr val="000000"/>
+                </a:solidFill>
+                <a:latin typeface="Times New Roman" pitchFamily="16" charset="0"/>
+                <a:cs typeface="DejaVu Sans" charset="0"/>
+              </a:rPr>
+              <a:t>[2][3].</a:t>
+            </a:r>
+            <a:endParaRPr lang="ru-RU" altLang="ru-RU" sz="2400" dirty="0">
+              <a:solidFill>
+                <a:srgbClr val="000000"/>
+              </a:solidFill>
+              <a:latin typeface="Times New Roman" pitchFamily="16" charset="0"/>
+            </a:endParaRPr>
           </a:p>
           <a:p>
             <a:pPr algn="just">
@@ -6189,803 +6366,6 @@
           </a:p>
         </p:txBody>
       </p:sp>
-      <mc:AlternateContent xmlns:mc="http://schemas.openxmlformats.org/markup-compatibility/2006" xmlns:a14="http://schemas.microsoft.com/office/drawing/2010/main">
-        <mc:Choice Requires="a14">
-          <p:sp>
-            <p:nvSpPr>
-              <p:cNvPr id="18" name="TextBox 17"/>
-              <p:cNvSpPr txBox="1"/>
-              <p:nvPr/>
-            </p:nvSpPr>
-            <p:spPr>
-              <a:xfrm>
-                <a:off x="459984" y="23383161"/>
-                <a:ext cx="6647409" cy="5588196"/>
-              </a:xfrm>
-              <a:prstGeom prst="rect">
-                <a:avLst/>
-              </a:prstGeom>
-              <a:noFill/>
-            </p:spPr>
-            <p:txBody>
-              <a:bodyPr wrap="square" rtlCol="0">
-                <a:spAutoFit/>
-              </a:bodyPr>
-              <a:lstStyle/>
-              <a:p>
-                <a:pPr marL="73025" lvl="0" algn="ctr">
-                  <a:lnSpc>
-                    <a:spcPct val="93000"/>
-                  </a:lnSpc>
-                  <a:tabLst>
-                    <a:tab pos="457200" algn="l"/>
-                    <a:tab pos="914400" algn="l"/>
-                    <a:tab pos="1371600" algn="l"/>
-                    <a:tab pos="1828800" algn="l"/>
-                    <a:tab pos="2286000" algn="l"/>
-                    <a:tab pos="2743200" algn="l"/>
-                    <a:tab pos="3200400" algn="l"/>
-                    <a:tab pos="3657600" algn="l"/>
-                    <a:tab pos="4114800" algn="l"/>
-                    <a:tab pos="4572000" algn="l"/>
-                    <a:tab pos="5029200" algn="l"/>
-                    <a:tab pos="5486400" algn="l"/>
-                    <a:tab pos="5943600" algn="l"/>
-                    <a:tab pos="6400800" algn="l"/>
-                    <a:tab pos="6858000" algn="l"/>
-                    <a:tab pos="7315200" algn="l"/>
-                    <a:tab pos="7772400" algn="l"/>
-                    <a:tab pos="8229600" algn="l"/>
-                    <a:tab pos="8686800" algn="l"/>
-                    <a:tab pos="9144000" algn="l"/>
-                    <a:tab pos="9601200" algn="l"/>
-                    <a:tab pos="10058400" algn="l"/>
-                    <a:tab pos="10515600" algn="l"/>
-                    <a:tab pos="10972800" algn="l"/>
-                    <a:tab pos="11430000" algn="l"/>
-                    <a:tab pos="11887200" algn="l"/>
-                    <a:tab pos="12344400" algn="l"/>
-                    <a:tab pos="12801600" algn="l"/>
-                    <a:tab pos="13258800" algn="l"/>
-                    <a:tab pos="13716000" algn="l"/>
-                    <a:tab pos="14173200" algn="l"/>
-                    <a:tab pos="14630400" algn="l"/>
-                  </a:tabLst>
-                </a:pPr>
-                <a:r>
-                  <a:rPr lang="en-US" altLang="ru-RU" sz="2400" b="1" dirty="0" smtClean="0">
-                    <a:solidFill>
-                      <a:srgbClr val="000000"/>
-                    </a:solidFill>
-                    <a:latin typeface="Times New Roman" pitchFamily="16" charset="0"/>
-                    <a:cs typeface="DejaVu Sans" charset="0"/>
-                  </a:rPr>
-                  <a:t>Особенности </a:t>
-                </a:r>
-                <a:r>
-                  <a:rPr lang="ru-RU" altLang="ru-RU" sz="2400" b="1" dirty="0" smtClean="0">
-                    <a:solidFill>
-                      <a:srgbClr val="000000"/>
-                    </a:solidFill>
-                    <a:latin typeface="Times New Roman" pitchFamily="16" charset="0"/>
-                    <a:cs typeface="DejaVu Sans" charset="0"/>
-                  </a:rPr>
-                  <a:t>численной</a:t>
-                </a:r>
-                <a:r>
-                  <a:rPr lang="en-US" altLang="ru-RU" sz="2400" b="1" dirty="0" smtClean="0">
-                    <a:solidFill>
-                      <a:srgbClr val="000000"/>
-                    </a:solidFill>
-                    <a:latin typeface="Times New Roman" pitchFamily="16" charset="0"/>
-                    <a:cs typeface="DejaVu Sans" charset="0"/>
-                  </a:rPr>
-                  <a:t> </a:t>
-                </a:r>
-                <a:r>
-                  <a:rPr lang="en-US" altLang="ru-RU" sz="2400" b="1" dirty="0" err="1" smtClean="0">
-                    <a:solidFill>
-                      <a:srgbClr val="000000"/>
-                    </a:solidFill>
-                    <a:latin typeface="Times New Roman" pitchFamily="16" charset="0"/>
-                    <a:cs typeface="DejaVu Sans" charset="0"/>
-                  </a:rPr>
-                  <a:t>схемы</a:t>
-                </a:r>
-                <a:r>
-                  <a:rPr lang="ru-RU" altLang="ru-RU" sz="2400" b="1" dirty="0" smtClean="0">
-                    <a:solidFill>
-                      <a:srgbClr val="000000"/>
-                    </a:solidFill>
-                    <a:latin typeface="Times New Roman" pitchFamily="16" charset="0"/>
-                    <a:cs typeface="DejaVu Sans" charset="0"/>
-                  </a:rPr>
-                  <a:t>.</a:t>
-                </a:r>
-                <a:endParaRPr lang="en-US" altLang="ru-RU" sz="2400" b="1" dirty="0">
-                  <a:solidFill>
-                    <a:srgbClr val="000000"/>
-                  </a:solidFill>
-                  <a:latin typeface="Times New Roman" pitchFamily="16" charset="0"/>
-                  <a:cs typeface="DejaVu Sans" charset="0"/>
-                </a:endParaRPr>
-              </a:p>
-              <a:p>
-                <a:pPr marL="73025" lvl="0">
-                  <a:lnSpc>
-                    <a:spcPct val="93000"/>
-                  </a:lnSpc>
-                  <a:tabLst>
-                    <a:tab pos="457200" algn="l"/>
-                    <a:tab pos="914400" algn="l"/>
-                    <a:tab pos="1371600" algn="l"/>
-                    <a:tab pos="1828800" algn="l"/>
-                    <a:tab pos="2286000" algn="l"/>
-                    <a:tab pos="2743200" algn="l"/>
-                    <a:tab pos="3200400" algn="l"/>
-                    <a:tab pos="3657600" algn="l"/>
-                    <a:tab pos="4114800" algn="l"/>
-                    <a:tab pos="4572000" algn="l"/>
-                    <a:tab pos="5029200" algn="l"/>
-                    <a:tab pos="5486400" algn="l"/>
-                    <a:tab pos="5943600" algn="l"/>
-                    <a:tab pos="6400800" algn="l"/>
-                    <a:tab pos="6858000" algn="l"/>
-                    <a:tab pos="7315200" algn="l"/>
-                    <a:tab pos="7772400" algn="l"/>
-                    <a:tab pos="8229600" algn="l"/>
-                    <a:tab pos="8686800" algn="l"/>
-                    <a:tab pos="9144000" algn="l"/>
-                    <a:tab pos="9601200" algn="l"/>
-                    <a:tab pos="10058400" algn="l"/>
-                    <a:tab pos="10515600" algn="l"/>
-                    <a:tab pos="10972800" algn="l"/>
-                    <a:tab pos="11430000" algn="l"/>
-                    <a:tab pos="11887200" algn="l"/>
-                    <a:tab pos="12344400" algn="l"/>
-                    <a:tab pos="12801600" algn="l"/>
-                    <a:tab pos="13258800" algn="l"/>
-                    <a:tab pos="13716000" algn="l"/>
-                    <a:tab pos="14173200" algn="l"/>
-                    <a:tab pos="14630400" algn="l"/>
-                  </a:tabLst>
-                </a:pPr>
-                <a:r>
-                  <a:rPr lang="ru-RU" altLang="ru-RU" sz="2400" dirty="0">
-                    <a:solidFill>
-                      <a:srgbClr val="000000"/>
-                    </a:solidFill>
-                    <a:latin typeface="Times New Roman" pitchFamily="16" charset="0"/>
-                    <a:cs typeface="DejaVu Sans" charset="0"/>
-                  </a:rPr>
-                  <a:t>    </a:t>
-                </a:r>
-                <a:r>
-                  <a:rPr lang="en-US" altLang="ru-RU" sz="2400" dirty="0" err="1">
-                    <a:solidFill>
-                      <a:srgbClr val="000000"/>
-                    </a:solidFill>
-                    <a:latin typeface="Times New Roman" pitchFamily="16" charset="0"/>
-                    <a:cs typeface="DejaVu Sans" charset="0"/>
-                  </a:rPr>
-                  <a:t>Нами</a:t>
-                </a:r>
-                <a:r>
-                  <a:rPr lang="en-US" altLang="ru-RU" sz="2400" dirty="0">
-                    <a:solidFill>
-                      <a:srgbClr val="000000"/>
-                    </a:solidFill>
-                    <a:latin typeface="Times New Roman" pitchFamily="16" charset="0"/>
-                    <a:cs typeface="DejaVu Sans" charset="0"/>
-                  </a:rPr>
-                  <a:t> </a:t>
-                </a:r>
-                <a:r>
-                  <a:rPr lang="en-US" altLang="ru-RU" sz="2400" dirty="0" err="1" smtClean="0">
-                    <a:solidFill>
-                      <a:srgbClr val="000000"/>
-                    </a:solidFill>
-                    <a:latin typeface="Times New Roman" pitchFamily="16" charset="0"/>
-                    <a:cs typeface="DejaVu Sans" charset="0"/>
-                  </a:rPr>
-                  <a:t>был</a:t>
-                </a:r>
-                <a:r>
-                  <a:rPr lang="ru-RU" altLang="ru-RU" sz="2400" dirty="0" smtClean="0">
-                    <a:solidFill>
-                      <a:srgbClr val="000000"/>
-                    </a:solidFill>
-                    <a:latin typeface="Times New Roman" pitchFamily="16" charset="0"/>
-                    <a:cs typeface="DejaVu Sans" charset="0"/>
-                  </a:rPr>
-                  <a:t>и опробованы две численные схемы: неявная</a:t>
-                </a:r>
-                <a:r>
-                  <a:rPr lang="en-US" altLang="ru-RU" sz="2400" dirty="0" smtClean="0">
-                    <a:solidFill>
-                      <a:srgbClr val="000000"/>
-                    </a:solidFill>
-                    <a:latin typeface="Times New Roman" pitchFamily="16" charset="0"/>
-                    <a:cs typeface="DejaVu Sans" charset="0"/>
-                  </a:rPr>
-                  <a:t>, </a:t>
-                </a:r>
-                <a:r>
-                  <a:rPr lang="en-US" altLang="ru-RU" sz="2400" dirty="0" err="1" smtClean="0">
-                    <a:solidFill>
-                      <a:srgbClr val="000000"/>
-                    </a:solidFill>
-                    <a:latin typeface="Times New Roman" pitchFamily="16" charset="0"/>
-                    <a:cs typeface="DejaVu Sans" charset="0"/>
-                  </a:rPr>
-                  <a:t>предложенн</a:t>
-                </a:r>
-                <a:r>
-                  <a:rPr lang="ru-RU" altLang="ru-RU" sz="2400" dirty="0" err="1" smtClean="0">
-                    <a:solidFill>
-                      <a:srgbClr val="000000"/>
-                    </a:solidFill>
-                    <a:latin typeface="Times New Roman" pitchFamily="16" charset="0"/>
-                    <a:cs typeface="DejaVu Sans" charset="0"/>
-                  </a:rPr>
-                  <a:t>ая</a:t>
-                </a:r>
-                <a:r>
-                  <a:rPr lang="en-US" altLang="ru-RU" sz="2400" dirty="0" smtClean="0">
-                    <a:solidFill>
-                      <a:srgbClr val="000000"/>
-                    </a:solidFill>
-                    <a:latin typeface="Times New Roman" pitchFamily="16" charset="0"/>
-                    <a:cs typeface="DejaVu Sans" charset="0"/>
-                  </a:rPr>
-                  <a:t> </a:t>
-                </a:r>
-                <a:r>
-                  <a:rPr lang="en-US" altLang="ru-RU" sz="2400" dirty="0" err="1">
-                    <a:solidFill>
-                      <a:srgbClr val="000000"/>
-                    </a:solidFill>
-                    <a:latin typeface="Times New Roman" pitchFamily="16" charset="0"/>
-                    <a:cs typeface="DejaVu Sans" charset="0"/>
-                  </a:rPr>
-                  <a:t>Lapenta</a:t>
-                </a:r>
-                <a:r>
-                  <a:rPr lang="en-US" altLang="ru-RU" sz="2400" dirty="0">
-                    <a:solidFill>
-                      <a:srgbClr val="000000"/>
-                    </a:solidFill>
-                    <a:latin typeface="Times New Roman" pitchFamily="16" charset="0"/>
-                    <a:cs typeface="DejaVu Sans" charset="0"/>
-                  </a:rPr>
-                  <a:t> et al</a:t>
-                </a:r>
-                <a:r>
-                  <a:rPr lang="en-US" altLang="ru-RU" sz="2400" dirty="0" smtClean="0">
-                    <a:solidFill>
-                      <a:srgbClr val="000000"/>
-                    </a:solidFill>
-                    <a:latin typeface="Times New Roman" pitchFamily="16" charset="0"/>
-                    <a:cs typeface="DejaVu Sans" charset="0"/>
-                  </a:rPr>
-                  <a:t>.[</a:t>
-                </a:r>
-                <a:r>
-                  <a:rPr lang="ru-RU" altLang="ru-RU" sz="2400" dirty="0" smtClean="0">
-                    <a:solidFill>
-                      <a:srgbClr val="000000"/>
-                    </a:solidFill>
-                    <a:latin typeface="Times New Roman" pitchFamily="16" charset="0"/>
-                    <a:cs typeface="DejaVu Sans" charset="0"/>
-                  </a:rPr>
-                  <a:t>1</a:t>
-                </a:r>
-                <a:r>
-                  <a:rPr lang="en-US" altLang="ru-RU" sz="2400" dirty="0" smtClean="0">
-                    <a:solidFill>
-                      <a:srgbClr val="000000"/>
-                    </a:solidFill>
-                    <a:latin typeface="Times New Roman" pitchFamily="16" charset="0"/>
-                    <a:cs typeface="DejaVu Sans" charset="0"/>
-                  </a:rPr>
-                  <a:t>], </a:t>
-                </a:r>
-                <a:r>
-                  <a:rPr lang="en-US" altLang="ru-RU" sz="2400" dirty="0">
-                    <a:solidFill>
-                      <a:srgbClr val="000000"/>
-                    </a:solidFill>
-                    <a:latin typeface="Times New Roman" pitchFamily="16" charset="0"/>
-                    <a:cs typeface="DejaVu Sans" charset="0"/>
-                  </a:rPr>
-                  <a:t>Noguchi et al</a:t>
-                </a:r>
-                <a:r>
-                  <a:rPr lang="en-US" altLang="ru-RU" sz="2400" dirty="0" smtClean="0">
-                    <a:solidFill>
-                      <a:srgbClr val="000000"/>
-                    </a:solidFill>
-                    <a:latin typeface="Times New Roman" pitchFamily="16" charset="0"/>
-                    <a:cs typeface="DejaVu Sans" charset="0"/>
-                  </a:rPr>
-                  <a:t>.[</a:t>
-                </a:r>
-                <a:r>
-                  <a:rPr lang="ru-RU" altLang="ru-RU" sz="2400" dirty="0" smtClean="0">
-                    <a:solidFill>
-                      <a:srgbClr val="000000"/>
-                    </a:solidFill>
-                    <a:latin typeface="Times New Roman" pitchFamily="16" charset="0"/>
-                    <a:cs typeface="DejaVu Sans" charset="0"/>
-                  </a:rPr>
-                  <a:t>2</a:t>
-                </a:r>
-                <a:r>
-                  <a:rPr lang="en-US" altLang="ru-RU" sz="2400" dirty="0" smtClean="0">
-                    <a:solidFill>
-                      <a:srgbClr val="000000"/>
-                    </a:solidFill>
-                    <a:latin typeface="Times New Roman" pitchFamily="16" charset="0"/>
-                    <a:cs typeface="DejaVu Sans" charset="0"/>
-                  </a:rPr>
-                  <a:t>]</a:t>
-                </a:r>
-                <a:r>
-                  <a:rPr lang="ru-RU" altLang="ru-RU" sz="2400" dirty="0">
-                    <a:solidFill>
-                      <a:srgbClr val="000000"/>
-                    </a:solidFill>
-                    <a:latin typeface="Times New Roman" pitchFamily="16" charset="0"/>
-                    <a:cs typeface="DejaVu Sans" charset="0"/>
-                  </a:rPr>
-                  <a:t>,</a:t>
-                </a:r>
-                <a:r>
-                  <a:rPr lang="ru-RU" altLang="ru-RU" sz="2400" dirty="0" smtClean="0">
-                    <a:solidFill>
-                      <a:srgbClr val="000000"/>
-                    </a:solidFill>
-                    <a:latin typeface="Times New Roman" pitchFamily="16" charset="0"/>
-                    <a:cs typeface="DejaVu Sans" charset="0"/>
-                  </a:rPr>
-                  <a:t> и явная предложенная </a:t>
-                </a:r>
-                <a:r>
-                  <a:rPr lang="en-US" altLang="ru-RU" sz="2400" dirty="0" err="1" smtClean="0">
-                    <a:solidFill>
-                      <a:srgbClr val="000000"/>
-                    </a:solidFill>
-                    <a:latin typeface="Times New Roman" pitchFamily="16" charset="0"/>
-                    <a:cs typeface="DejaVu Sans" charset="0"/>
-                  </a:rPr>
-                  <a:t>Buneman</a:t>
-                </a:r>
-                <a:r>
-                  <a:rPr lang="en-US" altLang="ru-RU" sz="2400" dirty="0" smtClean="0">
-                    <a:solidFill>
-                      <a:srgbClr val="000000"/>
-                    </a:solidFill>
-                    <a:latin typeface="Times New Roman" pitchFamily="16" charset="0"/>
-                    <a:cs typeface="DejaVu Sans" charset="0"/>
-                  </a:rPr>
-                  <a:t>[3]</a:t>
-                </a:r>
-                <a:r>
-                  <a:rPr lang="ru-RU" altLang="ru-RU" sz="2400" dirty="0" smtClean="0">
-                    <a:solidFill>
-                      <a:srgbClr val="000000"/>
-                    </a:solidFill>
-                    <a:latin typeface="Times New Roman" pitchFamily="16" charset="0"/>
-                    <a:cs typeface="DejaVu Sans" charset="0"/>
-                  </a:rPr>
-                  <a:t>, </a:t>
-                </a:r>
-                <a:r>
-                  <a:rPr lang="en-US" altLang="ru-RU" sz="2400" dirty="0" err="1" smtClean="0">
-                    <a:solidFill>
-                      <a:srgbClr val="000000"/>
-                    </a:solidFill>
-                    <a:latin typeface="Times New Roman" pitchFamily="16" charset="0"/>
-                    <a:cs typeface="DejaVu Sans" charset="0"/>
-                  </a:rPr>
-                  <a:t>Sironi</a:t>
-                </a:r>
-                <a:r>
-                  <a:rPr lang="en-US" altLang="ru-RU" sz="2400" dirty="0" smtClean="0">
-                    <a:solidFill>
-                      <a:srgbClr val="000000"/>
-                    </a:solidFill>
-                    <a:latin typeface="Times New Roman" pitchFamily="16" charset="0"/>
-                    <a:cs typeface="DejaVu Sans" charset="0"/>
-                  </a:rPr>
-                  <a:t>, </a:t>
-                </a:r>
-                <a:r>
-                  <a:rPr lang="en-US" altLang="ru-RU" sz="2400" dirty="0" err="1" smtClean="0">
-                    <a:solidFill>
-                      <a:srgbClr val="000000"/>
-                    </a:solidFill>
-                    <a:latin typeface="Times New Roman" pitchFamily="16" charset="0"/>
-                    <a:cs typeface="DejaVu Sans" charset="0"/>
-                  </a:rPr>
-                  <a:t>Spitkovsky</a:t>
-                </a:r>
-                <a:r>
-                  <a:rPr lang="en-US" altLang="ru-RU" sz="2400" dirty="0" smtClean="0">
-                    <a:solidFill>
-                      <a:srgbClr val="000000"/>
-                    </a:solidFill>
-                    <a:latin typeface="Times New Roman" pitchFamily="16" charset="0"/>
-                    <a:cs typeface="DejaVu Sans" charset="0"/>
-                  </a:rPr>
-                  <a:t> et al.[4]</a:t>
-                </a:r>
-                <a:r>
-                  <a:rPr lang="ru-RU" altLang="ru-RU" sz="2400" dirty="0" smtClean="0">
-                    <a:solidFill>
-                      <a:srgbClr val="000000"/>
-                    </a:solidFill>
-                    <a:latin typeface="Times New Roman" pitchFamily="16" charset="0"/>
-                    <a:cs typeface="DejaVu Sans" charset="0"/>
-                  </a:rPr>
-                  <a:t>.</a:t>
-                </a:r>
-                <a:r>
-                  <a:rPr lang="en-US" altLang="ru-RU" sz="2400" dirty="0" smtClean="0">
-                    <a:solidFill>
-                      <a:srgbClr val="000000"/>
-                    </a:solidFill>
-                    <a:latin typeface="Times New Roman" pitchFamily="16" charset="0"/>
-                    <a:cs typeface="DejaVu Sans" charset="0"/>
-                  </a:rPr>
-                  <a:t> </a:t>
-                </a:r>
-                <a:r>
-                  <a:rPr lang="ru-RU" altLang="ru-RU" sz="2400" dirty="0" smtClean="0">
-                    <a:solidFill>
-                      <a:srgbClr val="000000"/>
-                    </a:solidFill>
-                    <a:latin typeface="Times New Roman" pitchFamily="16" charset="0"/>
-                    <a:cs typeface="DejaVu Sans" charset="0"/>
-                  </a:rPr>
-                  <a:t>Неявная схема позволяет избежать ограничения</a:t>
-                </a:r>
-                <a:r>
-                  <a:rPr lang="en-US" altLang="ru-RU" sz="2400" dirty="0" smtClean="0">
-                    <a:solidFill>
-                      <a:srgbClr val="000000"/>
-                    </a:solidFill>
-                    <a:latin typeface="Times New Roman" pitchFamily="16" charset="0"/>
-                    <a:cs typeface="DejaVu Sans" charset="0"/>
-                  </a:rPr>
-                  <a:t> </a:t>
-                </a:r>
-                <a:r>
-                  <a:rPr lang="ru-RU" altLang="ru-RU" sz="2400" dirty="0" smtClean="0">
-                    <a:solidFill>
-                      <a:srgbClr val="000000"/>
-                    </a:solidFill>
-                    <a:latin typeface="Times New Roman" pitchFamily="16" charset="0"/>
-                    <a:cs typeface="DejaVu Sans" charset="0"/>
-                  </a:rPr>
-                  <a:t>на шаги из условия Куранта </a:t>
-                </a:r>
-                <a14:m>
-                  <m:oMath xmlns:m="http://schemas.openxmlformats.org/officeDocument/2006/math">
-                    <m:r>
-                      <a:rPr lang="en-US" altLang="ru-RU" sz="2400" b="0" i="1" smtClean="0">
-                        <a:solidFill>
-                          <a:srgbClr val="000000"/>
-                        </a:solidFill>
-                        <a:latin typeface="Cambria Math"/>
-                        <a:cs typeface="DejaVu Sans" charset="0"/>
-                      </a:rPr>
-                      <m:t>𝑐</m:t>
-                    </m:r>
-                    <m:r>
-                      <a:rPr lang="en-US" altLang="ru-RU" sz="2400" b="0" i="1" smtClean="0">
-                        <a:solidFill>
-                          <a:srgbClr val="000000"/>
-                        </a:solidFill>
-                        <a:latin typeface="Cambria Math"/>
-                        <a:cs typeface="DejaVu Sans" charset="0"/>
-                      </a:rPr>
-                      <m:t> </m:t>
-                    </m:r>
-                    <m:r>
-                      <a:rPr lang="en-US" altLang="ru-RU" sz="2400" b="0" i="1" smtClean="0">
-                        <a:solidFill>
-                          <a:srgbClr val="000000"/>
-                        </a:solidFill>
-                        <a:latin typeface="Cambria Math"/>
-                        <a:cs typeface="DejaVu Sans" charset="0"/>
-                      </a:rPr>
-                      <m:t>𝑑𝑡</m:t>
-                    </m:r>
-                    <m:r>
-                      <a:rPr lang="en-US" altLang="ru-RU" sz="2400" b="0" i="1" smtClean="0">
-                        <a:solidFill>
-                          <a:srgbClr val="000000"/>
-                        </a:solidFill>
-                        <a:latin typeface="Cambria Math"/>
-                        <a:cs typeface="DejaVu Sans" charset="0"/>
-                      </a:rPr>
-                      <m:t>&lt;</m:t>
-                    </m:r>
-                    <m:r>
-                      <a:rPr lang="en-US" altLang="ru-RU" sz="2400" b="0" i="1" smtClean="0">
-                        <a:solidFill>
-                          <a:srgbClr val="000000"/>
-                        </a:solidFill>
-                        <a:latin typeface="Cambria Math"/>
-                        <a:cs typeface="DejaVu Sans" charset="0"/>
-                      </a:rPr>
-                      <m:t>𝑑𝑥</m:t>
-                    </m:r>
-                  </m:oMath>
-                </a14:m>
-                <a:r>
-                  <a:rPr lang="ru-RU" altLang="ru-RU" sz="2400" dirty="0" smtClean="0">
-                    <a:solidFill>
-                      <a:srgbClr val="000000"/>
-                    </a:solidFill>
-                    <a:latin typeface="Times New Roman" pitchFamily="16" charset="0"/>
-                    <a:cs typeface="DejaVu Sans" charset="0"/>
-                  </a:rPr>
-                  <a:t>, но каждый шаг по времени требует намного большего количества вычислений, чем для явной схемы. К тому же, остается ограничение вида </a:t>
-                </a:r>
-                <a14:m>
-                  <m:oMath xmlns:m="http://schemas.openxmlformats.org/officeDocument/2006/math">
-                    <m:sSub>
-                      <m:sSubPr>
-                        <m:ctrlPr>
-                          <a:rPr lang="ru-RU" altLang="ru-RU" sz="2400" i="1" smtClean="0">
-                            <a:solidFill>
-                              <a:srgbClr val="000000"/>
-                            </a:solidFill>
-                            <a:latin typeface="Cambria Math"/>
-                            <a:cs typeface="DejaVu Sans" charset="0"/>
-                          </a:rPr>
-                        </m:ctrlPr>
-                      </m:sSubPr>
-                      <m:e>
-                        <m:r>
-                          <a:rPr lang="en-US" altLang="ru-RU" sz="2400" b="0" i="1" smtClean="0">
-                            <a:solidFill>
-                              <a:srgbClr val="000000"/>
-                            </a:solidFill>
-                            <a:latin typeface="Cambria Math"/>
-                            <a:cs typeface="DejaVu Sans" charset="0"/>
-                          </a:rPr>
-                          <m:t>𝑣</m:t>
-                        </m:r>
-                      </m:e>
-                      <m:sub>
-                        <m:r>
-                          <a:rPr lang="en-US" altLang="ru-RU" sz="2400" b="0" i="1" smtClean="0">
-                            <a:solidFill>
-                              <a:srgbClr val="000000"/>
-                            </a:solidFill>
-                            <a:latin typeface="Cambria Math"/>
-                            <a:cs typeface="DejaVu Sans" charset="0"/>
-                          </a:rPr>
-                          <m:t>𝑚𝑎𝑥</m:t>
-                        </m:r>
-                      </m:sub>
-                    </m:sSub>
-                    <m:r>
-                      <a:rPr lang="en-US" altLang="ru-RU" sz="2400" b="0" i="1" smtClean="0">
-                        <a:solidFill>
-                          <a:srgbClr val="000000"/>
-                        </a:solidFill>
-                        <a:latin typeface="Cambria Math"/>
-                        <a:cs typeface="DejaVu Sans" charset="0"/>
-                      </a:rPr>
-                      <m:t>𝑑𝑡</m:t>
-                    </m:r>
-                    <m:r>
-                      <a:rPr lang="en-US" altLang="ru-RU" sz="2400" b="0" i="1" smtClean="0">
-                        <a:solidFill>
-                          <a:srgbClr val="000000"/>
-                        </a:solidFill>
-                        <a:latin typeface="Cambria Math"/>
-                        <a:cs typeface="DejaVu Sans" charset="0"/>
-                      </a:rPr>
-                      <m:t>&lt;</m:t>
-                    </m:r>
-                    <m:r>
-                      <a:rPr lang="en-US" altLang="ru-RU" sz="2400" b="0" i="1" smtClean="0">
-                        <a:solidFill>
-                          <a:srgbClr val="000000"/>
-                        </a:solidFill>
-                        <a:latin typeface="Cambria Math"/>
-                        <a:cs typeface="DejaVu Sans" charset="0"/>
-                      </a:rPr>
-                      <m:t>𝑑𝑥</m:t>
-                    </m:r>
-                  </m:oMath>
-                </a14:m>
-                <a:r>
-                  <a:rPr lang="en-US" altLang="ru-RU" sz="2400" dirty="0" smtClean="0">
-                    <a:solidFill>
-                      <a:srgbClr val="000000"/>
-                    </a:solidFill>
-                    <a:latin typeface="Times New Roman" pitchFamily="16" charset="0"/>
-                    <a:cs typeface="DejaVu Sans" charset="0"/>
-                  </a:rPr>
-                  <a:t> </a:t>
-                </a:r>
-                <a:r>
-                  <a:rPr lang="ru-RU" altLang="ru-RU" sz="2400" dirty="0" smtClean="0">
-                    <a:solidFill>
-                      <a:srgbClr val="000000"/>
-                    </a:solidFill>
-                    <a:latin typeface="Times New Roman" pitchFamily="16" charset="0"/>
-                    <a:cs typeface="DejaVu Sans" charset="0"/>
-                  </a:rPr>
-                  <a:t>где </a:t>
-                </a:r>
-                <a14:m>
-                  <m:oMath xmlns:m="http://schemas.openxmlformats.org/officeDocument/2006/math">
-                    <m:sSub>
-                      <m:sSubPr>
-                        <m:ctrlPr>
-                          <a:rPr lang="ru-RU" altLang="ru-RU" sz="2400" i="1">
-                            <a:solidFill>
-                              <a:srgbClr val="000000"/>
-                            </a:solidFill>
-                            <a:latin typeface="Cambria Math"/>
-                            <a:cs typeface="DejaVu Sans" charset="0"/>
-                          </a:rPr>
-                        </m:ctrlPr>
-                      </m:sSubPr>
-                      <m:e>
-                        <m:r>
-                          <a:rPr lang="en-US" altLang="ru-RU" sz="2400" i="1">
-                            <a:solidFill>
-                              <a:srgbClr val="000000"/>
-                            </a:solidFill>
-                            <a:latin typeface="Cambria Math"/>
-                            <a:cs typeface="DejaVu Sans" charset="0"/>
-                          </a:rPr>
-                          <m:t>𝑣</m:t>
-                        </m:r>
-                      </m:e>
-                      <m:sub>
-                        <m:r>
-                          <a:rPr lang="en-US" altLang="ru-RU" sz="2400" i="1">
-                            <a:solidFill>
-                              <a:srgbClr val="000000"/>
-                            </a:solidFill>
-                            <a:latin typeface="Cambria Math"/>
-                            <a:cs typeface="DejaVu Sans" charset="0"/>
-                          </a:rPr>
-                          <m:t>𝑚𝑎𝑥</m:t>
-                        </m:r>
-                      </m:sub>
-                    </m:sSub>
-                  </m:oMath>
-                </a14:m>
-                <a:r>
-                  <a:rPr lang="ru-RU" altLang="ru-RU" sz="2400" dirty="0" smtClean="0">
-                    <a:solidFill>
-                      <a:srgbClr val="000000"/>
-                    </a:solidFill>
-                    <a:latin typeface="Times New Roman" pitchFamily="16" charset="0"/>
-                    <a:cs typeface="DejaVu Sans" charset="0"/>
-                  </a:rPr>
-                  <a:t> - максимальная скорость частиц, и таким образом при расчете релятивистской плазмы неявная схема теряет свое преимущество. Приведенные далее результаты получены с помощью кода </a:t>
-                </a:r>
-                <a:r>
-                  <a:rPr lang="en-US" altLang="ru-RU" sz="2400" dirty="0" smtClean="0">
-                    <a:solidFill>
-                      <a:srgbClr val="000000"/>
-                    </a:solidFill>
-                    <a:latin typeface="Times New Roman" pitchFamily="16" charset="0"/>
-                    <a:cs typeface="DejaVu Sans" charset="0"/>
-                  </a:rPr>
-                  <a:t>Tristan-</a:t>
-                </a:r>
-                <a:r>
-                  <a:rPr lang="en-US" altLang="ru-RU" sz="2400" dirty="0" err="1" smtClean="0">
-                    <a:solidFill>
-                      <a:srgbClr val="000000"/>
-                    </a:solidFill>
-                    <a:latin typeface="Times New Roman" pitchFamily="16" charset="0"/>
-                    <a:cs typeface="DejaVu Sans" charset="0"/>
-                  </a:rPr>
-                  <a:t>mp</a:t>
-                </a:r>
-                <a:r>
-                  <a:rPr lang="ru-RU" altLang="ru-RU" sz="2400" dirty="0" smtClean="0">
-                    <a:solidFill>
-                      <a:srgbClr val="000000"/>
-                    </a:solidFill>
-                    <a:latin typeface="Times New Roman" pitchFamily="16" charset="0"/>
-                    <a:cs typeface="DejaVu Sans" charset="0"/>
-                  </a:rPr>
-                  <a:t>, разработанного </a:t>
-                </a:r>
-                <a:r>
-                  <a:rPr lang="en-US" altLang="ru-RU" sz="2400" dirty="0" err="1" smtClean="0">
-                    <a:solidFill>
-                      <a:srgbClr val="000000"/>
-                    </a:solidFill>
-                    <a:latin typeface="Times New Roman" pitchFamily="16" charset="0"/>
-                    <a:cs typeface="DejaVu Sans" charset="0"/>
-                  </a:rPr>
-                  <a:t>Spitkovsky</a:t>
-                </a:r>
-                <a:r>
-                  <a:rPr lang="en-US" altLang="ru-RU" sz="2400" dirty="0" smtClean="0">
-                    <a:solidFill>
-                      <a:srgbClr val="000000"/>
-                    </a:solidFill>
-                    <a:latin typeface="Times New Roman" pitchFamily="16" charset="0"/>
-                    <a:cs typeface="DejaVu Sans" charset="0"/>
-                  </a:rPr>
-                  <a:t> </a:t>
-                </a:r>
-                <a:r>
-                  <a:rPr lang="ru-RU" altLang="ru-RU" sz="2400" dirty="0" smtClean="0">
-                    <a:solidFill>
-                      <a:srgbClr val="000000"/>
-                    </a:solidFill>
-                    <a:latin typeface="Times New Roman" pitchFamily="16" charset="0"/>
-                    <a:cs typeface="DejaVu Sans" charset="0"/>
-                  </a:rPr>
-                  <a:t>и другими</a:t>
-                </a:r>
-                <a:endParaRPr lang="en-US" altLang="ru-RU" sz="2400" dirty="0" smtClean="0">
-                  <a:solidFill>
-                    <a:srgbClr val="000000"/>
-                  </a:solidFill>
-                  <a:latin typeface="Times New Roman" pitchFamily="16" charset="0"/>
-                  <a:cs typeface="DejaVu Sans" charset="0"/>
-                </a:endParaRPr>
-              </a:p>
-            </p:txBody>
-          </p:sp>
-        </mc:Choice>
-        <mc:Fallback xmlns="">
-          <p:sp>
-            <p:nvSpPr>
-              <p:cNvPr id="18" name="TextBox 17"/>
-              <p:cNvSpPr txBox="1">
-                <a:spLocks noRot="1" noChangeAspect="1" noMove="1" noResize="1" noEditPoints="1" noAdjustHandles="1" noChangeArrowheads="1" noChangeShapeType="1" noTextEdit="1"/>
-              </p:cNvSpPr>
-              <p:nvPr/>
-            </p:nvSpPr>
-            <p:spPr>
-              <a:xfrm>
-                <a:off x="459984" y="23383161"/>
-                <a:ext cx="6647409" cy="5588196"/>
-              </a:xfrm>
-              <a:prstGeom prst="rect">
-                <a:avLst/>
-              </a:prstGeom>
-              <a:blipFill rotWithShape="1">
-                <a:blip r:embed="rId6"/>
-                <a:stretch>
-                  <a:fillRect l="-275" t="-1309" r="-2383" b="-1527"/>
-                </a:stretch>
-              </a:blipFill>
-            </p:spPr>
-            <p:txBody>
-              <a:bodyPr/>
-              <a:lstStyle/>
-              <a:p>
-                <a:r>
-                  <a:rPr lang="ru-RU">
-                    <a:noFill/>
-                  </a:rPr>
-                  <a:t> </a:t>
-                </a:r>
-              </a:p>
-            </p:txBody>
-          </p:sp>
-        </mc:Fallback>
-      </mc:AlternateContent>
       <p:sp>
         <p:nvSpPr>
           <p:cNvPr id="2" name="TextBox 1"/>
@@ -7869,7 +7249,7 @@
         </p:blipFill>
         <p:spPr>
           <a:xfrm>
-            <a:off x="7449049" y="18196915"/>
+            <a:off x="7552272" y="18341274"/>
             <a:ext cx="6268688" cy="4307647"/>
           </a:xfrm>
           <a:prstGeom prst="rect">
@@ -10973,6 +10353,152 @@
           </a:prstGeom>
         </p:spPr>
       </p:pic>
+      <p:pic>
+        <p:nvPicPr>
+          <p:cNvPr id="1027" name="Picture 3"/>
+          <p:cNvPicPr>
+            <a:picLocks noChangeAspect="1" noChangeArrowheads="1"/>
+          </p:cNvPicPr>
+          <p:nvPr/>
+        </p:nvPicPr>
+        <p:blipFill>
+          <a:blip r:embed="rId26">
+            <a:extLst>
+              <a:ext uri="{28A0092B-C50C-407E-A947-70E740481C1C}">
+                <a14:useLocalDpi xmlns:a14="http://schemas.microsoft.com/office/drawing/2010/main" val="0"/>
+              </a:ext>
+            </a:extLst>
+          </a:blip>
+          <a:srcRect/>
+          <a:stretch>
+            <a:fillRect/>
+          </a:stretch>
+        </p:blipFill>
+        <p:spPr bwMode="auto">
+          <a:xfrm>
+            <a:off x="774817" y="9471494"/>
+            <a:ext cx="6066916" cy="5330470"/>
+          </a:xfrm>
+          <a:prstGeom prst="rect">
+            <a:avLst/>
+          </a:prstGeom>
+          <a:noFill/>
+          <a:ln>
+            <a:noFill/>
+          </a:ln>
+          <a:extLst>
+            <a:ext uri="{909E8E84-426E-40DD-AFC4-6F175D3DCCD1}">
+              <a14:hiddenFill xmlns:a14="http://schemas.microsoft.com/office/drawing/2010/main">
+                <a:solidFill>
+                  <a:schemeClr val="accent1"/>
+                </a:solidFill>
+              </a14:hiddenFill>
+            </a:ext>
+            <a:ext uri="{91240B29-F687-4F45-9708-019B960494DF}">
+              <a14:hiddenLine xmlns:a14="http://schemas.microsoft.com/office/drawing/2010/main" w="9525">
+                <a:solidFill>
+                  <a:schemeClr val="tx1"/>
+                </a:solidFill>
+                <a:miter lim="800000"/>
+                <a:headEnd/>
+                <a:tailEnd/>
+              </a14:hiddenLine>
+            </a:ext>
+          </a:extLst>
+        </p:spPr>
+      </p:pic>
+      <p:sp>
+        <p:nvSpPr>
+          <p:cNvPr id="47" name="TextBox 46"/>
+          <p:cNvSpPr txBox="1"/>
+          <p:nvPr/>
+        </p:nvSpPr>
+        <p:spPr>
+          <a:xfrm>
+            <a:off x="857247" y="14635931"/>
+            <a:ext cx="5881550" cy="707886"/>
+          </a:xfrm>
+          <a:prstGeom prst="rect">
+            <a:avLst/>
+          </a:prstGeom>
+          <a:noFill/>
+        </p:spPr>
+        <p:txBody>
+          <a:bodyPr wrap="square" rtlCol="0">
+            <a:spAutoFit/>
+          </a:bodyPr>
+          <a:lstStyle/>
+          <a:p>
+            <a:r>
+              <a:rPr lang="ru-RU" sz="2000" b="1" i="1" dirty="0" smtClean="0">
+                <a:latin typeface="Times New Roman" panose="02020603050405020304" pitchFamily="18" charset="0"/>
+                <a:cs typeface="Times New Roman" panose="02020603050405020304" pitchFamily="18" charset="0"/>
+              </a:rPr>
+              <a:t>Рис. </a:t>
+            </a:r>
+            <a:r>
+              <a:rPr lang="ru-RU" sz="2000" b="1" i="1" dirty="0" smtClean="0">
+                <a:latin typeface="Times New Roman" panose="02020603050405020304" pitchFamily="18" charset="0"/>
+                <a:cs typeface="Times New Roman" panose="02020603050405020304" pitchFamily="18" charset="0"/>
+              </a:rPr>
+              <a:t>1 </a:t>
+            </a:r>
+            <a:r>
+              <a:rPr lang="ru-RU" sz="2000" i="1" dirty="0" smtClean="0">
+                <a:latin typeface="Times New Roman" panose="02020603050405020304" pitchFamily="18" charset="0"/>
+                <a:cs typeface="Times New Roman" panose="02020603050405020304" pitchFamily="18" charset="0"/>
+              </a:rPr>
+              <a:t>Скорость сброшенной оболочки и её энергия. Источник: </a:t>
+            </a:r>
+            <a:r>
+              <a:rPr lang="en-US" sz="2000" i="1" dirty="0" err="1" smtClean="0">
+                <a:latin typeface="Times New Roman" panose="02020603050405020304" pitchFamily="18" charset="0"/>
+                <a:cs typeface="Times New Roman" panose="02020603050405020304" pitchFamily="18" charset="0"/>
+              </a:rPr>
+              <a:t>Soderberg</a:t>
+            </a:r>
+            <a:r>
+              <a:rPr lang="en-US" sz="2000" i="1" dirty="0" smtClean="0">
+                <a:latin typeface="Times New Roman" panose="02020603050405020304" pitchFamily="18" charset="0"/>
+                <a:cs typeface="Times New Roman" panose="02020603050405020304" pitchFamily="18" charset="0"/>
+              </a:rPr>
+              <a:t> et. </a:t>
+            </a:r>
+            <a:r>
+              <a:rPr lang="en-US" sz="2000" i="1" dirty="0">
+                <a:latin typeface="Times New Roman" panose="02020603050405020304" pitchFamily="18" charset="0"/>
+                <a:cs typeface="Times New Roman" panose="02020603050405020304" pitchFamily="18" charset="0"/>
+              </a:rPr>
+              <a:t>a</a:t>
+            </a:r>
+            <a:r>
+              <a:rPr lang="en-US" sz="2000" i="1" dirty="0" smtClean="0">
+                <a:latin typeface="Times New Roman" panose="02020603050405020304" pitchFamily="18" charset="0"/>
+                <a:cs typeface="Times New Roman" panose="02020603050405020304" pitchFamily="18" charset="0"/>
+              </a:rPr>
+              <a:t>l.</a:t>
+            </a:r>
+            <a:r>
+              <a:rPr lang="ru-RU" sz="2000" i="1" dirty="0" smtClean="0">
+                <a:latin typeface="Times New Roman" panose="02020603050405020304" pitchFamily="18" charset="0"/>
+                <a:cs typeface="Times New Roman" panose="02020603050405020304" pitchFamily="18" charset="0"/>
+              </a:rPr>
+              <a:t> </a:t>
+            </a:r>
+            <a:r>
+              <a:rPr lang="en-US" sz="2000" i="1" dirty="0" smtClean="0">
+                <a:latin typeface="Times New Roman" panose="02020603050405020304" pitchFamily="18" charset="0"/>
+                <a:cs typeface="Times New Roman" panose="02020603050405020304" pitchFamily="18" charset="0"/>
+              </a:rPr>
+              <a:t>[1]</a:t>
+            </a:r>
+            <a:endParaRPr lang="ru-RU" sz="2000" i="1" dirty="0">
+              <a:latin typeface="Times New Roman" panose="02020603050405020304" pitchFamily="18" charset="0"/>
+              <a:cs typeface="Times New Roman" panose="02020603050405020304" pitchFamily="18" charset="0"/>
+            </a:endParaRPr>
+          </a:p>
+        </p:txBody>
+      </p:sp>
     </p:spTree>
     <p:extLst>
       <p:ext uri="{BB962C8B-B14F-4D97-AF65-F5344CB8AC3E}">

--- a/posters/Romansky_Physica_2019.pptx
+++ b/posters/Romansky_Physica_2019.pptx
@@ -288,7 +288,7 @@
           <a:p>
             <a:fld id="{F515D3A2-22C3-4007-B598-9B555F861680}" type="datetimeFigureOut">
               <a:rPr lang="ru-RU" smtClean="0"/>
-              <a:t>14.10.2019</a:t>
+              <a:t>15.10.2019</a:t>
             </a:fld>
             <a:endParaRPr lang="ru-RU"/>
           </a:p>
@@ -458,7 +458,7 @@
           <a:p>
             <a:fld id="{F515D3A2-22C3-4007-B598-9B555F861680}" type="datetimeFigureOut">
               <a:rPr lang="ru-RU" smtClean="0"/>
-              <a:t>14.10.2019</a:t>
+              <a:t>15.10.2019</a:t>
             </a:fld>
             <a:endParaRPr lang="ru-RU"/>
           </a:p>
@@ -638,7 +638,7 @@
           <a:p>
             <a:fld id="{F515D3A2-22C3-4007-B598-9B555F861680}" type="datetimeFigureOut">
               <a:rPr lang="ru-RU" smtClean="0"/>
-              <a:t>14.10.2019</a:t>
+              <a:t>15.10.2019</a:t>
             </a:fld>
             <a:endParaRPr lang="ru-RU"/>
           </a:p>
@@ -808,7 +808,7 @@
           <a:p>
             <a:fld id="{F515D3A2-22C3-4007-B598-9B555F861680}" type="datetimeFigureOut">
               <a:rPr lang="ru-RU" smtClean="0"/>
-              <a:t>14.10.2019</a:t>
+              <a:t>15.10.2019</a:t>
             </a:fld>
             <a:endParaRPr lang="ru-RU"/>
           </a:p>
@@ -1054,7 +1054,7 @@
           <a:p>
             <a:fld id="{F515D3A2-22C3-4007-B598-9B555F861680}" type="datetimeFigureOut">
               <a:rPr lang="ru-RU" smtClean="0"/>
-              <a:t>14.10.2019</a:t>
+              <a:t>15.10.2019</a:t>
             </a:fld>
             <a:endParaRPr lang="ru-RU"/>
           </a:p>
@@ -1342,7 +1342,7 @@
           <a:p>
             <a:fld id="{F515D3A2-22C3-4007-B598-9B555F861680}" type="datetimeFigureOut">
               <a:rPr lang="ru-RU" smtClean="0"/>
-              <a:t>14.10.2019</a:t>
+              <a:t>15.10.2019</a:t>
             </a:fld>
             <a:endParaRPr lang="ru-RU"/>
           </a:p>
@@ -1764,7 +1764,7 @@
           <a:p>
             <a:fld id="{F515D3A2-22C3-4007-B598-9B555F861680}" type="datetimeFigureOut">
               <a:rPr lang="ru-RU" smtClean="0"/>
-              <a:t>14.10.2019</a:t>
+              <a:t>15.10.2019</a:t>
             </a:fld>
             <a:endParaRPr lang="ru-RU"/>
           </a:p>
@@ -1882,7 +1882,7 @@
           <a:p>
             <a:fld id="{F515D3A2-22C3-4007-B598-9B555F861680}" type="datetimeFigureOut">
               <a:rPr lang="ru-RU" smtClean="0"/>
-              <a:t>14.10.2019</a:t>
+              <a:t>15.10.2019</a:t>
             </a:fld>
             <a:endParaRPr lang="ru-RU"/>
           </a:p>
@@ -1977,7 +1977,7 @@
           <a:p>
             <a:fld id="{F515D3A2-22C3-4007-B598-9B555F861680}" type="datetimeFigureOut">
               <a:rPr lang="ru-RU" smtClean="0"/>
-              <a:t>14.10.2019</a:t>
+              <a:t>15.10.2019</a:t>
             </a:fld>
             <a:endParaRPr lang="ru-RU"/>
           </a:p>
@@ -2254,7 +2254,7 @@
           <a:p>
             <a:fld id="{F515D3A2-22C3-4007-B598-9B555F861680}" type="datetimeFigureOut">
               <a:rPr lang="ru-RU" smtClean="0"/>
-              <a:t>14.10.2019</a:t>
+              <a:t>15.10.2019</a:t>
             </a:fld>
             <a:endParaRPr lang="ru-RU"/>
           </a:p>
@@ -2507,7 +2507,7 @@
           <a:p>
             <a:fld id="{F515D3A2-22C3-4007-B598-9B555F861680}" type="datetimeFigureOut">
               <a:rPr lang="ru-RU" smtClean="0"/>
-              <a:t>14.10.2019</a:t>
+              <a:t>15.10.2019</a:t>
             </a:fld>
             <a:endParaRPr lang="ru-RU"/>
           </a:p>
@@ -2720,7 +2720,7 @@
           <a:p>
             <a:fld id="{F515D3A2-22C3-4007-B598-9B555F861680}" type="datetimeFigureOut">
               <a:rPr lang="ru-RU" smtClean="0"/>
-              <a:t>14.10.2019</a:t>
+              <a:t>15.10.2019</a:t>
             </a:fld>
             <a:endParaRPr lang="ru-RU"/>
           </a:p>
@@ -5187,17 +5187,7 @@
                 <a:latin typeface="Times New Roman" pitchFamily="16" charset="0"/>
                 <a:cs typeface="DejaVu Sans" pitchFamily="32" charset="0"/>
               </a:rPr>
-              <a:t>метода</a:t>
-            </a:r>
-            <a:r>
-              <a:rPr lang="ru-RU" altLang="ru-RU" sz="2400" b="1" dirty="0" smtClean="0">
-                <a:solidFill>
-                  <a:srgbClr val="000000"/>
-                </a:solidFill>
-                <a:latin typeface="Times New Roman" pitchFamily="16" charset="0"/>
-                <a:cs typeface="DejaVu Sans" pitchFamily="32" charset="0"/>
-              </a:rPr>
-              <a:t>.</a:t>
+              <a:t>метода.</a:t>
             </a:r>
             <a:endParaRPr lang="en-US" altLang="ru-RU" sz="2400" b="1" dirty="0" smtClean="0">
               <a:solidFill>
@@ -5401,8 +5391,8 @@
           </a:extLst>
         </p:spPr>
       </p:pic>
-      <mc:AlternateContent xmlns:mc="http://schemas.openxmlformats.org/markup-compatibility/2006">
-        <mc:Choice xmlns:a14="http://schemas.microsoft.com/office/drawing/2010/main" Requires="a14">
+      <mc:AlternateContent xmlns:mc="http://schemas.openxmlformats.org/markup-compatibility/2006" xmlns:a14="http://schemas.microsoft.com/office/drawing/2010/main">
+        <mc:Choice Requires="a14">
           <p:sp>
             <p:nvSpPr>
               <p:cNvPr id="3" name="TextBox 2"/>
@@ -5650,7 +5640,7 @@
             </p:txBody>
           </p:sp>
         </mc:Choice>
-        <mc:Fallback>
+        <mc:Fallback xmlns="">
           <p:sp>
             <p:nvSpPr>
               <p:cNvPr id="3" name="TextBox 2"/>
@@ -6375,7 +6365,7 @@
         <p:spPr>
           <a:xfrm>
             <a:off x="7292303" y="3781695"/>
-            <a:ext cx="7034009" cy="3785652"/>
+            <a:ext cx="7034009" cy="6001643"/>
           </a:xfrm>
           <a:prstGeom prst="rect">
             <a:avLst/>
@@ -6404,7 +6394,21 @@
                 <a:latin typeface="Times New Roman" panose="02020603050405020304" pitchFamily="18" charset="0"/>
                 <a:cs typeface="Times New Roman" panose="02020603050405020304" pitchFamily="18" charset="0"/>
               </a:rPr>
-              <a:t>  В данной работе мы рассматривали вопрос инжекции частиц (вовлечение их в процесс ускорения) в электрон-ионных </a:t>
+              <a:t>  В данной работе мы рассматривали вопрос </a:t>
+            </a:r>
+            <a:r>
+              <a:rPr lang="ru-RU" sz="2400" dirty="0" smtClean="0">
+                <a:latin typeface="Times New Roman" panose="02020603050405020304" pitchFamily="18" charset="0"/>
+                <a:cs typeface="Times New Roman" panose="02020603050405020304" pitchFamily="18" charset="0"/>
+              </a:rPr>
+              <a:t>ускорения частиц в </a:t>
+            </a:r>
+            <a:r>
+              <a:rPr lang="ru-RU" sz="2400" dirty="0" smtClean="0">
+                <a:latin typeface="Times New Roman" panose="02020603050405020304" pitchFamily="18" charset="0"/>
+                <a:cs typeface="Times New Roman" panose="02020603050405020304" pitchFamily="18" charset="0"/>
+              </a:rPr>
+              <a:t>электрон-ионных </a:t>
             </a:r>
             <a:r>
               <a:rPr lang="ru-RU" sz="2400" dirty="0" err="1" smtClean="0">
@@ -6432,7 +6436,49 @@
                 <a:latin typeface="Times New Roman" panose="02020603050405020304" pitchFamily="18" charset="0"/>
                 <a:cs typeface="Times New Roman" panose="02020603050405020304" pitchFamily="18" charset="0"/>
               </a:rPr>
-              <a:t> ударных волнах. В симуляции рассматривался однородный поток плазмы, втекающий через правую границу и сталкивающийся с идеально проводящей стенкой на левой границе. В результате этого столкновения образуется ударная волна.</a:t>
+              <a:t> ударных волнах. В </a:t>
+            </a:r>
+            <a:r>
+              <a:rPr lang="en-US" sz="2400" dirty="0" smtClean="0">
+                <a:latin typeface="Times New Roman" panose="02020603050405020304" pitchFamily="18" charset="0"/>
+                <a:cs typeface="Times New Roman" panose="02020603050405020304" pitchFamily="18" charset="0"/>
+              </a:rPr>
+              <a:t>2d-</a:t>
+            </a:r>
+            <a:r>
+              <a:rPr lang="ru-RU" sz="2400" dirty="0" smtClean="0">
+                <a:latin typeface="Times New Roman" panose="02020603050405020304" pitchFamily="18" charset="0"/>
+                <a:cs typeface="Times New Roman" panose="02020603050405020304" pitchFamily="18" charset="0"/>
+              </a:rPr>
+              <a:t>симуляции </a:t>
+            </a:r>
+            <a:r>
+              <a:rPr lang="ru-RU" sz="2400" dirty="0" smtClean="0">
+                <a:latin typeface="Times New Roman" panose="02020603050405020304" pitchFamily="18" charset="0"/>
+                <a:cs typeface="Times New Roman" panose="02020603050405020304" pitchFamily="18" charset="0"/>
+              </a:rPr>
+              <a:t>рассматривался </a:t>
+            </a:r>
+            <a:r>
+              <a:rPr lang="ru-RU" sz="2400" dirty="0" smtClean="0">
+                <a:latin typeface="Times New Roman" panose="02020603050405020304" pitchFamily="18" charset="0"/>
+                <a:cs typeface="Times New Roman" panose="02020603050405020304" pitchFamily="18" charset="0"/>
+              </a:rPr>
+              <a:t>поток </a:t>
+            </a:r>
+            <a:r>
+              <a:rPr lang="ru-RU" sz="2400" dirty="0" smtClean="0">
+                <a:latin typeface="Times New Roman" panose="02020603050405020304" pitchFamily="18" charset="0"/>
+                <a:cs typeface="Times New Roman" panose="02020603050405020304" pitchFamily="18" charset="0"/>
+              </a:rPr>
+              <a:t>плазмы, втекающий через правую границу и сталкивающийся с идеально проводящей стенкой на левой границе. В результате этого столкновения образуется ударная волна</a:t>
+            </a:r>
+            <a:r>
+              <a:rPr lang="ru-RU" sz="2400" dirty="0" smtClean="0">
+                <a:latin typeface="Times New Roman" panose="02020603050405020304" pitchFamily="18" charset="0"/>
+                <a:cs typeface="Times New Roman" panose="02020603050405020304" pitchFamily="18" charset="0"/>
+              </a:rPr>
+              <a:t>. Начальное магнитное поле состоит из регулярной части, перпендикулярной плоскости симуляции и скорости потока, и турбулентной, задающейся как сумма гармонических мод, с волновыми векторами лежащими в плоскости симуляции, изотропно распределенными в системе покоя потока и обладающими степенным спектром.</a:t>
             </a:r>
             <a:endParaRPr lang="ru-RU" sz="2400" dirty="0">
               <a:latin typeface="Times New Roman" panose="02020603050405020304" pitchFamily="18" charset="0"/>
@@ -6441,8 +6487,8 @@
           </a:p>
         </p:txBody>
       </p:sp>
-      <mc:AlternateContent xmlns:mc="http://schemas.openxmlformats.org/markup-compatibility/2006" xmlns:a14="http://schemas.microsoft.com/office/drawing/2010/main">
-        <mc:Choice Requires="a14">
+      <mc:AlternateContent xmlns:mc="http://schemas.openxmlformats.org/markup-compatibility/2006">
+        <mc:Choice xmlns:a14="http://schemas.microsoft.com/office/drawing/2010/main" Requires="a14">
           <p:sp>
             <p:nvSpPr>
               <p:cNvPr id="37" name="TextBox 36"/>
@@ -6451,8 +6497,8 @@
             </p:nvSpPr>
             <p:spPr>
               <a:xfrm>
-                <a:off x="7314383" y="10458698"/>
-                <a:ext cx="7011929" cy="5419625"/>
+                <a:off x="7296127" y="11682335"/>
+                <a:ext cx="7001618" cy="4732578"/>
               </a:xfrm>
               <a:prstGeom prst="rect">
                 <a:avLst/>
@@ -6465,12 +6511,13 @@
               </a:bodyPr>
               <a:lstStyle/>
               <a:p>
+                <a:pPr algn="just"/>
                 <a:r>
                   <a:rPr lang="ru-RU" sz="2400" dirty="0" smtClean="0">
                     <a:latin typeface="Times New Roman" panose="02020603050405020304" pitchFamily="18" charset="0"/>
                     <a:cs typeface="Times New Roman" panose="02020603050405020304" pitchFamily="18" charset="0"/>
                   </a:rPr>
-                  <a:t>  Мы рассматривали двумерные </a:t>
+                  <a:t>  Мы рассматривали </a:t>
                 </a:r>
                 <a:r>
                   <a:rPr lang="ru-RU" sz="2400" dirty="0" err="1" smtClean="0">
@@ -6484,7 +6531,14 @@
                     <a:latin typeface="Times New Roman" panose="02020603050405020304" pitchFamily="18" charset="0"/>
                     <a:cs typeface="Times New Roman" panose="02020603050405020304" pitchFamily="18" charset="0"/>
                   </a:rPr>
-                  <a:t> потоки плазмы с </a:t>
+                  <a:t> </a:t>
+                </a:r>
+                <a:r>
+                  <a:rPr lang="ru-RU" sz="2400" dirty="0" smtClean="0">
+                    <a:latin typeface="Times New Roman" panose="02020603050405020304" pitchFamily="18" charset="0"/>
+                    <a:cs typeface="Times New Roman" panose="02020603050405020304" pitchFamily="18" charset="0"/>
+                  </a:rPr>
+                  <a:t>потоки плазмы с </a:t>
                 </a:r>
                 <a:r>
                   <a:rPr lang="ru-RU" sz="2400" dirty="0" err="1" smtClean="0">
@@ -6525,78 +6579,21 @@
                     <a:latin typeface="Times New Roman" panose="02020603050405020304" pitchFamily="18" charset="0"/>
                     <a:cs typeface="Times New Roman" panose="02020603050405020304" pitchFamily="18" charset="0"/>
                   </a:rPr>
-                  <a:t> и различными углами между векторами скорости и магнитного поля. Набегающий поток плазмы имеет следующие параметры:, температура </a:t>
-                </a:r>
-                <a14:m>
-                  <m:oMath xmlns:m="http://schemas.openxmlformats.org/officeDocument/2006/math">
-                    <m:r>
-                      <a:rPr lang="en-US" sz="2400" b="0" i="1" smtClean="0">
-                        <a:latin typeface="Cambria Math"/>
-                        <a:cs typeface="Times New Roman" panose="02020603050405020304" pitchFamily="18" charset="0"/>
-                      </a:rPr>
-                      <m:t>𝑇</m:t>
-                    </m:r>
-                    <m:r>
-                      <a:rPr lang="en-US" sz="2400" b="0" i="1" smtClean="0">
-                        <a:latin typeface="Cambria Math"/>
-                        <a:cs typeface="Times New Roman" panose="02020603050405020304" pitchFamily="18" charset="0"/>
-                      </a:rPr>
-                      <m:t>=5∙</m:t>
-                    </m:r>
-                    <m:sSup>
-                      <m:sSupPr>
-                        <m:ctrlPr>
-                          <a:rPr lang="en-US" sz="2400" b="0" i="1" smtClean="0">
-                            <a:latin typeface="Cambria Math"/>
-                            <a:ea typeface="Cambria Math"/>
-                            <a:cs typeface="Times New Roman" panose="02020603050405020304" pitchFamily="18" charset="0"/>
-                          </a:rPr>
-                        </m:ctrlPr>
-                      </m:sSupPr>
-                      <m:e>
-                        <m:r>
-                          <a:rPr lang="en-US" sz="2400" b="0" i="1" smtClean="0">
-                            <a:latin typeface="Cambria Math"/>
-                            <a:ea typeface="Cambria Math"/>
-                            <a:cs typeface="Times New Roman" panose="02020603050405020304" pitchFamily="18" charset="0"/>
-                          </a:rPr>
-                          <m:t>10</m:t>
-                        </m:r>
-                      </m:e>
-                      <m:sup>
-                        <m:r>
-                          <a:rPr lang="en-US" sz="2400" b="0" i="1" smtClean="0">
-                            <a:latin typeface="Cambria Math"/>
-                            <a:ea typeface="Cambria Math"/>
-                            <a:cs typeface="Times New Roman" panose="02020603050405020304" pitchFamily="18" charset="0"/>
-                          </a:rPr>
-                          <m:t>8 </m:t>
-                        </m:r>
-                      </m:sup>
-                    </m:sSup>
-                    <m:r>
-                      <a:rPr lang="en-US" sz="2400" b="0" i="1" smtClean="0">
-                        <a:latin typeface="Cambria Math"/>
-                        <a:ea typeface="Cambria Math"/>
-                        <a:cs typeface="Times New Roman" panose="02020603050405020304" pitchFamily="18" charset="0"/>
-                      </a:rPr>
-                      <m:t>𝐾</m:t>
-                    </m:r>
-                    <m:r>
-                      <a:rPr lang="ru-RU" sz="2400" b="0" i="0" smtClean="0">
-                        <a:latin typeface="Cambria Math"/>
-                        <a:cs typeface="Times New Roman" panose="02020603050405020304" pitchFamily="18" charset="0"/>
-                      </a:rPr>
-                      <m:t> </m:t>
-                    </m:r>
-                  </m:oMath>
-                </a14:m>
+                  <a:t>, </a:t>
+                </a:r>
+                <a:r>
+                  <a:rPr lang="ru-RU" sz="2400" dirty="0" err="1" smtClean="0">
+                    <a:latin typeface="Times New Roman" panose="02020603050405020304" pitchFamily="18" charset="0"/>
+                    <a:cs typeface="Times New Roman" panose="02020603050405020304" pitchFamily="18" charset="0"/>
+                  </a:rPr>
+                  <a:t>магнетизацией</a:t>
+                </a:r>
                 <a:r>
                   <a:rPr lang="ru-RU" sz="2400" dirty="0" smtClean="0">
                     <a:latin typeface="Times New Roman" panose="02020603050405020304" pitchFamily="18" charset="0"/>
                     <a:cs typeface="Times New Roman" panose="02020603050405020304" pitchFamily="18" charset="0"/>
                   </a:rPr>
-                  <a:t>, магнетизация </a:t>
+                  <a:t> </a:t>
                 </a:r>
                 <a14:m>
                   <m:oMath xmlns:m="http://schemas.openxmlformats.org/officeDocument/2006/math">
@@ -6811,6 +6808,103 @@
                         </m:sSup>
                       </m:den>
                     </m:f>
+                    <m:r>
+                      <a:rPr lang="ru-RU" sz="2400" b="0" i="1" smtClean="0">
+                        <a:latin typeface="Cambria Math"/>
+                        <a:ea typeface="Cambria Math"/>
+                        <a:cs typeface="Times New Roman" panose="02020603050405020304" pitchFamily="18" charset="0"/>
+                      </a:rPr>
+                      <m:t>=0.04</m:t>
+                    </m:r>
+                  </m:oMath>
+                </a14:m>
+                <a:r>
+                  <a:rPr lang="ru-RU" sz="2400" dirty="0" smtClean="0">
+                    <a:latin typeface="Times New Roman" panose="02020603050405020304" pitchFamily="18" charset="0"/>
+                    <a:cs typeface="Times New Roman" panose="02020603050405020304" pitchFamily="18" charset="0"/>
+                  </a:rPr>
+                  <a:t>, отношением масс </a:t>
+                </a:r>
+                <a14:m>
+                  <m:oMath xmlns:m="http://schemas.openxmlformats.org/officeDocument/2006/math">
+                    <m:f>
+                      <m:fPr>
+                        <m:type m:val="skw"/>
+                        <m:ctrlPr>
+                          <a:rPr lang="ru-RU" sz="2400" i="1" smtClean="0">
+                            <a:latin typeface="Cambria Math"/>
+                            <a:cs typeface="Times New Roman" panose="02020603050405020304" pitchFamily="18" charset="0"/>
+                          </a:rPr>
+                        </m:ctrlPr>
+                      </m:fPr>
+                      <m:num>
+                        <m:sSub>
+                          <m:sSubPr>
+                            <m:ctrlPr>
+                              <a:rPr lang="ru-RU" sz="2400" i="1" smtClean="0">
+                                <a:latin typeface="Cambria Math"/>
+                                <a:cs typeface="Times New Roman" panose="02020603050405020304" pitchFamily="18" charset="0"/>
+                              </a:rPr>
+                            </m:ctrlPr>
+                          </m:sSubPr>
+                          <m:e>
+                            <m:r>
+                              <a:rPr lang="en-US" sz="2400" b="0" i="1" smtClean="0">
+                                <a:latin typeface="Cambria Math"/>
+                                <a:cs typeface="Times New Roman" panose="02020603050405020304" pitchFamily="18" charset="0"/>
+                              </a:rPr>
+                              <m:t>𝑚</m:t>
+                            </m:r>
+                          </m:e>
+                          <m:sub>
+                            <m:r>
+                              <a:rPr lang="en-US" sz="2400" b="0" i="1" smtClean="0">
+                                <a:latin typeface="Cambria Math"/>
+                                <a:cs typeface="Times New Roman" panose="02020603050405020304" pitchFamily="18" charset="0"/>
+                              </a:rPr>
+                              <m:t>𝑝</m:t>
+                            </m:r>
+                          </m:sub>
+                        </m:sSub>
+                      </m:num>
+                      <m:den>
+                        <m:sSub>
+                          <m:sSubPr>
+                            <m:ctrlPr>
+                              <a:rPr lang="ru-RU" sz="2400" i="1" smtClean="0">
+                                <a:latin typeface="Cambria Math"/>
+                                <a:cs typeface="Times New Roman" panose="02020603050405020304" pitchFamily="18" charset="0"/>
+                              </a:rPr>
+                            </m:ctrlPr>
+                          </m:sSubPr>
+                          <m:e>
+                            <m:r>
+                              <a:rPr lang="en-US" sz="2400" b="0" i="1" smtClean="0">
+                                <a:latin typeface="Cambria Math"/>
+                                <a:cs typeface="Times New Roman" panose="02020603050405020304" pitchFamily="18" charset="0"/>
+                              </a:rPr>
+                              <m:t>𝑚</m:t>
+                            </m:r>
+                          </m:e>
+                          <m:sub>
+                            <m:r>
+                              <a:rPr lang="en-US" sz="2400" b="0" i="1" smtClean="0">
+                                <a:latin typeface="Cambria Math"/>
+                                <a:cs typeface="Times New Roman" panose="02020603050405020304" pitchFamily="18" charset="0"/>
+                              </a:rPr>
+                              <m:t>𝑒</m:t>
+                            </m:r>
+                          </m:sub>
+                        </m:sSub>
+                      </m:den>
+                    </m:f>
+                    <m:r>
+                      <a:rPr lang="en-US" sz="2400" b="0" i="1" smtClean="0">
+                        <a:latin typeface="Cambria Math"/>
+                        <a:cs typeface="Times New Roman" panose="02020603050405020304" pitchFamily="18" charset="0"/>
+                      </a:rPr>
+                      <m:t>=100</m:t>
+                    </m:r>
                   </m:oMath>
                 </a14:m>
                 <a:r>
@@ -7071,14 +7165,42 @@
                     <a:latin typeface="Times New Roman" panose="02020603050405020304" pitchFamily="18" charset="0"/>
                     <a:cs typeface="Times New Roman" panose="02020603050405020304" pitchFamily="18" charset="0"/>
                   </a:rPr>
-                  <a:t>x 20000 ,</a:t>
+                  <a:t>x </a:t>
+                </a:r>
+                <a:r>
+                  <a:rPr lang="en-US" sz="2400" dirty="0" smtClean="0">
+                    <a:latin typeface="Times New Roman" panose="02020603050405020304" pitchFamily="18" charset="0"/>
+                    <a:cs typeface="Times New Roman" panose="02020603050405020304" pitchFamily="18" charset="0"/>
+                  </a:rPr>
+                  <a:t>100000 </a:t>
+                </a:r>
+                <a:r>
+                  <a:rPr lang="en-US" sz="2400" dirty="0" smtClean="0">
+                    <a:latin typeface="Times New Roman" panose="02020603050405020304" pitchFamily="18" charset="0"/>
+                    <a:cs typeface="Times New Roman" panose="02020603050405020304" pitchFamily="18" charset="0"/>
+                  </a:rPr>
+                  <a:t>,</a:t>
                 </a:r>
                 <a:r>
                   <a:rPr lang="ru-RU" sz="2400" dirty="0" smtClean="0">
                     <a:latin typeface="Times New Roman" panose="02020603050405020304" pitchFamily="18" charset="0"/>
                     <a:cs typeface="Times New Roman" panose="02020603050405020304" pitchFamily="18" charset="0"/>
                   </a:rPr>
-                  <a:t> что соответствует 40 </a:t>
+                  <a:t> что соответствует </a:t>
+                </a:r>
+                <a:r>
+                  <a:rPr lang="en-US" sz="2400" dirty="0" smtClean="0">
+                    <a:latin typeface="Times New Roman" panose="02020603050405020304" pitchFamily="18" charset="0"/>
+                    <a:cs typeface="Times New Roman" panose="02020603050405020304" pitchFamily="18" charset="0"/>
+                  </a:rPr>
+                  <a:t>20</a:t>
+                </a:r>
+                <a:r>
+                  <a:rPr lang="ru-RU" sz="2400" dirty="0" smtClean="0">
+                    <a:latin typeface="Times New Roman" panose="02020603050405020304" pitchFamily="18" charset="0"/>
+                    <a:cs typeface="Times New Roman" panose="02020603050405020304" pitchFamily="18" charset="0"/>
+                  </a:rPr>
+                  <a:t>0 </a:t>
                 </a:r>
                 <a:r>
                   <a:rPr lang="ru-RU" sz="2400" dirty="0" err="1" smtClean="0">
@@ -7099,7 +7221,14 @@
                     <a:latin typeface="Times New Roman" panose="02020603050405020304" pitchFamily="18" charset="0"/>
                     <a:cs typeface="Times New Roman" panose="02020603050405020304" pitchFamily="18" charset="0"/>
                   </a:rPr>
-                  <a:t>y - 500</a:t>
+                  <a:t>y - </a:t>
+                </a:r>
+                <a:r>
+                  <a:rPr lang="en-US" sz="2400" dirty="0" smtClean="0">
+                    <a:latin typeface="Times New Roman" panose="02020603050405020304" pitchFamily="18" charset="0"/>
+                    <a:cs typeface="Times New Roman" panose="02020603050405020304" pitchFamily="18" charset="0"/>
+                  </a:rPr>
+                  <a:t>2000</a:t>
                 </a:r>
                 <a:r>
                   <a:rPr lang="ru-RU" sz="2400" dirty="0" smtClean="0">
@@ -7130,7 +7259,7 @@
             </p:txBody>
           </p:sp>
         </mc:Choice>
-        <mc:Fallback xmlns="">
+        <mc:Fallback>
           <p:sp>
             <p:nvSpPr>
               <p:cNvPr id="37" name="TextBox 36"/>
@@ -7141,16 +7270,16 @@
             </p:nvSpPr>
             <p:spPr>
               <a:xfrm>
-                <a:off x="7314383" y="10458698"/>
-                <a:ext cx="7011929" cy="5419625"/>
+                <a:off x="7296127" y="11682335"/>
+                <a:ext cx="7001618" cy="4732578"/>
               </a:xfrm>
               <a:prstGeom prst="rect">
                 <a:avLst/>
               </a:prstGeom>
               <a:blipFill rotWithShape="1">
-                <a:blip r:embed="rId7"/>
+                <a:blip r:embed="rId6"/>
                 <a:stretch>
-                  <a:fillRect l="-1391" t="-900" r="-1304" b="-1687"/>
+                  <a:fillRect l="-1394" t="-1030" r="-1394" b="-1931"/>
                 </a:stretch>
               </a:blipFill>
             </p:spPr>
@@ -7177,7 +7306,7 @@
         </p:nvSpPr>
         <p:spPr>
           <a:xfrm>
-            <a:off x="7305788" y="15947798"/>
+            <a:off x="7377966" y="16505572"/>
             <a:ext cx="6830520" cy="2308324"/>
           </a:xfrm>
           <a:prstGeom prst="rect">
@@ -7236,7 +7365,7 @@
           <p:nvPr/>
         </p:nvPicPr>
         <p:blipFill>
-          <a:blip r:embed="rId8" cstate="print">
+          <a:blip r:embed="rId7" cstate="print">
             <a:extLst>
               <a:ext uri="{28A0092B-C50C-407E-A947-70E740481C1C}">
                 <a14:useLocalDpi xmlns:a14="http://schemas.microsoft.com/office/drawing/2010/main" val="0"/>
@@ -8188,8 +8317,8 @@
         </p:nvSpPr>
         <p:spPr bwMode="auto">
           <a:xfrm>
-            <a:off x="14326312" y="25653155"/>
-            <a:ext cx="6494769" cy="3695500"/>
+            <a:off x="14326312" y="26958762"/>
+            <a:ext cx="6494769" cy="2587504"/>
           </a:xfrm>
           <a:prstGeom prst="rect">
             <a:avLst/>
@@ -8613,7 +8742,7 @@
                 </a:solidFill>
                 <a:latin typeface="Times New Roman" pitchFamily="16" charset="0"/>
               </a:rPr>
-              <a:t>Lapenta</a:t>
+              <a:t>Soderberg</a:t>
             </a:r>
             <a:r>
               <a:rPr lang="en-US" altLang="ru-RU" sz="1800" b="1" i="1" dirty="0" smtClean="0">
@@ -8622,43 +8751,52 @@
                 </a:solidFill>
                 <a:latin typeface="Times New Roman" pitchFamily="16" charset="0"/>
               </a:rPr>
-              <a:t> </a:t>
-            </a:r>
-            <a:r>
-              <a:rPr lang="en-US" altLang="ru-RU" sz="1800" b="1" i="1" dirty="0">
+              <a:t> A. M. et. al.</a:t>
+            </a:r>
+            <a:r>
+              <a:rPr lang="en-US" altLang="ru-RU" sz="1800" dirty="0" smtClean="0">
                 <a:solidFill>
                   <a:srgbClr val="000000"/>
                 </a:solidFill>
                 <a:latin typeface="Times New Roman" pitchFamily="16" charset="0"/>
               </a:rPr>
-              <a:t>G., </a:t>
-            </a:r>
-            <a:r>
-              <a:rPr lang="en-US" altLang="ru-RU" sz="1800" b="1" i="1" dirty="0" err="1">
+              <a:t> «A relativistic type </a:t>
+            </a:r>
+            <a:r>
+              <a:rPr lang="en-US" altLang="ru-RU" sz="1800" dirty="0" err="1" smtClean="0">
                 <a:solidFill>
                   <a:srgbClr val="000000"/>
                 </a:solidFill>
                 <a:latin typeface="Times New Roman" pitchFamily="16" charset="0"/>
               </a:rPr>
-              <a:t>Brackbill</a:t>
-            </a:r>
-            <a:r>
-              <a:rPr lang="en-US" altLang="ru-RU" sz="1800" b="1" i="1" dirty="0">
+              <a:t>Ibc</a:t>
+            </a:r>
+            <a:r>
+              <a:rPr lang="en-US" altLang="ru-RU" sz="1800" dirty="0" smtClean="0">
                 <a:solidFill>
                   <a:srgbClr val="000000"/>
                 </a:solidFill>
                 <a:latin typeface="Times New Roman" pitchFamily="16" charset="0"/>
               </a:rPr>
-              <a:t> J. U., Ricci P.</a:t>
-            </a:r>
-            <a:r>
-              <a:rPr lang="en-US" altLang="ru-RU" sz="1800" dirty="0">
+              <a:t> supernova without a detected </a:t>
+            </a:r>
+            <a:r>
+              <a:rPr lang="el-GR" altLang="ru-RU" sz="1800" dirty="0" smtClean="0">
                 <a:solidFill>
                   <a:srgbClr val="000000"/>
                 </a:solidFill>
                 <a:latin typeface="Times New Roman" pitchFamily="16" charset="0"/>
               </a:rPr>
-              <a:t> «Kinetic approach to microscopic-macroscopic coupling in space and laboratory plasmas» Physics of Plasmas, Volume 13, 055904 (2006);</a:t>
+              <a:t>γ</a:t>
+            </a:r>
+            <a:r>
+              <a:rPr lang="en-US" altLang="ru-RU" sz="1800" dirty="0" smtClean="0">
+                <a:solidFill>
+                  <a:srgbClr val="000000"/>
+                </a:solidFill>
+                <a:latin typeface="Times New Roman" pitchFamily="16" charset="0"/>
+              </a:rPr>
+              <a:t>-ray burst» Nature, 463, 513-515 (2010)</a:t>
             </a:r>
           </a:p>
           <a:p>
@@ -8667,130 +8805,76 @@
               <a:buAutoNum type="arabicPeriod"/>
             </a:pPr>
             <a:r>
-              <a:rPr lang="ru-RU" altLang="ru-RU" sz="1800" b="1" i="1" dirty="0" err="1">
+              <a:rPr lang="en-US" altLang="ru-RU" sz="1800" b="1" i="1" dirty="0" err="1" smtClean="0">
                 <a:solidFill>
                   <a:srgbClr val="000000"/>
                 </a:solidFill>
                 <a:latin typeface="Times New Roman" pitchFamily="16" charset="0"/>
               </a:rPr>
-              <a:t>Noguchi</a:t>
-            </a:r>
-            <a:r>
-              <a:rPr lang="ru-RU" altLang="ru-RU" sz="1800" b="1" i="1" dirty="0">
+              <a:t>Buneman</a:t>
+            </a:r>
+            <a:r>
+              <a:rPr lang="en-US" altLang="ru-RU" sz="1800" b="1" i="1" dirty="0" smtClean="0">
                 <a:solidFill>
                   <a:srgbClr val="000000"/>
                 </a:solidFill>
                 <a:latin typeface="Times New Roman" pitchFamily="16" charset="0"/>
               </a:rPr>
-              <a:t> K., </a:t>
-            </a:r>
-            <a:r>
-              <a:rPr lang="ru-RU" altLang="ru-RU" sz="1800" b="1" i="1" dirty="0" err="1">
+              <a:t> </a:t>
+            </a:r>
+            <a:r>
+              <a:rPr lang="en-US" altLang="ru-RU" sz="1800" b="1" i="1" dirty="0" smtClean="0">
                 <a:solidFill>
                   <a:srgbClr val="000000"/>
                 </a:solidFill>
                 <a:latin typeface="Times New Roman" pitchFamily="16" charset="0"/>
               </a:rPr>
-              <a:t>Tronci</a:t>
-            </a:r>
-            <a:r>
-              <a:rPr lang="ru-RU" altLang="ru-RU" sz="1800" b="1" i="1" dirty="0">
+              <a:t>O. </a:t>
+            </a:r>
+            <a:r>
+              <a:rPr lang="en-US" altLang="ru-RU" sz="1800" dirty="0" smtClean="0">
                 <a:solidFill>
                   <a:srgbClr val="000000"/>
                 </a:solidFill>
                 <a:latin typeface="Times New Roman" pitchFamily="16" charset="0"/>
               </a:rPr>
-              <a:t> C., </a:t>
-            </a:r>
-            <a:r>
-              <a:rPr lang="ru-RU" altLang="ru-RU" sz="1800" b="1" i="1" dirty="0" err="1">
+              <a:t>in </a:t>
+            </a:r>
+            <a:r>
+              <a:rPr lang="ru-RU" altLang="ru-RU" sz="1800" dirty="0" smtClean="0">
                 <a:solidFill>
                   <a:srgbClr val="000000"/>
                 </a:solidFill>
                 <a:latin typeface="Times New Roman" pitchFamily="16" charset="0"/>
               </a:rPr>
-              <a:t>Zuccaro</a:t>
-            </a:r>
-            <a:r>
-              <a:rPr lang="ru-RU" altLang="ru-RU" sz="1800" b="1" i="1" dirty="0">
+              <a:t>«</a:t>
+            </a:r>
+            <a:r>
+              <a:rPr lang="en-US" altLang="ru-RU" sz="1800" dirty="0" smtClean="0">
                 <a:solidFill>
                   <a:srgbClr val="000000"/>
                 </a:solidFill>
                 <a:latin typeface="Times New Roman" pitchFamily="16" charset="0"/>
               </a:rPr>
-              <a:t> G., </a:t>
-            </a:r>
-            <a:r>
-              <a:rPr lang="ru-RU" altLang="ru-RU" sz="1800" b="1" i="1" dirty="0" err="1">
+              <a:t>Computer Space Plasma Physics</a:t>
+            </a:r>
+            <a:r>
+              <a:rPr lang="ru-RU" altLang="ru-RU" sz="1800" dirty="0" smtClean="0">
                 <a:solidFill>
                   <a:srgbClr val="000000"/>
                 </a:solidFill>
                 <a:latin typeface="Times New Roman" pitchFamily="16" charset="0"/>
               </a:rPr>
-              <a:t>Lapenta</a:t>
-            </a:r>
-            <a:r>
-              <a:rPr lang="ru-RU" altLang="ru-RU" sz="1800" b="1" i="1" dirty="0">
+              <a:t>»</a:t>
+            </a:r>
+            <a:r>
+              <a:rPr lang="en-US" altLang="ru-RU" sz="1800" dirty="0" smtClean="0">
                 <a:solidFill>
                   <a:srgbClr val="000000"/>
                 </a:solidFill>
                 <a:latin typeface="Times New Roman" pitchFamily="16" charset="0"/>
               </a:rPr>
-              <a:t> G. </a:t>
-            </a:r>
-            <a:r>
-              <a:rPr lang="ru-RU" altLang="ru-RU" sz="1800" dirty="0">
-                <a:solidFill>
-                  <a:srgbClr val="000000"/>
-                </a:solidFill>
-                <a:latin typeface="Times New Roman" pitchFamily="16" charset="0"/>
-              </a:rPr>
-              <a:t>«</a:t>
-            </a:r>
-            <a:r>
-              <a:rPr lang="en-US" altLang="ru-RU" sz="1800" dirty="0">
-                <a:solidFill>
-                  <a:srgbClr val="000000"/>
-                </a:solidFill>
-                <a:latin typeface="Times New Roman" pitchFamily="16" charset="0"/>
-              </a:rPr>
-              <a:t>Formulation of the relativistic moment implicit particle-in-cell method</a:t>
-            </a:r>
-            <a:r>
-              <a:rPr lang="ru-RU" altLang="ru-RU" sz="1800" dirty="0">
-                <a:solidFill>
-                  <a:srgbClr val="000000"/>
-                </a:solidFill>
-                <a:latin typeface="Times New Roman" pitchFamily="16" charset="0"/>
-              </a:rPr>
-              <a:t>» </a:t>
-            </a:r>
-            <a:r>
-              <a:rPr lang="en-US" altLang="ru-RU" sz="1800" dirty="0">
-                <a:solidFill>
-                  <a:srgbClr val="000000"/>
-                </a:solidFill>
-                <a:latin typeface="Times New Roman" pitchFamily="16" charset="0"/>
-              </a:rPr>
-              <a:t>Physics of Plasmas, Volume </a:t>
-            </a:r>
-            <a:r>
-              <a:rPr lang="ru-RU" altLang="ru-RU" sz="1800" dirty="0">
-                <a:solidFill>
-                  <a:srgbClr val="000000"/>
-                </a:solidFill>
-                <a:latin typeface="Times New Roman" pitchFamily="16" charset="0"/>
-              </a:rPr>
-              <a:t>14, 042308 </a:t>
-            </a:r>
-            <a:r>
-              <a:rPr lang="en-US" altLang="ru-RU" sz="1800" dirty="0">
-                <a:solidFill>
-                  <a:srgbClr val="000000"/>
-                </a:solidFill>
-                <a:latin typeface="Times New Roman" pitchFamily="16" charset="0"/>
-              </a:rPr>
-              <a:t>(2007</a:t>
+              <a:t> Terra Scientific Tokyo  p.67 (1993</a:t>
             </a:r>
             <a:r>
               <a:rPr lang="en-US" altLang="ru-RU" sz="1800" dirty="0" smtClean="0">
@@ -8808,201 +8892,176 @@
               <a:buAutoNum type="arabicPeriod"/>
             </a:pPr>
             <a:r>
-              <a:rPr lang="en-US" altLang="ru-RU" sz="1800" b="1" i="1" dirty="0" err="1" smtClean="0">
-                <a:solidFill>
-                  <a:srgbClr val="000000"/>
-                </a:solidFill>
-                <a:latin typeface="Times New Roman" pitchFamily="16" charset="0"/>
-              </a:rPr>
-              <a:t>Buneman</a:t>
-            </a:r>
-            <a:r>
-              <a:rPr lang="en-US" altLang="ru-RU" sz="1800" b="1" i="1" dirty="0" smtClean="0">
-                <a:solidFill>
-                  <a:srgbClr val="000000"/>
-                </a:solidFill>
-                <a:latin typeface="Times New Roman" pitchFamily="16" charset="0"/>
-              </a:rPr>
-              <a:t> O. </a:t>
-            </a:r>
-            <a:r>
-              <a:rPr lang="en-US" altLang="ru-RU" sz="1800" dirty="0" smtClean="0">
-                <a:solidFill>
-                  <a:srgbClr val="000000"/>
-                </a:solidFill>
-                <a:latin typeface="Times New Roman" pitchFamily="16" charset="0"/>
-              </a:rPr>
-              <a:t>in </a:t>
-            </a:r>
-            <a:r>
-              <a:rPr lang="ru-RU" altLang="ru-RU" sz="1800" dirty="0" smtClean="0">
-                <a:solidFill>
-                  <a:srgbClr val="000000"/>
-                </a:solidFill>
-                <a:latin typeface="Times New Roman" pitchFamily="16" charset="0"/>
-              </a:rPr>
-              <a:t>«</a:t>
-            </a:r>
-            <a:r>
-              <a:rPr lang="en-US" altLang="ru-RU" sz="1800" dirty="0" smtClean="0">
-                <a:solidFill>
-                  <a:srgbClr val="000000"/>
-                </a:solidFill>
-                <a:latin typeface="Times New Roman" pitchFamily="16" charset="0"/>
-              </a:rPr>
-              <a:t>Computer Space Plasma Physics</a:t>
-            </a:r>
-            <a:r>
-              <a:rPr lang="ru-RU" altLang="ru-RU" sz="1800" dirty="0" smtClean="0">
-                <a:solidFill>
-                  <a:srgbClr val="000000"/>
-                </a:solidFill>
-                <a:latin typeface="Times New Roman" pitchFamily="16" charset="0"/>
-              </a:rPr>
-              <a:t>»</a:t>
-            </a:r>
-            <a:r>
-              <a:rPr lang="en-US" altLang="ru-RU" sz="1800" dirty="0" smtClean="0">
-                <a:solidFill>
-                  <a:srgbClr val="000000"/>
-                </a:solidFill>
-                <a:latin typeface="Times New Roman" pitchFamily="16" charset="0"/>
-              </a:rPr>
-              <a:t> Terra Scientific Tokyo  p.67 (1993);</a:t>
-            </a:r>
-            <a:endParaRPr lang="ru-RU" altLang="ru-RU" sz="1800" dirty="0" smtClean="0">
-              <a:solidFill>
-                <a:srgbClr val="000000"/>
-              </a:solidFill>
-              <a:latin typeface="Times New Roman" pitchFamily="16" charset="0"/>
-            </a:endParaRPr>
-          </a:p>
-          <a:p>
-            <a:pPr algn="just">
-              <a:buFont typeface="Times New Roman" pitchFamily="16" charset="0"/>
-              <a:buAutoNum type="arabicPeriod"/>
-            </a:pPr>
-            <a:r>
-              <a:rPr lang="en-US" altLang="ru-RU" sz="1800" b="1" i="1" dirty="0" err="1" smtClean="0">
-                <a:solidFill>
-                  <a:srgbClr val="000000"/>
-                </a:solidFill>
-                <a:latin typeface="Times New Roman" pitchFamily="16" charset="0"/>
-              </a:rPr>
-              <a:t>Sironi</a:t>
-            </a:r>
-            <a:r>
-              <a:rPr lang="en-US" altLang="ru-RU" sz="1800" b="1" i="1" dirty="0" smtClean="0">
-                <a:solidFill>
-                  <a:srgbClr val="000000"/>
-                </a:solidFill>
-                <a:latin typeface="Times New Roman" pitchFamily="16" charset="0"/>
-              </a:rPr>
-              <a:t> L., </a:t>
-            </a:r>
-            <a:r>
-              <a:rPr lang="en-US" altLang="ru-RU" sz="1800" b="1" i="1" dirty="0" err="1" smtClean="0">
-                <a:solidFill>
-                  <a:srgbClr val="000000"/>
-                </a:solidFill>
-                <a:latin typeface="Times New Roman" pitchFamily="16" charset="0"/>
-              </a:rPr>
-              <a:t>Spitkovsky</a:t>
-            </a:r>
-            <a:r>
-              <a:rPr lang="en-US" altLang="ru-RU" sz="1800" b="1" i="1" dirty="0" smtClean="0">
-                <a:solidFill>
-                  <a:srgbClr val="000000"/>
-                </a:solidFill>
-                <a:latin typeface="Times New Roman" pitchFamily="16" charset="0"/>
-              </a:rPr>
-              <a:t> A., </a:t>
-            </a:r>
-            <a:r>
-              <a:rPr lang="en-US" altLang="ru-RU" sz="1800" b="1" i="1" dirty="0" err="1" smtClean="0">
-                <a:solidFill>
-                  <a:srgbClr val="000000"/>
-                </a:solidFill>
-                <a:latin typeface="Times New Roman" pitchFamily="16" charset="0"/>
-              </a:rPr>
-              <a:t>Arons</a:t>
-            </a:r>
-            <a:r>
-              <a:rPr lang="en-US" altLang="ru-RU" sz="1800" b="1" i="1" dirty="0" smtClean="0">
-                <a:solidFill>
-                  <a:srgbClr val="000000"/>
-                </a:solidFill>
-                <a:latin typeface="Times New Roman" pitchFamily="16" charset="0"/>
-              </a:rPr>
-              <a:t> J. </a:t>
-            </a:r>
-            <a:r>
-              <a:rPr lang="ru-RU" altLang="ru-RU" sz="1800" dirty="0" smtClean="0">
-                <a:solidFill>
-                  <a:srgbClr val="000000"/>
-                </a:solidFill>
-                <a:latin typeface="Times New Roman" pitchFamily="16" charset="0"/>
-              </a:rPr>
-              <a:t>«</a:t>
-            </a:r>
-            <a:r>
-              <a:rPr lang="en-US" sz="1800" dirty="0" smtClean="0">
+              <a:rPr lang="en-US" sz="1800" b="1" i="1" dirty="0" err="1" smtClean="0">
                 <a:solidFill>
                   <a:schemeClr val="tx1"/>
                 </a:solidFill>
                 <a:latin typeface="Times New Roman" panose="02020603050405020304" pitchFamily="18" charset="0"/>
                 <a:cs typeface="Times New Roman" panose="02020603050405020304" pitchFamily="18" charset="0"/>
               </a:rPr>
-              <a:t>The maximum energy of accelerated particles in relativistic </a:t>
-            </a:r>
-            <a:r>
-              <a:rPr lang="en-US" sz="1800" dirty="0" err="1" smtClean="0">
+              <a:t>Spitkovsky</a:t>
+            </a:r>
+            <a:r>
+              <a:rPr lang="en-US" sz="1800" b="1" i="1" dirty="0" smtClean="0">
                 <a:solidFill>
                   <a:schemeClr val="tx1"/>
                 </a:solidFill>
                 <a:latin typeface="Times New Roman" panose="02020603050405020304" pitchFamily="18" charset="0"/>
                 <a:cs typeface="Times New Roman" panose="02020603050405020304" pitchFamily="18" charset="0"/>
               </a:rPr>
-              <a:t>collisionless</a:t>
-            </a:r>
-            <a:r>
-              <a:rPr lang="en-US" sz="1800" dirty="0" smtClean="0">
+              <a:t> </a:t>
+            </a:r>
+            <a:r>
+              <a:rPr lang="en-US" sz="1800" b="1" i="1" dirty="0">
                 <a:solidFill>
                   <a:schemeClr val="tx1"/>
                 </a:solidFill>
                 <a:latin typeface="Times New Roman" panose="02020603050405020304" pitchFamily="18" charset="0"/>
                 <a:cs typeface="Times New Roman" panose="02020603050405020304" pitchFamily="18" charset="0"/>
               </a:rPr>
-              <a:t> shocks</a:t>
-            </a:r>
-            <a:r>
-              <a:rPr lang="ru-RU" altLang="ru-RU" sz="1800" dirty="0" smtClean="0">
-                <a:solidFill>
-                  <a:srgbClr val="000000"/>
-                </a:solidFill>
-                <a:latin typeface="Times New Roman" pitchFamily="16" charset="0"/>
-              </a:rPr>
-              <a:t>»</a:t>
-            </a:r>
-            <a:r>
-              <a:rPr lang="en-US" altLang="ru-RU" sz="1800" dirty="0" smtClean="0">
+              <a:t>A </a:t>
+            </a:r>
+            <a:r>
+              <a:rPr lang="en-US" sz="1800" dirty="0">
                 <a:solidFill>
                   <a:schemeClr val="tx1"/>
                 </a:solidFill>
                 <a:latin typeface="Times New Roman" panose="02020603050405020304" pitchFamily="18" charset="0"/>
                 <a:cs typeface="Times New Roman" panose="02020603050405020304" pitchFamily="18" charset="0"/>
               </a:rPr>
-              <a:t> </a:t>
-            </a:r>
-            <a:r>
-              <a:rPr lang="en-US" sz="1800" dirty="0" smtClean="0">
+              <a:t>2005 Astrophysical Sources of High Energy Particles and Radiation (American Institute</a:t>
+            </a:r>
+          </a:p>
+          <a:p>
+            <a:r>
+              <a:rPr lang="en-US" sz="1800" dirty="0">
                 <a:solidFill>
                   <a:schemeClr val="tx1"/>
                 </a:solidFill>
                 <a:latin typeface="Times New Roman" panose="02020603050405020304" pitchFamily="18" charset="0"/>
                 <a:cs typeface="Times New Roman" panose="02020603050405020304" pitchFamily="18" charset="0"/>
               </a:rPr>
-              <a:t>The Astrophysical Journal, Volume 771, Issue 1, article id. 54, 22 pp. (2013)</a:t>
+              <a:t>of Physics Conference Series </a:t>
+            </a:r>
+            <a:r>
+              <a:rPr lang="en-US" sz="1800" dirty="0" err="1">
+                <a:solidFill>
+                  <a:schemeClr val="tx1"/>
+                </a:solidFill>
+                <a:latin typeface="Times New Roman" panose="02020603050405020304" pitchFamily="18" charset="0"/>
+                <a:cs typeface="Times New Roman" panose="02020603050405020304" pitchFamily="18" charset="0"/>
+              </a:rPr>
+              <a:t>vol</a:t>
+            </a:r>
+            <a:r>
+              <a:rPr lang="en-US" sz="1800" dirty="0">
+                <a:solidFill>
+                  <a:schemeClr val="tx1"/>
+                </a:solidFill>
+                <a:latin typeface="Times New Roman" panose="02020603050405020304" pitchFamily="18" charset="0"/>
+                <a:cs typeface="Times New Roman" panose="02020603050405020304" pitchFamily="18" charset="0"/>
+              </a:rPr>
+              <a:t> 801) </a:t>
+            </a:r>
+            <a:r>
+              <a:rPr lang="en-US" sz="1800" dirty="0" err="1">
+                <a:solidFill>
+                  <a:schemeClr val="tx1"/>
+                </a:solidFill>
+                <a:latin typeface="Times New Roman" panose="02020603050405020304" pitchFamily="18" charset="0"/>
+                <a:cs typeface="Times New Roman" panose="02020603050405020304" pitchFamily="18" charset="0"/>
+              </a:rPr>
+              <a:t>ed</a:t>
+            </a:r>
+            <a:r>
+              <a:rPr lang="en-US" sz="1800" dirty="0">
+                <a:solidFill>
+                  <a:schemeClr val="tx1"/>
+                </a:solidFill>
+                <a:latin typeface="Times New Roman" panose="02020603050405020304" pitchFamily="18" charset="0"/>
+                <a:cs typeface="Times New Roman" panose="02020603050405020304" pitchFamily="18" charset="0"/>
+              </a:rPr>
+              <a:t> </a:t>
+            </a:r>
+            <a:r>
+              <a:rPr lang="en-US" sz="1800" dirty="0" err="1">
+                <a:solidFill>
+                  <a:schemeClr val="tx1"/>
+                </a:solidFill>
+                <a:latin typeface="Times New Roman" panose="02020603050405020304" pitchFamily="18" charset="0"/>
+                <a:cs typeface="Times New Roman" panose="02020603050405020304" pitchFamily="18" charset="0"/>
+              </a:rPr>
+              <a:t>Bulik</a:t>
+            </a:r>
+            <a:r>
+              <a:rPr lang="en-US" sz="1800" dirty="0">
+                <a:solidFill>
+                  <a:schemeClr val="tx1"/>
+                </a:solidFill>
+                <a:latin typeface="Times New Roman" panose="02020603050405020304" pitchFamily="18" charset="0"/>
+                <a:cs typeface="Times New Roman" panose="02020603050405020304" pitchFamily="18" charset="0"/>
+              </a:rPr>
+              <a:t> T, </a:t>
+            </a:r>
+            <a:r>
+              <a:rPr lang="en-US" sz="1800" dirty="0" err="1">
+                <a:solidFill>
+                  <a:schemeClr val="tx1"/>
+                </a:solidFill>
+                <a:latin typeface="Times New Roman" panose="02020603050405020304" pitchFamily="18" charset="0"/>
+                <a:cs typeface="Times New Roman" panose="02020603050405020304" pitchFamily="18" charset="0"/>
+              </a:rPr>
+              <a:t>Rudak</a:t>
+            </a:r>
+            <a:r>
+              <a:rPr lang="en-US" sz="1800" dirty="0">
+                <a:solidFill>
+                  <a:schemeClr val="tx1"/>
+                </a:solidFill>
+                <a:latin typeface="Times New Roman" panose="02020603050405020304" pitchFamily="18" charset="0"/>
+                <a:cs typeface="Times New Roman" panose="02020603050405020304" pitchFamily="18" charset="0"/>
+              </a:rPr>
+              <a:t> B and </a:t>
+            </a:r>
+            <a:r>
+              <a:rPr lang="en-US" sz="1800" dirty="0" err="1">
+                <a:solidFill>
+                  <a:schemeClr val="tx1"/>
+                </a:solidFill>
+                <a:latin typeface="Times New Roman" panose="02020603050405020304" pitchFamily="18" charset="0"/>
+                <a:cs typeface="Times New Roman" panose="02020603050405020304" pitchFamily="18" charset="0"/>
+              </a:rPr>
+              <a:t>Madejski</a:t>
+            </a:r>
+            <a:r>
+              <a:rPr lang="en-US" sz="1800" dirty="0">
+                <a:solidFill>
+                  <a:schemeClr val="tx1"/>
+                </a:solidFill>
+                <a:latin typeface="Times New Roman" panose="02020603050405020304" pitchFamily="18" charset="0"/>
+                <a:cs typeface="Times New Roman" panose="02020603050405020304" pitchFamily="18" charset="0"/>
+              </a:rPr>
+              <a:t> G </a:t>
+            </a:r>
+            <a:r>
+              <a:rPr lang="en-US" sz="1800" dirty="0" err="1">
+                <a:solidFill>
+                  <a:schemeClr val="tx1"/>
+                </a:solidFill>
+                <a:latin typeface="Times New Roman" panose="02020603050405020304" pitchFamily="18" charset="0"/>
+                <a:cs typeface="Times New Roman" panose="02020603050405020304" pitchFamily="18" charset="0"/>
+              </a:rPr>
+              <a:t>pp</a:t>
+            </a:r>
+            <a:r>
+              <a:rPr lang="en-US" sz="1800" dirty="0">
+                <a:solidFill>
+                  <a:schemeClr val="tx1"/>
+                </a:solidFill>
+                <a:latin typeface="Times New Roman" panose="02020603050405020304" pitchFamily="18" charset="0"/>
+                <a:cs typeface="Times New Roman" panose="02020603050405020304" pitchFamily="18" charset="0"/>
+              </a:rPr>
+              <a:t> 345{350</a:t>
             </a:r>
             <a:endParaRPr lang="en-US" altLang="ru-RU" sz="1800" b="1" i="1" dirty="0">
               <a:solidFill>
@@ -9014,582 +9073,6 @@
           </a:p>
         </p:txBody>
       </p:sp>
-      <p:cxnSp>
-        <p:nvCxnSpPr>
-          <p:cNvPr id="12" name="Прямая со стрелкой 11"/>
-          <p:cNvCxnSpPr/>
-          <p:nvPr/>
-        </p:nvCxnSpPr>
-        <p:spPr>
-          <a:xfrm>
-            <a:off x="7959449" y="9917261"/>
-            <a:ext cx="4948200" cy="0"/>
-          </a:xfrm>
-          <a:prstGeom prst="straightConnector1">
-            <a:avLst/>
-          </a:prstGeom>
-          <a:ln>
-            <a:tailEnd type="arrow"/>
-          </a:ln>
-        </p:spPr>
-        <p:style>
-          <a:lnRef idx="1">
-            <a:schemeClr val="accent1"/>
-          </a:lnRef>
-          <a:fillRef idx="0">
-            <a:schemeClr val="accent1"/>
-          </a:fillRef>
-          <a:effectRef idx="0">
-            <a:schemeClr val="accent1"/>
-          </a:effectRef>
-          <a:fontRef idx="minor">
-            <a:schemeClr val="tx1"/>
-          </a:fontRef>
-        </p:style>
-      </p:cxnSp>
-      <p:cxnSp>
-        <p:nvCxnSpPr>
-          <p:cNvPr id="21" name="Прямая со стрелкой 20"/>
-          <p:cNvCxnSpPr/>
-          <p:nvPr/>
-        </p:nvCxnSpPr>
-        <p:spPr>
-          <a:xfrm flipV="1">
-            <a:off x="8619613" y="7737592"/>
-            <a:ext cx="0" cy="2179669"/>
-          </a:xfrm>
-          <a:prstGeom prst="straightConnector1">
-            <a:avLst/>
-          </a:prstGeom>
-          <a:ln>
-            <a:tailEnd type="arrow"/>
-          </a:ln>
-        </p:spPr>
-        <p:style>
-          <a:lnRef idx="1">
-            <a:schemeClr val="accent1"/>
-          </a:lnRef>
-          <a:fillRef idx="0">
-            <a:schemeClr val="accent1"/>
-          </a:fillRef>
-          <a:effectRef idx="0">
-            <a:schemeClr val="accent1"/>
-          </a:effectRef>
-          <a:fontRef idx="minor">
-            <a:schemeClr val="tx1"/>
-          </a:fontRef>
-        </p:style>
-      </p:cxnSp>
-      <p:cxnSp>
-        <p:nvCxnSpPr>
-          <p:cNvPr id="23" name="Прямая со стрелкой 22"/>
-          <p:cNvCxnSpPr/>
-          <p:nvPr/>
-        </p:nvCxnSpPr>
-        <p:spPr>
-          <a:xfrm flipV="1">
-            <a:off x="8140711" y="8765133"/>
-            <a:ext cx="1994630" cy="1493652"/>
-          </a:xfrm>
-          <a:prstGeom prst="straightConnector1">
-            <a:avLst/>
-          </a:prstGeom>
-          <a:ln>
-            <a:tailEnd type="arrow"/>
-          </a:ln>
-        </p:spPr>
-        <p:style>
-          <a:lnRef idx="1">
-            <a:schemeClr val="accent1"/>
-          </a:lnRef>
-          <a:fillRef idx="0">
-            <a:schemeClr val="accent1"/>
-          </a:fillRef>
-          <a:effectRef idx="0">
-            <a:schemeClr val="accent1"/>
-          </a:effectRef>
-          <a:fontRef idx="minor">
-            <a:schemeClr val="tx1"/>
-          </a:fontRef>
-        </p:style>
-      </p:cxnSp>
-      <p:sp>
-        <p:nvSpPr>
-          <p:cNvPr id="51" name="TextBox 50"/>
-          <p:cNvSpPr txBox="1"/>
-          <p:nvPr/>
-        </p:nvSpPr>
-        <p:spPr>
-          <a:xfrm>
-            <a:off x="12907649" y="9800791"/>
-            <a:ext cx="338554" cy="461665"/>
-          </a:xfrm>
-          <a:prstGeom prst="rect">
-            <a:avLst/>
-          </a:prstGeom>
-          <a:noFill/>
-        </p:spPr>
-        <p:txBody>
-          <a:bodyPr wrap="none" rtlCol="0">
-            <a:spAutoFit/>
-          </a:bodyPr>
-          <a:lstStyle/>
-          <a:p>
-            <a:r>
-              <a:rPr lang="en-US" sz="2400" dirty="0" smtClean="0">
-                <a:latin typeface="Times New Roman" panose="02020603050405020304" pitchFamily="18" charset="0"/>
-                <a:cs typeface="Times New Roman" panose="02020603050405020304" pitchFamily="18" charset="0"/>
-              </a:rPr>
-              <a:t>x</a:t>
-            </a:r>
-            <a:endParaRPr lang="ru-RU" sz="2400" dirty="0">
-              <a:latin typeface="Times New Roman" panose="02020603050405020304" pitchFamily="18" charset="0"/>
-              <a:cs typeface="Times New Roman" panose="02020603050405020304" pitchFamily="18" charset="0"/>
-            </a:endParaRPr>
-          </a:p>
-        </p:txBody>
-      </p:sp>
-      <p:sp>
-        <p:nvSpPr>
-          <p:cNvPr id="52" name="TextBox 51"/>
-          <p:cNvSpPr txBox="1"/>
-          <p:nvPr/>
-        </p:nvSpPr>
-        <p:spPr>
-          <a:xfrm>
-            <a:off x="10109016" y="8669569"/>
-            <a:ext cx="248468" cy="461665"/>
-          </a:xfrm>
-          <a:prstGeom prst="rect">
-            <a:avLst/>
-          </a:prstGeom>
-          <a:noFill/>
-        </p:spPr>
-        <p:txBody>
-          <a:bodyPr wrap="square" rtlCol="0">
-            <a:spAutoFit/>
-          </a:bodyPr>
-          <a:lstStyle/>
-          <a:p>
-            <a:r>
-              <a:rPr lang="en-US" sz="2400" dirty="0">
-                <a:latin typeface="Times New Roman" panose="02020603050405020304" pitchFamily="18" charset="0"/>
-                <a:cs typeface="Times New Roman" panose="02020603050405020304" pitchFamily="18" charset="0"/>
-              </a:rPr>
-              <a:t>y</a:t>
-            </a:r>
-            <a:endParaRPr lang="en-US" sz="2400" dirty="0" smtClean="0">
-              <a:latin typeface="Times New Roman" panose="02020603050405020304" pitchFamily="18" charset="0"/>
-              <a:cs typeface="Times New Roman" panose="02020603050405020304" pitchFamily="18" charset="0"/>
-            </a:endParaRPr>
-          </a:p>
-        </p:txBody>
-      </p:sp>
-      <p:sp>
-        <p:nvSpPr>
-          <p:cNvPr id="53" name="TextBox 52"/>
-          <p:cNvSpPr txBox="1"/>
-          <p:nvPr/>
-        </p:nvSpPr>
-        <p:spPr>
-          <a:xfrm>
-            <a:off x="8651835" y="8103223"/>
-            <a:ext cx="160461" cy="461665"/>
-          </a:xfrm>
-          <a:prstGeom prst="rect">
-            <a:avLst/>
-          </a:prstGeom>
-          <a:noFill/>
-        </p:spPr>
-        <p:txBody>
-          <a:bodyPr wrap="square" rtlCol="0">
-            <a:spAutoFit/>
-          </a:bodyPr>
-          <a:lstStyle/>
-          <a:p>
-            <a:r>
-              <a:rPr lang="en-US" sz="2400" dirty="0" smtClean="0">
-                <a:latin typeface="Times New Roman" panose="02020603050405020304" pitchFamily="18" charset="0"/>
-                <a:cs typeface="Times New Roman" panose="02020603050405020304" pitchFamily="18" charset="0"/>
-              </a:rPr>
-              <a:t>z</a:t>
-            </a:r>
-            <a:endParaRPr lang="ru-RU" sz="2400" dirty="0">
-              <a:latin typeface="Times New Roman" panose="02020603050405020304" pitchFamily="18" charset="0"/>
-              <a:cs typeface="Times New Roman" panose="02020603050405020304" pitchFamily="18" charset="0"/>
-            </a:endParaRPr>
-          </a:p>
-        </p:txBody>
-      </p:sp>
-      <p:sp>
-        <p:nvSpPr>
-          <p:cNvPr id="56" name="Стрелка вправо 55"/>
-          <p:cNvSpPr/>
-          <p:nvPr/>
-        </p:nvSpPr>
-        <p:spPr>
-          <a:xfrm rot="10800000">
-            <a:off x="11151034" y="9131234"/>
-            <a:ext cx="1756615" cy="380725"/>
-          </a:xfrm>
-          <a:prstGeom prst="rightArrow">
-            <a:avLst/>
-          </a:prstGeom>
-        </p:spPr>
-        <p:style>
-          <a:lnRef idx="2">
-            <a:schemeClr val="accent1">
-              <a:shade val="50000"/>
-            </a:schemeClr>
-          </a:lnRef>
-          <a:fillRef idx="1">
-            <a:schemeClr val="accent1"/>
-          </a:fillRef>
-          <a:effectRef idx="0">
-            <a:schemeClr val="accent1"/>
-          </a:effectRef>
-          <a:fontRef idx="minor">
-            <a:schemeClr val="lt1"/>
-          </a:fontRef>
-        </p:style>
-        <p:txBody>
-          <a:bodyPr rtlCol="0" anchor="ctr"/>
-          <a:lstStyle/>
-          <a:p>
-            <a:pPr algn="ctr"/>
-            <a:endParaRPr lang="ru-RU"/>
-          </a:p>
-        </p:txBody>
-      </p:sp>
-      <mc:AlternateContent xmlns:mc="http://schemas.openxmlformats.org/markup-compatibility/2006" xmlns:a14="http://schemas.microsoft.com/office/drawing/2010/main">
-        <mc:Choice Requires="a14">
-          <p:sp>
-            <p:nvSpPr>
-              <p:cNvPr id="58" name="TextBox 57"/>
-              <p:cNvSpPr txBox="1"/>
-              <p:nvPr/>
-            </p:nvSpPr>
-            <p:spPr>
-              <a:xfrm>
-                <a:off x="12029341" y="8723285"/>
-                <a:ext cx="455701" cy="506421"/>
-              </a:xfrm>
-              <a:prstGeom prst="rect">
-                <a:avLst/>
-              </a:prstGeom>
-              <a:noFill/>
-            </p:spPr>
-            <p:txBody>
-              <a:bodyPr wrap="none" rtlCol="0">
-                <a:spAutoFit/>
-              </a:bodyPr>
-              <a:lstStyle/>
-              <a:p>
-                <a:pPr/>
-                <a14:m>
-                  <m:oMathPara xmlns:m="http://schemas.openxmlformats.org/officeDocument/2006/math">
-                    <m:oMathParaPr>
-                      <m:jc m:val="centerGroup"/>
-                    </m:oMathParaPr>
-                    <m:oMath xmlns:m="http://schemas.openxmlformats.org/officeDocument/2006/math">
-                      <m:acc>
-                        <m:accPr>
-                          <m:chr m:val="⃗"/>
-                          <m:ctrlPr>
-                            <a:rPr lang="ru-RU" sz="2400" i="1" smtClean="0">
-                              <a:latin typeface="Cambria Math"/>
-                            </a:rPr>
-                          </m:ctrlPr>
-                        </m:accPr>
-                        <m:e>
-                          <m:r>
-                            <a:rPr lang="en-US" sz="2400" b="0" i="1" smtClean="0">
-                              <a:latin typeface="Cambria Math"/>
-                            </a:rPr>
-                            <m:t>𝑉</m:t>
-                          </m:r>
-                        </m:e>
-                      </m:acc>
-                    </m:oMath>
-                  </m:oMathPara>
-                </a14:m>
-                <a:endParaRPr lang="ru-RU" sz="2400" dirty="0"/>
-              </a:p>
-            </p:txBody>
-          </p:sp>
-        </mc:Choice>
-        <mc:Fallback xmlns="">
-          <p:sp>
-            <p:nvSpPr>
-              <p:cNvPr id="58" name="TextBox 57"/>
-              <p:cNvSpPr txBox="1">
-                <a:spLocks noRot="1" noChangeAspect="1" noMove="1" noResize="1" noEditPoints="1" noAdjustHandles="1" noChangeArrowheads="1" noChangeShapeType="1" noTextEdit="1"/>
-              </p:cNvSpPr>
-              <p:nvPr/>
-            </p:nvSpPr>
-            <p:spPr>
-              <a:xfrm>
-                <a:off x="12029341" y="8723285"/>
-                <a:ext cx="455701" cy="506421"/>
-              </a:xfrm>
-              <a:prstGeom prst="rect">
-                <a:avLst/>
-              </a:prstGeom>
-              <a:blipFill rotWithShape="1">
-                <a:blip r:embed="rId13"/>
-                <a:stretch>
-                  <a:fillRect/>
-                </a:stretch>
-              </a:blipFill>
-            </p:spPr>
-            <p:txBody>
-              <a:bodyPr/>
-              <a:lstStyle/>
-              <a:p>
-                <a:r>
-                  <a:rPr lang="ru-RU">
-                    <a:noFill/>
-                  </a:rPr>
-                  <a:t> </a:t>
-                </a:r>
-              </a:p>
-            </p:txBody>
-          </p:sp>
-        </mc:Fallback>
-      </mc:AlternateContent>
-      <p:sp>
-        <p:nvSpPr>
-          <p:cNvPr id="60" name="Стрелка вправо 59"/>
-          <p:cNvSpPr/>
-          <p:nvPr/>
-        </p:nvSpPr>
-        <p:spPr>
-          <a:xfrm rot="18304459">
-            <a:off x="8259718" y="9013059"/>
-            <a:ext cx="1756615" cy="380725"/>
-          </a:xfrm>
-          <a:prstGeom prst="rightArrow">
-            <a:avLst/>
-          </a:prstGeom>
-        </p:spPr>
-        <p:style>
-          <a:lnRef idx="2">
-            <a:schemeClr val="accent1">
-              <a:shade val="50000"/>
-            </a:schemeClr>
-          </a:lnRef>
-          <a:fillRef idx="1">
-            <a:schemeClr val="accent1"/>
-          </a:fillRef>
-          <a:effectRef idx="0">
-            <a:schemeClr val="accent1"/>
-          </a:effectRef>
-          <a:fontRef idx="minor">
-            <a:schemeClr val="lt1"/>
-          </a:fontRef>
-        </p:style>
-        <p:txBody>
-          <a:bodyPr rtlCol="0" anchor="ctr"/>
-          <a:lstStyle/>
-          <a:p>
-            <a:pPr algn="ctr"/>
-            <a:endParaRPr lang="ru-RU"/>
-          </a:p>
-        </p:txBody>
-      </p:sp>
-      <p:cxnSp>
-        <p:nvCxnSpPr>
-          <p:cNvPr id="62" name="Прямая соединительная линия 61"/>
-          <p:cNvCxnSpPr>
-            <a:stCxn id="60" idx="3"/>
-          </p:cNvCxnSpPr>
-          <p:nvPr/>
-        </p:nvCxnSpPr>
-        <p:spPr>
-          <a:xfrm flipH="1">
-            <a:off x="8812296" y="8484608"/>
-            <a:ext cx="830439" cy="0"/>
-          </a:xfrm>
-          <a:prstGeom prst="line">
-            <a:avLst/>
-          </a:prstGeom>
-        </p:spPr>
-        <p:style>
-          <a:lnRef idx="1">
-            <a:schemeClr val="accent1"/>
-          </a:lnRef>
-          <a:fillRef idx="0">
-            <a:schemeClr val="accent1"/>
-          </a:fillRef>
-          <a:effectRef idx="0">
-            <a:schemeClr val="accent1"/>
-          </a:effectRef>
-          <a:fontRef idx="minor">
-            <a:schemeClr val="tx1"/>
-          </a:fontRef>
-        </p:style>
-      </p:cxnSp>
-      <p:cxnSp>
-        <p:nvCxnSpPr>
-          <p:cNvPr id="68" name="Прямая со стрелкой 67"/>
-          <p:cNvCxnSpPr>
-            <a:stCxn id="60" idx="1"/>
-          </p:cNvCxnSpPr>
-          <p:nvPr/>
-        </p:nvCxnSpPr>
-        <p:spPr>
-          <a:xfrm flipV="1">
-            <a:off x="8633317" y="8484608"/>
-            <a:ext cx="178979" cy="1437627"/>
-          </a:xfrm>
-          <a:prstGeom prst="straightConnector1">
-            <a:avLst/>
-          </a:prstGeom>
-          <a:ln>
-            <a:tailEnd type="arrow"/>
-          </a:ln>
-        </p:spPr>
-        <p:style>
-          <a:lnRef idx="1">
-            <a:schemeClr val="accent1"/>
-          </a:lnRef>
-          <a:fillRef idx="0">
-            <a:schemeClr val="accent1"/>
-          </a:fillRef>
-          <a:effectRef idx="0">
-            <a:schemeClr val="accent1"/>
-          </a:effectRef>
-          <a:fontRef idx="minor">
-            <a:schemeClr val="tx1"/>
-          </a:fontRef>
-        </p:style>
-      </p:cxnSp>
-      <p:sp>
-        <p:nvSpPr>
-          <p:cNvPr id="73" name="Дуга 72"/>
-          <p:cNvSpPr/>
-          <p:nvPr/>
-        </p:nvSpPr>
-        <p:spPr>
-          <a:xfrm>
-            <a:off x="8633317" y="9442372"/>
-            <a:ext cx="660505" cy="595664"/>
-          </a:xfrm>
-          <a:prstGeom prst="arc">
-            <a:avLst>
-              <a:gd name="adj1" fmla="val 16200000"/>
-              <a:gd name="adj2" fmla="val 1564624"/>
-            </a:avLst>
-          </a:prstGeom>
-        </p:spPr>
-        <p:style>
-          <a:lnRef idx="1">
-            <a:schemeClr val="accent1"/>
-          </a:lnRef>
-          <a:fillRef idx="0">
-            <a:schemeClr val="accent1"/>
-          </a:fillRef>
-          <a:effectRef idx="0">
-            <a:schemeClr val="accent1"/>
-          </a:effectRef>
-          <a:fontRef idx="minor">
-            <a:schemeClr val="tx1"/>
-          </a:fontRef>
-        </p:style>
-        <p:txBody>
-          <a:bodyPr rtlCol="0" anchor="ctr"/>
-          <a:lstStyle/>
-          <a:p>
-            <a:pPr algn="ctr"/>
-            <a:endParaRPr lang="ru-RU"/>
-          </a:p>
-        </p:txBody>
-      </p:sp>
-      <mc:AlternateContent xmlns:mc="http://schemas.openxmlformats.org/markup-compatibility/2006" xmlns:a14="http://schemas.microsoft.com/office/drawing/2010/main">
-        <mc:Choice Requires="a14">
-          <p:sp>
-            <p:nvSpPr>
-              <p:cNvPr id="74" name="TextBox 73"/>
-              <p:cNvSpPr txBox="1"/>
-              <p:nvPr/>
-            </p:nvSpPr>
-            <p:spPr>
-              <a:xfrm>
-                <a:off x="9317727" y="9442372"/>
-                <a:ext cx="162504" cy="461665"/>
-              </a:xfrm>
-              <a:prstGeom prst="rect">
-                <a:avLst/>
-              </a:prstGeom>
-              <a:noFill/>
-            </p:spPr>
-            <p:txBody>
-              <a:bodyPr wrap="square" rtlCol="0">
-                <a:spAutoFit/>
-              </a:bodyPr>
-              <a:lstStyle/>
-              <a:p>
-                <a:pPr/>
-                <a14:m>
-                  <m:oMathPara xmlns:m="http://schemas.openxmlformats.org/officeDocument/2006/math">
-                    <m:oMathParaPr>
-                      <m:jc m:val="centerGroup"/>
-                    </m:oMathParaPr>
-                    <m:oMath xmlns:m="http://schemas.openxmlformats.org/officeDocument/2006/math">
-                      <m:r>
-                        <a:rPr lang="ru-RU" sz="2400" i="1" smtClean="0">
-                          <a:latin typeface="Cambria Math"/>
-                          <a:ea typeface="Cambria Math"/>
-                        </a:rPr>
-                        <m:t>𝜃</m:t>
-                      </m:r>
-                    </m:oMath>
-                  </m:oMathPara>
-                </a14:m>
-                <a:endParaRPr lang="ru-RU" sz="2400" dirty="0"/>
-              </a:p>
-            </p:txBody>
-          </p:sp>
-        </mc:Choice>
-        <mc:Fallback xmlns="">
-          <p:sp>
-            <p:nvSpPr>
-              <p:cNvPr id="74" name="TextBox 73"/>
-              <p:cNvSpPr txBox="1">
-                <a:spLocks noRot="1" noChangeAspect="1" noMove="1" noResize="1" noEditPoints="1" noAdjustHandles="1" noChangeArrowheads="1" noChangeShapeType="1" noTextEdit="1"/>
-              </p:cNvSpPr>
-              <p:nvPr/>
-            </p:nvSpPr>
-            <p:spPr>
-              <a:xfrm>
-                <a:off x="9317727" y="9442372"/>
-                <a:ext cx="162504" cy="461665"/>
-              </a:xfrm>
-              <a:prstGeom prst="rect">
-                <a:avLst/>
-              </a:prstGeom>
-              <a:blipFill rotWithShape="1">
-                <a:blip r:embed="rId14"/>
-                <a:stretch>
-                  <a:fillRect l="-14815" r="-118519"/>
-                </a:stretch>
-              </a:blipFill>
-            </p:spPr>
-            <p:txBody>
-              <a:bodyPr/>
-              <a:lstStyle/>
-              <a:p>
-                <a:r>
-                  <a:rPr lang="ru-RU">
-                    <a:noFill/>
-                  </a:rPr>
-                  <a:t> </a:t>
-                </a:r>
-              </a:p>
-            </p:txBody>
-          </p:sp>
-        </mc:Fallback>
-      </mc:AlternateContent>
       <p:sp>
         <p:nvSpPr>
           <p:cNvPr id="75" name="Дуга 74"/>
@@ -9628,187 +9111,6 @@
           </a:p>
         </p:txBody>
       </p:sp>
-      <mc:AlternateContent xmlns:mc="http://schemas.openxmlformats.org/markup-compatibility/2006" xmlns:a14="http://schemas.microsoft.com/office/drawing/2010/main">
-        <mc:Choice Requires="a14">
-          <p:sp>
-            <p:nvSpPr>
-              <p:cNvPr id="76" name="TextBox 75"/>
-              <p:cNvSpPr txBox="1"/>
-              <p:nvPr/>
-            </p:nvSpPr>
-            <p:spPr>
-              <a:xfrm>
-                <a:off x="8267658" y="8534300"/>
-                <a:ext cx="468590" cy="461665"/>
-              </a:xfrm>
-              <a:prstGeom prst="rect">
-                <a:avLst/>
-              </a:prstGeom>
-              <a:noFill/>
-            </p:spPr>
-            <p:txBody>
-              <a:bodyPr wrap="none" rtlCol="0">
-                <a:spAutoFit/>
-              </a:bodyPr>
-              <a:lstStyle/>
-              <a:p>
-                <a:pPr/>
-                <a14:m>
-                  <m:oMathPara xmlns:m="http://schemas.openxmlformats.org/officeDocument/2006/math">
-                    <m:oMathParaPr>
-                      <m:jc m:val="centerGroup"/>
-                    </m:oMathParaPr>
-                    <m:oMath xmlns:m="http://schemas.openxmlformats.org/officeDocument/2006/math">
-                      <m:r>
-                        <a:rPr lang="ru-RU" sz="2400" i="1" smtClean="0">
-                          <a:latin typeface="Cambria Math"/>
-                          <a:ea typeface="Cambria Math"/>
-                        </a:rPr>
-                        <m:t>𝜑</m:t>
-                      </m:r>
-                    </m:oMath>
-                  </m:oMathPara>
-                </a14:m>
-                <a:endParaRPr lang="ru-RU" sz="2400" dirty="0"/>
-              </a:p>
-            </p:txBody>
-          </p:sp>
-        </mc:Choice>
-        <mc:Fallback xmlns="">
-          <p:sp>
-            <p:nvSpPr>
-              <p:cNvPr id="76" name="TextBox 75"/>
-              <p:cNvSpPr txBox="1">
-                <a:spLocks noRot="1" noChangeAspect="1" noMove="1" noResize="1" noEditPoints="1" noAdjustHandles="1" noChangeArrowheads="1" noChangeShapeType="1" noTextEdit="1"/>
-              </p:cNvSpPr>
-              <p:nvPr/>
-            </p:nvSpPr>
-            <p:spPr>
-              <a:xfrm>
-                <a:off x="8267658" y="8534300"/>
-                <a:ext cx="468590" cy="461665"/>
-              </a:xfrm>
-              <a:prstGeom prst="rect">
-                <a:avLst/>
-              </a:prstGeom>
-              <a:blipFill rotWithShape="1">
-                <a:blip r:embed="rId15"/>
-                <a:stretch>
-                  <a:fillRect b="-9211"/>
-                </a:stretch>
-              </a:blipFill>
-            </p:spPr>
-            <p:txBody>
-              <a:bodyPr/>
-              <a:lstStyle/>
-              <a:p>
-                <a:r>
-                  <a:rPr lang="ru-RU">
-                    <a:noFill/>
-                  </a:rPr>
-                  <a:t> </a:t>
-                </a:r>
-              </a:p>
-            </p:txBody>
-          </p:sp>
-        </mc:Fallback>
-      </mc:AlternateContent>
-      <mc:AlternateContent xmlns:mc="http://schemas.openxmlformats.org/markup-compatibility/2006" xmlns:a14="http://schemas.microsoft.com/office/drawing/2010/main">
-        <mc:Choice Requires="a14">
-          <p:sp>
-            <p:nvSpPr>
-              <p:cNvPr id="77" name="TextBox 76"/>
-              <p:cNvSpPr txBox="1"/>
-              <p:nvPr/>
-            </p:nvSpPr>
-            <p:spPr>
-              <a:xfrm>
-                <a:off x="9435366" y="7978187"/>
-                <a:ext cx="463845" cy="506421"/>
-              </a:xfrm>
-              <a:prstGeom prst="rect">
-                <a:avLst/>
-              </a:prstGeom>
-              <a:noFill/>
-            </p:spPr>
-            <p:txBody>
-              <a:bodyPr wrap="none" rtlCol="0">
-                <a:spAutoFit/>
-              </a:bodyPr>
-              <a:lstStyle/>
-              <a:p>
-                <a:pPr/>
-                <a14:m>
-                  <m:oMathPara xmlns:m="http://schemas.openxmlformats.org/officeDocument/2006/math">
-                    <m:oMathParaPr>
-                      <m:jc m:val="centerGroup"/>
-                    </m:oMathParaPr>
-                    <m:oMath xmlns:m="http://schemas.openxmlformats.org/officeDocument/2006/math">
-                      <m:acc>
-                        <m:accPr>
-                          <m:chr m:val="⃗"/>
-                          <m:ctrlPr>
-                            <a:rPr lang="ru-RU" sz="2400" i="1" smtClean="0">
-                              <a:latin typeface="Cambria Math"/>
-                            </a:rPr>
-                          </m:ctrlPr>
-                        </m:accPr>
-                        <m:e>
-                          <m:r>
-                            <a:rPr lang="en-US" sz="2400" b="0" i="1" smtClean="0">
-                              <a:latin typeface="Cambria Math"/>
-                            </a:rPr>
-                            <m:t>𝐵</m:t>
-                          </m:r>
-                        </m:e>
-                      </m:acc>
-                    </m:oMath>
-                  </m:oMathPara>
-                </a14:m>
-                <a:endParaRPr lang="ru-RU" sz="2400" dirty="0"/>
-              </a:p>
-            </p:txBody>
-          </p:sp>
-        </mc:Choice>
-        <mc:Fallback xmlns="">
-          <p:sp>
-            <p:nvSpPr>
-              <p:cNvPr id="77" name="TextBox 76"/>
-              <p:cNvSpPr txBox="1">
-                <a:spLocks noRot="1" noChangeAspect="1" noMove="1" noResize="1" noEditPoints="1" noAdjustHandles="1" noChangeArrowheads="1" noChangeShapeType="1" noTextEdit="1"/>
-              </p:cNvSpPr>
-              <p:nvPr/>
-            </p:nvSpPr>
-            <p:spPr>
-              <a:xfrm>
-                <a:off x="9435366" y="7978187"/>
-                <a:ext cx="463845" cy="506421"/>
-              </a:xfrm>
-              <a:prstGeom prst="rect">
-                <a:avLst/>
-              </a:prstGeom>
-              <a:blipFill rotWithShape="1">
-                <a:blip r:embed="rId16"/>
-                <a:stretch>
-                  <a:fillRect/>
-                </a:stretch>
-              </a:blipFill>
-            </p:spPr>
-            <p:txBody>
-              <a:bodyPr/>
-              <a:lstStyle/>
-              <a:p>
-                <a:r>
-                  <a:rPr lang="ru-RU">
-                    <a:noFill/>
-                  </a:rPr>
-                  <a:t> </a:t>
-                </a:r>
-              </a:p>
-            </p:txBody>
-          </p:sp>
-        </mc:Fallback>
-      </mc:AlternateContent>
       <mc:AlternateContent xmlns:mc="http://schemas.openxmlformats.org/markup-compatibility/2006" xmlns:a14="http://schemas.microsoft.com/office/drawing/2010/main">
         <mc:Choice Requires="a14">
           <p:sp>
@@ -10434,14 +9736,7 @@
                 <a:latin typeface="Times New Roman" panose="02020603050405020304" pitchFamily="18" charset="0"/>
                 <a:cs typeface="Times New Roman" panose="02020603050405020304" pitchFamily="18" charset="0"/>
               </a:rPr>
-              <a:t>Рис. </a:t>
-            </a:r>
-            <a:r>
-              <a:rPr lang="ru-RU" sz="2000" b="1" i="1" dirty="0" smtClean="0">
-                <a:latin typeface="Times New Roman" panose="02020603050405020304" pitchFamily="18" charset="0"/>
-                <a:cs typeface="Times New Roman" panose="02020603050405020304" pitchFamily="18" charset="0"/>
-              </a:rPr>
-              <a:t>1 </a:t>
+              <a:t>Рис. 1 </a:t>
             </a:r>
             <a:r>
               <a:rPr lang="ru-RU" sz="2000" i="1" dirty="0" smtClean="0">
@@ -10499,6 +9794,598 @@
           </a:p>
         </p:txBody>
       </p:sp>
+      <mc:AlternateContent xmlns:mc="http://schemas.openxmlformats.org/markup-compatibility/2006">
+        <mc:Choice xmlns:a14="http://schemas.microsoft.com/office/drawing/2010/main" Requires="a14">
+          <p:sp>
+            <p:nvSpPr>
+              <p:cNvPr id="8" name="TextBox 7"/>
+              <p:cNvSpPr txBox="1"/>
+              <p:nvPr/>
+            </p:nvSpPr>
+            <p:spPr>
+              <a:xfrm>
+                <a:off x="7364683" y="9796193"/>
+                <a:ext cx="7109254" cy="1200200"/>
+              </a:xfrm>
+              <a:prstGeom prst="rect">
+                <a:avLst/>
+              </a:prstGeom>
+              <a:noFill/>
+            </p:spPr>
+            <p:txBody>
+              <a:bodyPr wrap="none" rtlCol="0">
+                <a:spAutoFit/>
+              </a:bodyPr>
+              <a:lstStyle/>
+              <a:p>
+                <a14:m>
+                  <m:oMathPara xmlns:m="http://schemas.openxmlformats.org/officeDocument/2006/math">
+                    <m:oMathParaPr>
+                      <m:jc m:val="centerGroup"/>
+                    </m:oMathParaPr>
+                    <m:oMath xmlns:m="http://schemas.openxmlformats.org/officeDocument/2006/math">
+                      <m:sSub>
+                        <m:sSubPr>
+                          <m:ctrlPr>
+                            <a:rPr lang="ru-RU" sz="2800" i="1" smtClean="0">
+                              <a:latin typeface="Cambria Math"/>
+                            </a:rPr>
+                          </m:ctrlPr>
+                        </m:sSubPr>
+                        <m:e>
+                          <m:acc>
+                            <m:accPr>
+                              <m:chr m:val="⃗"/>
+                              <m:ctrlPr>
+                                <a:rPr lang="ru-RU" sz="2800" i="1" smtClean="0">
+                                  <a:latin typeface="Cambria Math"/>
+                                </a:rPr>
+                              </m:ctrlPr>
+                            </m:accPr>
+                            <m:e>
+                              <m:r>
+                                <a:rPr lang="en-US" sz="2800" b="0" i="1" smtClean="0">
+                                  <a:latin typeface="Cambria Math"/>
+                                </a:rPr>
+                                <m:t>𝐵</m:t>
+                              </m:r>
+                            </m:e>
+                          </m:acc>
+                        </m:e>
+                        <m:sub>
+                          <m:r>
+                            <a:rPr lang="en-US" sz="2800" b="0" i="1" smtClean="0">
+                              <a:latin typeface="Cambria Math"/>
+                            </a:rPr>
+                            <m:t>𝑡𝑢𝑟𝑏</m:t>
+                          </m:r>
+                        </m:sub>
+                      </m:sSub>
+                      <m:d>
+                        <m:dPr>
+                          <m:ctrlPr>
+                            <a:rPr lang="en-US" sz="2800" b="0" i="1" smtClean="0">
+                              <a:latin typeface="Cambria Math"/>
+                            </a:rPr>
+                          </m:ctrlPr>
+                        </m:dPr>
+                        <m:e>
+                          <m:acc>
+                            <m:accPr>
+                              <m:chr m:val="⃗"/>
+                              <m:ctrlPr>
+                                <a:rPr lang="en-US" sz="2800" b="0" i="1" smtClean="0">
+                                  <a:latin typeface="Cambria Math"/>
+                                </a:rPr>
+                              </m:ctrlPr>
+                            </m:accPr>
+                            <m:e>
+                              <m:r>
+                                <a:rPr lang="en-US" sz="2800" b="0" i="1" smtClean="0">
+                                  <a:latin typeface="Cambria Math"/>
+                                </a:rPr>
+                                <m:t>𝑟</m:t>
+                              </m:r>
+                            </m:e>
+                          </m:acc>
+                        </m:e>
+                      </m:d>
+                      <m:r>
+                        <a:rPr lang="en-US" sz="2800" b="0" i="1" smtClean="0">
+                          <a:latin typeface="Cambria Math"/>
+                        </a:rPr>
+                        <m:t>=</m:t>
+                      </m:r>
+                      <m:nary>
+                        <m:naryPr>
+                          <m:chr m:val="∑"/>
+                          <m:supHide m:val="on"/>
+                          <m:ctrlPr>
+                            <a:rPr lang="en-US" sz="2800" b="0" i="1" smtClean="0">
+                              <a:latin typeface="Cambria Math"/>
+                            </a:rPr>
+                          </m:ctrlPr>
+                        </m:naryPr>
+                        <m:sub>
+                          <m:acc>
+                            <m:accPr>
+                              <m:chr m:val="⃗"/>
+                              <m:ctrlPr>
+                                <a:rPr lang="en-US" sz="2800" b="0" i="1" smtClean="0">
+                                  <a:latin typeface="Cambria Math"/>
+                                </a:rPr>
+                              </m:ctrlPr>
+                            </m:accPr>
+                            <m:e>
+                              <m:r>
+                                <a:rPr lang="en-US" sz="2800" b="0" i="1" smtClean="0">
+                                  <a:latin typeface="Cambria Math"/>
+                                </a:rPr>
+                                <m:t>𝑘</m:t>
+                              </m:r>
+                            </m:e>
+                          </m:acc>
+                        </m:sub>
+                        <m:sup/>
+                        <m:e>
+                          <m:nary>
+                            <m:naryPr>
+                              <m:chr m:val="∑"/>
+                              <m:supHide m:val="on"/>
+                              <m:ctrlPr>
+                                <a:rPr lang="en-US" sz="2800" b="0" i="1" smtClean="0">
+                                  <a:latin typeface="Cambria Math"/>
+                                </a:rPr>
+                              </m:ctrlPr>
+                            </m:naryPr>
+                            <m:sub>
+                              <m:r>
+                                <m:rPr>
+                                  <m:brk m:alnAt="7"/>
+                                </m:rPr>
+                                <a:rPr lang="en-US" sz="2800" b="0" i="1" smtClean="0">
+                                  <a:latin typeface="Cambria Math"/>
+                                </a:rPr>
+                                <m:t>𝑝</m:t>
+                              </m:r>
+                            </m:sub>
+                            <m:sup/>
+                            <m:e>
+                              <m:r>
+                                <a:rPr lang="en-US" sz="2800" b="0" i="1" smtClean="0">
+                                  <a:latin typeface="Cambria Math"/>
+                                </a:rPr>
+                                <m:t>𝐵</m:t>
+                              </m:r>
+                              <m:r>
+                                <a:rPr lang="en-US" sz="2800" b="0" i="1" smtClean="0">
+                                  <a:latin typeface="Cambria Math"/>
+                                </a:rPr>
+                                <m:t>(</m:t>
+                              </m:r>
+                              <m:acc>
+                                <m:accPr>
+                                  <m:chr m:val="⃗"/>
+                                  <m:ctrlPr>
+                                    <a:rPr lang="en-US" sz="2800" b="0" i="1" smtClean="0">
+                                      <a:latin typeface="Cambria Math"/>
+                                    </a:rPr>
+                                  </m:ctrlPr>
+                                </m:accPr>
+                                <m:e>
+                                  <m:r>
+                                    <a:rPr lang="en-US" sz="2800" b="0" i="1" smtClean="0">
+                                      <a:latin typeface="Cambria Math"/>
+                                    </a:rPr>
+                                    <m:t>𝑘</m:t>
+                                  </m:r>
+                                </m:e>
+                              </m:acc>
+                              <m:r>
+                                <a:rPr lang="en-US" sz="2800" b="0" i="1" smtClean="0">
+                                  <a:latin typeface="Cambria Math"/>
+                                </a:rPr>
+                                <m:t>)</m:t>
+                              </m:r>
+                              <m:sSub>
+                                <m:sSubPr>
+                                  <m:ctrlPr>
+                                    <a:rPr lang="en-US" sz="2800" b="0" i="1" smtClean="0">
+                                      <a:latin typeface="Cambria Math"/>
+                                    </a:rPr>
+                                  </m:ctrlPr>
+                                </m:sSubPr>
+                                <m:e>
+                                  <m:acc>
+                                    <m:accPr>
+                                      <m:chr m:val="⃗"/>
+                                      <m:ctrlPr>
+                                        <a:rPr lang="en-US" sz="2800" b="0" i="1" smtClean="0">
+                                          <a:latin typeface="Cambria Math"/>
+                                        </a:rPr>
+                                      </m:ctrlPr>
+                                    </m:accPr>
+                                    <m:e>
+                                      <m:r>
+                                        <a:rPr lang="en-US" sz="2800" b="0" i="1" smtClean="0">
+                                          <a:latin typeface="Cambria Math"/>
+                                        </a:rPr>
+                                        <m:t>𝑒</m:t>
+                                      </m:r>
+                                    </m:e>
+                                  </m:acc>
+                                </m:e>
+                                <m:sub>
+                                  <m:r>
+                                    <a:rPr lang="en-US" sz="2800" b="0" i="1" smtClean="0">
+                                      <a:latin typeface="Cambria Math"/>
+                                    </a:rPr>
+                                    <m:t>𝑝</m:t>
+                                  </m:r>
+                                </m:sub>
+                              </m:sSub>
+                              <m:r>
+                                <m:rPr>
+                                  <m:sty m:val="p"/>
+                                </m:rPr>
+                                <a:rPr lang="en-US" sz="2800" b="0" i="0" smtClean="0">
+                                  <a:latin typeface="Cambria Math"/>
+                                </a:rPr>
+                                <m:t>sin</m:t>
+                              </m:r>
+                              <m:r>
+                                <a:rPr lang="en-US" sz="2800" b="0" i="1" smtClean="0">
+                                  <a:latin typeface="Cambria Math"/>
+                                </a:rPr>
+                                <m:t>⁡(</m:t>
+                              </m:r>
+                              <m:acc>
+                                <m:accPr>
+                                  <m:chr m:val="⃗"/>
+                                  <m:ctrlPr>
+                                    <a:rPr lang="en-US" sz="2800" b="0" i="1" smtClean="0">
+                                      <a:latin typeface="Cambria Math"/>
+                                    </a:rPr>
+                                  </m:ctrlPr>
+                                </m:accPr>
+                                <m:e>
+                                  <m:r>
+                                    <a:rPr lang="en-US" sz="2800" b="0" i="1" smtClean="0">
+                                      <a:latin typeface="Cambria Math"/>
+                                    </a:rPr>
+                                    <m:t>𝑘</m:t>
+                                  </m:r>
+                                </m:e>
+                              </m:acc>
+                              <m:acc>
+                                <m:accPr>
+                                  <m:chr m:val="⃗"/>
+                                  <m:ctrlPr>
+                                    <a:rPr lang="ru-RU" sz="2800" i="1" smtClean="0">
+                                      <a:latin typeface="Cambria Math"/>
+                                    </a:rPr>
+                                  </m:ctrlPr>
+                                </m:accPr>
+                                <m:e>
+                                  <m:r>
+                                    <a:rPr lang="en-US" sz="2800" b="0" i="1" smtClean="0">
+                                      <a:latin typeface="Cambria Math"/>
+                                    </a:rPr>
+                                    <m:t>𝑟</m:t>
+                                  </m:r>
+                                </m:e>
+                              </m:acc>
+                              <m:r>
+                                <a:rPr lang="en-US" sz="2800" b="0" i="1" smtClean="0">
+                                  <a:latin typeface="Cambria Math"/>
+                                </a:rPr>
+                                <m:t>+</m:t>
+                              </m:r>
+                              <m:r>
+                                <a:rPr lang="en-US" sz="2800" b="0" i="1" smtClean="0">
+                                  <a:latin typeface="Cambria Math"/>
+                                  <a:ea typeface="Cambria Math"/>
+                                </a:rPr>
+                                <m:t>𝜑</m:t>
+                              </m:r>
+                              <m:d>
+                                <m:dPr>
+                                  <m:ctrlPr>
+                                    <a:rPr lang="en-US" sz="2800" b="0" i="1" smtClean="0">
+                                      <a:latin typeface="Cambria Math"/>
+                                      <a:ea typeface="Cambria Math"/>
+                                    </a:rPr>
+                                  </m:ctrlPr>
+                                </m:dPr>
+                                <m:e>
+                                  <m:acc>
+                                    <m:accPr>
+                                      <m:chr m:val="⃗"/>
+                                      <m:ctrlPr>
+                                        <a:rPr lang="en-US" sz="2800" b="0" i="1" smtClean="0">
+                                          <a:latin typeface="Cambria Math"/>
+                                          <a:ea typeface="Cambria Math"/>
+                                        </a:rPr>
+                                      </m:ctrlPr>
+                                    </m:accPr>
+                                    <m:e>
+                                      <m:r>
+                                        <a:rPr lang="en-US" sz="2800" b="0" i="1" smtClean="0">
+                                          <a:latin typeface="Cambria Math"/>
+                                          <a:ea typeface="Cambria Math"/>
+                                        </a:rPr>
+                                        <m:t>𝑘</m:t>
+                                      </m:r>
+                                    </m:e>
+                                  </m:acc>
+                                  <m:r>
+                                    <a:rPr lang="en-US" sz="2800" b="0" i="1" smtClean="0">
+                                      <a:latin typeface="Cambria Math"/>
+                                      <a:ea typeface="Cambria Math"/>
+                                    </a:rPr>
+                                    <m:t>,</m:t>
+                                  </m:r>
+                                  <m:r>
+                                    <a:rPr lang="en-US" sz="2800" b="0" i="1" smtClean="0">
+                                      <a:latin typeface="Cambria Math"/>
+                                      <a:ea typeface="Cambria Math"/>
+                                    </a:rPr>
+                                    <m:t>𝑝</m:t>
+                                  </m:r>
+                                </m:e>
+                              </m:d>
+                              <m:r>
+                                <a:rPr lang="en-US" sz="2800" b="0" i="1" smtClean="0">
+                                  <a:latin typeface="Cambria Math"/>
+                                </a:rPr>
+                                <m:t>)</m:t>
+                              </m:r>
+                            </m:e>
+                          </m:nary>
+                        </m:e>
+                      </m:nary>
+                    </m:oMath>
+                  </m:oMathPara>
+                </a14:m>
+                <a:endParaRPr lang="ru-RU" sz="2800" dirty="0"/>
+              </a:p>
+            </p:txBody>
+          </p:sp>
+        </mc:Choice>
+        <mc:Fallback>
+          <p:sp>
+            <p:nvSpPr>
+              <p:cNvPr id="8" name="TextBox 7"/>
+              <p:cNvSpPr txBox="1">
+                <a:spLocks noRot="1" noChangeAspect="1" noMove="1" noResize="1" noEditPoints="1" noAdjustHandles="1" noChangeArrowheads="1" noChangeShapeType="1" noTextEdit="1"/>
+              </p:cNvSpPr>
+              <p:nvPr/>
+            </p:nvSpPr>
+            <p:spPr>
+              <a:xfrm>
+                <a:off x="7364683" y="9796193"/>
+                <a:ext cx="7109254" cy="1200200"/>
+              </a:xfrm>
+              <a:prstGeom prst="rect">
+                <a:avLst/>
+              </a:prstGeom>
+              <a:blipFill rotWithShape="1">
+                <a:blip r:embed="rId27"/>
+                <a:stretch>
+                  <a:fillRect/>
+                </a:stretch>
+              </a:blipFill>
+            </p:spPr>
+            <p:txBody>
+              <a:bodyPr/>
+              <a:lstStyle/>
+              <a:p>
+                <a:r>
+                  <a:rPr lang="ru-RU">
+                    <a:noFill/>
+                  </a:rPr>
+                  <a:t> </a:t>
+                </a:r>
+              </a:p>
+            </p:txBody>
+          </p:sp>
+        </mc:Fallback>
+      </mc:AlternateContent>
+      <mc:AlternateContent xmlns:mc="http://schemas.openxmlformats.org/markup-compatibility/2006">
+        <mc:Choice xmlns:a14="http://schemas.microsoft.com/office/drawing/2010/main" Requires="a14">
+          <p:sp>
+            <p:nvSpPr>
+              <p:cNvPr id="9" name="TextBox 8"/>
+              <p:cNvSpPr txBox="1"/>
+              <p:nvPr/>
+            </p:nvSpPr>
+            <p:spPr>
+              <a:xfrm>
+                <a:off x="7745750" y="10822804"/>
+                <a:ext cx="5950596" cy="943720"/>
+              </a:xfrm>
+              <a:prstGeom prst="rect">
+                <a:avLst/>
+              </a:prstGeom>
+              <a:noFill/>
+            </p:spPr>
+            <p:txBody>
+              <a:bodyPr wrap="square" rtlCol="0">
+                <a:spAutoFit/>
+              </a:bodyPr>
+              <a:lstStyle/>
+              <a:p>
+                <a14:m>
+                  <m:oMath xmlns:m="http://schemas.openxmlformats.org/officeDocument/2006/math">
+                    <m:sSub>
+                      <m:sSubPr>
+                        <m:ctrlPr>
+                          <a:rPr lang="en-US" sz="2400" i="1" smtClean="0">
+                            <a:latin typeface="Cambria Math"/>
+                          </a:rPr>
+                        </m:ctrlPr>
+                      </m:sSubPr>
+                      <m:e>
+                        <m:acc>
+                          <m:accPr>
+                            <m:chr m:val="⃗"/>
+                            <m:ctrlPr>
+                              <a:rPr lang="en-US" sz="2400" i="1">
+                                <a:latin typeface="Cambria Math"/>
+                              </a:rPr>
+                            </m:ctrlPr>
+                          </m:accPr>
+                          <m:e>
+                            <m:r>
+                              <a:rPr lang="en-US" sz="2400" i="1">
+                                <a:latin typeface="Cambria Math"/>
+                              </a:rPr>
+                              <m:t>𝑒</m:t>
+                            </m:r>
+                          </m:e>
+                        </m:acc>
+                      </m:e>
+                      <m:sub>
+                        <m:r>
+                          <a:rPr lang="en-US" sz="2400" i="1">
+                            <a:latin typeface="Cambria Math"/>
+                          </a:rPr>
+                          <m:t>𝑝</m:t>
+                        </m:r>
+                      </m:sub>
+                    </m:sSub>
+                  </m:oMath>
+                </a14:m>
+                <a:r>
+                  <a:rPr lang="en-US" sz="2400" dirty="0" smtClean="0"/>
+                  <a:t> - </a:t>
+                </a:r>
+                <a:r>
+                  <a:rPr lang="ru-RU" sz="2400" dirty="0" smtClean="0">
+                    <a:latin typeface="Times New Roman" panose="02020603050405020304" pitchFamily="18" charset="0"/>
+                    <a:cs typeface="Times New Roman" panose="02020603050405020304" pitchFamily="18" charset="0"/>
+                  </a:rPr>
+                  <a:t>вектора, соответствующие двум разным поляризациям</a:t>
+                </a:r>
+                <a:r>
+                  <a:rPr lang="ru-RU" sz="2400" dirty="0" smtClean="0"/>
+                  <a:t>, </a:t>
+                </a:r>
+                <a14:m>
+                  <m:oMath xmlns:m="http://schemas.openxmlformats.org/officeDocument/2006/math">
+                    <m:r>
+                      <a:rPr lang="en-US" sz="2400" i="1">
+                        <a:latin typeface="Cambria Math"/>
+                        <a:ea typeface="Cambria Math"/>
+                      </a:rPr>
+                      <m:t>𝜑</m:t>
+                    </m:r>
+                    <m:d>
+                      <m:dPr>
+                        <m:ctrlPr>
+                          <a:rPr lang="en-US" sz="2400" i="1">
+                            <a:latin typeface="Cambria Math"/>
+                            <a:ea typeface="Cambria Math"/>
+                          </a:rPr>
+                        </m:ctrlPr>
+                      </m:dPr>
+                      <m:e>
+                        <m:acc>
+                          <m:accPr>
+                            <m:chr m:val="⃗"/>
+                            <m:ctrlPr>
+                              <a:rPr lang="en-US" sz="2400" i="1" smtClean="0">
+                                <a:latin typeface="Cambria Math"/>
+                                <a:ea typeface="Cambria Math"/>
+                              </a:rPr>
+                            </m:ctrlPr>
+                          </m:accPr>
+                          <m:e>
+                            <m:r>
+                              <a:rPr lang="en-US" sz="2400" b="0" i="1" smtClean="0">
+                                <a:latin typeface="Cambria Math"/>
+                                <a:ea typeface="Cambria Math"/>
+                              </a:rPr>
+                              <m:t>𝑘</m:t>
+                            </m:r>
+                          </m:e>
+                        </m:acc>
+                        <m:r>
+                          <a:rPr lang="en-US" sz="2400" i="1">
+                            <a:latin typeface="Cambria Math"/>
+                            <a:ea typeface="Cambria Math"/>
+                          </a:rPr>
+                          <m:t>,</m:t>
+                        </m:r>
+                        <m:r>
+                          <a:rPr lang="en-US" sz="2400" i="1">
+                            <a:latin typeface="Cambria Math"/>
+                            <a:ea typeface="Cambria Math"/>
+                          </a:rPr>
+                          <m:t>𝑝</m:t>
+                        </m:r>
+                      </m:e>
+                    </m:d>
+                  </m:oMath>
+                </a14:m>
+                <a:r>
+                  <a:rPr lang="ru-RU" sz="2400" dirty="0" smtClean="0"/>
+                  <a:t>- </a:t>
+                </a:r>
+                <a:r>
+                  <a:rPr lang="ru-RU" sz="2400" dirty="0" smtClean="0">
+                    <a:latin typeface="Times New Roman" panose="02020603050405020304" pitchFamily="18" charset="0"/>
+                    <a:cs typeface="Times New Roman" panose="02020603050405020304" pitchFamily="18" charset="0"/>
+                  </a:rPr>
+                  <a:t>случайная фаза</a:t>
+                </a:r>
+                <a:endParaRPr lang="ru-RU" sz="2400" dirty="0">
+                  <a:latin typeface="Times New Roman" panose="02020603050405020304" pitchFamily="18" charset="0"/>
+                  <a:cs typeface="Times New Roman" panose="02020603050405020304" pitchFamily="18" charset="0"/>
+                </a:endParaRPr>
+              </a:p>
+            </p:txBody>
+          </p:sp>
+        </mc:Choice>
+        <mc:Fallback>
+          <p:sp>
+            <p:nvSpPr>
+              <p:cNvPr id="9" name="TextBox 8"/>
+              <p:cNvSpPr txBox="1">
+                <a:spLocks noRot="1" noChangeAspect="1" noMove="1" noResize="1" noEditPoints="1" noAdjustHandles="1" noChangeArrowheads="1" noChangeShapeType="1" noTextEdit="1"/>
+              </p:cNvSpPr>
+              <p:nvPr/>
+            </p:nvSpPr>
+            <p:spPr>
+              <a:xfrm>
+                <a:off x="7745750" y="10822804"/>
+                <a:ext cx="5950596" cy="943720"/>
+              </a:xfrm>
+              <a:prstGeom prst="rect">
+                <a:avLst/>
+              </a:prstGeom>
+              <a:blipFill rotWithShape="1">
+                <a:blip r:embed="rId28"/>
+                <a:stretch>
+                  <a:fillRect l="-1639" t="-9032" r="-2152" b="-11613"/>
+                </a:stretch>
+              </a:blipFill>
+            </p:spPr>
+            <p:txBody>
+              <a:bodyPr/>
+              <a:lstStyle/>
+              <a:p>
+                <a:r>
+                  <a:rPr lang="ru-RU">
+                    <a:noFill/>
+                  </a:rPr>
+                  <a:t> </a:t>
+                </a:r>
+              </a:p>
+            </p:txBody>
+          </p:sp>
+        </mc:Fallback>
+      </mc:AlternateContent>
     </p:spTree>
     <p:extLst>
       <p:ext uri="{BB962C8B-B14F-4D97-AF65-F5344CB8AC3E}">

--- a/posters/Romansky_Physica_2019.pptx
+++ b/posters/Romansky_Physica_2019.pptx
@@ -288,7 +288,7 @@
           <a:p>
             <a:fld id="{F515D3A2-22C3-4007-B598-9B555F861680}" type="datetimeFigureOut">
               <a:rPr lang="ru-RU" smtClean="0"/>
-              <a:t>15.10.2019</a:t>
+              <a:t>17.10.2019</a:t>
             </a:fld>
             <a:endParaRPr lang="ru-RU"/>
           </a:p>
@@ -458,7 +458,7 @@
           <a:p>
             <a:fld id="{F515D3A2-22C3-4007-B598-9B555F861680}" type="datetimeFigureOut">
               <a:rPr lang="ru-RU" smtClean="0"/>
-              <a:t>15.10.2019</a:t>
+              <a:t>17.10.2019</a:t>
             </a:fld>
             <a:endParaRPr lang="ru-RU"/>
           </a:p>
@@ -638,7 +638,7 @@
           <a:p>
             <a:fld id="{F515D3A2-22C3-4007-B598-9B555F861680}" type="datetimeFigureOut">
               <a:rPr lang="ru-RU" smtClean="0"/>
-              <a:t>15.10.2019</a:t>
+              <a:t>17.10.2019</a:t>
             </a:fld>
             <a:endParaRPr lang="ru-RU"/>
           </a:p>
@@ -808,7 +808,7 @@
           <a:p>
             <a:fld id="{F515D3A2-22C3-4007-B598-9B555F861680}" type="datetimeFigureOut">
               <a:rPr lang="ru-RU" smtClean="0"/>
-              <a:t>15.10.2019</a:t>
+              <a:t>17.10.2019</a:t>
             </a:fld>
             <a:endParaRPr lang="ru-RU"/>
           </a:p>
@@ -1054,7 +1054,7 @@
           <a:p>
             <a:fld id="{F515D3A2-22C3-4007-B598-9B555F861680}" type="datetimeFigureOut">
               <a:rPr lang="ru-RU" smtClean="0"/>
-              <a:t>15.10.2019</a:t>
+              <a:t>17.10.2019</a:t>
             </a:fld>
             <a:endParaRPr lang="ru-RU"/>
           </a:p>
@@ -1342,7 +1342,7 @@
           <a:p>
             <a:fld id="{F515D3A2-22C3-4007-B598-9B555F861680}" type="datetimeFigureOut">
               <a:rPr lang="ru-RU" smtClean="0"/>
-              <a:t>15.10.2019</a:t>
+              <a:t>17.10.2019</a:t>
             </a:fld>
             <a:endParaRPr lang="ru-RU"/>
           </a:p>
@@ -1764,7 +1764,7 @@
           <a:p>
             <a:fld id="{F515D3A2-22C3-4007-B598-9B555F861680}" type="datetimeFigureOut">
               <a:rPr lang="ru-RU" smtClean="0"/>
-              <a:t>15.10.2019</a:t>
+              <a:t>17.10.2019</a:t>
             </a:fld>
             <a:endParaRPr lang="ru-RU"/>
           </a:p>
@@ -1882,7 +1882,7 @@
           <a:p>
             <a:fld id="{F515D3A2-22C3-4007-B598-9B555F861680}" type="datetimeFigureOut">
               <a:rPr lang="ru-RU" smtClean="0"/>
-              <a:t>15.10.2019</a:t>
+              <a:t>17.10.2019</a:t>
             </a:fld>
             <a:endParaRPr lang="ru-RU"/>
           </a:p>
@@ -1977,7 +1977,7 @@
           <a:p>
             <a:fld id="{F515D3A2-22C3-4007-B598-9B555F861680}" type="datetimeFigureOut">
               <a:rPr lang="ru-RU" smtClean="0"/>
-              <a:t>15.10.2019</a:t>
+              <a:t>17.10.2019</a:t>
             </a:fld>
             <a:endParaRPr lang="ru-RU"/>
           </a:p>
@@ -2254,7 +2254,7 @@
           <a:p>
             <a:fld id="{F515D3A2-22C3-4007-B598-9B555F861680}" type="datetimeFigureOut">
               <a:rPr lang="ru-RU" smtClean="0"/>
-              <a:t>15.10.2019</a:t>
+              <a:t>17.10.2019</a:t>
             </a:fld>
             <a:endParaRPr lang="ru-RU"/>
           </a:p>
@@ -2507,7 +2507,7 @@
           <a:p>
             <a:fld id="{F515D3A2-22C3-4007-B598-9B555F861680}" type="datetimeFigureOut">
               <a:rPr lang="ru-RU" smtClean="0"/>
-              <a:t>15.10.2019</a:t>
+              <a:t>17.10.2019</a:t>
             </a:fld>
             <a:endParaRPr lang="ru-RU"/>
           </a:p>
@@ -2720,7 +2720,7 @@
           <a:p>
             <a:fld id="{F515D3A2-22C3-4007-B598-9B555F861680}" type="datetimeFigureOut">
               <a:rPr lang="ru-RU" smtClean="0"/>
-              <a:t>15.10.2019</a:t>
+              <a:t>17.10.2019</a:t>
             </a:fld>
             <a:endParaRPr lang="ru-RU"/>
           </a:p>
@@ -3118,7 +3118,7 @@
         </p:blipFill>
         <p:spPr bwMode="auto">
           <a:xfrm>
-            <a:off x="1404369" y="0"/>
+            <a:off x="1380663" y="79342"/>
             <a:ext cx="5709992" cy="2009149"/>
           </a:xfrm>
           <a:prstGeom prst="rect">
@@ -3698,7 +3698,7 @@
         </p:nvSpPr>
         <p:spPr bwMode="auto">
           <a:xfrm>
-            <a:off x="-609302" y="2413468"/>
+            <a:off x="-609302" y="2088491"/>
             <a:ext cx="22591836" cy="1140954"/>
           </a:xfrm>
           <a:prstGeom prst="rect">
@@ -4287,8 +4287,8 @@
         </p:nvSpPr>
         <p:spPr bwMode="auto">
           <a:xfrm>
-            <a:off x="451543" y="3653043"/>
-            <a:ext cx="6840760" cy="5933870"/>
+            <a:off x="480863" y="3291173"/>
+            <a:ext cx="6688748" cy="5933870"/>
           </a:xfrm>
           <a:prstGeom prst="rect">
             <a:avLst/>
@@ -4773,8 +4773,8 @@
         </p:nvSpPr>
         <p:spPr bwMode="auto">
           <a:xfrm>
-            <a:off x="305928" y="15331725"/>
-            <a:ext cx="6914286" cy="6964343"/>
+            <a:off x="297785" y="14264511"/>
+            <a:ext cx="6914286" cy="6277360"/>
           </a:xfrm>
           <a:prstGeom prst="rect">
             <a:avLst/>
@@ -5170,14 +5170,14 @@
               <a:buNone/>
             </a:pPr>
             <a:r>
-              <a:rPr lang="ru-RU" altLang="ru-RU" sz="2400" b="1" dirty="0">
+              <a:rPr lang="ru-RU" altLang="ru-RU" sz="2400" b="1" dirty="0" smtClean="0">
                 <a:solidFill>
                   <a:srgbClr val="000000"/>
                 </a:solidFill>
                 <a:latin typeface="Times New Roman" pitchFamily="16" charset="0"/>
                 <a:cs typeface="DejaVu Sans" pitchFamily="32" charset="0"/>
               </a:rPr>
-              <a:t>Общая схема PIC </a:t>
+              <a:t>Идея PIC </a:t>
             </a:r>
             <a:r>
               <a:rPr lang="ru-RU" altLang="ru-RU" sz="2400" b="1" dirty="0" smtClean="0">
@@ -5261,7 +5261,27 @@
                 <a:latin typeface="Times New Roman" pitchFamily="16" charset="0"/>
                 <a:cs typeface="DejaVu Sans" pitchFamily="32" charset="0"/>
               </a:rPr>
-              <a:t>. Этот метод исходит только из уравнений Максвелла и уравнений движения частиц, и позволяет не использовать модельные приближения. </a:t>
+              <a:t>. Этот метод исходит только из уравнений Максвелла и </a:t>
+            </a:r>
+            <a:r>
+              <a:rPr lang="ru-RU" altLang="ru-RU" sz="2400" dirty="0" smtClean="0">
+                <a:solidFill>
+                  <a:srgbClr val="000000"/>
+                </a:solidFill>
+                <a:latin typeface="Times New Roman" pitchFamily="16" charset="0"/>
+                <a:cs typeface="DejaVu Sans" pitchFamily="32" charset="0"/>
+              </a:rPr>
+              <a:t>релятивистских уравнений </a:t>
+            </a:r>
+            <a:r>
+              <a:rPr lang="ru-RU" altLang="ru-RU" sz="2400" dirty="0">
+                <a:solidFill>
+                  <a:srgbClr val="000000"/>
+                </a:solidFill>
+                <a:latin typeface="Times New Roman" pitchFamily="16" charset="0"/>
+                <a:cs typeface="DejaVu Sans" pitchFamily="32" charset="0"/>
+              </a:rPr>
+              <a:t>движения частиц, и позволяет не использовать модельные приближения. </a:t>
             </a:r>
             <a:endParaRPr lang="ru-RU" altLang="ru-RU" sz="2400" b="1" dirty="0" smtClean="0">
               <a:solidFill>
@@ -5276,9 +5296,6 @@
               <a:lnSpc>
                 <a:spcPct val="93000"/>
               </a:lnSpc>
-              <a:buClrTx/>
-              <a:buFontTx/>
-              <a:buNone/>
             </a:pPr>
             <a:r>
               <a:rPr lang="ru-RU" altLang="ru-RU" sz="2400" dirty="0" smtClean="0">
@@ -5288,7 +5305,16 @@
                 <a:latin typeface="Times New Roman" pitchFamily="16" charset="0"/>
                 <a:cs typeface="DejaVu Sans" pitchFamily="32" charset="0"/>
               </a:rPr>
-              <a:t>    </a:t>
+              <a:t>    В данном подходе, плазма представляется в виде набора супер-частиц, объединяющих в себе множество реальных частиц. Каждая из супер-частиц имеет такие характеристики, как масса, заряд и скорость и представляет собой облако плотности, распределенное в пространстве. </a:t>
+            </a:r>
+            <a:r>
+              <a:rPr lang="ru-RU" altLang="ru-RU" sz="2400" dirty="0" smtClean="0">
+                <a:solidFill>
+                  <a:srgbClr val="000000"/>
+                </a:solidFill>
+                <a:latin typeface="Times New Roman" pitchFamily="16" charset="0"/>
+              </a:rPr>
+              <a:t>В </a:t>
             </a:r>
             <a:r>
               <a:rPr lang="ru-RU" altLang="ru-RU" sz="2400" dirty="0">
@@ -5296,19 +5322,17 @@
                   <a:srgbClr val="000000"/>
                 </a:solidFill>
                 <a:latin typeface="Times New Roman" pitchFamily="16" charset="0"/>
-                <a:cs typeface="DejaVu Sans" pitchFamily="32" charset="0"/>
-              </a:rPr>
-              <a:t>В данном подходе, плазма представляется в виде набора супер-частиц, объединяющих в себе множество реальных частиц. Каждая из супер-частиц имеет такие характеристики, как масса, заряд и скорость и представляет собой облако плотности, распределенное в пространстве в соответствии с функцией-формы S(x), выбираемой в виде B-сплайна. Используя такое представление, можно определить макроскопические характеристики плазмы в каждой ячейке как сумму вкладов от всех частиц, попавших в эту </a:t>
-            </a:r>
-            <a:r>
-              <a:rPr lang="ru-RU" altLang="ru-RU" sz="2400" dirty="0" smtClean="0">
+              </a:rPr>
+              <a:t>работе использован</a:t>
+            </a:r>
+            <a:r>
+              <a:rPr lang="en-US" altLang="ru-RU" sz="2400" dirty="0">
                 <a:solidFill>
                   <a:srgbClr val="000000"/>
                 </a:solidFill>
                 <a:latin typeface="Times New Roman" pitchFamily="16" charset="0"/>
-                <a:cs typeface="DejaVu Sans" pitchFamily="32" charset="0"/>
-              </a:rPr>
-              <a:t>ячейку. </a:t>
+              </a:rPr>
+              <a:t> </a:t>
             </a:r>
             <a:r>
               <a:rPr lang="ru-RU" altLang="ru-RU" sz="2400" dirty="0">
@@ -5316,93 +5340,219 @@
                   <a:srgbClr val="000000"/>
                 </a:solidFill>
                 <a:latin typeface="Times New Roman" pitchFamily="16" charset="0"/>
-                <a:cs typeface="DejaVu Sans" pitchFamily="32" charset="0"/>
-              </a:rPr>
-              <a:t>Например, ток выражается как </a:t>
-            </a:r>
+              </a:rPr>
+              <a:t>и дополнен код </a:t>
+            </a:r>
+            <a:r>
+              <a:rPr lang="en-US" altLang="ru-RU" sz="2400" dirty="0">
+                <a:solidFill>
+                  <a:srgbClr val="000000"/>
+                </a:solidFill>
+                <a:latin typeface="Times New Roman" pitchFamily="16" charset="0"/>
+                <a:cs typeface="DejaVu Sans" charset="0"/>
+              </a:rPr>
+              <a:t>Tristan-</a:t>
+            </a:r>
+            <a:r>
+              <a:rPr lang="en-US" altLang="ru-RU" sz="2400" dirty="0" err="1">
+                <a:solidFill>
+                  <a:srgbClr val="000000"/>
+                </a:solidFill>
+                <a:latin typeface="Times New Roman" pitchFamily="16" charset="0"/>
+                <a:cs typeface="DejaVu Sans" charset="0"/>
+              </a:rPr>
+              <a:t>mp</a:t>
+            </a:r>
+            <a:r>
+              <a:rPr lang="ru-RU" altLang="ru-RU" sz="2400" dirty="0">
+                <a:solidFill>
+                  <a:srgbClr val="000000"/>
+                </a:solidFill>
+                <a:latin typeface="Times New Roman" pitchFamily="16" charset="0"/>
+                <a:cs typeface="DejaVu Sans" charset="0"/>
+              </a:rPr>
+              <a:t>, разработанного </a:t>
+            </a:r>
+            <a:r>
+              <a:rPr lang="en-US" altLang="ru-RU" sz="2400" dirty="0" err="1">
+                <a:solidFill>
+                  <a:srgbClr val="000000"/>
+                </a:solidFill>
+                <a:latin typeface="Times New Roman" pitchFamily="16" charset="0"/>
+                <a:cs typeface="DejaVu Sans" charset="0"/>
+              </a:rPr>
+              <a:t>Buneman</a:t>
+            </a:r>
+            <a:r>
+              <a:rPr lang="en-US" altLang="ru-RU" sz="2400" dirty="0">
+                <a:solidFill>
+                  <a:srgbClr val="000000"/>
+                </a:solidFill>
+                <a:latin typeface="Times New Roman" pitchFamily="16" charset="0"/>
+                <a:cs typeface="DejaVu Sans" charset="0"/>
+              </a:rPr>
+              <a:t>, </a:t>
+            </a:r>
+            <a:r>
+              <a:rPr lang="en-US" altLang="ru-RU" sz="2400" dirty="0" err="1">
+                <a:solidFill>
+                  <a:srgbClr val="000000"/>
+                </a:solidFill>
+                <a:latin typeface="Times New Roman" pitchFamily="16" charset="0"/>
+                <a:cs typeface="DejaVu Sans" charset="0"/>
+              </a:rPr>
+              <a:t>Spitkovsky</a:t>
+            </a:r>
+            <a:r>
+              <a:rPr lang="en-US" altLang="ru-RU" sz="2400" dirty="0">
+                <a:solidFill>
+                  <a:srgbClr val="000000"/>
+                </a:solidFill>
+                <a:latin typeface="Times New Roman" pitchFamily="16" charset="0"/>
+                <a:cs typeface="DejaVu Sans" charset="0"/>
+              </a:rPr>
+              <a:t> </a:t>
+            </a:r>
+            <a:r>
+              <a:rPr lang="ru-RU" altLang="ru-RU" sz="2400" dirty="0">
+                <a:solidFill>
+                  <a:srgbClr val="000000"/>
+                </a:solidFill>
+                <a:latin typeface="Times New Roman" pitchFamily="16" charset="0"/>
+                <a:cs typeface="DejaVu Sans" charset="0"/>
+              </a:rPr>
+              <a:t>и другими </a:t>
+            </a:r>
+            <a:r>
+              <a:rPr lang="en-US" altLang="ru-RU" sz="2400" dirty="0">
+                <a:solidFill>
+                  <a:srgbClr val="000000"/>
+                </a:solidFill>
+                <a:latin typeface="Times New Roman" pitchFamily="16" charset="0"/>
+                <a:cs typeface="DejaVu Sans" charset="0"/>
+              </a:rPr>
+              <a:t>[2][3</a:t>
+            </a:r>
+            <a:r>
+              <a:rPr lang="en-US" altLang="ru-RU" sz="2400" dirty="0" smtClean="0">
+                <a:solidFill>
+                  <a:srgbClr val="000000"/>
+                </a:solidFill>
+                <a:latin typeface="Times New Roman" pitchFamily="16" charset="0"/>
+                <a:cs typeface="DejaVu Sans" charset="0"/>
+              </a:rPr>
+              <a:t>].</a:t>
+            </a:r>
+            <a:endParaRPr lang="ru-RU" altLang="ru-RU" sz="2400" dirty="0">
+              <a:solidFill>
+                <a:srgbClr val="000000"/>
+              </a:solidFill>
+              <a:latin typeface="Times New Roman" pitchFamily="16" charset="0"/>
+            </a:endParaRPr>
           </a:p>
         </p:txBody>
       </p:sp>
-      <p:pic>
-        <p:nvPicPr>
-          <p:cNvPr id="11" name="Picture 22"/>
-          <p:cNvPicPr>
-            <a:picLocks noChangeAspect="1" noChangeArrowheads="1"/>
-          </p:cNvPicPr>
+      <p:sp>
+        <p:nvSpPr>
+          <p:cNvPr id="2" name="TextBox 1"/>
+          <p:cNvSpPr txBox="1"/>
           <p:nvPr/>
-        </p:nvPicPr>
-        <p:blipFill>
-          <a:blip r:embed="rId3">
-            <a:extLst>
-              <a:ext uri="{28A0092B-C50C-407E-A947-70E740481C1C}">
-                <a14:useLocalDpi xmlns:a14="http://schemas.microsoft.com/office/drawing/2010/main" val="0"/>
-              </a:ext>
-            </a:extLst>
-          </a:blip>
-          <a:srcRect/>
-          <a:stretch>
-            <a:fillRect/>
-          </a:stretch>
-        </p:blipFill>
-        <p:spPr bwMode="auto">
+        </p:nvSpPr>
+        <p:spPr>
           <a:xfrm>
-            <a:off x="1495601" y="22057952"/>
-            <a:ext cx="3754437" cy="1382713"/>
+            <a:off x="297785" y="20541871"/>
+            <a:ext cx="6871826" cy="6001643"/>
           </a:xfrm>
           <a:prstGeom prst="rect">
             <a:avLst/>
           </a:prstGeom>
           <a:noFill/>
-          <a:ln>
-            <a:noFill/>
-          </a:ln>
-          <a:effectLst/>
-          <a:extLst>
-            <a:ext uri="{909E8E84-426E-40DD-AFC4-6F175D3DCCD1}">
-              <a14:hiddenFill xmlns:a14="http://schemas.microsoft.com/office/drawing/2010/main">
-                <a:blipFill dpi="0" rotWithShape="0">
-                  <a:blip/>
-                  <a:srcRect/>
-                  <a:stretch>
-                    <a:fillRect/>
-                  </a:stretch>
-                </a:blipFill>
-              </a14:hiddenFill>
-            </a:ext>
-            <a:ext uri="{91240B29-F687-4F45-9708-019B960494DF}">
-              <a14:hiddenLine xmlns:a14="http://schemas.microsoft.com/office/drawing/2010/main" w="9525" cap="flat">
-                <a:solidFill>
-                  <a:srgbClr val="3465A4"/>
-                </a:solidFill>
-                <a:round/>
-                <a:headEnd/>
-                <a:tailEnd/>
-              </a14:hiddenLine>
-            </a:ext>
-            <a:ext uri="{AF507438-7753-43E0-B8FC-AC1667EBCBE1}">
-              <a14:hiddenEffects xmlns:a14="http://schemas.microsoft.com/office/drawing/2010/main">
-                <a:effectLst>
-                  <a:outerShdw dist="35921" dir="2700000" algn="ctr" rotWithShape="0">
-                    <a:srgbClr val="808080"/>
-                  </a:outerShdw>
-                </a:effectLst>
-              </a14:hiddenEffects>
-            </a:ext>
-          </a:extLst>
         </p:spPr>
-      </p:pic>
-      <mc:AlternateContent xmlns:mc="http://schemas.openxmlformats.org/markup-compatibility/2006" xmlns:a14="http://schemas.microsoft.com/office/drawing/2010/main">
-        <mc:Choice Requires="a14">
+        <p:txBody>
+          <a:bodyPr wrap="square" rtlCol="0">
+            <a:spAutoFit/>
+          </a:bodyPr>
+          <a:lstStyle/>
+          <a:p>
+            <a:pPr algn="ctr"/>
+            <a:r>
+              <a:rPr lang="ru-RU" sz="2400" b="1" dirty="0" smtClean="0">
+                <a:latin typeface="Times New Roman" panose="02020603050405020304" pitchFamily="18" charset="0"/>
+                <a:cs typeface="Times New Roman" panose="02020603050405020304" pitchFamily="18" charset="0"/>
+              </a:rPr>
+              <a:t>Моделирование ударных волн.</a:t>
+            </a:r>
+          </a:p>
+          <a:p>
+            <a:pPr algn="just"/>
+            <a:r>
+              <a:rPr lang="ru-RU" sz="2400" dirty="0" smtClean="0">
+                <a:latin typeface="Times New Roman" panose="02020603050405020304" pitchFamily="18" charset="0"/>
+                <a:cs typeface="Times New Roman" panose="02020603050405020304" pitchFamily="18" charset="0"/>
+              </a:rPr>
+              <a:t>  В данной работе мы рассматривали вопрос ускорения частиц в электрон-ионных </a:t>
+            </a:r>
+            <a:r>
+              <a:rPr lang="ru-RU" sz="2400" dirty="0" err="1" smtClean="0">
+                <a:latin typeface="Times New Roman" panose="02020603050405020304" pitchFamily="18" charset="0"/>
+                <a:cs typeface="Times New Roman" panose="02020603050405020304" pitchFamily="18" charset="0"/>
+              </a:rPr>
+              <a:t>субрелятивистских</a:t>
+            </a:r>
+            <a:r>
+              <a:rPr lang="ru-RU" sz="2400" dirty="0" smtClean="0">
+                <a:latin typeface="Times New Roman" panose="02020603050405020304" pitchFamily="18" charset="0"/>
+                <a:cs typeface="Times New Roman" panose="02020603050405020304" pitchFamily="18" charset="0"/>
+              </a:rPr>
+              <a:t> </a:t>
+            </a:r>
+            <a:r>
+              <a:rPr lang="ru-RU" sz="2400" dirty="0" err="1" smtClean="0">
+                <a:latin typeface="Times New Roman" panose="02020603050405020304" pitchFamily="18" charset="0"/>
+                <a:cs typeface="Times New Roman" panose="02020603050405020304" pitchFamily="18" charset="0"/>
+              </a:rPr>
+              <a:t>бесстолкновительных</a:t>
+            </a:r>
+            <a:r>
+              <a:rPr lang="ru-RU" sz="2400" dirty="0" smtClean="0">
+                <a:latin typeface="Times New Roman" panose="02020603050405020304" pitchFamily="18" charset="0"/>
+                <a:cs typeface="Times New Roman" panose="02020603050405020304" pitchFamily="18" charset="0"/>
+              </a:rPr>
+              <a:t> ударных волнах. В </a:t>
+            </a:r>
+            <a:r>
+              <a:rPr lang="en-US" sz="2400" dirty="0" smtClean="0">
+                <a:latin typeface="Times New Roman" panose="02020603050405020304" pitchFamily="18" charset="0"/>
+                <a:cs typeface="Times New Roman" panose="02020603050405020304" pitchFamily="18" charset="0"/>
+              </a:rPr>
+              <a:t>2d-</a:t>
+            </a:r>
+            <a:r>
+              <a:rPr lang="ru-RU" sz="2400" dirty="0" smtClean="0">
+                <a:latin typeface="Times New Roman" panose="02020603050405020304" pitchFamily="18" charset="0"/>
+                <a:cs typeface="Times New Roman" panose="02020603050405020304" pitchFamily="18" charset="0"/>
+              </a:rPr>
+              <a:t>симуляции рассматривался поток плазмы, втекающий через правую границу и сталкивающийся с идеально проводящей стенкой на левой границе. В результате этого столкновения образуется ударная волна. Начальное магнитное поле состоит из регулярной части, перпендикулярной плоскости симуляции и скорости потока, и турбулентной, задающейся как сумма гармонических мод, с волновыми векторами лежащими в плоскости симуляции, изотропно распределенными в системе покоя потока и обладающими степенным спектром.</a:t>
+            </a:r>
+            <a:endParaRPr lang="ru-RU" sz="2400" dirty="0">
+              <a:latin typeface="Times New Roman" panose="02020603050405020304" pitchFamily="18" charset="0"/>
+              <a:cs typeface="Times New Roman" panose="02020603050405020304" pitchFamily="18" charset="0"/>
+            </a:endParaRPr>
+          </a:p>
+        </p:txBody>
+      </p:sp>
+      <mc:AlternateContent xmlns:mc="http://schemas.openxmlformats.org/markup-compatibility/2006">
+        <mc:Choice xmlns:a14="http://schemas.microsoft.com/office/drawing/2010/main" Requires="a14">
           <p:sp>
             <p:nvSpPr>
-              <p:cNvPr id="3" name="TextBox 2"/>
+              <p:cNvPr id="37" name="TextBox 36"/>
               <p:cNvSpPr txBox="1"/>
               <p:nvPr/>
             </p:nvSpPr>
             <p:spPr>
               <a:xfrm>
-                <a:off x="407197" y="23255942"/>
-                <a:ext cx="6696582" cy="3091744"/>
+                <a:off x="7282172" y="6658218"/>
+                <a:ext cx="6958693" cy="12356524"/>
               </a:xfrm>
               <a:prstGeom prst="rect">
                 <a:avLst/>
@@ -5421,1095 +5571,79 @@
                     <a:latin typeface="Times New Roman" panose="02020603050405020304" pitchFamily="18" charset="0"/>
                     <a:cs typeface="Times New Roman" panose="02020603050405020304" pitchFamily="18" charset="0"/>
                   </a:rPr>
-                  <a:t> Где </a:t>
-                </a:r>
-                <a14:m>
-                  <m:oMath xmlns:m="http://schemas.openxmlformats.org/officeDocument/2006/math">
-                    <m:sSub>
-                      <m:sSubPr>
-                        <m:ctrlPr>
-                          <a:rPr lang="ru-RU" sz="2400" i="1" smtClean="0">
-                            <a:latin typeface="Cambria Math"/>
-                            <a:cs typeface="Times New Roman" panose="02020603050405020304" pitchFamily="18" charset="0"/>
-                          </a:rPr>
-                        </m:ctrlPr>
-                      </m:sSubPr>
-                      <m:e>
-                        <m:acc>
-                          <m:accPr>
-                            <m:chr m:val="⃗"/>
-                            <m:ctrlPr>
-                              <a:rPr lang="ru-RU" sz="2400" i="1" smtClean="0">
-                                <a:latin typeface="Cambria Math"/>
-                                <a:cs typeface="Times New Roman" panose="02020603050405020304" pitchFamily="18" charset="0"/>
-                              </a:rPr>
-                            </m:ctrlPr>
-                          </m:accPr>
-                          <m:e>
-                            <m:r>
-                              <a:rPr lang="en-US" sz="2400" b="0" i="1" smtClean="0">
-                                <a:latin typeface="Cambria Math"/>
-                                <a:cs typeface="Times New Roman" panose="02020603050405020304" pitchFamily="18" charset="0"/>
-                              </a:rPr>
-                              <m:t>𝐽</m:t>
-                            </m:r>
-                          </m:e>
-                        </m:acc>
-                      </m:e>
-                      <m:sub>
-                        <m:r>
-                          <a:rPr lang="en-US" sz="2400" b="0" i="1" smtClean="0">
-                            <a:latin typeface="Cambria Math"/>
-                            <a:cs typeface="Times New Roman" panose="02020603050405020304" pitchFamily="18" charset="0"/>
-                          </a:rPr>
-                          <m:t>𝑖</m:t>
-                        </m:r>
-                      </m:sub>
-                    </m:sSub>
-                  </m:oMath>
-                </a14:m>
-                <a:r>
-                  <a:rPr lang="en-US" sz="2400" dirty="0" smtClean="0">
-                    <a:latin typeface="Times New Roman" panose="02020603050405020304" pitchFamily="18" charset="0"/>
-                    <a:cs typeface="Times New Roman" panose="02020603050405020304" pitchFamily="18" charset="0"/>
-                  </a:rPr>
-                  <a:t> </a:t>
+                  <a:t>  Идея введения в рассмотрение турбулентности состоит в следующем – из-за того что, перпендикулярная </a:t>
                 </a:r>
                 <a:r>
                   <a:rPr lang="ru-RU" sz="2400" dirty="0" smtClean="0">
                     <a:latin typeface="Times New Roman" panose="02020603050405020304" pitchFamily="18" charset="0"/>
                     <a:cs typeface="Times New Roman" panose="02020603050405020304" pitchFamily="18" charset="0"/>
                   </a:rPr>
-                  <a:t>плотность тока в </a:t>
+                  <a:t>составляющая </a:t>
+                </a:r>
+                <a:r>
+                  <a:rPr lang="ru-RU" sz="2400" dirty="0" smtClean="0">
+                    <a:latin typeface="Times New Roman" panose="02020603050405020304" pitchFamily="18" charset="0"/>
+                    <a:cs typeface="Times New Roman" panose="02020603050405020304" pitchFamily="18" charset="0"/>
+                  </a:rPr>
+                  <a:t>магнитного поля звёздного ветра падает как 1/</a:t>
                 </a:r>
                 <a:r>
                   <a:rPr lang="en-US" sz="2400" dirty="0" smtClean="0">
                     <a:latin typeface="Times New Roman" panose="02020603050405020304" pitchFamily="18" charset="0"/>
                     <a:cs typeface="Times New Roman" panose="02020603050405020304" pitchFamily="18" charset="0"/>
                   </a:rPr>
-                  <a:t>i-</a:t>
+                  <a:t>r</a:t>
                 </a:r>
                 <a:r>
                   <a:rPr lang="ru-RU" sz="2400" dirty="0" smtClean="0">
                     <a:latin typeface="Times New Roman" panose="02020603050405020304" pitchFamily="18" charset="0"/>
                     <a:cs typeface="Times New Roman" panose="02020603050405020304" pitchFamily="18" charset="0"/>
                   </a:rPr>
-                  <a:t>ой ячейке, </a:t>
+                  <a:t>, а продольная  как </a:t>
                 </a:r>
-                <a14:m>
-                  <m:oMath xmlns:m="http://schemas.openxmlformats.org/officeDocument/2006/math">
-                    <m:sSub>
-                      <m:sSubPr>
-                        <m:ctrlPr>
-                          <a:rPr lang="ru-RU" sz="2400" i="1" smtClean="0">
-                            <a:latin typeface="Cambria Math"/>
-                            <a:cs typeface="Times New Roman" panose="02020603050405020304" pitchFamily="18" charset="0"/>
-                          </a:rPr>
-                        </m:ctrlPr>
-                      </m:sSubPr>
-                      <m:e>
-                        <m:r>
-                          <a:rPr lang="en-US" sz="2400" b="0" i="1" smtClean="0">
-                            <a:latin typeface="Cambria Math"/>
-                            <a:cs typeface="Times New Roman" panose="02020603050405020304" pitchFamily="18" charset="0"/>
-                          </a:rPr>
-                          <m:t>𝑞</m:t>
-                        </m:r>
-                      </m:e>
-                      <m:sub>
-                        <m:r>
-                          <a:rPr lang="en-US" sz="2400" b="0" i="1" smtClean="0">
-                            <a:latin typeface="Cambria Math"/>
-                            <a:cs typeface="Times New Roman" panose="02020603050405020304" pitchFamily="18" charset="0"/>
-                          </a:rPr>
-                          <m:t>𝑘</m:t>
-                        </m:r>
-                      </m:sub>
-                    </m:sSub>
-                  </m:oMath>
-                </a14:m>
-                <a:r>
-                  <a:rPr lang="ru-RU" sz="2400" dirty="0" smtClean="0">
-                    <a:latin typeface="Times New Roman" panose="02020603050405020304" pitchFamily="18" charset="0"/>
-                    <a:cs typeface="Times New Roman" panose="02020603050405020304" pitchFamily="18" charset="0"/>
-                  </a:rPr>
-                  <a:t> и </a:t>
-                </a:r>
-                <a14:m>
-                  <m:oMath xmlns:m="http://schemas.openxmlformats.org/officeDocument/2006/math">
-                    <m:sSub>
-                      <m:sSubPr>
-                        <m:ctrlPr>
-                          <a:rPr lang="ru-RU" sz="2400" i="1" smtClean="0">
-                            <a:latin typeface="Cambria Math"/>
-                            <a:cs typeface="Times New Roman" panose="02020603050405020304" pitchFamily="18" charset="0"/>
-                          </a:rPr>
-                        </m:ctrlPr>
-                      </m:sSubPr>
-                      <m:e>
-                        <m:acc>
-                          <m:accPr>
-                            <m:chr m:val="⃗"/>
-                            <m:ctrlPr>
-                              <a:rPr lang="ru-RU" sz="2400" i="1" smtClean="0">
-                                <a:latin typeface="Cambria Math"/>
-                                <a:cs typeface="Times New Roman" panose="02020603050405020304" pitchFamily="18" charset="0"/>
-                              </a:rPr>
-                            </m:ctrlPr>
-                          </m:accPr>
-                          <m:e>
-                            <m:r>
-                              <a:rPr lang="en-US" sz="2400" b="0" i="1" smtClean="0">
-                                <a:latin typeface="Cambria Math"/>
-                                <a:cs typeface="Times New Roman" panose="02020603050405020304" pitchFamily="18" charset="0"/>
-                              </a:rPr>
-                              <m:t>𝑣</m:t>
-                            </m:r>
-                          </m:e>
-                        </m:acc>
-                      </m:e>
-                      <m:sub>
-                        <m:r>
-                          <a:rPr lang="en-US" sz="2400" b="0" i="1" smtClean="0">
-                            <a:latin typeface="Cambria Math"/>
-                            <a:cs typeface="Times New Roman" panose="02020603050405020304" pitchFamily="18" charset="0"/>
-                          </a:rPr>
-                          <m:t>𝑘</m:t>
-                        </m:r>
-                      </m:sub>
-                    </m:sSub>
-                  </m:oMath>
-                </a14:m>
                 <a:r>
                   <a:rPr lang="en-US" sz="2400" dirty="0" smtClean="0">
                     <a:latin typeface="Times New Roman" panose="02020603050405020304" pitchFamily="18" charset="0"/>
                     <a:cs typeface="Times New Roman" panose="02020603050405020304" pitchFamily="18" charset="0"/>
                   </a:rPr>
-                  <a:t> </a:t>
+                  <a:t>1/r^2, </a:t>
                 </a:r>
                 <a:r>
                   <a:rPr lang="ru-RU" sz="2400" dirty="0" smtClean="0">
                     <a:latin typeface="Times New Roman" panose="02020603050405020304" pitchFamily="18" charset="0"/>
                     <a:cs typeface="Times New Roman" panose="02020603050405020304" pitchFamily="18" charset="0"/>
                   </a:rPr>
-                  <a:t>заряд и скорость </a:t>
+                  <a:t>то релятивистская ударная волна распространяющаяся в такой среде будет перпендикулярной, а следовательно ускорение не будет эффективным </a:t>
                 </a:r>
                 <a:r>
                   <a:rPr lang="en-US" sz="2400" dirty="0" smtClean="0">
                     <a:latin typeface="Times New Roman" panose="02020603050405020304" pitchFamily="18" charset="0"/>
                     <a:cs typeface="Times New Roman" panose="02020603050405020304" pitchFamily="18" charset="0"/>
                   </a:rPr>
-                  <a:t>k-</a:t>
-                </a:r>
-                <a:r>
-                  <a:rPr lang="ru-RU" sz="2400" dirty="0">
-                    <a:latin typeface="Times New Roman" panose="02020603050405020304" pitchFamily="18" charset="0"/>
-                    <a:cs typeface="Times New Roman" panose="02020603050405020304" pitchFamily="18" charset="0"/>
-                  </a:rPr>
-                  <a:t>о</a:t>
+                  <a:t>[4]. </a:t>
                 </a:r>
                 <a:r>
                   <a:rPr lang="ru-RU" sz="2400" dirty="0" smtClean="0">
                     <a:latin typeface="Times New Roman" panose="02020603050405020304" pitchFamily="18" charset="0"/>
                     <a:cs typeface="Times New Roman" panose="02020603050405020304" pitchFamily="18" charset="0"/>
                   </a:rPr>
-                  <a:t>й частицы, а интеграл по объёму ячейки определяет попавшую в неё долю частицы.</a:t>
+                  <a:t>Наличие турбулентности способствует образованию областей с </a:t>
                 </a:r>
-              </a:p>
-              <a:p>
-                <a:pPr algn="just"/>
                 <a:r>
-                  <a:rPr lang="ru-RU" sz="2400" dirty="0">
+                  <a:rPr lang="ru-RU" sz="2400" dirty="0" err="1" smtClean="0">
                     <a:latin typeface="Times New Roman" panose="02020603050405020304" pitchFamily="18" charset="0"/>
                     <a:cs typeface="Times New Roman" panose="02020603050405020304" pitchFamily="18" charset="0"/>
                   </a:rPr>
-                  <a:t> </a:t>
+                  <a:t>квазипродольным</a:t>
                 </a:r>
                 <a:r>
                   <a:rPr lang="ru-RU" sz="2400" dirty="0" smtClean="0">
                     <a:latin typeface="Times New Roman" panose="02020603050405020304" pitchFamily="18" charset="0"/>
                     <a:cs typeface="Times New Roman" panose="02020603050405020304" pitchFamily="18" charset="0"/>
                   </a:rPr>
-                  <a:t> Поля, действующие на частицу, определяются по обратному правилу – как сумма полей во всех ячейках, которые пересекает частица, с соответствующими весами.</a:t>
-                </a:r>
-                <a:endParaRPr lang="ru-RU" sz="2400" dirty="0">
-                  <a:latin typeface="Times New Roman" panose="02020603050405020304" pitchFamily="18" charset="0"/>
-                  <a:cs typeface="Times New Roman" panose="02020603050405020304" pitchFamily="18" charset="0"/>
-                </a:endParaRPr>
-              </a:p>
-            </p:txBody>
-          </p:sp>
-        </mc:Choice>
-        <mc:Fallback xmlns="">
-          <p:sp>
-            <p:nvSpPr>
-              <p:cNvPr id="3" name="TextBox 2"/>
-              <p:cNvSpPr txBox="1">
-                <a:spLocks noRot="1" noChangeAspect="1" noMove="1" noResize="1" noEditPoints="1" noAdjustHandles="1" noChangeArrowheads="1" noChangeShapeType="1" noTextEdit="1"/>
-              </p:cNvSpPr>
-              <p:nvPr/>
-            </p:nvSpPr>
-            <p:spPr>
-              <a:xfrm>
-                <a:off x="407197" y="23255942"/>
-                <a:ext cx="6696582" cy="3091744"/>
-              </a:xfrm>
-              <a:prstGeom prst="rect">
-                <a:avLst/>
-              </a:prstGeom>
-              <a:blipFill rotWithShape="1">
-                <a:blip r:embed="rId4"/>
-                <a:stretch>
-                  <a:fillRect l="-1457" r="-1457" b="-3748"/>
-                </a:stretch>
-              </a:blipFill>
-            </p:spPr>
-            <p:txBody>
-              <a:bodyPr/>
-              <a:lstStyle/>
-              <a:p>
-                <a:r>
-                  <a:rPr lang="ru-RU">
-                    <a:noFill/>
-                  </a:rPr>
-                  <a:t> </a:t>
+                  <a:t> полем.</a:t>
                 </a:r>
               </a:p>
-            </p:txBody>
-          </p:sp>
-        </mc:Fallback>
-      </mc:AlternateContent>
-      <p:pic>
-        <p:nvPicPr>
-          <p:cNvPr id="13" name="Picture 24"/>
-          <p:cNvPicPr>
-            <a:picLocks noChangeAspect="1" noChangeArrowheads="1"/>
-          </p:cNvPicPr>
-          <p:nvPr/>
-        </p:nvPicPr>
-        <p:blipFill>
-          <a:blip r:embed="rId5">
-            <a:extLst>
-              <a:ext uri="{28A0092B-C50C-407E-A947-70E740481C1C}">
-                <a14:useLocalDpi xmlns:a14="http://schemas.microsoft.com/office/drawing/2010/main" val="0"/>
-              </a:ext>
-            </a:extLst>
-          </a:blip>
-          <a:srcRect/>
-          <a:stretch>
-            <a:fillRect/>
-          </a:stretch>
-        </p:blipFill>
-        <p:spPr bwMode="auto">
-          <a:xfrm>
-            <a:off x="1415010" y="25874117"/>
-            <a:ext cx="3511550" cy="1389062"/>
-          </a:xfrm>
-          <a:prstGeom prst="rect">
-            <a:avLst/>
-          </a:prstGeom>
-          <a:noFill/>
-          <a:ln>
-            <a:noFill/>
-          </a:ln>
-          <a:effectLst/>
-          <a:extLst>
-            <a:ext uri="{909E8E84-426E-40DD-AFC4-6F175D3DCCD1}">
-              <a14:hiddenFill xmlns:a14="http://schemas.microsoft.com/office/drawing/2010/main">
-                <a:blipFill dpi="0" rotWithShape="0">
-                  <a:blip/>
-                  <a:srcRect/>
-                  <a:stretch>
-                    <a:fillRect/>
-                  </a:stretch>
-                </a:blipFill>
-              </a14:hiddenFill>
-            </a:ext>
-            <a:ext uri="{91240B29-F687-4F45-9708-019B960494DF}">
-              <a14:hiddenLine xmlns:a14="http://schemas.microsoft.com/office/drawing/2010/main" w="9525" cap="flat">
-                <a:solidFill>
-                  <a:srgbClr val="3465A4"/>
-                </a:solidFill>
-                <a:round/>
-                <a:headEnd/>
-                <a:tailEnd/>
-              </a14:hiddenLine>
-            </a:ext>
-            <a:ext uri="{AF507438-7753-43E0-B8FC-AC1667EBCBE1}">
-              <a14:hiddenEffects xmlns:a14="http://schemas.microsoft.com/office/drawing/2010/main">
-                <a:effectLst>
-                  <a:outerShdw dist="35921" dir="2700000" algn="ctr" rotWithShape="0">
-                    <a:srgbClr val="808080"/>
-                  </a:outerShdw>
-                </a:effectLst>
-              </a14:hiddenEffects>
-            </a:ext>
-          </a:extLst>
-        </p:spPr>
-      </p:pic>
-      <p:sp>
-        <p:nvSpPr>
-          <p:cNvPr id="14" name="Text Box 25"/>
-          <p:cNvSpPr txBox="1">
-            <a:spLocks noChangeArrowheads="1"/>
-          </p:cNvSpPr>
-          <p:nvPr/>
-        </p:nvSpPr>
-        <p:spPr bwMode="auto">
-          <a:xfrm>
-            <a:off x="271599" y="27042217"/>
-            <a:ext cx="6662817" cy="3449279"/>
-          </a:xfrm>
-          <a:prstGeom prst="rect">
-            <a:avLst/>
-          </a:prstGeom>
-          <a:noFill/>
-          <a:ln>
-            <a:noFill/>
-          </a:ln>
-          <a:effectLst/>
-          <a:extLst>
-            <a:ext uri="{909E8E84-426E-40DD-AFC4-6F175D3DCCD1}">
-              <a14:hiddenFill xmlns:a14="http://schemas.microsoft.com/office/drawing/2010/main">
-                <a:solidFill>
-                  <a:srgbClr val="FFFFFF"/>
-                </a:solidFill>
-              </a14:hiddenFill>
-            </a:ext>
-            <a:ext uri="{91240B29-F687-4F45-9708-019B960494DF}">
-              <a14:hiddenLine xmlns:a14="http://schemas.microsoft.com/office/drawing/2010/main" w="9525" cap="flat">
-                <a:solidFill>
-                  <a:srgbClr val="3465A4"/>
-                </a:solidFill>
-                <a:round/>
-                <a:headEnd/>
-                <a:tailEnd/>
-              </a14:hiddenLine>
-            </a:ext>
-            <a:ext uri="{AF507438-7753-43E0-B8FC-AC1667EBCBE1}">
-              <a14:hiddenEffects xmlns:a14="http://schemas.microsoft.com/office/drawing/2010/main">
-                <a:effectLst>
-                  <a:outerShdw dist="35921" dir="2700000" algn="ctr" rotWithShape="0">
-                    <a:srgbClr val="808080"/>
-                  </a:outerShdw>
-                </a:effectLst>
-              </a14:hiddenEffects>
-            </a:ext>
-          </a:extLst>
-        </p:spPr>
-        <p:txBody>
-          <a:bodyPr wrap="square" lIns="90000" tIns="46800" rIns="90000" bIns="46800">
-            <a:spAutoFit/>
-          </a:bodyPr>
-          <a:lstStyle>
-            <a:lvl1pPr>
-              <a:tabLst>
-                <a:tab pos="0" algn="l"/>
-                <a:tab pos="457200" algn="l"/>
-                <a:tab pos="914400" algn="l"/>
-                <a:tab pos="1371600" algn="l"/>
-                <a:tab pos="1828800" algn="l"/>
-                <a:tab pos="2286000" algn="l"/>
-                <a:tab pos="2743200" algn="l"/>
-                <a:tab pos="3200400" algn="l"/>
-                <a:tab pos="3657600" algn="l"/>
-                <a:tab pos="4114800" algn="l"/>
-                <a:tab pos="4572000" algn="l"/>
-                <a:tab pos="5029200" algn="l"/>
-                <a:tab pos="5486400" algn="l"/>
-                <a:tab pos="5943600" algn="l"/>
-                <a:tab pos="6400800" algn="l"/>
-                <a:tab pos="6858000" algn="l"/>
-                <a:tab pos="7315200" algn="l"/>
-                <a:tab pos="7772400" algn="l"/>
-                <a:tab pos="8229600" algn="l"/>
-                <a:tab pos="8686800" algn="l"/>
-                <a:tab pos="9144000" algn="l"/>
-              </a:tabLst>
-              <a:defRPr sz="3200">
-                <a:solidFill>
-                  <a:srgbClr val="FFFFFF"/>
-                </a:solidFill>
-                <a:latin typeface="Arial" charset="0"/>
-                <a:ea typeface="Droid Sans Fallback" charset="0"/>
-                <a:cs typeface="Droid Sans Fallback" charset="0"/>
-              </a:defRPr>
-            </a:lvl1pPr>
-            <a:lvl2pPr>
-              <a:tabLst>
-                <a:tab pos="0" algn="l"/>
-                <a:tab pos="457200" algn="l"/>
-                <a:tab pos="914400" algn="l"/>
-                <a:tab pos="1371600" algn="l"/>
-                <a:tab pos="1828800" algn="l"/>
-                <a:tab pos="2286000" algn="l"/>
-                <a:tab pos="2743200" algn="l"/>
-                <a:tab pos="3200400" algn="l"/>
-                <a:tab pos="3657600" algn="l"/>
-                <a:tab pos="4114800" algn="l"/>
-                <a:tab pos="4572000" algn="l"/>
-                <a:tab pos="5029200" algn="l"/>
-                <a:tab pos="5486400" algn="l"/>
-                <a:tab pos="5943600" algn="l"/>
-                <a:tab pos="6400800" algn="l"/>
-                <a:tab pos="6858000" algn="l"/>
-                <a:tab pos="7315200" algn="l"/>
-                <a:tab pos="7772400" algn="l"/>
-                <a:tab pos="8229600" algn="l"/>
-                <a:tab pos="8686800" algn="l"/>
-                <a:tab pos="9144000" algn="l"/>
-              </a:tabLst>
-              <a:defRPr sz="3200">
-                <a:solidFill>
-                  <a:srgbClr val="FFFFFF"/>
-                </a:solidFill>
-                <a:latin typeface="Arial" charset="0"/>
-                <a:ea typeface="Droid Sans Fallback" charset="0"/>
-                <a:cs typeface="Droid Sans Fallback" charset="0"/>
-              </a:defRPr>
-            </a:lvl2pPr>
-            <a:lvl3pPr>
-              <a:tabLst>
-                <a:tab pos="0" algn="l"/>
-                <a:tab pos="457200" algn="l"/>
-                <a:tab pos="914400" algn="l"/>
-                <a:tab pos="1371600" algn="l"/>
-                <a:tab pos="1828800" algn="l"/>
-                <a:tab pos="2286000" algn="l"/>
-                <a:tab pos="2743200" algn="l"/>
-                <a:tab pos="3200400" algn="l"/>
-                <a:tab pos="3657600" algn="l"/>
-                <a:tab pos="4114800" algn="l"/>
-                <a:tab pos="4572000" algn="l"/>
-                <a:tab pos="5029200" algn="l"/>
-                <a:tab pos="5486400" algn="l"/>
-                <a:tab pos="5943600" algn="l"/>
-                <a:tab pos="6400800" algn="l"/>
-                <a:tab pos="6858000" algn="l"/>
-                <a:tab pos="7315200" algn="l"/>
-                <a:tab pos="7772400" algn="l"/>
-                <a:tab pos="8229600" algn="l"/>
-                <a:tab pos="8686800" algn="l"/>
-                <a:tab pos="9144000" algn="l"/>
-              </a:tabLst>
-              <a:defRPr sz="3200">
-                <a:solidFill>
-                  <a:srgbClr val="FFFFFF"/>
-                </a:solidFill>
-                <a:latin typeface="Arial" charset="0"/>
-                <a:ea typeface="Droid Sans Fallback" charset="0"/>
-                <a:cs typeface="Droid Sans Fallback" charset="0"/>
-              </a:defRPr>
-            </a:lvl3pPr>
-            <a:lvl4pPr>
-              <a:tabLst>
-                <a:tab pos="0" algn="l"/>
-                <a:tab pos="457200" algn="l"/>
-                <a:tab pos="914400" algn="l"/>
-                <a:tab pos="1371600" algn="l"/>
-                <a:tab pos="1828800" algn="l"/>
-                <a:tab pos="2286000" algn="l"/>
-                <a:tab pos="2743200" algn="l"/>
-                <a:tab pos="3200400" algn="l"/>
-                <a:tab pos="3657600" algn="l"/>
-                <a:tab pos="4114800" algn="l"/>
-                <a:tab pos="4572000" algn="l"/>
-                <a:tab pos="5029200" algn="l"/>
-                <a:tab pos="5486400" algn="l"/>
-                <a:tab pos="5943600" algn="l"/>
-                <a:tab pos="6400800" algn="l"/>
-                <a:tab pos="6858000" algn="l"/>
-                <a:tab pos="7315200" algn="l"/>
-                <a:tab pos="7772400" algn="l"/>
-                <a:tab pos="8229600" algn="l"/>
-                <a:tab pos="8686800" algn="l"/>
-                <a:tab pos="9144000" algn="l"/>
-              </a:tabLst>
-              <a:defRPr sz="3200">
-                <a:solidFill>
-                  <a:srgbClr val="FFFFFF"/>
-                </a:solidFill>
-                <a:latin typeface="Arial" charset="0"/>
-                <a:ea typeface="Droid Sans Fallback" charset="0"/>
-                <a:cs typeface="Droid Sans Fallback" charset="0"/>
-              </a:defRPr>
-            </a:lvl4pPr>
-            <a:lvl5pPr>
-              <a:tabLst>
-                <a:tab pos="0" algn="l"/>
-                <a:tab pos="457200" algn="l"/>
-                <a:tab pos="914400" algn="l"/>
-                <a:tab pos="1371600" algn="l"/>
-                <a:tab pos="1828800" algn="l"/>
-                <a:tab pos="2286000" algn="l"/>
-                <a:tab pos="2743200" algn="l"/>
-                <a:tab pos="3200400" algn="l"/>
-                <a:tab pos="3657600" algn="l"/>
-                <a:tab pos="4114800" algn="l"/>
-                <a:tab pos="4572000" algn="l"/>
-                <a:tab pos="5029200" algn="l"/>
-                <a:tab pos="5486400" algn="l"/>
-                <a:tab pos="5943600" algn="l"/>
-                <a:tab pos="6400800" algn="l"/>
-                <a:tab pos="6858000" algn="l"/>
-                <a:tab pos="7315200" algn="l"/>
-                <a:tab pos="7772400" algn="l"/>
-                <a:tab pos="8229600" algn="l"/>
-                <a:tab pos="8686800" algn="l"/>
-                <a:tab pos="9144000" algn="l"/>
-              </a:tabLst>
-              <a:defRPr sz="3200">
-                <a:solidFill>
-                  <a:srgbClr val="FFFFFF"/>
-                </a:solidFill>
-                <a:latin typeface="Arial" charset="0"/>
-                <a:ea typeface="Droid Sans Fallback" charset="0"/>
-                <a:cs typeface="Droid Sans Fallback" charset="0"/>
-              </a:defRPr>
-            </a:lvl5pPr>
-            <a:lvl6pPr marL="2514600" indent="-228600" defTabSz="457200" fontAlgn="base">
-              <a:spcBef>
-                <a:spcPct val="0"/>
-              </a:spcBef>
-              <a:spcAft>
-                <a:spcPct val="0"/>
-              </a:spcAft>
-              <a:buClr>
-                <a:srgbClr val="000000"/>
-              </a:buClr>
-              <a:buSzPct val="100000"/>
-              <a:buFont typeface="Times New Roman" pitchFamily="16" charset="0"/>
-              <a:tabLst>
-                <a:tab pos="0" algn="l"/>
-                <a:tab pos="457200" algn="l"/>
-                <a:tab pos="914400" algn="l"/>
-                <a:tab pos="1371600" algn="l"/>
-                <a:tab pos="1828800" algn="l"/>
-                <a:tab pos="2286000" algn="l"/>
-                <a:tab pos="2743200" algn="l"/>
-                <a:tab pos="3200400" algn="l"/>
-                <a:tab pos="3657600" algn="l"/>
-                <a:tab pos="4114800" algn="l"/>
-                <a:tab pos="4572000" algn="l"/>
-                <a:tab pos="5029200" algn="l"/>
-                <a:tab pos="5486400" algn="l"/>
-                <a:tab pos="5943600" algn="l"/>
-                <a:tab pos="6400800" algn="l"/>
-                <a:tab pos="6858000" algn="l"/>
-                <a:tab pos="7315200" algn="l"/>
-                <a:tab pos="7772400" algn="l"/>
-                <a:tab pos="8229600" algn="l"/>
-                <a:tab pos="8686800" algn="l"/>
-                <a:tab pos="9144000" algn="l"/>
-              </a:tabLst>
-              <a:defRPr sz="3200">
-                <a:solidFill>
-                  <a:srgbClr val="FFFFFF"/>
-                </a:solidFill>
-                <a:latin typeface="Arial" charset="0"/>
-                <a:ea typeface="Droid Sans Fallback" charset="0"/>
-                <a:cs typeface="Droid Sans Fallback" charset="0"/>
-              </a:defRPr>
-            </a:lvl6pPr>
-            <a:lvl7pPr marL="2971800" indent="-228600" defTabSz="457200" fontAlgn="base">
-              <a:spcBef>
-                <a:spcPct val="0"/>
-              </a:spcBef>
-              <a:spcAft>
-                <a:spcPct val="0"/>
-              </a:spcAft>
-              <a:buClr>
-                <a:srgbClr val="000000"/>
-              </a:buClr>
-              <a:buSzPct val="100000"/>
-              <a:buFont typeface="Times New Roman" pitchFamily="16" charset="0"/>
-              <a:tabLst>
-                <a:tab pos="0" algn="l"/>
-                <a:tab pos="457200" algn="l"/>
-                <a:tab pos="914400" algn="l"/>
-                <a:tab pos="1371600" algn="l"/>
-                <a:tab pos="1828800" algn="l"/>
-                <a:tab pos="2286000" algn="l"/>
-                <a:tab pos="2743200" algn="l"/>
-                <a:tab pos="3200400" algn="l"/>
-                <a:tab pos="3657600" algn="l"/>
-                <a:tab pos="4114800" algn="l"/>
-                <a:tab pos="4572000" algn="l"/>
-                <a:tab pos="5029200" algn="l"/>
-                <a:tab pos="5486400" algn="l"/>
-                <a:tab pos="5943600" algn="l"/>
-                <a:tab pos="6400800" algn="l"/>
-                <a:tab pos="6858000" algn="l"/>
-                <a:tab pos="7315200" algn="l"/>
-                <a:tab pos="7772400" algn="l"/>
-                <a:tab pos="8229600" algn="l"/>
-                <a:tab pos="8686800" algn="l"/>
-                <a:tab pos="9144000" algn="l"/>
-              </a:tabLst>
-              <a:defRPr sz="3200">
-                <a:solidFill>
-                  <a:srgbClr val="FFFFFF"/>
-                </a:solidFill>
-                <a:latin typeface="Arial" charset="0"/>
-                <a:ea typeface="Droid Sans Fallback" charset="0"/>
-                <a:cs typeface="Droid Sans Fallback" charset="0"/>
-              </a:defRPr>
-            </a:lvl7pPr>
-            <a:lvl8pPr marL="3429000" indent="-228600" defTabSz="457200" fontAlgn="base">
-              <a:spcBef>
-                <a:spcPct val="0"/>
-              </a:spcBef>
-              <a:spcAft>
-                <a:spcPct val="0"/>
-              </a:spcAft>
-              <a:buClr>
-                <a:srgbClr val="000000"/>
-              </a:buClr>
-              <a:buSzPct val="100000"/>
-              <a:buFont typeface="Times New Roman" pitchFamily="16" charset="0"/>
-              <a:tabLst>
-                <a:tab pos="0" algn="l"/>
-                <a:tab pos="457200" algn="l"/>
-                <a:tab pos="914400" algn="l"/>
-                <a:tab pos="1371600" algn="l"/>
-                <a:tab pos="1828800" algn="l"/>
-                <a:tab pos="2286000" algn="l"/>
-                <a:tab pos="2743200" algn="l"/>
-                <a:tab pos="3200400" algn="l"/>
-                <a:tab pos="3657600" algn="l"/>
-                <a:tab pos="4114800" algn="l"/>
-                <a:tab pos="4572000" algn="l"/>
-                <a:tab pos="5029200" algn="l"/>
-                <a:tab pos="5486400" algn="l"/>
-                <a:tab pos="5943600" algn="l"/>
-                <a:tab pos="6400800" algn="l"/>
-                <a:tab pos="6858000" algn="l"/>
-                <a:tab pos="7315200" algn="l"/>
-                <a:tab pos="7772400" algn="l"/>
-                <a:tab pos="8229600" algn="l"/>
-                <a:tab pos="8686800" algn="l"/>
-                <a:tab pos="9144000" algn="l"/>
-              </a:tabLst>
-              <a:defRPr sz="3200">
-                <a:solidFill>
-                  <a:srgbClr val="FFFFFF"/>
-                </a:solidFill>
-                <a:latin typeface="Arial" charset="0"/>
-                <a:ea typeface="Droid Sans Fallback" charset="0"/>
-                <a:cs typeface="Droid Sans Fallback" charset="0"/>
-              </a:defRPr>
-            </a:lvl8pPr>
-            <a:lvl9pPr marL="3886200" indent="-228600" defTabSz="457200" fontAlgn="base">
-              <a:spcBef>
-                <a:spcPct val="0"/>
-              </a:spcBef>
-              <a:spcAft>
-                <a:spcPct val="0"/>
-              </a:spcAft>
-              <a:buClr>
-                <a:srgbClr val="000000"/>
-              </a:buClr>
-              <a:buSzPct val="100000"/>
-              <a:buFont typeface="Times New Roman" pitchFamily="16" charset="0"/>
-              <a:tabLst>
-                <a:tab pos="0" algn="l"/>
-                <a:tab pos="457200" algn="l"/>
-                <a:tab pos="914400" algn="l"/>
-                <a:tab pos="1371600" algn="l"/>
-                <a:tab pos="1828800" algn="l"/>
-                <a:tab pos="2286000" algn="l"/>
-                <a:tab pos="2743200" algn="l"/>
-                <a:tab pos="3200400" algn="l"/>
-                <a:tab pos="3657600" algn="l"/>
-                <a:tab pos="4114800" algn="l"/>
-                <a:tab pos="4572000" algn="l"/>
-                <a:tab pos="5029200" algn="l"/>
-                <a:tab pos="5486400" algn="l"/>
-                <a:tab pos="5943600" algn="l"/>
-                <a:tab pos="6400800" algn="l"/>
-                <a:tab pos="6858000" algn="l"/>
-                <a:tab pos="7315200" algn="l"/>
-                <a:tab pos="7772400" algn="l"/>
-                <a:tab pos="8229600" algn="l"/>
-                <a:tab pos="8686800" algn="l"/>
-                <a:tab pos="9144000" algn="l"/>
-              </a:tabLst>
-              <a:defRPr sz="3200">
-                <a:solidFill>
-                  <a:srgbClr val="FFFFFF"/>
-                </a:solidFill>
-                <a:latin typeface="Arial" charset="0"/>
-                <a:ea typeface="Droid Sans Fallback" charset="0"/>
-                <a:cs typeface="Droid Sans Fallback" charset="0"/>
-              </a:defRPr>
-            </a:lvl9pPr>
-          </a:lstStyle>
-          <a:p>
-            <a:pPr algn="just"/>
-            <a:r>
-              <a:rPr lang="ru-RU" altLang="ru-RU" sz="2600" dirty="0">
-                <a:solidFill>
-                  <a:srgbClr val="000000"/>
-                </a:solidFill>
-                <a:latin typeface="Times New Roman" pitchFamily="16" charset="0"/>
-                <a:cs typeface="DejaVu Sans" pitchFamily="32" charset="0"/>
-              </a:rPr>
-              <a:t>   </a:t>
-            </a:r>
-            <a:r>
-              <a:rPr lang="ru-RU" altLang="ru-RU" sz="2400" dirty="0">
-                <a:solidFill>
-                  <a:srgbClr val="000000"/>
-                </a:solidFill>
-                <a:latin typeface="Times New Roman" pitchFamily="16" charset="0"/>
-                <a:cs typeface="DejaVu Sans" pitchFamily="32" charset="0"/>
-              </a:rPr>
-              <a:t>Частицы движутся в соответствии с релятивистскими уравнениями </a:t>
-            </a:r>
-            <a:r>
-              <a:rPr lang="ru-RU" altLang="ru-RU" sz="2400" dirty="0" smtClean="0">
-                <a:solidFill>
-                  <a:srgbClr val="000000"/>
-                </a:solidFill>
-                <a:latin typeface="Times New Roman" pitchFamily="16" charset="0"/>
-                <a:cs typeface="DejaVu Sans" pitchFamily="32" charset="0"/>
-              </a:rPr>
-              <a:t>движения. </a:t>
-            </a:r>
-            <a:r>
-              <a:rPr lang="ru-RU" altLang="ru-RU" sz="2400" dirty="0">
-                <a:solidFill>
-                  <a:srgbClr val="000000"/>
-                </a:solidFill>
-                <a:latin typeface="Times New Roman" pitchFamily="16" charset="0"/>
-              </a:rPr>
-              <a:t>Поля рассчитываются по уравнениям Максвелла, с током и плотностью заряда зависящими от координат </a:t>
-            </a:r>
-            <a:r>
-              <a:rPr lang="ru-RU" altLang="ru-RU" sz="2400" dirty="0" smtClean="0">
-                <a:solidFill>
-                  <a:srgbClr val="000000"/>
-                </a:solidFill>
-                <a:latin typeface="Times New Roman" pitchFamily="16" charset="0"/>
-              </a:rPr>
-              <a:t>частиц.</a:t>
-            </a:r>
-          </a:p>
-          <a:p>
-            <a:pPr algn="just"/>
-            <a:r>
-              <a:rPr lang="ru-RU" altLang="ru-RU" sz="2400" dirty="0">
-                <a:solidFill>
-                  <a:srgbClr val="000000"/>
-                </a:solidFill>
-                <a:latin typeface="Times New Roman" pitchFamily="16" charset="0"/>
-              </a:rPr>
-              <a:t> </a:t>
-            </a:r>
-            <a:r>
-              <a:rPr lang="ru-RU" altLang="ru-RU" sz="2400" dirty="0" smtClean="0">
-                <a:solidFill>
-                  <a:srgbClr val="000000"/>
-                </a:solidFill>
-                <a:latin typeface="Times New Roman" pitchFamily="16" charset="0"/>
-              </a:rPr>
-              <a:t> В работе использован</a:t>
-            </a:r>
-            <a:r>
-              <a:rPr lang="en-US" altLang="ru-RU" sz="2400" dirty="0" smtClean="0">
-                <a:solidFill>
-                  <a:srgbClr val="000000"/>
-                </a:solidFill>
-                <a:latin typeface="Times New Roman" pitchFamily="16" charset="0"/>
-              </a:rPr>
-              <a:t> </a:t>
-            </a:r>
-            <a:r>
-              <a:rPr lang="ru-RU" altLang="ru-RU" sz="2400" dirty="0" smtClean="0">
-                <a:solidFill>
-                  <a:srgbClr val="000000"/>
-                </a:solidFill>
-                <a:latin typeface="Times New Roman" pitchFamily="16" charset="0"/>
-              </a:rPr>
-              <a:t>и дополнен код </a:t>
-            </a:r>
-            <a:r>
-              <a:rPr lang="en-US" altLang="ru-RU" sz="2400" dirty="0">
-                <a:solidFill>
-                  <a:srgbClr val="000000"/>
-                </a:solidFill>
-                <a:latin typeface="Times New Roman" pitchFamily="16" charset="0"/>
-                <a:cs typeface="DejaVu Sans" charset="0"/>
-              </a:rPr>
-              <a:t>Tristan-</a:t>
-            </a:r>
-            <a:r>
-              <a:rPr lang="en-US" altLang="ru-RU" sz="2400" dirty="0" err="1">
-                <a:solidFill>
-                  <a:srgbClr val="000000"/>
-                </a:solidFill>
-                <a:latin typeface="Times New Roman" pitchFamily="16" charset="0"/>
-                <a:cs typeface="DejaVu Sans" charset="0"/>
-              </a:rPr>
-              <a:t>mp</a:t>
-            </a:r>
-            <a:r>
-              <a:rPr lang="ru-RU" altLang="ru-RU" sz="2400" dirty="0">
-                <a:solidFill>
-                  <a:srgbClr val="000000"/>
-                </a:solidFill>
-                <a:latin typeface="Times New Roman" pitchFamily="16" charset="0"/>
-                <a:cs typeface="DejaVu Sans" charset="0"/>
-              </a:rPr>
-              <a:t>, разработанного </a:t>
-            </a:r>
-            <a:r>
-              <a:rPr lang="en-US" altLang="ru-RU" sz="2400" dirty="0" err="1" smtClean="0">
-                <a:solidFill>
-                  <a:srgbClr val="000000"/>
-                </a:solidFill>
-                <a:latin typeface="Times New Roman" pitchFamily="16" charset="0"/>
-                <a:cs typeface="DejaVu Sans" charset="0"/>
-              </a:rPr>
-              <a:t>Buneman</a:t>
-            </a:r>
-            <a:r>
-              <a:rPr lang="en-US" altLang="ru-RU" sz="2400" dirty="0" smtClean="0">
-                <a:solidFill>
-                  <a:srgbClr val="000000"/>
-                </a:solidFill>
-                <a:latin typeface="Times New Roman" pitchFamily="16" charset="0"/>
-                <a:cs typeface="DejaVu Sans" charset="0"/>
-              </a:rPr>
-              <a:t>, </a:t>
-            </a:r>
-            <a:r>
-              <a:rPr lang="en-US" altLang="ru-RU" sz="2400" dirty="0" err="1" smtClean="0">
-                <a:solidFill>
-                  <a:srgbClr val="000000"/>
-                </a:solidFill>
-                <a:latin typeface="Times New Roman" pitchFamily="16" charset="0"/>
-                <a:cs typeface="DejaVu Sans" charset="0"/>
-              </a:rPr>
-              <a:t>Spitkovsky</a:t>
-            </a:r>
-            <a:r>
-              <a:rPr lang="en-US" altLang="ru-RU" sz="2400" dirty="0" smtClean="0">
-                <a:solidFill>
-                  <a:srgbClr val="000000"/>
-                </a:solidFill>
-                <a:latin typeface="Times New Roman" pitchFamily="16" charset="0"/>
-                <a:cs typeface="DejaVu Sans" charset="0"/>
-              </a:rPr>
-              <a:t> </a:t>
-            </a:r>
-            <a:r>
-              <a:rPr lang="ru-RU" altLang="ru-RU" sz="2400" dirty="0">
-                <a:solidFill>
-                  <a:srgbClr val="000000"/>
-                </a:solidFill>
-                <a:latin typeface="Times New Roman" pitchFamily="16" charset="0"/>
-                <a:cs typeface="DejaVu Sans" charset="0"/>
-              </a:rPr>
-              <a:t>и </a:t>
-            </a:r>
-            <a:r>
-              <a:rPr lang="ru-RU" altLang="ru-RU" sz="2400" dirty="0" smtClean="0">
-                <a:solidFill>
-                  <a:srgbClr val="000000"/>
-                </a:solidFill>
-                <a:latin typeface="Times New Roman" pitchFamily="16" charset="0"/>
-                <a:cs typeface="DejaVu Sans" charset="0"/>
-              </a:rPr>
-              <a:t>другими </a:t>
-            </a:r>
-            <a:r>
-              <a:rPr lang="en-US" altLang="ru-RU" sz="2400" dirty="0" smtClean="0">
-                <a:solidFill>
-                  <a:srgbClr val="000000"/>
-                </a:solidFill>
-                <a:latin typeface="Times New Roman" pitchFamily="16" charset="0"/>
-                <a:cs typeface="DejaVu Sans" charset="0"/>
-              </a:rPr>
-              <a:t>[2][3].</a:t>
-            </a:r>
-            <a:endParaRPr lang="ru-RU" altLang="ru-RU" sz="2400" dirty="0">
-              <a:solidFill>
-                <a:srgbClr val="000000"/>
-              </a:solidFill>
-              <a:latin typeface="Times New Roman" pitchFamily="16" charset="0"/>
-            </a:endParaRPr>
-          </a:p>
-          <a:p>
-            <a:pPr algn="just">
-              <a:buClrTx/>
-              <a:buFontTx/>
-              <a:buNone/>
-            </a:pPr>
-            <a:endParaRPr lang="ru-RU" altLang="ru-RU" sz="2400" dirty="0">
-              <a:solidFill>
-                <a:srgbClr val="000000"/>
-              </a:solidFill>
-              <a:latin typeface="Times New Roman" pitchFamily="16" charset="0"/>
-              <a:cs typeface="DejaVu Sans" pitchFamily="32" charset="0"/>
-            </a:endParaRPr>
-          </a:p>
-        </p:txBody>
-      </p:sp>
-      <p:sp>
-        <p:nvSpPr>
-          <p:cNvPr id="2" name="TextBox 1"/>
-          <p:cNvSpPr txBox="1"/>
-          <p:nvPr/>
-        </p:nvSpPr>
-        <p:spPr>
-          <a:xfrm>
-            <a:off x="7292303" y="3781695"/>
-            <a:ext cx="7034009" cy="6001643"/>
-          </a:xfrm>
-          <a:prstGeom prst="rect">
-            <a:avLst/>
-          </a:prstGeom>
-          <a:noFill/>
-        </p:spPr>
-        <p:txBody>
-          <a:bodyPr wrap="square" rtlCol="0">
-            <a:spAutoFit/>
-          </a:bodyPr>
-          <a:lstStyle/>
-          <a:p>
-            <a:pPr algn="ctr"/>
-            <a:r>
-              <a:rPr lang="ru-RU" sz="2400" b="1" dirty="0" smtClean="0">
-                <a:latin typeface="Times New Roman" panose="02020603050405020304" pitchFamily="18" charset="0"/>
-                <a:cs typeface="Times New Roman" panose="02020603050405020304" pitchFamily="18" charset="0"/>
-              </a:rPr>
-              <a:t>Моделирование ударных волн.</a:t>
-            </a:r>
-          </a:p>
-          <a:p>
-            <a:pPr algn="just"/>
-            <a:r>
-              <a:rPr lang="ru-RU" sz="2400" dirty="0" smtClean="0">
-                <a:latin typeface="Times New Roman" panose="02020603050405020304" pitchFamily="18" charset="0"/>
-                <a:cs typeface="Times New Roman" panose="02020603050405020304" pitchFamily="18" charset="0"/>
-              </a:rPr>
-              <a:t>  В данной работе мы рассматривали вопрос </a:t>
-            </a:r>
-            <a:r>
-              <a:rPr lang="ru-RU" sz="2400" dirty="0" smtClean="0">
-                <a:latin typeface="Times New Roman" panose="02020603050405020304" pitchFamily="18" charset="0"/>
-                <a:cs typeface="Times New Roman" panose="02020603050405020304" pitchFamily="18" charset="0"/>
-              </a:rPr>
-              <a:t>ускорения частиц в </a:t>
-            </a:r>
-            <a:r>
-              <a:rPr lang="ru-RU" sz="2400" dirty="0" smtClean="0">
-                <a:latin typeface="Times New Roman" panose="02020603050405020304" pitchFamily="18" charset="0"/>
-                <a:cs typeface="Times New Roman" panose="02020603050405020304" pitchFamily="18" charset="0"/>
-              </a:rPr>
-              <a:t>электрон-ионных </a:t>
-            </a:r>
-            <a:r>
-              <a:rPr lang="ru-RU" sz="2400" dirty="0" err="1" smtClean="0">
-                <a:latin typeface="Times New Roman" panose="02020603050405020304" pitchFamily="18" charset="0"/>
-                <a:cs typeface="Times New Roman" panose="02020603050405020304" pitchFamily="18" charset="0"/>
-              </a:rPr>
-              <a:t>субрелятивистских</a:t>
-            </a:r>
-            <a:r>
-              <a:rPr lang="ru-RU" sz="2400" dirty="0" smtClean="0">
-                <a:latin typeface="Times New Roman" panose="02020603050405020304" pitchFamily="18" charset="0"/>
-                <a:cs typeface="Times New Roman" panose="02020603050405020304" pitchFamily="18" charset="0"/>
-              </a:rPr>
-              <a:t> </a:t>
-            </a:r>
-            <a:r>
-              <a:rPr lang="ru-RU" sz="2400" dirty="0" err="1" smtClean="0">
-                <a:latin typeface="Times New Roman" panose="02020603050405020304" pitchFamily="18" charset="0"/>
-                <a:cs typeface="Times New Roman" panose="02020603050405020304" pitchFamily="18" charset="0"/>
-              </a:rPr>
-              <a:t>бесстолкновительных</a:t>
-            </a:r>
-            <a:r>
-              <a:rPr lang="ru-RU" sz="2400" dirty="0" smtClean="0">
-                <a:latin typeface="Times New Roman" panose="02020603050405020304" pitchFamily="18" charset="0"/>
-                <a:cs typeface="Times New Roman" panose="02020603050405020304" pitchFamily="18" charset="0"/>
-              </a:rPr>
-              <a:t> ударных волнах. В </a:t>
-            </a:r>
-            <a:r>
-              <a:rPr lang="en-US" sz="2400" dirty="0" smtClean="0">
-                <a:latin typeface="Times New Roman" panose="02020603050405020304" pitchFamily="18" charset="0"/>
-                <a:cs typeface="Times New Roman" panose="02020603050405020304" pitchFamily="18" charset="0"/>
-              </a:rPr>
-              <a:t>2d-</a:t>
-            </a:r>
-            <a:r>
-              <a:rPr lang="ru-RU" sz="2400" dirty="0" smtClean="0">
-                <a:latin typeface="Times New Roman" panose="02020603050405020304" pitchFamily="18" charset="0"/>
-                <a:cs typeface="Times New Roman" panose="02020603050405020304" pitchFamily="18" charset="0"/>
-              </a:rPr>
-              <a:t>симуляции </a:t>
-            </a:r>
-            <a:r>
-              <a:rPr lang="ru-RU" sz="2400" dirty="0" smtClean="0">
-                <a:latin typeface="Times New Roman" panose="02020603050405020304" pitchFamily="18" charset="0"/>
-                <a:cs typeface="Times New Roman" panose="02020603050405020304" pitchFamily="18" charset="0"/>
-              </a:rPr>
-              <a:t>рассматривался </a:t>
-            </a:r>
-            <a:r>
-              <a:rPr lang="ru-RU" sz="2400" dirty="0" smtClean="0">
-                <a:latin typeface="Times New Roman" panose="02020603050405020304" pitchFamily="18" charset="0"/>
-                <a:cs typeface="Times New Roman" panose="02020603050405020304" pitchFamily="18" charset="0"/>
-              </a:rPr>
-              <a:t>поток </a:t>
-            </a:r>
-            <a:r>
-              <a:rPr lang="ru-RU" sz="2400" dirty="0" smtClean="0">
-                <a:latin typeface="Times New Roman" panose="02020603050405020304" pitchFamily="18" charset="0"/>
-                <a:cs typeface="Times New Roman" panose="02020603050405020304" pitchFamily="18" charset="0"/>
-              </a:rPr>
-              <a:t>плазмы, втекающий через правую границу и сталкивающийся с идеально проводящей стенкой на левой границе. В результате этого столкновения образуется ударная волна</a:t>
-            </a:r>
-            <a:r>
-              <a:rPr lang="ru-RU" sz="2400" dirty="0" smtClean="0">
-                <a:latin typeface="Times New Roman" panose="02020603050405020304" pitchFamily="18" charset="0"/>
-                <a:cs typeface="Times New Roman" panose="02020603050405020304" pitchFamily="18" charset="0"/>
-              </a:rPr>
-              <a:t>. Начальное магнитное поле состоит из регулярной части, перпендикулярной плоскости симуляции и скорости потока, и турбулентной, задающейся как сумма гармонических мод, с волновыми векторами лежащими в плоскости симуляции, изотропно распределенными в системе покоя потока и обладающими степенным спектром.</a:t>
-            </a:r>
-            <a:endParaRPr lang="ru-RU" sz="2400" dirty="0">
-              <a:latin typeface="Times New Roman" panose="02020603050405020304" pitchFamily="18" charset="0"/>
-              <a:cs typeface="Times New Roman" panose="02020603050405020304" pitchFamily="18" charset="0"/>
-            </a:endParaRPr>
-          </a:p>
-        </p:txBody>
-      </p:sp>
-      <mc:AlternateContent xmlns:mc="http://schemas.openxmlformats.org/markup-compatibility/2006">
-        <mc:Choice xmlns:a14="http://schemas.microsoft.com/office/drawing/2010/main" Requires="a14">
-          <p:sp>
-            <p:nvSpPr>
-              <p:cNvPr id="37" name="TextBox 36"/>
-              <p:cNvSpPr txBox="1"/>
-              <p:nvPr/>
-            </p:nvSpPr>
-            <p:spPr>
-              <a:xfrm>
-                <a:off x="7296127" y="11682335"/>
-                <a:ext cx="7001618" cy="4732578"/>
-              </a:xfrm>
-              <a:prstGeom prst="rect">
-                <a:avLst/>
-              </a:prstGeom>
-              <a:noFill/>
-            </p:spPr>
-            <p:txBody>
-              <a:bodyPr wrap="square" rtlCol="0">
-                <a:spAutoFit/>
-              </a:bodyPr>
-              <a:lstStyle/>
               <a:p>
                 <a:pPr algn="just"/>
                 <a:r>
@@ -6531,14 +5665,7 @@
                     <a:latin typeface="Times New Roman" panose="02020603050405020304" pitchFamily="18" charset="0"/>
                     <a:cs typeface="Times New Roman" panose="02020603050405020304" pitchFamily="18" charset="0"/>
                   </a:rPr>
-                  <a:t> </a:t>
-                </a:r>
-                <a:r>
-                  <a:rPr lang="ru-RU" sz="2400" dirty="0" smtClean="0">
-                    <a:latin typeface="Times New Roman" panose="02020603050405020304" pitchFamily="18" charset="0"/>
-                    <a:cs typeface="Times New Roman" panose="02020603050405020304" pitchFamily="18" charset="0"/>
-                  </a:rPr>
-                  <a:t>потоки плазмы с </a:t>
+                  <a:t> потоки плазмы с </a:t>
                 </a:r>
                 <a:r>
                   <a:rPr lang="ru-RU" sz="2400" dirty="0" err="1" smtClean="0">
@@ -7172,28 +6299,28 @@
                     <a:latin typeface="Times New Roman" panose="02020603050405020304" pitchFamily="18" charset="0"/>
                     <a:cs typeface="Times New Roman" panose="02020603050405020304" pitchFamily="18" charset="0"/>
                   </a:rPr>
-                  <a:t>100000 </a:t>
+                  <a:t>100000,</a:t>
+                </a:r>
+                <a:r>
+                  <a:rPr lang="ru-RU" sz="2400" dirty="0" smtClean="0">
+                    <a:latin typeface="Times New Roman" panose="02020603050405020304" pitchFamily="18" charset="0"/>
+                    <a:cs typeface="Times New Roman" panose="02020603050405020304" pitchFamily="18" charset="0"/>
+                  </a:rPr>
+                  <a:t> </a:t>
+                </a:r>
+                <a:r>
+                  <a:rPr lang="ru-RU" sz="2400" dirty="0" smtClean="0">
+                    <a:latin typeface="Times New Roman" panose="02020603050405020304" pitchFamily="18" charset="0"/>
+                    <a:cs typeface="Times New Roman" panose="02020603050405020304" pitchFamily="18" charset="0"/>
+                  </a:rPr>
+                  <a:t>что соответствует 5</a:t>
                 </a:r>
                 <a:r>
                   <a:rPr lang="en-US" sz="2400" dirty="0" smtClean="0">
                     <a:latin typeface="Times New Roman" panose="02020603050405020304" pitchFamily="18" charset="0"/>
                     <a:cs typeface="Times New Roman" panose="02020603050405020304" pitchFamily="18" charset="0"/>
                   </a:rPr>
-                  <a:t>,</a:t>
-                </a:r>
-                <a:r>
-                  <a:rPr lang="ru-RU" sz="2400" dirty="0" smtClean="0">
-                    <a:latin typeface="Times New Roman" panose="02020603050405020304" pitchFamily="18" charset="0"/>
-                    <a:cs typeface="Times New Roman" panose="02020603050405020304" pitchFamily="18" charset="0"/>
-                  </a:rPr>
-                  <a:t> что соответствует </a:t>
-                </a:r>
-                <a:r>
-                  <a:rPr lang="en-US" sz="2400" dirty="0" smtClean="0">
-                    <a:latin typeface="Times New Roman" panose="02020603050405020304" pitchFamily="18" charset="0"/>
-                    <a:cs typeface="Times New Roman" panose="02020603050405020304" pitchFamily="18" charset="0"/>
-                  </a:rPr>
-                  <a:t>20</a:t>
+                  <a:t>0</a:t>
                 </a:r>
                 <a:r>
                   <a:rPr lang="ru-RU" sz="2400" dirty="0" smtClean="0">
@@ -7221,14 +6348,7 @@
                     <a:latin typeface="Times New Roman" panose="02020603050405020304" pitchFamily="18" charset="0"/>
                     <a:cs typeface="Times New Roman" panose="02020603050405020304" pitchFamily="18" charset="0"/>
                   </a:rPr>
-                  <a:t>y - </a:t>
-                </a:r>
-                <a:r>
-                  <a:rPr lang="en-US" sz="2400" dirty="0" smtClean="0">
-                    <a:latin typeface="Times New Roman" panose="02020603050405020304" pitchFamily="18" charset="0"/>
-                    <a:cs typeface="Times New Roman" panose="02020603050405020304" pitchFamily="18" charset="0"/>
-                  </a:rPr>
-                  <a:t>2000</a:t>
+                  <a:t>y - 2000</a:t>
                 </a:r>
                 <a:r>
                   <a:rPr lang="ru-RU" sz="2400" dirty="0" smtClean="0">
@@ -7251,6 +6371,224 @@
                   </a:rPr>
                   <a:t> для разных концентраций. </a:t>
                 </a:r>
+              </a:p>
+              <a:p>
+                <a:pPr algn="just"/>
+                <a:r>
+                  <a:rPr lang="ru-RU" sz="2400" dirty="0">
+                    <a:latin typeface="Times New Roman" panose="02020603050405020304" pitchFamily="18" charset="0"/>
+                    <a:cs typeface="Times New Roman" panose="02020603050405020304" pitchFamily="18" charset="0"/>
+                  </a:rPr>
+                  <a:t> </a:t>
+                </a:r>
+                <a:r>
+                  <a:rPr lang="ru-RU" sz="2400" dirty="0" smtClean="0">
+                    <a:latin typeface="Times New Roman" panose="02020603050405020304" pitchFamily="18" charset="0"/>
+                    <a:cs typeface="Times New Roman" panose="02020603050405020304" pitchFamily="18" charset="0"/>
+                  </a:rPr>
+                  <a:t> Доля энергии поля, содержащейся в турбулентности составляла в разных запусках от 50 до 90 процентов. Характерные масштабы турбулентности – от </a:t>
+                </a:r>
+                <a:r>
+                  <a:rPr lang="ru-RU" sz="2400" dirty="0" smtClean="0">
+                    <a:latin typeface="Times New Roman" panose="02020603050405020304" pitchFamily="18" charset="0"/>
+                    <a:cs typeface="Times New Roman" panose="02020603050405020304" pitchFamily="18" charset="0"/>
+                  </a:rPr>
+                  <a:t>одного </a:t>
+                </a:r>
+                <a:r>
+                  <a:rPr lang="ru-RU" sz="2400" dirty="0" smtClean="0">
+                    <a:latin typeface="Times New Roman" panose="02020603050405020304" pitchFamily="18" charset="0"/>
+                    <a:cs typeface="Times New Roman" panose="02020603050405020304" pitchFamily="18" charset="0"/>
+                  </a:rPr>
+                  <a:t>до </a:t>
+                </a:r>
+                <a:r>
+                  <a:rPr lang="ru-RU" sz="2400" dirty="0" smtClean="0">
+                    <a:latin typeface="Times New Roman" panose="02020603050405020304" pitchFamily="18" charset="0"/>
+                    <a:cs typeface="Times New Roman" panose="02020603050405020304" pitchFamily="18" charset="0"/>
+                  </a:rPr>
+                  <a:t>десяти </a:t>
+                </a:r>
+                <a:r>
+                  <a:rPr lang="ru-RU" sz="2400" dirty="0" err="1" smtClean="0">
+                    <a:latin typeface="Times New Roman" panose="02020603050405020304" pitchFamily="18" charset="0"/>
+                    <a:cs typeface="Times New Roman" panose="02020603050405020304" pitchFamily="18" charset="0"/>
+                  </a:rPr>
+                  <a:t>гирорадиусов</a:t>
+                </a:r>
+                <a:r>
+                  <a:rPr lang="ru-RU" sz="2400" dirty="0" smtClean="0">
+                    <a:latin typeface="Times New Roman" panose="02020603050405020304" pitchFamily="18" charset="0"/>
+                    <a:cs typeface="Times New Roman" panose="02020603050405020304" pitchFamily="18" charset="0"/>
+                  </a:rPr>
+                  <a:t> протона в набегающем потоке </a:t>
+                </a:r>
+                <a14:m>
+                  <m:oMath xmlns:m="http://schemas.openxmlformats.org/officeDocument/2006/math">
+                    <m:sSub>
+                      <m:sSubPr>
+                        <m:ctrlPr>
+                          <a:rPr lang="ru-RU" sz="2400" i="1" smtClean="0">
+                            <a:latin typeface="Cambria Math"/>
+                            <a:cs typeface="Times New Roman" panose="02020603050405020304" pitchFamily="18" charset="0"/>
+                          </a:rPr>
+                        </m:ctrlPr>
+                      </m:sSubPr>
+                      <m:e>
+                        <m:r>
+                          <a:rPr lang="en-US" sz="2400" b="0" i="1" smtClean="0">
+                            <a:latin typeface="Cambria Math"/>
+                            <a:cs typeface="Times New Roman" panose="02020603050405020304" pitchFamily="18" charset="0"/>
+                          </a:rPr>
+                          <m:t>𝑟</m:t>
+                        </m:r>
+                      </m:e>
+                      <m:sub>
+                        <m:r>
+                          <a:rPr lang="en-US" sz="2400" b="0" i="1" smtClean="0">
+                            <a:latin typeface="Cambria Math"/>
+                            <a:cs typeface="Times New Roman" panose="02020603050405020304" pitchFamily="18" charset="0"/>
+                          </a:rPr>
+                          <m:t>𝑔</m:t>
+                        </m:r>
+                      </m:sub>
+                    </m:sSub>
+                    <m:r>
+                      <a:rPr lang="en-US" sz="2400" b="0" i="1" smtClean="0">
+                        <a:latin typeface="Cambria Math"/>
+                        <a:cs typeface="Times New Roman" panose="02020603050405020304" pitchFamily="18" charset="0"/>
+                      </a:rPr>
+                      <m:t>=</m:t>
+                    </m:r>
+                    <m:f>
+                      <m:fPr>
+                        <m:ctrlPr>
+                          <a:rPr lang="en-US" sz="2400" b="0" i="1" smtClean="0">
+                            <a:latin typeface="Cambria Math"/>
+                            <a:cs typeface="Times New Roman" panose="02020603050405020304" pitchFamily="18" charset="0"/>
+                          </a:rPr>
+                        </m:ctrlPr>
+                      </m:fPr>
+                      <m:num>
+                        <m:r>
+                          <a:rPr lang="en-US" sz="2400" b="0" i="1" smtClean="0">
+                            <a:latin typeface="Cambria Math"/>
+                            <a:cs typeface="Times New Roman" panose="02020603050405020304" pitchFamily="18" charset="0"/>
+                          </a:rPr>
+                          <m:t>𝑞𝐵</m:t>
+                        </m:r>
+                      </m:num>
+                      <m:den>
+                        <m:r>
+                          <a:rPr lang="en-US" sz="2400" i="1">
+                            <a:latin typeface="Cambria Math"/>
+                            <a:ea typeface="Cambria Math"/>
+                            <a:cs typeface="Times New Roman" panose="02020603050405020304" pitchFamily="18" charset="0"/>
+                          </a:rPr>
+                          <m:t>𝛾</m:t>
+                        </m:r>
+                        <m:sSub>
+                          <m:sSubPr>
+                            <m:ctrlPr>
+                              <a:rPr lang="en-US" sz="2400" i="1" smtClean="0">
+                                <a:latin typeface="Cambria Math"/>
+                                <a:ea typeface="Cambria Math"/>
+                                <a:cs typeface="Times New Roman" panose="02020603050405020304" pitchFamily="18" charset="0"/>
+                              </a:rPr>
+                            </m:ctrlPr>
+                          </m:sSubPr>
+                          <m:e>
+                            <m:r>
+                              <a:rPr lang="en-US" sz="2400" b="0" i="1" smtClean="0">
+                                <a:latin typeface="Cambria Math"/>
+                                <a:ea typeface="Cambria Math"/>
+                                <a:cs typeface="Times New Roman" panose="02020603050405020304" pitchFamily="18" charset="0"/>
+                              </a:rPr>
+                              <m:t>𝑚</m:t>
+                            </m:r>
+                          </m:e>
+                          <m:sub>
+                            <m:r>
+                              <a:rPr lang="en-US" sz="2400" b="0" i="1" smtClean="0">
+                                <a:latin typeface="Cambria Math"/>
+                                <a:ea typeface="Cambria Math"/>
+                                <a:cs typeface="Times New Roman" panose="02020603050405020304" pitchFamily="18" charset="0"/>
+                              </a:rPr>
+                              <m:t>𝑝</m:t>
+                            </m:r>
+                          </m:sub>
+                        </m:sSub>
+                        <m:r>
+                          <a:rPr lang="en-US" sz="2400" b="0" i="1" smtClean="0">
+                            <a:latin typeface="Cambria Math"/>
+                            <a:ea typeface="Cambria Math"/>
+                            <a:cs typeface="Times New Roman" panose="02020603050405020304" pitchFamily="18" charset="0"/>
+                          </a:rPr>
+                          <m:t>𝑐</m:t>
+                        </m:r>
+                      </m:den>
+                    </m:f>
+                    <m:r>
+                      <a:rPr lang="en-US" sz="2400" b="0" i="0" smtClean="0">
+                        <a:latin typeface="Cambria Math"/>
+                        <a:cs typeface="Times New Roman" panose="02020603050405020304" pitchFamily="18" charset="0"/>
+                      </a:rPr>
+                      <m:t>.</m:t>
+                    </m:r>
+                  </m:oMath>
+                </a14:m>
+                <a:r>
+                  <a:rPr lang="en-US" sz="2400" dirty="0" smtClean="0">
+                    <a:latin typeface="Times New Roman" panose="02020603050405020304" pitchFamily="18" charset="0"/>
+                    <a:cs typeface="Times New Roman" panose="02020603050405020304" pitchFamily="18" charset="0"/>
+                  </a:rPr>
+                  <a:t> </a:t>
+                </a:r>
+              </a:p>
+              <a:p>
+                <a:pPr algn="just"/>
+                <a:r>
+                  <a:rPr lang="en-US" sz="2400" dirty="0">
+                    <a:latin typeface="Times New Roman" panose="02020603050405020304" pitchFamily="18" charset="0"/>
+                    <a:cs typeface="Times New Roman" panose="02020603050405020304" pitchFamily="18" charset="0"/>
+                  </a:rPr>
+                  <a:t> </a:t>
+                </a:r>
+                <a:r>
+                  <a:rPr lang="en-US" sz="2400" dirty="0" smtClean="0">
+                    <a:latin typeface="Times New Roman" panose="02020603050405020304" pitchFamily="18" charset="0"/>
+                    <a:cs typeface="Times New Roman" panose="02020603050405020304" pitchFamily="18" charset="0"/>
+                  </a:rPr>
+                  <a:t> </a:t>
+                </a:r>
+                <a:r>
+                  <a:rPr lang="ru-RU" sz="2400" dirty="0" smtClean="0">
+                    <a:latin typeface="Times New Roman" panose="02020603050405020304" pitchFamily="18" charset="0"/>
+                    <a:cs typeface="Times New Roman" panose="02020603050405020304" pitchFamily="18" charset="0"/>
+                  </a:rPr>
+                  <a:t>Моделирование показало сильную зависимость спектров ускоренных частиц </a:t>
+                </a:r>
+                <a:r>
+                  <a:rPr lang="ru-RU" sz="2400" dirty="0" smtClean="0">
+                    <a:latin typeface="Times New Roman" panose="02020603050405020304" pitchFamily="18" charset="0"/>
+                    <a:cs typeface="Times New Roman" panose="02020603050405020304" pitchFamily="18" charset="0"/>
+                  </a:rPr>
+                  <a:t>и спектра синхротронного излучения от </a:t>
+                </a:r>
+                <a:r>
+                  <a:rPr lang="ru-RU" sz="2400" dirty="0" smtClean="0">
+                    <a:latin typeface="Times New Roman" panose="02020603050405020304" pitchFamily="18" charset="0"/>
+                    <a:cs typeface="Times New Roman" panose="02020603050405020304" pitchFamily="18" charset="0"/>
+                  </a:rPr>
+                  <a:t>доли энергии </a:t>
+                </a:r>
+                <a:r>
+                  <a:rPr lang="ru-RU" sz="2400" dirty="0" smtClean="0">
+                    <a:latin typeface="Times New Roman" panose="02020603050405020304" pitchFamily="18" charset="0"/>
+                    <a:cs typeface="Times New Roman" panose="02020603050405020304" pitchFamily="18" charset="0"/>
+                  </a:rPr>
+                  <a:t>турбулентности</a:t>
+                </a:r>
                 <a:endParaRPr lang="ru-RU" sz="2400" dirty="0">
                   <a:latin typeface="Times New Roman" panose="02020603050405020304" pitchFamily="18" charset="0"/>
                   <a:cs typeface="Times New Roman" panose="02020603050405020304" pitchFamily="18" charset="0"/>
@@ -7270,16 +6608,16 @@
             </p:nvSpPr>
             <p:spPr>
               <a:xfrm>
-                <a:off x="7296127" y="11682335"/>
-                <a:ext cx="7001618" cy="4732578"/>
+                <a:off x="7282172" y="6658218"/>
+                <a:ext cx="6958693" cy="12356524"/>
               </a:xfrm>
               <a:prstGeom prst="rect">
                 <a:avLst/>
               </a:prstGeom>
               <a:blipFill rotWithShape="1">
-                <a:blip r:embed="rId6"/>
+                <a:blip r:embed="rId3"/>
                 <a:stretch>
-                  <a:fillRect l="-1394" t="-1030" r="-1394" b="-1931"/>
+                  <a:fillRect l="-1402" t="-395" r="-1315" b="-197"/>
                 </a:stretch>
               </a:blipFill>
             </p:spPr>
@@ -7306,8 +6644,8 @@
         </p:nvSpPr>
         <p:spPr>
           <a:xfrm>
-            <a:off x="7377966" y="16505572"/>
-            <a:ext cx="6830520" cy="2308324"/>
+            <a:off x="7321623" y="18972211"/>
+            <a:ext cx="6959447" cy="1569660"/>
           </a:xfrm>
           <a:prstGeom prst="rect">
             <a:avLst/>
@@ -7347,7 +6685,7 @@
                 <a:latin typeface="Times New Roman" panose="02020603050405020304" pitchFamily="18" charset="0"/>
                 <a:cs typeface="Times New Roman" panose="02020603050405020304" pitchFamily="18" charset="0"/>
               </a:rPr>
-              <a:t>Моделирование показывает, что в результате столкновения потока со стенкой образуется ударная волна и значительно возрастает магнитное поле.  Значит создаются благоприятные условия для ускорения частиц.</a:t>
+              <a:t>Моделирование показывает, наличие сильной турбулентности существенно меняет структуру фронта ударной волны</a:t>
             </a:r>
             <a:endParaRPr lang="ru-RU" sz="2400" dirty="0">
               <a:latin typeface="Times New Roman" panose="02020603050405020304" pitchFamily="18" charset="0"/>
@@ -7356,957 +6694,49 @@
           </a:p>
         </p:txBody>
       </p:sp>
-      <p:pic>
-        <p:nvPicPr>
-          <p:cNvPr id="29" name="Рисунок 28"/>
-          <p:cNvPicPr>
-            <a:picLocks noChangeAspect="1"/>
-          </p:cNvPicPr>
+      <p:sp>
+        <p:nvSpPr>
+          <p:cNvPr id="36" name="TextBox 35"/>
+          <p:cNvSpPr txBox="1"/>
           <p:nvPr/>
-        </p:nvPicPr>
-        <p:blipFill>
-          <a:blip r:embed="rId7" cstate="print">
-            <a:extLst>
-              <a:ext uri="{28A0092B-C50C-407E-A947-70E740481C1C}">
-                <a14:useLocalDpi xmlns:a14="http://schemas.microsoft.com/office/drawing/2010/main" val="0"/>
-              </a:ext>
-            </a:extLst>
-          </a:blip>
-          <a:stretch>
-            <a:fillRect/>
-          </a:stretch>
-        </p:blipFill>
+        </p:nvSpPr>
         <p:spPr>
           <a:xfrm>
-            <a:off x="7552272" y="18341274"/>
-            <a:ext cx="6268688" cy="4307647"/>
+            <a:off x="7458488" y="28153245"/>
+            <a:ext cx="6822582" cy="707886"/>
           </a:xfrm>
           <a:prstGeom prst="rect">
             <a:avLst/>
           </a:prstGeom>
+          <a:noFill/>
         </p:spPr>
-      </p:pic>
-      <mc:AlternateContent xmlns:mc="http://schemas.openxmlformats.org/markup-compatibility/2006" xmlns:a14="http://schemas.microsoft.com/office/drawing/2010/main">
-        <mc:Choice Requires="a14">
-          <p:sp>
-            <p:nvSpPr>
-              <p:cNvPr id="32" name="TextBox 31"/>
-              <p:cNvSpPr txBox="1"/>
-              <p:nvPr/>
-            </p:nvSpPr>
-            <p:spPr>
-              <a:xfrm>
-                <a:off x="7292303" y="23383161"/>
-                <a:ext cx="7005441" cy="6370975"/>
-              </a:xfrm>
-              <a:prstGeom prst="rect">
-                <a:avLst/>
-              </a:prstGeom>
-              <a:noFill/>
-            </p:spPr>
-            <p:txBody>
-              <a:bodyPr wrap="square" rtlCol="0">
-                <a:spAutoFit/>
-              </a:bodyPr>
-              <a:lstStyle/>
-              <a:p>
-                <a:pPr algn="ctr"/>
-                <a:r>
-                  <a:rPr lang="ru-RU" sz="2400" b="1" dirty="0" smtClean="0">
-                    <a:latin typeface="Times New Roman" panose="02020603050405020304" pitchFamily="18" charset="0"/>
-                    <a:cs typeface="Times New Roman" panose="02020603050405020304" pitchFamily="18" charset="0"/>
-                  </a:rPr>
-                  <a:t>Спектр ускоренных частиц.</a:t>
-                </a:r>
-              </a:p>
-              <a:p>
-                <a:pPr algn="just"/>
-                <a:r>
-                  <a:rPr lang="ru-RU" sz="2400" b="1" dirty="0" smtClean="0">
-                    <a:latin typeface="Times New Roman" panose="02020603050405020304" pitchFamily="18" charset="0"/>
-                    <a:cs typeface="Times New Roman" panose="02020603050405020304" pitchFamily="18" charset="0"/>
-                  </a:rPr>
-                  <a:t>  </a:t>
-                </a:r>
-                <a:r>
-                  <a:rPr lang="ru-RU" sz="2400" dirty="0" smtClean="0">
-                    <a:latin typeface="Times New Roman" panose="02020603050405020304" pitchFamily="18" charset="0"/>
-                    <a:cs typeface="Times New Roman" panose="02020603050405020304" pitchFamily="18" charset="0"/>
-                  </a:rPr>
-                  <a:t>В  работе исследовано влияние углов наклона магнитного поля на эффективность ускорения частиц. При </a:t>
-                </a:r>
-                <a:r>
-                  <a:rPr lang="ru-RU" sz="2400" dirty="0">
-                    <a:latin typeface="Times New Roman" panose="02020603050405020304" pitchFamily="18" charset="0"/>
-                    <a:cs typeface="Times New Roman" panose="02020603050405020304" pitchFamily="18" charset="0"/>
-                  </a:rPr>
-                  <a:t>углах </a:t>
-                </a:r>
-                <a14:m>
-                  <m:oMath xmlns:m="http://schemas.openxmlformats.org/officeDocument/2006/math">
-                    <m:r>
-                      <a:rPr lang="ru-RU" sz="2400" i="1">
-                        <a:latin typeface="Cambria Math"/>
-                        <a:ea typeface="Cambria Math"/>
-                        <a:cs typeface="Times New Roman" panose="02020603050405020304" pitchFamily="18" charset="0"/>
-                      </a:rPr>
-                      <m:t>𝜃</m:t>
-                    </m:r>
-                  </m:oMath>
-                </a14:m>
-                <a:r>
-                  <a:rPr lang="ru-RU" sz="2400" dirty="0">
-                    <a:latin typeface="Times New Roman" panose="02020603050405020304" pitchFamily="18" charset="0"/>
-                    <a:cs typeface="Times New Roman" panose="02020603050405020304" pitchFamily="18" charset="0"/>
-                  </a:rPr>
-                  <a:t> больших критического, определяемого равенством </a:t>
-                </a:r>
-                <a14:m>
-                  <m:oMath xmlns:m="http://schemas.openxmlformats.org/officeDocument/2006/math">
-                    <m:r>
-                      <m:rPr>
-                        <m:sty m:val="p"/>
-                      </m:rPr>
-                      <a:rPr lang="en-US" sz="2400">
-                        <a:latin typeface="Cambria Math"/>
-                        <a:cs typeface="Times New Roman" panose="02020603050405020304" pitchFamily="18" charset="0"/>
-                      </a:rPr>
-                      <m:t>c</m:t>
-                    </m:r>
-                    <m:r>
-                      <a:rPr lang="en-US" sz="2400" i="1">
-                        <a:latin typeface="Cambria Math"/>
-                        <a:ea typeface="Cambria Math"/>
-                        <a:cs typeface="Times New Roman" panose="02020603050405020304" pitchFamily="18" charset="0"/>
-                      </a:rPr>
-                      <m:t>∙</m:t>
-                    </m:r>
-                    <m:func>
-                      <m:funcPr>
-                        <m:ctrlPr>
-                          <a:rPr lang="en-US" sz="2400" i="1">
-                            <a:latin typeface="Cambria Math"/>
-                            <a:cs typeface="Times New Roman" panose="02020603050405020304" pitchFamily="18" charset="0"/>
-                          </a:rPr>
-                        </m:ctrlPr>
-                      </m:funcPr>
-                      <m:fName>
-                        <m:r>
-                          <m:rPr>
-                            <m:sty m:val="p"/>
-                          </m:rPr>
-                          <a:rPr lang="en-US" sz="2400">
-                            <a:latin typeface="Cambria Math"/>
-                            <a:cs typeface="Times New Roman" panose="02020603050405020304" pitchFamily="18" charset="0"/>
-                          </a:rPr>
-                          <m:t>cos</m:t>
-                        </m:r>
-                      </m:fName>
-                      <m:e>
-                        <m:d>
-                          <m:dPr>
-                            <m:ctrlPr>
-                              <a:rPr lang="en-US" sz="2400" i="1">
-                                <a:latin typeface="Cambria Math"/>
-                                <a:cs typeface="Times New Roman" panose="02020603050405020304" pitchFamily="18" charset="0"/>
-                              </a:rPr>
-                            </m:ctrlPr>
-                          </m:dPr>
-                          <m:e>
-                            <m:sSub>
-                              <m:sSubPr>
-                                <m:ctrlPr>
-                                  <a:rPr lang="en-US" sz="2400" i="1">
-                                    <a:latin typeface="Cambria Math"/>
-                                    <a:cs typeface="Times New Roman" panose="02020603050405020304" pitchFamily="18" charset="0"/>
-                                  </a:rPr>
-                                </m:ctrlPr>
-                              </m:sSubPr>
-                              <m:e>
-                                <m:r>
-                                  <a:rPr lang="en-US" sz="2400" i="1">
-                                    <a:latin typeface="Cambria Math"/>
-                                    <a:ea typeface="Cambria Math"/>
-                                    <a:cs typeface="Times New Roman" panose="02020603050405020304" pitchFamily="18" charset="0"/>
-                                  </a:rPr>
-                                  <m:t>𝜗</m:t>
-                                </m:r>
-                              </m:e>
-                              <m:sub>
-                                <m:r>
-                                  <a:rPr lang="en-US" sz="2400" i="1">
-                                    <a:latin typeface="Cambria Math"/>
-                                    <a:cs typeface="Times New Roman" panose="02020603050405020304" pitchFamily="18" charset="0"/>
-                                  </a:rPr>
-                                  <m:t>𝑐𝑟𝑖𝑡</m:t>
-                                </m:r>
-                              </m:sub>
-                            </m:sSub>
-                          </m:e>
-                        </m:d>
-                      </m:e>
-                    </m:func>
-                    <m:r>
-                      <a:rPr lang="en-US" sz="2400" i="1">
-                        <a:latin typeface="Cambria Math"/>
-                        <a:cs typeface="Times New Roman" panose="02020603050405020304" pitchFamily="18" charset="0"/>
-                      </a:rPr>
-                      <m:t>=</m:t>
-                    </m:r>
-                    <m:sSub>
-                      <m:sSubPr>
-                        <m:ctrlPr>
-                          <a:rPr lang="en-US" sz="2400" i="1">
-                            <a:latin typeface="Cambria Math"/>
-                            <a:cs typeface="Times New Roman" panose="02020603050405020304" pitchFamily="18" charset="0"/>
-                          </a:rPr>
-                        </m:ctrlPr>
-                      </m:sSubPr>
-                      <m:e>
-                        <m:r>
-                          <a:rPr lang="en-US" sz="2400" i="1">
-                            <a:latin typeface="Cambria Math"/>
-                            <a:cs typeface="Times New Roman" panose="02020603050405020304" pitchFamily="18" charset="0"/>
-                          </a:rPr>
-                          <m:t>𝑣</m:t>
-                        </m:r>
-                      </m:e>
-                      <m:sub>
-                        <m:r>
-                          <a:rPr lang="en-US" sz="2400" i="1">
-                            <a:latin typeface="Cambria Math"/>
-                            <a:cs typeface="Times New Roman" panose="02020603050405020304" pitchFamily="18" charset="0"/>
-                          </a:rPr>
-                          <m:t>𝑠h</m:t>
-                        </m:r>
-                      </m:sub>
-                    </m:sSub>
-                  </m:oMath>
-                </a14:m>
-                <a:r>
-                  <a:rPr lang="en-US" sz="2400" dirty="0">
-                    <a:latin typeface="Times New Roman" panose="02020603050405020304" pitchFamily="18" charset="0"/>
-                    <a:cs typeface="Times New Roman" panose="02020603050405020304" pitchFamily="18" charset="0"/>
-                  </a:rPr>
-                  <a:t> </a:t>
-                </a:r>
-                <a:r>
-                  <a:rPr lang="ru-RU" sz="2400" dirty="0">
-                    <a:latin typeface="Times New Roman" panose="02020603050405020304" pitchFamily="18" charset="0"/>
-                    <a:cs typeface="Times New Roman" panose="02020603050405020304" pitchFamily="18" charset="0"/>
-                  </a:rPr>
-                  <a:t>в системе покоя набегающего потока </a:t>
-                </a:r>
-                <a:r>
-                  <a:rPr lang="ru-RU" sz="2400" dirty="0" smtClean="0">
-                    <a:latin typeface="Times New Roman" panose="02020603050405020304" pitchFamily="18" charset="0"/>
-                    <a:cs typeface="Times New Roman" panose="02020603050405020304" pitchFamily="18" charset="0"/>
-                  </a:rPr>
-                  <a:t>ускорение протонов прекращается для обоих случаев ориентации магнитного поля, </a:t>
-                </a:r>
-                <a:r>
-                  <a:rPr lang="ru-RU" sz="2400" dirty="0">
-                    <a:latin typeface="Times New Roman" panose="02020603050405020304" pitchFamily="18" charset="0"/>
-                    <a:cs typeface="Times New Roman" panose="02020603050405020304" pitchFamily="18" charset="0"/>
-                  </a:rPr>
-                  <a:t>что находится в согласии с аналогичными работами для ультрарелятивистских волн (</a:t>
-                </a:r>
-                <a:r>
-                  <a:rPr lang="en-US" sz="2400" dirty="0" err="1">
-                    <a:latin typeface="Times New Roman" panose="02020603050405020304" pitchFamily="18" charset="0"/>
-                    <a:cs typeface="Times New Roman" panose="02020603050405020304" pitchFamily="18" charset="0"/>
-                  </a:rPr>
-                  <a:t>Sironi</a:t>
-                </a:r>
-                <a:r>
-                  <a:rPr lang="en-US" sz="2400" dirty="0">
-                    <a:latin typeface="Times New Roman" panose="02020603050405020304" pitchFamily="18" charset="0"/>
-                    <a:cs typeface="Times New Roman" panose="02020603050405020304" pitchFamily="18" charset="0"/>
-                  </a:rPr>
-                  <a:t> et. Al </a:t>
-                </a:r>
-                <a:r>
-                  <a:rPr lang="en-US" sz="2400" dirty="0" smtClean="0">
-                    <a:latin typeface="Times New Roman" panose="02020603050405020304" pitchFamily="18" charset="0"/>
-                    <a:cs typeface="Times New Roman" panose="02020603050405020304" pitchFamily="18" charset="0"/>
-                  </a:rPr>
-                  <a:t>[</a:t>
-                </a:r>
-                <a:r>
-                  <a:rPr lang="ru-RU" sz="2400" dirty="0" smtClean="0">
-                    <a:latin typeface="Times New Roman" panose="02020603050405020304" pitchFamily="18" charset="0"/>
-                    <a:cs typeface="Times New Roman" panose="02020603050405020304" pitchFamily="18" charset="0"/>
-                  </a:rPr>
-                  <a:t>4</a:t>
-                </a:r>
-                <a:r>
-                  <a:rPr lang="en-US" sz="2400" dirty="0" smtClean="0">
-                    <a:latin typeface="Times New Roman" panose="02020603050405020304" pitchFamily="18" charset="0"/>
-                    <a:cs typeface="Times New Roman" panose="02020603050405020304" pitchFamily="18" charset="0"/>
-                  </a:rPr>
-                  <a:t>])</a:t>
-                </a:r>
-                <a:r>
-                  <a:rPr lang="ru-RU" sz="2400" dirty="0">
-                    <a:latin typeface="Times New Roman" panose="02020603050405020304" pitchFamily="18" charset="0"/>
-                    <a:cs typeface="Times New Roman" panose="02020603050405020304" pitchFamily="18" charset="0"/>
-                  </a:rPr>
-                  <a:t>. </a:t>
-                </a:r>
-                <a:r>
-                  <a:rPr lang="ru-RU" sz="2400" dirty="0" smtClean="0">
-                    <a:latin typeface="Times New Roman" panose="02020603050405020304" pitchFamily="18" charset="0"/>
-                    <a:cs typeface="Times New Roman" panose="02020603050405020304" pitchFamily="18" charset="0"/>
-                  </a:rPr>
-                  <a:t> В тепловой компоненте же имеются значительные отличия, связанные, как мы полагаем, с генерацией волн в </a:t>
-                </a:r>
-                <a:r>
-                  <a:rPr lang="ru-RU" sz="2400" dirty="0" err="1" smtClean="0">
-                    <a:latin typeface="Times New Roman" panose="02020603050405020304" pitchFamily="18" charset="0"/>
-                    <a:cs typeface="Times New Roman" panose="02020603050405020304" pitchFamily="18" charset="0"/>
-                  </a:rPr>
-                  <a:t>предфронте</a:t>
-                </a:r>
-                <a:r>
-                  <a:rPr lang="ru-RU" sz="2400" dirty="0" smtClean="0">
-                    <a:latin typeface="Times New Roman" panose="02020603050405020304" pitchFamily="18" charset="0"/>
-                    <a:cs typeface="Times New Roman" panose="02020603050405020304" pitchFamily="18" charset="0"/>
-                  </a:rPr>
-                  <a:t> и нагревом ими плазмы. У электронов же появляется ускоренная компонента при ориентации поля в плоскости </a:t>
-                </a:r>
-                <a:r>
-                  <a:rPr lang="en-US" sz="2400" dirty="0" smtClean="0">
-                    <a:latin typeface="Times New Roman" panose="02020603050405020304" pitchFamily="18" charset="0"/>
-                    <a:cs typeface="Times New Roman" panose="02020603050405020304" pitchFamily="18" charset="0"/>
-                  </a:rPr>
-                  <a:t>x-y</a:t>
-                </a:r>
-                <a:r>
-                  <a:rPr lang="ru-RU" sz="2400" dirty="0" smtClean="0">
-                    <a:latin typeface="Times New Roman" panose="02020603050405020304" pitchFamily="18" charset="0"/>
-                    <a:cs typeface="Times New Roman" panose="02020603050405020304" pitchFamily="18" charset="0"/>
-                  </a:rPr>
-                  <a:t> даже при углах больших критического, природа ее до конца не ясна.</a:t>
-                </a:r>
-                <a:endParaRPr lang="ru-RU" sz="2400" b="1" dirty="0">
-                  <a:latin typeface="Times New Roman" panose="02020603050405020304" pitchFamily="18" charset="0"/>
-                  <a:cs typeface="Times New Roman" panose="02020603050405020304" pitchFamily="18" charset="0"/>
-                </a:endParaRPr>
-              </a:p>
-            </p:txBody>
-          </p:sp>
-        </mc:Choice>
-        <mc:Fallback xmlns="">
-          <p:sp>
-            <p:nvSpPr>
-              <p:cNvPr id="32" name="TextBox 31"/>
-              <p:cNvSpPr txBox="1">
-                <a:spLocks noRot="1" noChangeAspect="1" noMove="1" noResize="1" noEditPoints="1" noAdjustHandles="1" noChangeArrowheads="1" noChangeShapeType="1" noTextEdit="1"/>
-              </p:cNvSpPr>
-              <p:nvPr/>
-            </p:nvSpPr>
-            <p:spPr>
-              <a:xfrm>
-                <a:off x="7292303" y="23383161"/>
-                <a:ext cx="7005441" cy="6370975"/>
-              </a:xfrm>
-              <a:prstGeom prst="rect">
-                <a:avLst/>
-              </a:prstGeom>
-              <a:blipFill rotWithShape="1">
-                <a:blip r:embed="rId9"/>
-                <a:stretch>
-                  <a:fillRect l="-1305" t="-766" r="-1393" b="-1244"/>
-                </a:stretch>
-              </a:blipFill>
-            </p:spPr>
-            <p:txBody>
-              <a:bodyPr/>
-              <a:lstStyle/>
-              <a:p>
-                <a:r>
-                  <a:rPr lang="ru-RU">
-                    <a:noFill/>
-                  </a:rPr>
-                  <a:t> </a:t>
-                </a:r>
-              </a:p>
-            </p:txBody>
-          </p:sp>
-        </mc:Fallback>
-      </mc:AlternateContent>
-      <mc:AlternateContent xmlns:mc="http://schemas.openxmlformats.org/markup-compatibility/2006" xmlns:a14="http://schemas.microsoft.com/office/drawing/2010/main">
-        <mc:Choice Requires="a14">
-          <p:sp>
-            <p:nvSpPr>
-              <p:cNvPr id="36" name="TextBox 35"/>
-              <p:cNvSpPr txBox="1"/>
-              <p:nvPr/>
-            </p:nvSpPr>
-            <p:spPr>
-              <a:xfrm>
-                <a:off x="7364683" y="22648921"/>
-                <a:ext cx="6478770" cy="734240"/>
-              </a:xfrm>
-              <a:prstGeom prst="rect">
-                <a:avLst/>
-              </a:prstGeom>
-              <a:noFill/>
-            </p:spPr>
-            <p:txBody>
-              <a:bodyPr wrap="square" rtlCol="0">
-                <a:spAutoFit/>
-              </a:bodyPr>
-              <a:lstStyle/>
-              <a:p>
-                <a:r>
-                  <a:rPr lang="ru-RU" sz="2000" b="1" i="1" dirty="0" smtClean="0">
-                    <a:latin typeface="Times New Roman" panose="02020603050405020304" pitchFamily="18" charset="0"/>
-                    <a:cs typeface="Times New Roman" panose="02020603050405020304" pitchFamily="18" charset="0"/>
-                  </a:rPr>
-                  <a:t>Рис. 1 </a:t>
-                </a:r>
-                <a:r>
-                  <a:rPr lang="ru-RU" sz="2000" i="1" dirty="0" smtClean="0">
-                    <a:latin typeface="Times New Roman" panose="02020603050405020304" pitchFamily="18" charset="0"/>
-                    <a:cs typeface="Times New Roman" panose="02020603050405020304" pitchFamily="18" charset="0"/>
-                  </a:rPr>
-                  <a:t>Перпендикулярная компонента магнитного поля в ударной волне  с углом наклона</a:t>
-                </a:r>
-                <a:r>
-                  <a:rPr lang="en-US" sz="2000" i="1" dirty="0" smtClean="0">
-                    <a:latin typeface="Times New Roman" panose="02020603050405020304" pitchFamily="18" charset="0"/>
-                    <a:cs typeface="Times New Roman" panose="02020603050405020304" pitchFamily="18" charset="0"/>
-                  </a:rPr>
-                  <a:t> </a:t>
-                </a:r>
-                <a14:m>
-                  <m:oMath xmlns:m="http://schemas.openxmlformats.org/officeDocument/2006/math">
-                    <m:r>
-                      <a:rPr lang="en-US" sz="2000" b="0" i="1" smtClean="0">
-                        <a:latin typeface="Cambria Math"/>
-                        <a:ea typeface="Cambria Math"/>
-                        <a:cs typeface="Times New Roman" panose="02020603050405020304" pitchFamily="18" charset="0"/>
-                      </a:rPr>
-                      <m:t> </m:t>
-                    </m:r>
-                    <m:r>
-                      <a:rPr lang="ru-RU" sz="2000" i="1" smtClean="0">
-                        <a:latin typeface="Cambria Math"/>
-                        <a:ea typeface="Cambria Math"/>
-                        <a:cs typeface="Times New Roman" panose="02020603050405020304" pitchFamily="18" charset="0"/>
-                      </a:rPr>
-                      <m:t>𝜗</m:t>
-                    </m:r>
-                    <m:r>
-                      <a:rPr lang="ru-RU" sz="2000" b="0" i="1" smtClean="0">
-                        <a:latin typeface="Cambria Math"/>
-                        <a:ea typeface="Cambria Math"/>
-                        <a:cs typeface="Times New Roman" panose="02020603050405020304" pitchFamily="18" charset="0"/>
-                      </a:rPr>
-                      <m:t>=</m:t>
-                    </m:r>
-                    <m:sSup>
-                      <m:sSupPr>
-                        <m:ctrlPr>
-                          <a:rPr lang="ru-RU" sz="2000" b="0" i="1" smtClean="0">
-                            <a:latin typeface="Cambria Math"/>
-                            <a:ea typeface="Cambria Math"/>
-                            <a:cs typeface="Times New Roman" panose="02020603050405020304" pitchFamily="18" charset="0"/>
-                          </a:rPr>
-                        </m:ctrlPr>
-                      </m:sSupPr>
-                      <m:e>
-                        <m:r>
-                          <a:rPr lang="ru-RU" sz="2000" b="0" i="1" smtClean="0">
-                            <a:latin typeface="Cambria Math"/>
-                            <a:ea typeface="Cambria Math"/>
-                            <a:cs typeface="Times New Roman" panose="02020603050405020304" pitchFamily="18" charset="0"/>
-                          </a:rPr>
-                          <m:t>60</m:t>
-                        </m:r>
-                      </m:e>
-                      <m:sup>
-                        <m:r>
-                          <a:rPr lang="ru-RU" sz="2000" b="0" i="1" smtClean="0">
-                            <a:latin typeface="Cambria Math"/>
-                            <a:ea typeface="Cambria Math"/>
-                            <a:cs typeface="Times New Roman" panose="02020603050405020304" pitchFamily="18" charset="0"/>
-                          </a:rPr>
-                          <m:t>0</m:t>
-                        </m:r>
-                      </m:sup>
-                    </m:sSup>
-                    <m:r>
-                      <a:rPr lang="ru-RU" sz="2000" b="0" i="1" smtClean="0">
-                        <a:latin typeface="Cambria Math"/>
-                        <a:ea typeface="Cambria Math"/>
-                        <a:cs typeface="Times New Roman" panose="02020603050405020304" pitchFamily="18" charset="0"/>
-                      </a:rPr>
-                      <m:t> </m:t>
-                    </m:r>
-                    <m:r>
-                      <a:rPr lang="ru-RU" sz="2000" b="0" i="1" smtClean="0">
-                        <a:latin typeface="Cambria Math"/>
-                        <a:ea typeface="Cambria Math"/>
-                        <a:cs typeface="Times New Roman" panose="02020603050405020304" pitchFamily="18" charset="0"/>
-                      </a:rPr>
-                      <m:t>𝜑</m:t>
-                    </m:r>
-                    <m:r>
-                      <a:rPr lang="ru-RU" sz="2000" b="0" i="1" smtClean="0">
-                        <a:latin typeface="Cambria Math"/>
-                        <a:ea typeface="Cambria Math"/>
-                        <a:cs typeface="Times New Roman" panose="02020603050405020304" pitchFamily="18" charset="0"/>
-                      </a:rPr>
-                      <m:t>=</m:t>
-                    </m:r>
-                    <m:sSup>
-                      <m:sSupPr>
-                        <m:ctrlPr>
-                          <a:rPr lang="ru-RU" sz="2000" b="0" i="1" smtClean="0">
-                            <a:latin typeface="Cambria Math"/>
-                            <a:ea typeface="Cambria Math"/>
-                            <a:cs typeface="Times New Roman" panose="02020603050405020304" pitchFamily="18" charset="0"/>
-                          </a:rPr>
-                        </m:ctrlPr>
-                      </m:sSupPr>
-                      <m:e>
-                        <m:r>
-                          <a:rPr lang="ru-RU" sz="2000" b="0" i="1" smtClean="0">
-                            <a:latin typeface="Cambria Math"/>
-                            <a:ea typeface="Cambria Math"/>
-                            <a:cs typeface="Times New Roman" panose="02020603050405020304" pitchFamily="18" charset="0"/>
-                          </a:rPr>
-                          <m:t>0</m:t>
-                        </m:r>
-                      </m:e>
-                      <m:sup>
-                        <m:r>
-                          <a:rPr lang="ru-RU" sz="2000" b="0" i="1" smtClean="0">
-                            <a:latin typeface="Cambria Math"/>
-                            <a:ea typeface="Cambria Math"/>
-                            <a:cs typeface="Times New Roman" panose="02020603050405020304" pitchFamily="18" charset="0"/>
-                          </a:rPr>
-                          <m:t>0</m:t>
-                        </m:r>
-                      </m:sup>
-                    </m:sSup>
-                  </m:oMath>
-                </a14:m>
-                <a:endParaRPr lang="ru-RU" sz="2000" i="1" dirty="0">
-                  <a:latin typeface="Times New Roman" panose="02020603050405020304" pitchFamily="18" charset="0"/>
-                  <a:cs typeface="Times New Roman" panose="02020603050405020304" pitchFamily="18" charset="0"/>
-                </a:endParaRPr>
-              </a:p>
-            </p:txBody>
-          </p:sp>
-        </mc:Choice>
-        <mc:Fallback xmlns="">
-          <p:sp>
-            <p:nvSpPr>
-              <p:cNvPr id="36" name="TextBox 35"/>
-              <p:cNvSpPr txBox="1">
-                <a:spLocks noRot="1" noChangeAspect="1" noMove="1" noResize="1" noEditPoints="1" noAdjustHandles="1" noChangeArrowheads="1" noChangeShapeType="1" noTextEdit="1"/>
-              </p:cNvSpPr>
-              <p:nvPr/>
-            </p:nvSpPr>
-            <p:spPr>
-              <a:xfrm>
-                <a:off x="7364683" y="22648921"/>
-                <a:ext cx="6478770" cy="734240"/>
-              </a:xfrm>
-              <a:prstGeom prst="rect">
-                <a:avLst/>
-              </a:prstGeom>
-              <a:blipFill rotWithShape="1">
-                <a:blip r:embed="rId10"/>
-                <a:stretch>
-                  <a:fillRect l="-941" t="-4132" r="-282" b="-9917"/>
-                </a:stretch>
-              </a:blipFill>
-            </p:spPr>
-            <p:txBody>
-              <a:bodyPr/>
-              <a:lstStyle/>
-              <a:p>
-                <a:r>
-                  <a:rPr lang="ru-RU">
-                    <a:noFill/>
-                  </a:rPr>
-                  <a:t> </a:t>
-                </a:r>
-              </a:p>
-            </p:txBody>
-          </p:sp>
-        </mc:Fallback>
-      </mc:AlternateContent>
-      <mc:AlternateContent xmlns:mc="http://schemas.openxmlformats.org/markup-compatibility/2006" xmlns:a14="http://schemas.microsoft.com/office/drawing/2010/main">
-        <mc:Choice Requires="a14">
-          <p:sp>
-            <p:nvSpPr>
-              <p:cNvPr id="41" name="TextBox 40"/>
-              <p:cNvSpPr txBox="1"/>
-              <p:nvPr/>
-            </p:nvSpPr>
-            <p:spPr>
-              <a:xfrm>
-                <a:off x="14437562" y="7567347"/>
-                <a:ext cx="6478770" cy="734240"/>
-              </a:xfrm>
-              <a:prstGeom prst="rect">
-                <a:avLst/>
-              </a:prstGeom>
-              <a:noFill/>
-            </p:spPr>
-            <p:txBody>
-              <a:bodyPr wrap="square" rtlCol="0">
-                <a:spAutoFit/>
-              </a:bodyPr>
-              <a:lstStyle/>
-              <a:p>
-                <a:r>
-                  <a:rPr lang="ru-RU" sz="2000" b="1" i="1" dirty="0" smtClean="0">
-                    <a:latin typeface="Times New Roman" panose="02020603050405020304" pitchFamily="18" charset="0"/>
-                    <a:cs typeface="Times New Roman" panose="02020603050405020304" pitchFamily="18" charset="0"/>
-                  </a:rPr>
-                  <a:t>Рис. </a:t>
-                </a:r>
-                <a:r>
-                  <a:rPr lang="en-US" sz="2000" b="1" i="1" dirty="0" smtClean="0">
-                    <a:latin typeface="Times New Roman" panose="02020603050405020304" pitchFamily="18" charset="0"/>
-                    <a:cs typeface="Times New Roman" panose="02020603050405020304" pitchFamily="18" charset="0"/>
-                  </a:rPr>
-                  <a:t>2</a:t>
-                </a:r>
-                <a:r>
-                  <a:rPr lang="ru-RU" sz="2000" b="1" i="1" dirty="0" smtClean="0">
-                    <a:latin typeface="Times New Roman" panose="02020603050405020304" pitchFamily="18" charset="0"/>
-                    <a:cs typeface="Times New Roman" panose="02020603050405020304" pitchFamily="18" charset="0"/>
-                  </a:rPr>
-                  <a:t> </a:t>
-                </a:r>
-                <a:r>
-                  <a:rPr lang="ru-RU" sz="2000" i="1" dirty="0" smtClean="0">
-                    <a:latin typeface="Times New Roman" panose="02020603050405020304" pitchFamily="18" charset="0"/>
-                    <a:cs typeface="Times New Roman" panose="02020603050405020304" pitchFamily="18" charset="0"/>
-                  </a:rPr>
-                  <a:t>Спектр протонов при разных углах </a:t>
-                </a:r>
-                <a:r>
-                  <a:rPr lang="en-US" sz="2000" i="1" dirty="0" smtClean="0">
-                    <a:latin typeface="Times New Roman" panose="02020603050405020304" pitchFamily="18" charset="0"/>
-                    <a:cs typeface="Times New Roman" panose="02020603050405020304" pitchFamily="18" charset="0"/>
-                  </a:rPr>
-                  <a:t> </a:t>
-                </a:r>
-                <a14:m>
-                  <m:oMath xmlns:m="http://schemas.openxmlformats.org/officeDocument/2006/math">
-                    <m:r>
-                      <a:rPr lang="en-US" sz="2000" i="1" smtClean="0">
-                        <a:latin typeface="Cambria Math"/>
-                        <a:ea typeface="Cambria Math"/>
-                        <a:cs typeface="Times New Roman" panose="02020603050405020304" pitchFamily="18" charset="0"/>
-                      </a:rPr>
-                      <m:t>𝜃</m:t>
-                    </m:r>
-                  </m:oMath>
-                </a14:m>
-                <a:r>
-                  <a:rPr lang="en-US" sz="2000" i="1" dirty="0" smtClean="0">
-                    <a:latin typeface="Times New Roman" panose="02020603050405020304" pitchFamily="18" charset="0"/>
-                    <a:cs typeface="Times New Roman" panose="02020603050405020304" pitchFamily="18" charset="0"/>
-                  </a:rPr>
-                  <a:t> </a:t>
-                </a:r>
-                <a:r>
-                  <a:rPr lang="ru-RU" sz="2000" i="1" dirty="0" smtClean="0">
-                    <a:latin typeface="Times New Roman" panose="02020603050405020304" pitchFamily="18" charset="0"/>
-                    <a:cs typeface="Times New Roman" panose="02020603050405020304" pitchFamily="18" charset="0"/>
-                  </a:rPr>
-                  <a:t>наклона магнитного поля </a:t>
-                </a:r>
-                <a:r>
-                  <a:rPr lang="en-US" sz="2000" i="1" dirty="0" smtClean="0">
-                    <a:latin typeface="Times New Roman" panose="02020603050405020304" pitchFamily="18" charset="0"/>
-                    <a:cs typeface="Times New Roman" panose="02020603050405020304" pitchFamily="18" charset="0"/>
-                  </a:rPr>
-                  <a:t> </a:t>
-                </a:r>
-                <a:r>
-                  <a:rPr lang="ru-RU" sz="2000" i="1" dirty="0" smtClean="0">
-                    <a:latin typeface="Times New Roman" panose="02020603050405020304" pitchFamily="18" charset="0"/>
-                    <a:cs typeface="Times New Roman" panose="02020603050405020304" pitchFamily="18" charset="0"/>
-                  </a:rPr>
-                  <a:t>при </a:t>
-                </a:r>
-                <a14:m>
-                  <m:oMath xmlns:m="http://schemas.openxmlformats.org/officeDocument/2006/math">
-                    <m:r>
-                      <a:rPr lang="ru-RU" sz="2000" i="1" smtClean="0">
-                        <a:latin typeface="Cambria Math"/>
-                        <a:ea typeface="Cambria Math"/>
-                        <a:cs typeface="Times New Roman" panose="02020603050405020304" pitchFamily="18" charset="0"/>
-                      </a:rPr>
-                      <m:t>𝜑</m:t>
-                    </m:r>
-                    <m:r>
-                      <a:rPr lang="ru-RU" sz="2000" b="0" i="1" smtClean="0">
-                        <a:latin typeface="Cambria Math"/>
-                        <a:ea typeface="Cambria Math"/>
-                        <a:cs typeface="Times New Roman" panose="02020603050405020304" pitchFamily="18" charset="0"/>
-                      </a:rPr>
-                      <m:t>=</m:t>
-                    </m:r>
-                    <m:sSup>
-                      <m:sSupPr>
-                        <m:ctrlPr>
-                          <a:rPr lang="ru-RU" sz="2000" b="0" i="1" smtClean="0">
-                            <a:latin typeface="Cambria Math"/>
-                            <a:ea typeface="Cambria Math"/>
-                            <a:cs typeface="Times New Roman" panose="02020603050405020304" pitchFamily="18" charset="0"/>
-                          </a:rPr>
-                        </m:ctrlPr>
-                      </m:sSupPr>
-                      <m:e>
-                        <m:r>
-                          <a:rPr lang="ru-RU" sz="2000" b="0" i="1" smtClean="0">
-                            <a:latin typeface="Cambria Math"/>
-                            <a:ea typeface="Cambria Math"/>
-                            <a:cs typeface="Times New Roman" panose="02020603050405020304" pitchFamily="18" charset="0"/>
-                          </a:rPr>
-                          <m:t>0</m:t>
-                        </m:r>
-                      </m:e>
-                      <m:sup>
-                        <m:r>
-                          <a:rPr lang="ru-RU" sz="2000" b="0" i="1" smtClean="0">
-                            <a:latin typeface="Cambria Math"/>
-                            <a:ea typeface="Cambria Math"/>
-                            <a:cs typeface="Times New Roman" panose="02020603050405020304" pitchFamily="18" charset="0"/>
-                          </a:rPr>
-                          <m:t>0</m:t>
-                        </m:r>
-                      </m:sup>
-                    </m:sSup>
-                  </m:oMath>
-                </a14:m>
-                <a:endParaRPr lang="ru-RU" sz="2000" i="1" dirty="0">
-                  <a:latin typeface="Times New Roman" panose="02020603050405020304" pitchFamily="18" charset="0"/>
-                  <a:cs typeface="Times New Roman" panose="02020603050405020304" pitchFamily="18" charset="0"/>
-                </a:endParaRPr>
-              </a:p>
-            </p:txBody>
-          </p:sp>
-        </mc:Choice>
-        <mc:Fallback xmlns="">
-          <p:sp>
-            <p:nvSpPr>
-              <p:cNvPr id="41" name="TextBox 40"/>
-              <p:cNvSpPr txBox="1">
-                <a:spLocks noRot="1" noChangeAspect="1" noMove="1" noResize="1" noEditPoints="1" noAdjustHandles="1" noChangeArrowheads="1" noChangeShapeType="1" noTextEdit="1"/>
-              </p:cNvSpPr>
-              <p:nvPr/>
-            </p:nvSpPr>
-            <p:spPr>
-              <a:xfrm>
-                <a:off x="14437562" y="7567347"/>
-                <a:ext cx="6478770" cy="734240"/>
-              </a:xfrm>
-              <a:prstGeom prst="rect">
-                <a:avLst/>
-              </a:prstGeom>
-              <a:blipFill rotWithShape="1">
-                <a:blip r:embed="rId11"/>
-                <a:stretch>
-                  <a:fillRect l="-941" t="-4132" b="-9917"/>
-                </a:stretch>
-              </a:blipFill>
-            </p:spPr>
-            <p:txBody>
-              <a:bodyPr/>
-              <a:lstStyle/>
-              <a:p>
-                <a:r>
-                  <a:rPr lang="ru-RU">
-                    <a:noFill/>
-                  </a:rPr>
-                  <a:t> </a:t>
-                </a:r>
-              </a:p>
-            </p:txBody>
-          </p:sp>
-        </mc:Fallback>
-      </mc:AlternateContent>
-      <mc:AlternateContent xmlns:mc="http://schemas.openxmlformats.org/markup-compatibility/2006" xmlns:a14="http://schemas.microsoft.com/office/drawing/2010/main">
-        <mc:Choice Requires="a14">
-          <p:sp>
-            <p:nvSpPr>
-              <p:cNvPr id="43" name="TextBox 42"/>
-              <p:cNvSpPr txBox="1"/>
-              <p:nvPr/>
-            </p:nvSpPr>
-            <p:spPr>
-              <a:xfrm>
-                <a:off x="14417973" y="12415970"/>
-                <a:ext cx="6478770" cy="707886"/>
-              </a:xfrm>
-              <a:prstGeom prst="rect">
-                <a:avLst/>
-              </a:prstGeom>
-              <a:noFill/>
-            </p:spPr>
-            <p:txBody>
-              <a:bodyPr wrap="square" rtlCol="0">
-                <a:spAutoFit/>
-              </a:bodyPr>
-              <a:lstStyle/>
-              <a:p>
-                <a:r>
-                  <a:rPr lang="ru-RU" sz="2000" b="1" i="1" dirty="0" smtClean="0">
-                    <a:latin typeface="Times New Roman" panose="02020603050405020304" pitchFamily="18" charset="0"/>
-                    <a:cs typeface="Times New Roman" panose="02020603050405020304" pitchFamily="18" charset="0"/>
-                  </a:rPr>
-                  <a:t>Рис. 3 </a:t>
-                </a:r>
-                <a:r>
-                  <a:rPr lang="ru-RU" sz="2000" i="1" dirty="0" smtClean="0">
-                    <a:latin typeface="Times New Roman" panose="02020603050405020304" pitchFamily="18" charset="0"/>
-                    <a:cs typeface="Times New Roman" panose="02020603050405020304" pitchFamily="18" charset="0"/>
-                  </a:rPr>
-                  <a:t>Спектр электронов при разных углах </a:t>
-                </a:r>
-                <a14:m>
-                  <m:oMath xmlns:m="http://schemas.openxmlformats.org/officeDocument/2006/math">
-                    <m:r>
-                      <a:rPr lang="ru-RU" sz="2000" i="1" smtClean="0">
-                        <a:latin typeface="Cambria Math"/>
-                        <a:ea typeface="Cambria Math"/>
-                        <a:cs typeface="Times New Roman" panose="02020603050405020304" pitchFamily="18" charset="0"/>
-                      </a:rPr>
-                      <m:t>𝜃</m:t>
-                    </m:r>
-                  </m:oMath>
-                </a14:m>
-                <a:r>
-                  <a:rPr lang="en-US" sz="2000" i="1" dirty="0" smtClean="0">
-                    <a:latin typeface="Times New Roman" panose="02020603050405020304" pitchFamily="18" charset="0"/>
-                    <a:cs typeface="Times New Roman" panose="02020603050405020304" pitchFamily="18" charset="0"/>
-                  </a:rPr>
-                  <a:t> </a:t>
-                </a:r>
-                <a:r>
-                  <a:rPr lang="ru-RU" sz="2000" i="1" dirty="0" smtClean="0">
-                    <a:latin typeface="Times New Roman" panose="02020603050405020304" pitchFamily="18" charset="0"/>
-                    <a:cs typeface="Times New Roman" panose="02020603050405020304" pitchFamily="18" charset="0"/>
-                  </a:rPr>
-                  <a:t>наклона магнитного поля </a:t>
-                </a:r>
-                <a:r>
-                  <a:rPr lang="ru-RU" sz="2000" i="1" dirty="0">
-                    <a:latin typeface="Times New Roman" panose="02020603050405020304" pitchFamily="18" charset="0"/>
-                    <a:cs typeface="Times New Roman" panose="02020603050405020304" pitchFamily="18" charset="0"/>
-                  </a:rPr>
-                  <a:t>при </a:t>
-                </a:r>
-                <a14:m>
-                  <m:oMath xmlns:m="http://schemas.openxmlformats.org/officeDocument/2006/math">
-                    <m:r>
-                      <a:rPr lang="ru-RU" sz="2000" i="1">
-                        <a:latin typeface="Cambria Math"/>
-                        <a:ea typeface="Cambria Math"/>
-                        <a:cs typeface="Times New Roman" panose="02020603050405020304" pitchFamily="18" charset="0"/>
-                      </a:rPr>
-                      <m:t>𝜑</m:t>
-                    </m:r>
-                    <m:r>
-                      <a:rPr lang="ru-RU" sz="2000" i="1">
-                        <a:latin typeface="Cambria Math"/>
-                        <a:ea typeface="Cambria Math"/>
-                        <a:cs typeface="Times New Roman" panose="02020603050405020304" pitchFamily="18" charset="0"/>
-                      </a:rPr>
-                      <m:t>=</m:t>
-                    </m:r>
-                    <m:sSup>
-                      <m:sSupPr>
-                        <m:ctrlPr>
-                          <a:rPr lang="ru-RU" sz="2000" i="1">
-                            <a:latin typeface="Cambria Math"/>
-                            <a:ea typeface="Cambria Math"/>
-                            <a:cs typeface="Times New Roman" panose="02020603050405020304" pitchFamily="18" charset="0"/>
-                          </a:rPr>
-                        </m:ctrlPr>
-                      </m:sSupPr>
-                      <m:e>
-                        <m:r>
-                          <a:rPr lang="ru-RU" sz="2000" i="1">
-                            <a:latin typeface="Cambria Math"/>
-                            <a:ea typeface="Cambria Math"/>
-                            <a:cs typeface="Times New Roman" panose="02020603050405020304" pitchFamily="18" charset="0"/>
-                          </a:rPr>
-                          <m:t>0</m:t>
-                        </m:r>
-                      </m:e>
-                      <m:sup>
-                        <m:r>
-                          <a:rPr lang="ru-RU" sz="2000" i="1">
-                            <a:latin typeface="Cambria Math"/>
-                            <a:ea typeface="Cambria Math"/>
-                            <a:cs typeface="Times New Roman" panose="02020603050405020304" pitchFamily="18" charset="0"/>
-                          </a:rPr>
-                          <m:t>0</m:t>
-                        </m:r>
-                      </m:sup>
-                    </m:sSup>
-                  </m:oMath>
-                </a14:m>
-                <a:endParaRPr lang="ru-RU" sz="2000" i="1" dirty="0">
-                  <a:latin typeface="Times New Roman" panose="02020603050405020304" pitchFamily="18" charset="0"/>
-                  <a:cs typeface="Times New Roman" panose="02020603050405020304" pitchFamily="18" charset="0"/>
-                </a:endParaRPr>
-              </a:p>
-            </p:txBody>
-          </p:sp>
-        </mc:Choice>
-        <mc:Fallback xmlns="">
-          <p:sp>
-            <p:nvSpPr>
-              <p:cNvPr id="43" name="TextBox 42"/>
-              <p:cNvSpPr txBox="1">
-                <a:spLocks noRot="1" noChangeAspect="1" noMove="1" noResize="1" noEditPoints="1" noAdjustHandles="1" noChangeArrowheads="1" noChangeShapeType="1" noTextEdit="1"/>
-              </p:cNvSpPr>
-              <p:nvPr/>
-            </p:nvSpPr>
-            <p:spPr>
-              <a:xfrm>
-                <a:off x="14417973" y="12415970"/>
-                <a:ext cx="6478770" cy="707886"/>
-              </a:xfrm>
-              <a:prstGeom prst="rect">
-                <a:avLst/>
-              </a:prstGeom>
-              <a:blipFill rotWithShape="1">
-                <a:blip r:embed="rId12"/>
-                <a:stretch>
-                  <a:fillRect l="-941" t="-4310" b="-14655"/>
-                </a:stretch>
-              </a:blipFill>
-            </p:spPr>
-            <p:txBody>
-              <a:bodyPr/>
-              <a:lstStyle/>
-              <a:p>
-                <a:r>
-                  <a:rPr lang="ru-RU">
-                    <a:noFill/>
-                  </a:rPr>
-                  <a:t> </a:t>
-                </a:r>
-              </a:p>
-            </p:txBody>
-          </p:sp>
-        </mc:Fallback>
-      </mc:AlternateContent>
+        <p:txBody>
+          <a:bodyPr wrap="square" rtlCol="0">
+            <a:spAutoFit/>
+          </a:bodyPr>
+          <a:lstStyle/>
+          <a:p>
+            <a:r>
+              <a:rPr lang="ru-RU" sz="2000" b="1" i="1" dirty="0" smtClean="0">
+                <a:latin typeface="Times New Roman" panose="02020603050405020304" pitchFamily="18" charset="0"/>
+                <a:cs typeface="Times New Roman" panose="02020603050405020304" pitchFamily="18" charset="0"/>
+              </a:rPr>
+              <a:t>Рис. 3 </a:t>
+            </a:r>
+            <a:r>
+              <a:rPr lang="ru-RU" sz="2000" i="1" dirty="0" smtClean="0">
+                <a:latin typeface="Times New Roman" panose="02020603050405020304" pitchFamily="18" charset="0"/>
+                <a:cs typeface="Times New Roman" panose="02020603050405020304" pitchFamily="18" charset="0"/>
+              </a:rPr>
+              <a:t>Магнитное поле ударной волны в случае регулярного и турбулентного поля.</a:t>
+            </a:r>
+            <a:endParaRPr lang="ru-RU" sz="2000" i="1" dirty="0">
+              <a:latin typeface="Times New Roman" panose="02020603050405020304" pitchFamily="18" charset="0"/>
+              <a:cs typeface="Times New Roman" panose="02020603050405020304" pitchFamily="18" charset="0"/>
+            </a:endParaRPr>
+          </a:p>
+        </p:txBody>
+      </p:sp>
       <p:sp>
         <p:nvSpPr>
           <p:cNvPr id="45" name="Text Box 19"/>
@@ -8317,8 +6747,8 @@
         </p:nvSpPr>
         <p:spPr bwMode="auto">
           <a:xfrm>
-            <a:off x="14326312" y="26958762"/>
-            <a:ext cx="6494769" cy="2587504"/>
+            <a:off x="14517156" y="25617804"/>
+            <a:ext cx="6516019" cy="3972499"/>
           </a:xfrm>
           <a:prstGeom prst="rect">
             <a:avLst/>
@@ -8820,16 +7250,25 @@
                 </a:solidFill>
                 <a:latin typeface="Times New Roman" pitchFamily="16" charset="0"/>
               </a:rPr>
-              <a:t> </a:t>
-            </a:r>
-            <a:r>
-              <a:rPr lang="en-US" altLang="ru-RU" sz="1800" b="1" i="1" dirty="0" smtClean="0">
+              <a:t> O. </a:t>
+            </a:r>
+            <a:r>
+              <a:rPr lang="en-US" altLang="ru-RU" sz="1800" dirty="0" smtClean="0">
                 <a:solidFill>
                   <a:srgbClr val="000000"/>
                 </a:solidFill>
                 <a:latin typeface="Times New Roman" pitchFamily="16" charset="0"/>
               </a:rPr>
-              <a:t>O. </a:t>
+              <a:t>in </a:t>
+            </a:r>
+            <a:r>
+              <a:rPr lang="ru-RU" altLang="ru-RU" sz="1800" dirty="0" smtClean="0">
+                <a:solidFill>
+                  <a:srgbClr val="000000"/>
+                </a:solidFill>
+                <a:latin typeface="Times New Roman" pitchFamily="16" charset="0"/>
+              </a:rPr>
+              <a:t>«</a:t>
             </a:r>
             <a:r>
               <a:rPr lang="en-US" altLang="ru-RU" sz="1800" dirty="0" smtClean="0">
@@ -8838,7 +7277,7 @@
                 </a:solidFill>
                 <a:latin typeface="Times New Roman" pitchFamily="16" charset="0"/>
               </a:rPr>
-              <a:t>in </a:t>
+              <a:t>Computer Space Plasma Physics</a:t>
             </a:r>
             <a:r>
               <a:rPr lang="ru-RU" altLang="ru-RU" sz="1800" dirty="0" smtClean="0">
@@ -8847,7 +7286,7 @@
                 </a:solidFill>
                 <a:latin typeface="Times New Roman" pitchFamily="16" charset="0"/>
               </a:rPr>
-              <a:t>«</a:t>
+              <a:t>»</a:t>
             </a:r>
             <a:r>
               <a:rPr lang="en-US" altLang="ru-RU" sz="1800" dirty="0" smtClean="0">
@@ -8856,34 +7295,7 @@
                 </a:solidFill>
                 <a:latin typeface="Times New Roman" pitchFamily="16" charset="0"/>
               </a:rPr>
-              <a:t>Computer Space Plasma Physics</a:t>
-            </a:r>
-            <a:r>
-              <a:rPr lang="ru-RU" altLang="ru-RU" sz="1800" dirty="0" smtClean="0">
-                <a:solidFill>
-                  <a:srgbClr val="000000"/>
-                </a:solidFill>
-                <a:latin typeface="Times New Roman" pitchFamily="16" charset="0"/>
-              </a:rPr>
-              <a:t>»</a:t>
-            </a:r>
-            <a:r>
-              <a:rPr lang="en-US" altLang="ru-RU" sz="1800" dirty="0" smtClean="0">
-                <a:solidFill>
-                  <a:srgbClr val="000000"/>
-                </a:solidFill>
-                <a:latin typeface="Times New Roman" pitchFamily="16" charset="0"/>
-              </a:rPr>
-              <a:t> Terra Scientific Tokyo  p.67 (1993</a:t>
-            </a:r>
-            <a:r>
-              <a:rPr lang="en-US" altLang="ru-RU" sz="1800" dirty="0" smtClean="0">
-                <a:solidFill>
-                  <a:srgbClr val="000000"/>
-                </a:solidFill>
-                <a:latin typeface="Times New Roman" pitchFamily="16" charset="0"/>
-              </a:rPr>
-              <a:t>);</a:t>
+              <a:t> Terra Scientific Tokyo  p.67 (1993);</a:t>
             </a:r>
           </a:p>
           <a:p>
@@ -9061,8 +7473,168 @@
                 <a:latin typeface="Times New Roman" panose="02020603050405020304" pitchFamily="18" charset="0"/>
                 <a:cs typeface="Times New Roman" panose="02020603050405020304" pitchFamily="18" charset="0"/>
               </a:rPr>
-              <a:t> 345{350</a:t>
-            </a:r>
+              <a:t> </a:t>
+            </a:r>
+            <a:r>
+              <a:rPr lang="en-US" sz="1800" dirty="0" smtClean="0">
+                <a:solidFill>
+                  <a:schemeClr val="tx1"/>
+                </a:solidFill>
+                <a:latin typeface="Times New Roman" panose="02020603050405020304" pitchFamily="18" charset="0"/>
+                <a:cs typeface="Times New Roman" panose="02020603050405020304" pitchFamily="18" charset="0"/>
+              </a:rPr>
+              <a:t>345{350</a:t>
+            </a:r>
+            <a:endParaRPr lang="ru-RU" sz="1800" dirty="0" smtClean="0">
+              <a:solidFill>
+                <a:schemeClr val="tx1"/>
+              </a:solidFill>
+              <a:latin typeface="Times New Roman" panose="02020603050405020304" pitchFamily="18" charset="0"/>
+              <a:cs typeface="Times New Roman" panose="02020603050405020304" pitchFamily="18" charset="0"/>
+            </a:endParaRPr>
+          </a:p>
+          <a:p>
+            <a:r>
+              <a:rPr lang="ru-RU" altLang="ru-RU" sz="1800" b="1" i="1" dirty="0" smtClean="0">
+                <a:solidFill>
+                  <a:schemeClr val="tx1"/>
+                </a:solidFill>
+                <a:latin typeface="Times New Roman" panose="02020603050405020304" pitchFamily="18" charset="0"/>
+                <a:cs typeface="Times New Roman" panose="02020603050405020304" pitchFamily="18" charset="0"/>
+              </a:rPr>
+              <a:t>4. </a:t>
+            </a:r>
+            <a:r>
+              <a:rPr lang="en-US" altLang="ru-RU" sz="1800" b="1" i="1" dirty="0" err="1">
+                <a:solidFill>
+                  <a:srgbClr val="000000"/>
+                </a:solidFill>
+                <a:latin typeface="Times New Roman" pitchFamily="16" charset="0"/>
+              </a:rPr>
+              <a:t>Sironi</a:t>
+            </a:r>
+            <a:r>
+              <a:rPr lang="en-US" altLang="ru-RU" sz="1800" b="1" i="1" dirty="0">
+                <a:solidFill>
+                  <a:srgbClr val="000000"/>
+                </a:solidFill>
+                <a:latin typeface="Times New Roman" pitchFamily="16" charset="0"/>
+              </a:rPr>
+              <a:t> L., </a:t>
+            </a:r>
+            <a:r>
+              <a:rPr lang="en-US" altLang="ru-RU" sz="1800" b="1" i="1" dirty="0" err="1">
+                <a:solidFill>
+                  <a:srgbClr val="000000"/>
+                </a:solidFill>
+                <a:latin typeface="Times New Roman" pitchFamily="16" charset="0"/>
+              </a:rPr>
+              <a:t>Spitkovsky</a:t>
+            </a:r>
+            <a:r>
+              <a:rPr lang="en-US" altLang="ru-RU" sz="1800" b="1" i="1" dirty="0">
+                <a:solidFill>
+                  <a:srgbClr val="000000"/>
+                </a:solidFill>
+                <a:latin typeface="Times New Roman" pitchFamily="16" charset="0"/>
+              </a:rPr>
+              <a:t> A., </a:t>
+            </a:r>
+            <a:r>
+              <a:rPr lang="en-US" altLang="ru-RU" sz="1800" b="1" i="1" dirty="0" err="1">
+                <a:solidFill>
+                  <a:srgbClr val="000000"/>
+                </a:solidFill>
+                <a:latin typeface="Times New Roman" pitchFamily="16" charset="0"/>
+              </a:rPr>
+              <a:t>Arons</a:t>
+            </a:r>
+            <a:r>
+              <a:rPr lang="en-US" altLang="ru-RU" sz="1800" b="1" i="1" dirty="0">
+                <a:solidFill>
+                  <a:srgbClr val="000000"/>
+                </a:solidFill>
+                <a:latin typeface="Times New Roman" pitchFamily="16" charset="0"/>
+              </a:rPr>
+              <a:t> J. </a:t>
+            </a:r>
+            <a:r>
+              <a:rPr lang="ru-RU" altLang="ru-RU" sz="1800" dirty="0">
+                <a:solidFill>
+                  <a:srgbClr val="000000"/>
+                </a:solidFill>
+                <a:latin typeface="Times New Roman" pitchFamily="16" charset="0"/>
+              </a:rPr>
+              <a:t>«</a:t>
+            </a:r>
+            <a:r>
+              <a:rPr lang="en-US" sz="1800" dirty="0">
+                <a:solidFill>
+                  <a:schemeClr val="tx1"/>
+                </a:solidFill>
+                <a:latin typeface="Times New Roman" panose="02020603050405020304" pitchFamily="18" charset="0"/>
+                <a:cs typeface="Times New Roman" panose="02020603050405020304" pitchFamily="18" charset="0"/>
+              </a:rPr>
+              <a:t>The maximum energy of accelerated particles in relativistic </a:t>
+            </a:r>
+            <a:r>
+              <a:rPr lang="en-US" sz="1800" dirty="0" err="1">
+                <a:solidFill>
+                  <a:schemeClr val="tx1"/>
+                </a:solidFill>
+                <a:latin typeface="Times New Roman" panose="02020603050405020304" pitchFamily="18" charset="0"/>
+                <a:cs typeface="Times New Roman" panose="02020603050405020304" pitchFamily="18" charset="0"/>
+              </a:rPr>
+              <a:t>collisionless</a:t>
+            </a:r>
+            <a:r>
+              <a:rPr lang="en-US" sz="1800" dirty="0">
+                <a:solidFill>
+                  <a:schemeClr val="tx1"/>
+                </a:solidFill>
+                <a:latin typeface="Times New Roman" panose="02020603050405020304" pitchFamily="18" charset="0"/>
+                <a:cs typeface="Times New Roman" panose="02020603050405020304" pitchFamily="18" charset="0"/>
+              </a:rPr>
+              <a:t> shocks</a:t>
+            </a:r>
+            <a:r>
+              <a:rPr lang="ru-RU" altLang="ru-RU" sz="1800" dirty="0">
+                <a:solidFill>
+                  <a:srgbClr val="000000"/>
+                </a:solidFill>
+                <a:latin typeface="Times New Roman" pitchFamily="16" charset="0"/>
+              </a:rPr>
+              <a:t>»</a:t>
+            </a:r>
+            <a:r>
+              <a:rPr lang="en-US" altLang="ru-RU" sz="1800" dirty="0">
+                <a:solidFill>
+                  <a:schemeClr val="tx1"/>
+                </a:solidFill>
+                <a:latin typeface="Times New Roman" panose="02020603050405020304" pitchFamily="18" charset="0"/>
+                <a:cs typeface="Times New Roman" panose="02020603050405020304" pitchFamily="18" charset="0"/>
+              </a:rPr>
+              <a:t> </a:t>
+            </a:r>
+            <a:r>
+              <a:rPr lang="en-US" sz="1800" dirty="0">
+                <a:solidFill>
+                  <a:schemeClr val="tx1"/>
+                </a:solidFill>
+                <a:latin typeface="Times New Roman" panose="02020603050405020304" pitchFamily="18" charset="0"/>
+                <a:cs typeface="Times New Roman" panose="02020603050405020304" pitchFamily="18" charset="0"/>
+              </a:rPr>
+              <a:t>The Astrophysical Journal, Volume 771, Issue 1, article id. 54, 22 pp. (2013)</a:t>
+            </a:r>
+            <a:endParaRPr lang="en-US" altLang="ru-RU" sz="1800" b="1" i="1" dirty="0">
+              <a:solidFill>
+                <a:schemeClr val="tx1"/>
+              </a:solidFill>
+              <a:latin typeface="Times New Roman" panose="02020603050405020304" pitchFamily="18" charset="0"/>
+              <a:cs typeface="Times New Roman" panose="02020603050405020304" pitchFamily="18" charset="0"/>
+            </a:endParaRPr>
+          </a:p>
+          <a:p>
             <a:endParaRPr lang="en-US" altLang="ru-RU" sz="1800" b="1" i="1" dirty="0">
               <a:solidFill>
                 <a:schemeClr val="tx1"/>
@@ -9111,550 +7683,6 @@
           </a:p>
         </p:txBody>
       </p:sp>
-      <mc:AlternateContent xmlns:mc="http://schemas.openxmlformats.org/markup-compatibility/2006" xmlns:a14="http://schemas.microsoft.com/office/drawing/2010/main">
-        <mc:Choice Requires="a14">
-          <p:sp>
-            <p:nvSpPr>
-              <p:cNvPr id="46" name="TextBox 45"/>
-              <p:cNvSpPr txBox="1"/>
-              <p:nvPr/>
-            </p:nvSpPr>
-            <p:spPr>
-              <a:xfrm>
-                <a:off x="14417973" y="17279053"/>
-                <a:ext cx="6478770" cy="734240"/>
-              </a:xfrm>
-              <a:prstGeom prst="rect">
-                <a:avLst/>
-              </a:prstGeom>
-              <a:noFill/>
-            </p:spPr>
-            <p:txBody>
-              <a:bodyPr wrap="square" rtlCol="0">
-                <a:spAutoFit/>
-              </a:bodyPr>
-              <a:lstStyle/>
-              <a:p>
-                <a:r>
-                  <a:rPr lang="ru-RU" sz="2000" b="1" i="1" dirty="0" smtClean="0">
-                    <a:latin typeface="Times New Roman" panose="02020603050405020304" pitchFamily="18" charset="0"/>
-                    <a:cs typeface="Times New Roman" panose="02020603050405020304" pitchFamily="18" charset="0"/>
-                  </a:rPr>
-                  <a:t>Рис. 4 </a:t>
-                </a:r>
-                <a:r>
-                  <a:rPr lang="ru-RU" sz="2000" i="1" dirty="0" smtClean="0">
-                    <a:latin typeface="Times New Roman" panose="02020603050405020304" pitchFamily="18" charset="0"/>
-                    <a:cs typeface="Times New Roman" panose="02020603050405020304" pitchFamily="18" charset="0"/>
-                  </a:rPr>
-                  <a:t>Спектр протонов при разных углах </a:t>
-                </a:r>
-                <a:r>
-                  <a:rPr lang="en-US" sz="2000" i="1" dirty="0" smtClean="0">
-                    <a:latin typeface="Times New Roman" panose="02020603050405020304" pitchFamily="18" charset="0"/>
-                    <a:cs typeface="Times New Roman" panose="02020603050405020304" pitchFamily="18" charset="0"/>
-                  </a:rPr>
-                  <a:t> </a:t>
-                </a:r>
-                <a14:m>
-                  <m:oMath xmlns:m="http://schemas.openxmlformats.org/officeDocument/2006/math">
-                    <m:r>
-                      <a:rPr lang="en-US" sz="2000" i="1" smtClean="0">
-                        <a:latin typeface="Cambria Math"/>
-                        <a:ea typeface="Cambria Math"/>
-                        <a:cs typeface="Times New Roman" panose="02020603050405020304" pitchFamily="18" charset="0"/>
-                      </a:rPr>
-                      <m:t>𝜃</m:t>
-                    </m:r>
-                  </m:oMath>
-                </a14:m>
-                <a:r>
-                  <a:rPr lang="en-US" sz="2000" i="1" dirty="0" smtClean="0">
-                    <a:latin typeface="Times New Roman" panose="02020603050405020304" pitchFamily="18" charset="0"/>
-                    <a:cs typeface="Times New Roman" panose="02020603050405020304" pitchFamily="18" charset="0"/>
-                  </a:rPr>
-                  <a:t> </a:t>
-                </a:r>
-                <a:r>
-                  <a:rPr lang="ru-RU" sz="2000" i="1" dirty="0" smtClean="0">
-                    <a:latin typeface="Times New Roman" panose="02020603050405020304" pitchFamily="18" charset="0"/>
-                    <a:cs typeface="Times New Roman" panose="02020603050405020304" pitchFamily="18" charset="0"/>
-                  </a:rPr>
-                  <a:t>наклона магнитного поля </a:t>
-                </a:r>
-                <a:r>
-                  <a:rPr lang="en-US" sz="2000" i="1" dirty="0" smtClean="0">
-                    <a:latin typeface="Times New Roman" panose="02020603050405020304" pitchFamily="18" charset="0"/>
-                    <a:cs typeface="Times New Roman" panose="02020603050405020304" pitchFamily="18" charset="0"/>
-                  </a:rPr>
-                  <a:t> </a:t>
-                </a:r>
-                <a:r>
-                  <a:rPr lang="ru-RU" sz="2000" i="1" dirty="0" smtClean="0">
-                    <a:latin typeface="Times New Roman" panose="02020603050405020304" pitchFamily="18" charset="0"/>
-                    <a:cs typeface="Times New Roman" panose="02020603050405020304" pitchFamily="18" charset="0"/>
-                  </a:rPr>
-                  <a:t>при </a:t>
-                </a:r>
-                <a14:m>
-                  <m:oMath xmlns:m="http://schemas.openxmlformats.org/officeDocument/2006/math">
-                    <m:r>
-                      <a:rPr lang="ru-RU" sz="2000" i="1" smtClean="0">
-                        <a:latin typeface="Cambria Math"/>
-                        <a:ea typeface="Cambria Math"/>
-                        <a:cs typeface="Times New Roman" panose="02020603050405020304" pitchFamily="18" charset="0"/>
-                      </a:rPr>
-                      <m:t>𝜑</m:t>
-                    </m:r>
-                    <m:r>
-                      <a:rPr lang="ru-RU" sz="2000" b="0" i="1" smtClean="0">
-                        <a:latin typeface="Cambria Math"/>
-                        <a:ea typeface="Cambria Math"/>
-                        <a:cs typeface="Times New Roman" panose="02020603050405020304" pitchFamily="18" charset="0"/>
-                      </a:rPr>
-                      <m:t>=</m:t>
-                    </m:r>
-                    <m:sSup>
-                      <m:sSupPr>
-                        <m:ctrlPr>
-                          <a:rPr lang="ru-RU" sz="2000" b="0" i="1" smtClean="0">
-                            <a:latin typeface="Cambria Math"/>
-                            <a:ea typeface="Cambria Math"/>
-                            <a:cs typeface="Times New Roman" panose="02020603050405020304" pitchFamily="18" charset="0"/>
-                          </a:rPr>
-                        </m:ctrlPr>
-                      </m:sSupPr>
-                      <m:e>
-                        <m:r>
-                          <a:rPr lang="ru-RU" sz="2000" b="0" i="1" smtClean="0">
-                            <a:latin typeface="Cambria Math"/>
-                            <a:ea typeface="Cambria Math"/>
-                            <a:cs typeface="Times New Roman" panose="02020603050405020304" pitchFamily="18" charset="0"/>
-                          </a:rPr>
-                          <m:t>90</m:t>
-                        </m:r>
-                      </m:e>
-                      <m:sup>
-                        <m:r>
-                          <a:rPr lang="ru-RU" sz="2000" b="0" i="1" smtClean="0">
-                            <a:latin typeface="Cambria Math"/>
-                            <a:ea typeface="Cambria Math"/>
-                            <a:cs typeface="Times New Roman" panose="02020603050405020304" pitchFamily="18" charset="0"/>
-                          </a:rPr>
-                          <m:t>0</m:t>
-                        </m:r>
-                      </m:sup>
-                    </m:sSup>
-                  </m:oMath>
-                </a14:m>
-                <a:endParaRPr lang="ru-RU" sz="2000" i="1" dirty="0">
-                  <a:latin typeface="Times New Roman" panose="02020603050405020304" pitchFamily="18" charset="0"/>
-                  <a:cs typeface="Times New Roman" panose="02020603050405020304" pitchFamily="18" charset="0"/>
-                </a:endParaRPr>
-              </a:p>
-            </p:txBody>
-          </p:sp>
-        </mc:Choice>
-        <mc:Fallback xmlns="">
-          <p:sp>
-            <p:nvSpPr>
-              <p:cNvPr id="46" name="TextBox 45"/>
-              <p:cNvSpPr txBox="1">
-                <a:spLocks noRot="1" noChangeAspect="1" noMove="1" noResize="1" noEditPoints="1" noAdjustHandles="1" noChangeArrowheads="1" noChangeShapeType="1" noTextEdit="1"/>
-              </p:cNvSpPr>
-              <p:nvPr/>
-            </p:nvSpPr>
-            <p:spPr>
-              <a:xfrm>
-                <a:off x="14417973" y="17279053"/>
-                <a:ext cx="6478770" cy="734240"/>
-              </a:xfrm>
-              <a:prstGeom prst="rect">
-                <a:avLst/>
-              </a:prstGeom>
-              <a:blipFill rotWithShape="1">
-                <a:blip r:embed="rId20"/>
-                <a:stretch>
-                  <a:fillRect l="-941" t="-4132" b="-9917"/>
-                </a:stretch>
-              </a:blipFill>
-            </p:spPr>
-            <p:txBody>
-              <a:bodyPr/>
-              <a:lstStyle/>
-              <a:p>
-                <a:r>
-                  <a:rPr lang="ru-RU">
-                    <a:noFill/>
-                  </a:rPr>
-                  <a:t> </a:t>
-                </a:r>
-              </a:p>
-            </p:txBody>
-          </p:sp>
-        </mc:Fallback>
-      </mc:AlternateContent>
-      <mc:AlternateContent xmlns:mc="http://schemas.openxmlformats.org/markup-compatibility/2006" xmlns:a14="http://schemas.microsoft.com/office/drawing/2010/main">
-        <mc:Choice Requires="a14">
-          <p:sp>
-            <p:nvSpPr>
-              <p:cNvPr id="54" name="TextBox 53"/>
-              <p:cNvSpPr txBox="1"/>
-              <p:nvPr/>
-            </p:nvSpPr>
-            <p:spPr>
-              <a:xfrm>
-                <a:off x="14437908" y="22294978"/>
-                <a:ext cx="6478770" cy="707886"/>
-              </a:xfrm>
-              <a:prstGeom prst="rect">
-                <a:avLst/>
-              </a:prstGeom>
-              <a:noFill/>
-            </p:spPr>
-            <p:txBody>
-              <a:bodyPr wrap="square" rtlCol="0">
-                <a:spAutoFit/>
-              </a:bodyPr>
-              <a:lstStyle/>
-              <a:p>
-                <a:r>
-                  <a:rPr lang="ru-RU" sz="2000" b="1" i="1" dirty="0" smtClean="0">
-                    <a:latin typeface="Times New Roman" panose="02020603050405020304" pitchFamily="18" charset="0"/>
-                    <a:cs typeface="Times New Roman" panose="02020603050405020304" pitchFamily="18" charset="0"/>
-                  </a:rPr>
-                  <a:t>Рис. 5 </a:t>
-                </a:r>
-                <a:r>
-                  <a:rPr lang="ru-RU" sz="2000" i="1" dirty="0" smtClean="0">
-                    <a:latin typeface="Times New Roman" panose="02020603050405020304" pitchFamily="18" charset="0"/>
-                    <a:cs typeface="Times New Roman" panose="02020603050405020304" pitchFamily="18" charset="0"/>
-                  </a:rPr>
-                  <a:t>Спектр электронов при разных углах </a:t>
-                </a:r>
-                <a14:m>
-                  <m:oMath xmlns:m="http://schemas.openxmlformats.org/officeDocument/2006/math">
-                    <m:r>
-                      <a:rPr lang="ru-RU" sz="2000" i="1" smtClean="0">
-                        <a:latin typeface="Cambria Math"/>
-                        <a:ea typeface="Cambria Math"/>
-                        <a:cs typeface="Times New Roman" panose="02020603050405020304" pitchFamily="18" charset="0"/>
-                      </a:rPr>
-                      <m:t>𝜃</m:t>
-                    </m:r>
-                  </m:oMath>
-                </a14:m>
-                <a:r>
-                  <a:rPr lang="en-US" sz="2000" i="1" dirty="0" smtClean="0">
-                    <a:latin typeface="Times New Roman" panose="02020603050405020304" pitchFamily="18" charset="0"/>
-                    <a:cs typeface="Times New Roman" panose="02020603050405020304" pitchFamily="18" charset="0"/>
-                  </a:rPr>
-                  <a:t> </a:t>
-                </a:r>
-                <a:r>
-                  <a:rPr lang="ru-RU" sz="2000" i="1" dirty="0" smtClean="0">
-                    <a:latin typeface="Times New Roman" panose="02020603050405020304" pitchFamily="18" charset="0"/>
-                    <a:cs typeface="Times New Roman" panose="02020603050405020304" pitchFamily="18" charset="0"/>
-                  </a:rPr>
-                  <a:t>наклона магнитного поля </a:t>
-                </a:r>
-                <a:r>
-                  <a:rPr lang="ru-RU" sz="2000" i="1" dirty="0">
-                    <a:latin typeface="Times New Roman" panose="02020603050405020304" pitchFamily="18" charset="0"/>
-                    <a:cs typeface="Times New Roman" panose="02020603050405020304" pitchFamily="18" charset="0"/>
-                  </a:rPr>
-                  <a:t>при </a:t>
-                </a:r>
-                <a14:m>
-                  <m:oMath xmlns:m="http://schemas.openxmlformats.org/officeDocument/2006/math">
-                    <m:r>
-                      <a:rPr lang="ru-RU" sz="2000" i="1">
-                        <a:latin typeface="Cambria Math"/>
-                        <a:ea typeface="Cambria Math"/>
-                        <a:cs typeface="Times New Roman" panose="02020603050405020304" pitchFamily="18" charset="0"/>
-                      </a:rPr>
-                      <m:t>𝜑</m:t>
-                    </m:r>
-                    <m:r>
-                      <a:rPr lang="ru-RU" sz="2000" i="1">
-                        <a:latin typeface="Cambria Math"/>
-                        <a:ea typeface="Cambria Math"/>
-                        <a:cs typeface="Times New Roman" panose="02020603050405020304" pitchFamily="18" charset="0"/>
-                      </a:rPr>
-                      <m:t>=</m:t>
-                    </m:r>
-                    <m:sSup>
-                      <m:sSupPr>
-                        <m:ctrlPr>
-                          <a:rPr lang="ru-RU" sz="2000" i="1">
-                            <a:latin typeface="Cambria Math"/>
-                            <a:ea typeface="Cambria Math"/>
-                            <a:cs typeface="Times New Roman" panose="02020603050405020304" pitchFamily="18" charset="0"/>
-                          </a:rPr>
-                        </m:ctrlPr>
-                      </m:sSupPr>
-                      <m:e>
-                        <m:r>
-                          <a:rPr lang="ru-RU" sz="2000" b="0" i="1" smtClean="0">
-                            <a:latin typeface="Cambria Math"/>
-                            <a:ea typeface="Cambria Math"/>
-                            <a:cs typeface="Times New Roman" panose="02020603050405020304" pitchFamily="18" charset="0"/>
-                          </a:rPr>
-                          <m:t>9</m:t>
-                        </m:r>
-                        <m:r>
-                          <a:rPr lang="ru-RU" sz="2000" i="1">
-                            <a:latin typeface="Cambria Math"/>
-                            <a:ea typeface="Cambria Math"/>
-                            <a:cs typeface="Times New Roman" panose="02020603050405020304" pitchFamily="18" charset="0"/>
-                          </a:rPr>
-                          <m:t>0</m:t>
-                        </m:r>
-                      </m:e>
-                      <m:sup>
-                        <m:r>
-                          <a:rPr lang="ru-RU" sz="2000" i="1">
-                            <a:latin typeface="Cambria Math"/>
-                            <a:ea typeface="Cambria Math"/>
-                            <a:cs typeface="Times New Roman" panose="02020603050405020304" pitchFamily="18" charset="0"/>
-                          </a:rPr>
-                          <m:t>0</m:t>
-                        </m:r>
-                      </m:sup>
-                    </m:sSup>
-                  </m:oMath>
-                </a14:m>
-                <a:endParaRPr lang="ru-RU" sz="2000" i="1" dirty="0">
-                  <a:latin typeface="Times New Roman" panose="02020603050405020304" pitchFamily="18" charset="0"/>
-                  <a:cs typeface="Times New Roman" panose="02020603050405020304" pitchFamily="18" charset="0"/>
-                </a:endParaRPr>
-              </a:p>
-            </p:txBody>
-          </p:sp>
-        </mc:Choice>
-        <mc:Fallback xmlns="">
-          <p:sp>
-            <p:nvSpPr>
-              <p:cNvPr id="54" name="TextBox 53"/>
-              <p:cNvSpPr txBox="1">
-                <a:spLocks noRot="1" noChangeAspect="1" noMove="1" noResize="1" noEditPoints="1" noAdjustHandles="1" noChangeArrowheads="1" noChangeShapeType="1" noTextEdit="1"/>
-              </p:cNvSpPr>
-              <p:nvPr/>
-            </p:nvSpPr>
-            <p:spPr>
-              <a:xfrm>
-                <a:off x="14437908" y="22294978"/>
-                <a:ext cx="6478770" cy="707886"/>
-              </a:xfrm>
-              <a:prstGeom prst="rect">
-                <a:avLst/>
-              </a:prstGeom>
-              <a:blipFill rotWithShape="1">
-                <a:blip r:embed="rId21"/>
-                <a:stretch>
-                  <a:fillRect l="-941" t="-4310" b="-14655"/>
-                </a:stretch>
-              </a:blipFill>
-            </p:spPr>
-            <p:txBody>
-              <a:bodyPr/>
-              <a:lstStyle/>
-              <a:p>
-                <a:r>
-                  <a:rPr lang="ru-RU">
-                    <a:noFill/>
-                  </a:rPr>
-                  <a:t> </a:t>
-                </a:r>
-              </a:p>
-            </p:txBody>
-          </p:sp>
-        </mc:Fallback>
-      </mc:AlternateContent>
-      <p:sp>
-        <p:nvSpPr>
-          <p:cNvPr id="26" name="TextBox 25"/>
-          <p:cNvSpPr txBox="1"/>
-          <p:nvPr/>
-        </p:nvSpPr>
-        <p:spPr>
-          <a:xfrm>
-            <a:off x="14369576" y="23092896"/>
-            <a:ext cx="6527167" cy="2308324"/>
-          </a:xfrm>
-          <a:prstGeom prst="rect">
-            <a:avLst/>
-          </a:prstGeom>
-          <a:noFill/>
-        </p:spPr>
-        <p:txBody>
-          <a:bodyPr wrap="square" rtlCol="0">
-            <a:spAutoFit/>
-          </a:bodyPr>
-          <a:lstStyle/>
-          <a:p>
-            <a:r>
-              <a:rPr lang="ru-RU" sz="2400" dirty="0" smtClean="0">
-                <a:latin typeface="Times New Roman" panose="02020603050405020304" pitchFamily="18" charset="0"/>
-                <a:cs typeface="Times New Roman" panose="02020603050405020304" pitchFamily="18" charset="0"/>
-              </a:rPr>
-              <a:t>В работе показано, что </a:t>
-            </a:r>
-            <a:r>
-              <a:rPr lang="ru-RU" sz="2400" dirty="0" err="1" smtClean="0">
-                <a:latin typeface="Times New Roman" panose="02020603050405020304" pitchFamily="18" charset="0"/>
-                <a:cs typeface="Times New Roman" panose="02020603050405020304" pitchFamily="18" charset="0"/>
-              </a:rPr>
-              <a:t>квазипродольные</a:t>
-            </a:r>
-            <a:r>
-              <a:rPr lang="ru-RU" sz="2400" dirty="0" smtClean="0">
-                <a:latin typeface="Times New Roman" panose="02020603050405020304" pitchFamily="18" charset="0"/>
-                <a:cs typeface="Times New Roman" panose="02020603050405020304" pitchFamily="18" charset="0"/>
-              </a:rPr>
-              <a:t> </a:t>
-            </a:r>
-            <a:r>
-              <a:rPr lang="ru-RU" sz="2400" dirty="0" err="1" smtClean="0">
-                <a:latin typeface="Times New Roman" panose="02020603050405020304" pitchFamily="18" charset="0"/>
-                <a:cs typeface="Times New Roman" panose="02020603050405020304" pitchFamily="18" charset="0"/>
-              </a:rPr>
-              <a:t>субрелятивистские</a:t>
-            </a:r>
-            <a:r>
-              <a:rPr lang="ru-RU" sz="2400" dirty="0" smtClean="0">
-                <a:latin typeface="Times New Roman" panose="02020603050405020304" pitchFamily="18" charset="0"/>
-                <a:cs typeface="Times New Roman" panose="02020603050405020304" pitchFamily="18" charset="0"/>
-              </a:rPr>
-              <a:t> ударные волны могут эффективно ускорять космические лучи. Схожесть результатов для различных двумерных случаев указывает на то, что они применимы и в общем, трех-мерном случае</a:t>
-            </a:r>
-            <a:endParaRPr lang="ru-RU" sz="2400" dirty="0">
-              <a:latin typeface="Times New Roman" panose="02020603050405020304" pitchFamily="18" charset="0"/>
-              <a:cs typeface="Times New Roman" panose="02020603050405020304" pitchFamily="18" charset="0"/>
-            </a:endParaRPr>
-          </a:p>
-        </p:txBody>
-      </p:sp>
-      <p:pic>
-        <p:nvPicPr>
-          <p:cNvPr id="15" name="Рисунок 14"/>
-          <p:cNvPicPr>
-            <a:picLocks noChangeAspect="1"/>
-          </p:cNvPicPr>
-          <p:nvPr/>
-        </p:nvPicPr>
-        <p:blipFill>
-          <a:blip r:embed="rId22">
-            <a:extLst>
-              <a:ext uri="{28A0092B-C50C-407E-A947-70E740481C1C}">
-                <a14:useLocalDpi xmlns:a14="http://schemas.microsoft.com/office/drawing/2010/main" val="0"/>
-              </a:ext>
-            </a:extLst>
-          </a:blip>
-          <a:stretch>
-            <a:fillRect/>
-          </a:stretch>
-        </p:blipFill>
-        <p:spPr>
-          <a:xfrm>
-            <a:off x="14302847" y="3471597"/>
-            <a:ext cx="6438900" cy="4095750"/>
-          </a:xfrm>
-          <a:prstGeom prst="rect">
-            <a:avLst/>
-          </a:prstGeom>
-        </p:spPr>
-      </p:pic>
-      <p:pic>
-        <p:nvPicPr>
-          <p:cNvPr id="16" name="Рисунок 15"/>
-          <p:cNvPicPr>
-            <a:picLocks noChangeAspect="1"/>
-          </p:cNvPicPr>
-          <p:nvPr/>
-        </p:nvPicPr>
-        <p:blipFill>
-          <a:blip r:embed="rId23">
-            <a:extLst>
-              <a:ext uri="{28A0092B-C50C-407E-A947-70E740481C1C}">
-                <a14:useLocalDpi xmlns:a14="http://schemas.microsoft.com/office/drawing/2010/main" val="0"/>
-              </a:ext>
-            </a:extLst>
-          </a:blip>
-          <a:stretch>
-            <a:fillRect/>
-          </a:stretch>
-        </p:blipFill>
-        <p:spPr>
-          <a:xfrm>
-            <a:off x="14302847" y="8210910"/>
-            <a:ext cx="6438900" cy="4095750"/>
-          </a:xfrm>
-          <a:prstGeom prst="rect">
-            <a:avLst/>
-          </a:prstGeom>
-        </p:spPr>
-      </p:pic>
-      <p:pic>
-        <p:nvPicPr>
-          <p:cNvPr id="17" name="Рисунок 16"/>
-          <p:cNvPicPr>
-            <a:picLocks noChangeAspect="1"/>
-          </p:cNvPicPr>
-          <p:nvPr/>
-        </p:nvPicPr>
-        <p:blipFill>
-          <a:blip r:embed="rId24">
-            <a:extLst>
-              <a:ext uri="{28A0092B-C50C-407E-A947-70E740481C1C}">
-                <a14:useLocalDpi xmlns:a14="http://schemas.microsoft.com/office/drawing/2010/main" val="0"/>
-              </a:ext>
-            </a:extLst>
-          </a:blip>
-          <a:stretch>
-            <a:fillRect/>
-          </a:stretch>
-        </p:blipFill>
-        <p:spPr>
-          <a:xfrm>
-            <a:off x="14457843" y="13129031"/>
-            <a:ext cx="6438900" cy="4124325"/>
-          </a:xfrm>
-          <a:prstGeom prst="rect">
-            <a:avLst/>
-          </a:prstGeom>
-        </p:spPr>
-      </p:pic>
-      <p:pic>
-        <p:nvPicPr>
-          <p:cNvPr id="20" name="Рисунок 19"/>
-          <p:cNvPicPr>
-            <a:picLocks noChangeAspect="1"/>
-          </p:cNvPicPr>
-          <p:nvPr/>
-        </p:nvPicPr>
-        <p:blipFill>
-          <a:blip r:embed="rId25">
-            <a:extLst>
-              <a:ext uri="{28A0092B-C50C-407E-A947-70E740481C1C}">
-                <a14:useLocalDpi xmlns:a14="http://schemas.microsoft.com/office/drawing/2010/main" val="0"/>
-              </a:ext>
-            </a:extLst>
-          </a:blip>
-          <a:stretch>
-            <a:fillRect/>
-          </a:stretch>
-        </p:blipFill>
-        <p:spPr>
-          <a:xfrm>
-            <a:off x="14457843" y="17953458"/>
-            <a:ext cx="6438900" cy="4124325"/>
-          </a:xfrm>
-          <a:prstGeom prst="rect">
-            <a:avLst/>
-          </a:prstGeom>
-        </p:spPr>
-      </p:pic>
       <p:pic>
         <p:nvPicPr>
           <p:cNvPr id="1027" name="Picture 3"/>
@@ -9664,7 +7692,7 @@
           <p:nvPr/>
         </p:nvPicPr>
         <p:blipFill>
-          <a:blip r:embed="rId26">
+          <a:blip r:embed="rId4">
             <a:extLst>
               <a:ext uri="{28A0092B-C50C-407E-A947-70E740481C1C}">
                 <a14:useLocalDpi xmlns:a14="http://schemas.microsoft.com/office/drawing/2010/main" val="0"/>
@@ -9678,8 +7706,8 @@
         </p:blipFill>
         <p:spPr bwMode="auto">
           <a:xfrm>
-            <a:off x="774817" y="9471494"/>
-            <a:ext cx="6066916" cy="5330470"/>
+            <a:off x="1235080" y="9063979"/>
+            <a:ext cx="5219729" cy="4586120"/>
           </a:xfrm>
           <a:prstGeom prst="rect">
             <a:avLst/>
@@ -9717,7 +7745,7 @@
         </p:nvSpPr>
         <p:spPr>
           <a:xfrm>
-            <a:off x="857247" y="14635931"/>
+            <a:off x="960468" y="13650099"/>
             <a:ext cx="5881550" cy="707886"/>
           </a:xfrm>
           <a:prstGeom prst="rect">
@@ -9804,7 +7832,7 @@
             </p:nvSpPr>
             <p:spPr>
               <a:xfrm>
-                <a:off x="7364683" y="9796193"/>
+                <a:off x="212369" y="26835128"/>
                 <a:ext cx="7109254" cy="1200200"/>
               </a:xfrm>
               <a:prstGeom prst="rect">
@@ -9818,6 +7846,7 @@
               </a:bodyPr>
               <a:lstStyle/>
               <a:p>
+                <a:pPr/>
                 <a14:m>
                   <m:oMathPara xmlns:m="http://schemas.openxmlformats.org/officeDocument/2006/math">
                     <m:oMathParaPr>
@@ -10163,14 +8192,14 @@
             </p:nvSpPr>
             <p:spPr>
               <a:xfrm>
-                <a:off x="7364683" y="9796193"/>
+                <a:off x="212369" y="26835128"/>
                 <a:ext cx="7109254" cy="1200200"/>
               </a:xfrm>
               <a:prstGeom prst="rect">
                 <a:avLst/>
               </a:prstGeom>
               <a:blipFill rotWithShape="1">
-                <a:blip r:embed="rId27"/>
+                <a:blip r:embed="rId5"/>
                 <a:stretch>
                   <a:fillRect/>
                 </a:stretch>
@@ -10201,7 +8230,7 @@
             </p:nvSpPr>
             <p:spPr>
               <a:xfrm>
-                <a:off x="7745750" y="10822804"/>
+                <a:off x="779630" y="28035328"/>
                 <a:ext cx="5950596" cy="943720"/>
               </a:xfrm>
               <a:prstGeom prst="rect">
@@ -10358,14 +8387,14 @@
             </p:nvSpPr>
             <p:spPr>
               <a:xfrm>
-                <a:off x="7745750" y="10822804"/>
+                <a:off x="779630" y="28035328"/>
                 <a:ext cx="5950596" cy="943720"/>
               </a:xfrm>
               <a:prstGeom prst="rect">
                 <a:avLst/>
               </a:prstGeom>
               <a:blipFill rotWithShape="1">
-                <a:blip r:embed="rId28"/>
+                <a:blip r:embed="rId6"/>
                 <a:stretch>
                   <a:fillRect l="-1639" t="-9032" r="-2152" b="-11613"/>
                 </a:stretch>
@@ -10386,6 +8415,596 @@
           </p:sp>
         </mc:Fallback>
       </mc:AlternateContent>
+      <p:pic>
+        <p:nvPicPr>
+          <p:cNvPr id="12" name="Рисунок 11"/>
+          <p:cNvPicPr>
+            <a:picLocks noChangeAspect="1"/>
+          </p:cNvPicPr>
+          <p:nvPr/>
+        </p:nvPicPr>
+        <p:blipFill>
+          <a:blip r:embed="rId7">
+            <a:extLst>
+              <a:ext uri="{28A0092B-C50C-407E-A947-70E740481C1C}">
+                <a14:useLocalDpi xmlns:a14="http://schemas.microsoft.com/office/drawing/2010/main" val="0"/>
+              </a:ext>
+            </a:extLst>
+          </a:blip>
+          <a:stretch>
+            <a:fillRect/>
+          </a:stretch>
+        </p:blipFill>
+        <p:spPr>
+          <a:xfrm>
+            <a:off x="7458488" y="3229445"/>
+            <a:ext cx="6938164" cy="3159143"/>
+          </a:xfrm>
+          <a:prstGeom prst="rect">
+            <a:avLst/>
+          </a:prstGeom>
+        </p:spPr>
+      </p:pic>
+      <p:sp>
+        <p:nvSpPr>
+          <p:cNvPr id="33" name="TextBox 32"/>
+          <p:cNvSpPr txBox="1"/>
+          <p:nvPr/>
+        </p:nvSpPr>
+        <p:spPr>
+          <a:xfrm>
+            <a:off x="7653906" y="6258108"/>
+            <a:ext cx="5881550" cy="400110"/>
+          </a:xfrm>
+          <a:prstGeom prst="rect">
+            <a:avLst/>
+          </a:prstGeom>
+          <a:noFill/>
+        </p:spPr>
+        <p:txBody>
+          <a:bodyPr wrap="square" rtlCol="0">
+            <a:spAutoFit/>
+          </a:bodyPr>
+          <a:lstStyle/>
+          <a:p>
+            <a:r>
+              <a:rPr lang="ru-RU" sz="2000" b="1" i="1" dirty="0" smtClean="0">
+                <a:latin typeface="Times New Roman" panose="02020603050405020304" pitchFamily="18" charset="0"/>
+                <a:cs typeface="Times New Roman" panose="02020603050405020304" pitchFamily="18" charset="0"/>
+              </a:rPr>
+              <a:t>Рис. 2  </a:t>
+            </a:r>
+            <a:r>
+              <a:rPr lang="ru-RU" sz="2000" i="1" dirty="0" smtClean="0">
+                <a:latin typeface="Times New Roman" panose="02020603050405020304" pitchFamily="18" charset="0"/>
+                <a:cs typeface="Times New Roman" panose="02020603050405020304" pitchFamily="18" charset="0"/>
+              </a:rPr>
+              <a:t>Схема начальных условий симуляции</a:t>
+            </a:r>
+            <a:endParaRPr lang="ru-RU" sz="2000" i="1" dirty="0">
+              <a:latin typeface="Times New Roman" panose="02020603050405020304" pitchFamily="18" charset="0"/>
+              <a:cs typeface="Times New Roman" panose="02020603050405020304" pitchFamily="18" charset="0"/>
+            </a:endParaRPr>
+          </a:p>
+        </p:txBody>
+      </p:sp>
+      <p:pic>
+        <p:nvPicPr>
+          <p:cNvPr id="22" name="Рисунок 21"/>
+          <p:cNvPicPr>
+            <a:picLocks noChangeAspect="1"/>
+          </p:cNvPicPr>
+          <p:nvPr/>
+        </p:nvPicPr>
+        <p:blipFill>
+          <a:blip r:embed="rId8" cstate="print">
+            <a:extLst>
+              <a:ext uri="{28A0092B-C50C-407E-A947-70E740481C1C}">
+                <a14:useLocalDpi xmlns:a14="http://schemas.microsoft.com/office/drawing/2010/main" val="0"/>
+              </a:ext>
+            </a:extLst>
+          </a:blip>
+          <a:stretch>
+            <a:fillRect/>
+          </a:stretch>
+        </p:blipFill>
+        <p:spPr>
+          <a:xfrm>
+            <a:off x="7458488" y="20541871"/>
+            <a:ext cx="6782376" cy="3738996"/>
+          </a:xfrm>
+          <a:prstGeom prst="rect">
+            <a:avLst/>
+          </a:prstGeom>
+        </p:spPr>
+      </p:pic>
+      <p:pic>
+        <p:nvPicPr>
+          <p:cNvPr id="23" name="Рисунок 22"/>
+          <p:cNvPicPr>
+            <a:picLocks noChangeAspect="1"/>
+          </p:cNvPicPr>
+          <p:nvPr/>
+        </p:nvPicPr>
+        <p:blipFill>
+          <a:blip r:embed="rId9" cstate="print">
+            <a:extLst>
+              <a:ext uri="{28A0092B-C50C-407E-A947-70E740481C1C}">
+                <a14:useLocalDpi xmlns:a14="http://schemas.microsoft.com/office/drawing/2010/main" val="0"/>
+              </a:ext>
+            </a:extLst>
+          </a:blip>
+          <a:stretch>
+            <a:fillRect/>
+          </a:stretch>
+        </p:blipFill>
+        <p:spPr>
+          <a:xfrm>
+            <a:off x="7458487" y="24259882"/>
+            <a:ext cx="6782377" cy="3761777"/>
+          </a:xfrm>
+          <a:prstGeom prst="rect">
+            <a:avLst/>
+          </a:prstGeom>
+        </p:spPr>
+      </p:pic>
+      <p:sp>
+        <p:nvSpPr>
+          <p:cNvPr id="40" name="TextBox 39"/>
+          <p:cNvSpPr txBox="1"/>
+          <p:nvPr/>
+        </p:nvSpPr>
+        <p:spPr>
+          <a:xfrm>
+            <a:off x="14388392" y="3474691"/>
+            <a:ext cx="6585968" cy="2677656"/>
+          </a:xfrm>
+          <a:prstGeom prst="rect">
+            <a:avLst/>
+          </a:prstGeom>
+          <a:noFill/>
+        </p:spPr>
+        <p:txBody>
+          <a:bodyPr wrap="square" rtlCol="0">
+            <a:spAutoFit/>
+          </a:bodyPr>
+          <a:lstStyle/>
+          <a:p>
+            <a:pPr algn="ctr"/>
+            <a:r>
+              <a:rPr lang="ru-RU" sz="2400" b="1" dirty="0" smtClean="0">
+                <a:latin typeface="Times New Roman" panose="02020603050405020304" pitchFamily="18" charset="0"/>
+                <a:cs typeface="Times New Roman" panose="02020603050405020304" pitchFamily="18" charset="0"/>
+              </a:rPr>
+              <a:t>Спектр ускоренных </a:t>
+            </a:r>
+            <a:r>
+              <a:rPr lang="ru-RU" sz="2400" b="1" dirty="0" smtClean="0">
+                <a:latin typeface="Times New Roman" panose="02020603050405020304" pitchFamily="18" charset="0"/>
+                <a:cs typeface="Times New Roman" panose="02020603050405020304" pitchFamily="18" charset="0"/>
+              </a:rPr>
+              <a:t>частиц и синхротронного излучения.</a:t>
+            </a:r>
+            <a:endParaRPr lang="ru-RU" sz="2400" dirty="0" smtClean="0">
+              <a:latin typeface="Times New Roman" panose="02020603050405020304" pitchFamily="18" charset="0"/>
+              <a:cs typeface="Times New Roman" panose="02020603050405020304" pitchFamily="18" charset="0"/>
+            </a:endParaRPr>
+          </a:p>
+          <a:p>
+            <a:pPr algn="just"/>
+            <a:r>
+              <a:rPr lang="ru-RU" sz="2400" dirty="0" smtClean="0">
+                <a:latin typeface="Times New Roman" panose="02020603050405020304" pitchFamily="18" charset="0"/>
+                <a:cs typeface="Times New Roman" panose="02020603050405020304" pitchFamily="18" charset="0"/>
+              </a:rPr>
+              <a:t>Моделирование показывает, </a:t>
+            </a:r>
+            <a:r>
+              <a:rPr lang="ru-RU" sz="2400" dirty="0" smtClean="0">
+                <a:latin typeface="Times New Roman" panose="02020603050405020304" pitchFamily="18" charset="0"/>
+                <a:cs typeface="Times New Roman" panose="02020603050405020304" pitchFamily="18" charset="0"/>
+              </a:rPr>
+              <a:t>что если  турбулентность содержит  50%  энергии или более, спектр частиц существенно отличается от теплового и становится все более жёстким</a:t>
+            </a:r>
+            <a:r>
+              <a:rPr lang="en-US" sz="2400" dirty="0" smtClean="0">
+                <a:latin typeface="Times New Roman" panose="02020603050405020304" pitchFamily="18" charset="0"/>
+                <a:cs typeface="Times New Roman" panose="02020603050405020304" pitchFamily="18" charset="0"/>
+              </a:rPr>
+              <a:t> </a:t>
+            </a:r>
+            <a:r>
+              <a:rPr lang="ru-RU" sz="2400" dirty="0" smtClean="0">
+                <a:latin typeface="Times New Roman" panose="02020603050405020304" pitchFamily="18" charset="0"/>
+                <a:cs typeface="Times New Roman" panose="02020603050405020304" pitchFamily="18" charset="0"/>
+              </a:rPr>
+              <a:t>и позволяет объяснить наблюдаемое излучение.</a:t>
+            </a:r>
+            <a:endParaRPr lang="ru-RU" sz="2400" dirty="0">
+              <a:latin typeface="Times New Roman" panose="02020603050405020304" pitchFamily="18" charset="0"/>
+              <a:cs typeface="Times New Roman" panose="02020603050405020304" pitchFamily="18" charset="0"/>
+            </a:endParaRPr>
+          </a:p>
+        </p:txBody>
+      </p:sp>
+      <p:sp>
+        <p:nvSpPr>
+          <p:cNvPr id="42" name="TextBox 41"/>
+          <p:cNvSpPr txBox="1"/>
+          <p:nvPr/>
+        </p:nvSpPr>
+        <p:spPr>
+          <a:xfrm>
+            <a:off x="14517156" y="22921054"/>
+            <a:ext cx="6585968" cy="2677656"/>
+          </a:xfrm>
+          <a:prstGeom prst="rect">
+            <a:avLst/>
+          </a:prstGeom>
+          <a:noFill/>
+        </p:spPr>
+        <p:txBody>
+          <a:bodyPr wrap="square" rtlCol="0">
+            <a:spAutoFit/>
+          </a:bodyPr>
+          <a:lstStyle/>
+          <a:p>
+            <a:pPr algn="ctr"/>
+            <a:r>
+              <a:rPr lang="ru-RU" sz="2400" b="1" dirty="0" smtClean="0">
+                <a:latin typeface="Times New Roman" panose="02020603050405020304" pitchFamily="18" charset="0"/>
+                <a:cs typeface="Times New Roman" panose="02020603050405020304" pitchFamily="18" charset="0"/>
+              </a:rPr>
+              <a:t>Выводы</a:t>
+            </a:r>
+            <a:r>
+              <a:rPr lang="ru-RU" sz="2400" b="1" dirty="0" smtClean="0">
+                <a:latin typeface="Times New Roman" panose="02020603050405020304" pitchFamily="18" charset="0"/>
+                <a:cs typeface="Times New Roman" panose="02020603050405020304" pitchFamily="18" charset="0"/>
+              </a:rPr>
+              <a:t>.</a:t>
+            </a:r>
+          </a:p>
+          <a:p>
+            <a:pPr algn="just"/>
+            <a:r>
+              <a:rPr lang="ru-RU" sz="2400" dirty="0" smtClean="0">
+                <a:latin typeface="Times New Roman" panose="02020603050405020304" pitchFamily="18" charset="0"/>
+                <a:cs typeface="Times New Roman" panose="02020603050405020304" pitchFamily="18" charset="0"/>
+              </a:rPr>
+              <a:t>Модель ускорения частиц в ударной волне, распространяющейся в среде с сильной турбулентностью позволяет объяснить наблюдаемые спектры синхротронного излучения релятивистской сверхновой </a:t>
+            </a:r>
+            <a:r>
+              <a:rPr lang="en-US" sz="2400" dirty="0" smtClean="0">
+                <a:latin typeface="Times New Roman" panose="02020603050405020304" pitchFamily="18" charset="0"/>
+                <a:cs typeface="Times New Roman" panose="02020603050405020304" pitchFamily="18" charset="0"/>
+              </a:rPr>
+              <a:t>SN2009bb</a:t>
+            </a:r>
+            <a:endParaRPr lang="ru-RU" sz="2400" dirty="0" smtClean="0">
+              <a:latin typeface="Times New Roman" panose="02020603050405020304" pitchFamily="18" charset="0"/>
+              <a:cs typeface="Times New Roman" panose="02020603050405020304" pitchFamily="18" charset="0"/>
+            </a:endParaRPr>
+          </a:p>
+        </p:txBody>
+      </p:sp>
+      <p:pic>
+        <p:nvPicPr>
+          <p:cNvPr id="15" name="Рисунок 14"/>
+          <p:cNvPicPr>
+            <a:picLocks noChangeAspect="1"/>
+          </p:cNvPicPr>
+          <p:nvPr/>
+        </p:nvPicPr>
+        <p:blipFill>
+          <a:blip r:embed="rId10">
+            <a:extLst>
+              <a:ext uri="{28A0092B-C50C-407E-A947-70E740481C1C}">
+                <a14:useLocalDpi xmlns:a14="http://schemas.microsoft.com/office/drawing/2010/main" val="0"/>
+              </a:ext>
+            </a:extLst>
+          </a:blip>
+          <a:stretch>
+            <a:fillRect/>
+          </a:stretch>
+        </p:blipFill>
+        <p:spPr>
+          <a:xfrm>
+            <a:off x="14569330" y="6152347"/>
+            <a:ext cx="6438096" cy="4085715"/>
+          </a:xfrm>
+          <a:prstGeom prst="rect">
+            <a:avLst/>
+          </a:prstGeom>
+        </p:spPr>
+      </p:pic>
+      <p:sp>
+        <p:nvSpPr>
+          <p:cNvPr id="28" name="TextBox 27"/>
+          <p:cNvSpPr txBox="1"/>
+          <p:nvPr/>
+        </p:nvSpPr>
+        <p:spPr>
+          <a:xfrm>
+            <a:off x="14619271" y="15952986"/>
+            <a:ext cx="6379281" cy="1015663"/>
+          </a:xfrm>
+          <a:prstGeom prst="rect">
+            <a:avLst/>
+          </a:prstGeom>
+          <a:noFill/>
+        </p:spPr>
+        <p:txBody>
+          <a:bodyPr wrap="square" rtlCol="0">
+            <a:spAutoFit/>
+          </a:bodyPr>
+          <a:lstStyle/>
+          <a:p>
+            <a:r>
+              <a:rPr lang="ru-RU" sz="2000" b="1" i="1" dirty="0" smtClean="0">
+                <a:latin typeface="Times New Roman" panose="02020603050405020304" pitchFamily="18" charset="0"/>
+                <a:cs typeface="Times New Roman" panose="02020603050405020304" pitchFamily="18" charset="0"/>
+              </a:rPr>
+              <a:t>Рис. </a:t>
+            </a:r>
+            <a:r>
+              <a:rPr lang="ru-RU" sz="2000" b="1" i="1" dirty="0" smtClean="0">
+                <a:latin typeface="Times New Roman" panose="02020603050405020304" pitchFamily="18" charset="0"/>
+                <a:cs typeface="Times New Roman" panose="02020603050405020304" pitchFamily="18" charset="0"/>
+              </a:rPr>
+              <a:t>5 </a:t>
+            </a:r>
+            <a:r>
+              <a:rPr lang="ru-RU" sz="2000" i="1" dirty="0" smtClean="0">
+                <a:latin typeface="Times New Roman" panose="02020603050405020304" pitchFamily="18" charset="0"/>
+                <a:cs typeface="Times New Roman" panose="02020603050405020304" pitchFamily="18" charset="0"/>
+              </a:rPr>
+              <a:t>Спектр синхротронного излучения в отсутствие турбулентности, в сравнении с данными </a:t>
+            </a:r>
+            <a:r>
+              <a:rPr lang="en-US" sz="2000" i="1" dirty="0" err="1" smtClean="0">
+                <a:latin typeface="Times New Roman" panose="02020603050405020304" pitchFamily="18" charset="0"/>
+                <a:cs typeface="Times New Roman" panose="02020603050405020304" pitchFamily="18" charset="0"/>
+              </a:rPr>
+              <a:t>Soderberg</a:t>
+            </a:r>
+            <a:r>
+              <a:rPr lang="en-US" sz="2000" i="1" dirty="0" smtClean="0">
+                <a:latin typeface="Times New Roman" panose="02020603050405020304" pitchFamily="18" charset="0"/>
+                <a:cs typeface="Times New Roman" panose="02020603050405020304" pitchFamily="18" charset="0"/>
+              </a:rPr>
+              <a:t> et. </a:t>
+            </a:r>
+            <a:r>
+              <a:rPr lang="en-US" sz="2000" i="1" dirty="0">
+                <a:latin typeface="Times New Roman" panose="02020603050405020304" pitchFamily="18" charset="0"/>
+                <a:cs typeface="Times New Roman" panose="02020603050405020304" pitchFamily="18" charset="0"/>
+              </a:rPr>
+              <a:t>a</a:t>
+            </a:r>
+            <a:r>
+              <a:rPr lang="en-US" sz="2000" i="1" dirty="0" smtClean="0">
+                <a:latin typeface="Times New Roman" panose="02020603050405020304" pitchFamily="18" charset="0"/>
+                <a:cs typeface="Times New Roman" panose="02020603050405020304" pitchFamily="18" charset="0"/>
+              </a:rPr>
+              <a:t>l. [1]</a:t>
+            </a:r>
+            <a:endParaRPr lang="ru-RU" sz="2000" i="1" dirty="0">
+              <a:latin typeface="Times New Roman" panose="02020603050405020304" pitchFamily="18" charset="0"/>
+              <a:cs typeface="Times New Roman" panose="02020603050405020304" pitchFamily="18" charset="0"/>
+            </a:endParaRPr>
+          </a:p>
+        </p:txBody>
+      </p:sp>
+      <p:pic>
+        <p:nvPicPr>
+          <p:cNvPr id="16" name="Рисунок 15"/>
+          <p:cNvPicPr>
+            <a:picLocks noChangeAspect="1"/>
+          </p:cNvPicPr>
+          <p:nvPr/>
+        </p:nvPicPr>
+        <p:blipFill>
+          <a:blip r:embed="rId11" cstate="print">
+            <a:extLst>
+              <a:ext uri="{28A0092B-C50C-407E-A947-70E740481C1C}">
+                <a14:useLocalDpi xmlns:a14="http://schemas.microsoft.com/office/drawing/2010/main" val="0"/>
+              </a:ext>
+            </a:extLst>
+          </a:blip>
+          <a:stretch>
+            <a:fillRect/>
+          </a:stretch>
+        </p:blipFill>
+        <p:spPr>
+          <a:xfrm>
+            <a:off x="14544238" y="10907486"/>
+            <a:ext cx="6430122" cy="5045500"/>
+          </a:xfrm>
+          <a:prstGeom prst="rect">
+            <a:avLst/>
+          </a:prstGeom>
+        </p:spPr>
+      </p:pic>
+      <p:sp>
+        <p:nvSpPr>
+          <p:cNvPr id="30" name="TextBox 29"/>
+          <p:cNvSpPr txBox="1"/>
+          <p:nvPr/>
+        </p:nvSpPr>
+        <p:spPr>
+          <a:xfrm>
+            <a:off x="14683194" y="10238062"/>
+            <a:ext cx="6310614" cy="707886"/>
+          </a:xfrm>
+          <a:prstGeom prst="rect">
+            <a:avLst/>
+          </a:prstGeom>
+          <a:noFill/>
+        </p:spPr>
+        <p:txBody>
+          <a:bodyPr wrap="square" rtlCol="0">
+            <a:spAutoFit/>
+          </a:bodyPr>
+          <a:lstStyle/>
+          <a:p>
+            <a:r>
+              <a:rPr lang="ru-RU" sz="2000" b="1" i="1" dirty="0" smtClean="0">
+                <a:latin typeface="Times New Roman" panose="02020603050405020304" pitchFamily="18" charset="0"/>
+                <a:cs typeface="Times New Roman" panose="02020603050405020304" pitchFamily="18" charset="0"/>
+              </a:rPr>
+              <a:t>Рис. </a:t>
+            </a:r>
+            <a:r>
+              <a:rPr lang="ru-RU" sz="2000" b="1" i="1" dirty="0" smtClean="0">
+                <a:latin typeface="Times New Roman" panose="02020603050405020304" pitchFamily="18" charset="0"/>
+                <a:cs typeface="Times New Roman" panose="02020603050405020304" pitchFamily="18" charset="0"/>
+              </a:rPr>
+              <a:t>4 </a:t>
+            </a:r>
+            <a:r>
+              <a:rPr lang="ru-RU" sz="2000" i="1" dirty="0" smtClean="0">
+                <a:latin typeface="Times New Roman" panose="02020603050405020304" pitchFamily="18" charset="0"/>
+                <a:cs typeface="Times New Roman" panose="02020603050405020304" pitchFamily="18" charset="0"/>
+              </a:rPr>
+              <a:t>Спектр электронов при различных долях энергии турбулентности.</a:t>
+            </a:r>
+            <a:endParaRPr lang="ru-RU" sz="2000" i="1" dirty="0">
+              <a:latin typeface="Times New Roman" panose="02020603050405020304" pitchFamily="18" charset="0"/>
+              <a:cs typeface="Times New Roman" panose="02020603050405020304" pitchFamily="18" charset="0"/>
+            </a:endParaRPr>
+          </a:p>
+        </p:txBody>
+      </p:sp>
+      <p:pic>
+        <p:nvPicPr>
+          <p:cNvPr id="17" name="Рисунок 16"/>
+          <p:cNvPicPr>
+            <a:picLocks noChangeAspect="1"/>
+          </p:cNvPicPr>
+          <p:nvPr/>
+        </p:nvPicPr>
+        <p:blipFill>
+          <a:blip r:embed="rId12" cstate="print">
+            <a:extLst>
+              <a:ext uri="{28A0092B-C50C-407E-A947-70E740481C1C}">
+                <a14:useLocalDpi xmlns:a14="http://schemas.microsoft.com/office/drawing/2010/main" val="0"/>
+              </a:ext>
+            </a:extLst>
+          </a:blip>
+          <a:stretch>
+            <a:fillRect/>
+          </a:stretch>
+        </p:blipFill>
+        <p:spPr>
+          <a:xfrm>
+            <a:off x="14600005" y="16931664"/>
+            <a:ext cx="6438096" cy="5066992"/>
+          </a:xfrm>
+          <a:prstGeom prst="rect">
+            <a:avLst/>
+          </a:prstGeom>
+        </p:spPr>
+      </p:pic>
+      <p:sp>
+        <p:nvSpPr>
+          <p:cNvPr id="32" name="TextBox 31"/>
+          <p:cNvSpPr txBox="1"/>
+          <p:nvPr/>
+        </p:nvSpPr>
+        <p:spPr>
+          <a:xfrm>
+            <a:off x="14612712" y="22001291"/>
+            <a:ext cx="6585968" cy="1015663"/>
+          </a:xfrm>
+          <a:prstGeom prst="rect">
+            <a:avLst/>
+          </a:prstGeom>
+          <a:noFill/>
+        </p:spPr>
+        <p:txBody>
+          <a:bodyPr wrap="square" rtlCol="0">
+            <a:spAutoFit/>
+          </a:bodyPr>
+          <a:lstStyle/>
+          <a:p>
+            <a:r>
+              <a:rPr lang="ru-RU" sz="2000" b="1" i="1" dirty="0" smtClean="0">
+                <a:latin typeface="Times New Roman" panose="02020603050405020304" pitchFamily="18" charset="0"/>
+                <a:cs typeface="Times New Roman" panose="02020603050405020304" pitchFamily="18" charset="0"/>
+              </a:rPr>
+              <a:t>Рис. </a:t>
+            </a:r>
+            <a:r>
+              <a:rPr lang="en-US" sz="2000" b="1" i="1" dirty="0" smtClean="0">
+                <a:latin typeface="Times New Roman" panose="02020603050405020304" pitchFamily="18" charset="0"/>
+                <a:cs typeface="Times New Roman" panose="02020603050405020304" pitchFamily="18" charset="0"/>
+              </a:rPr>
+              <a:t>6</a:t>
+            </a:r>
+            <a:r>
+              <a:rPr lang="ru-RU" sz="2000" b="1" i="1" dirty="0" smtClean="0">
+                <a:latin typeface="Times New Roman" panose="02020603050405020304" pitchFamily="18" charset="0"/>
+                <a:cs typeface="Times New Roman" panose="02020603050405020304" pitchFamily="18" charset="0"/>
+              </a:rPr>
+              <a:t> </a:t>
+            </a:r>
+            <a:r>
+              <a:rPr lang="ru-RU" sz="2000" i="1" dirty="0" smtClean="0">
+                <a:latin typeface="Times New Roman" panose="02020603050405020304" pitchFamily="18" charset="0"/>
+                <a:cs typeface="Times New Roman" panose="02020603050405020304" pitchFamily="18" charset="0"/>
+              </a:rPr>
+              <a:t>Спектр синхротронного излучения </a:t>
+            </a:r>
+            <a:r>
+              <a:rPr lang="ru-RU" sz="2000" i="1" dirty="0" smtClean="0">
+                <a:latin typeface="Times New Roman" panose="02020603050405020304" pitchFamily="18" charset="0"/>
+                <a:cs typeface="Times New Roman" panose="02020603050405020304" pitchFamily="18" charset="0"/>
+              </a:rPr>
+              <a:t>при наличии сильной</a:t>
+            </a:r>
+            <a:r>
+              <a:rPr lang="ru-RU" sz="2000" i="1" dirty="0" smtClean="0">
+                <a:latin typeface="Times New Roman" panose="02020603050405020304" pitchFamily="18" charset="0"/>
+                <a:cs typeface="Times New Roman" panose="02020603050405020304" pitchFamily="18" charset="0"/>
+              </a:rPr>
+              <a:t> турбулентности, в сравнении с данными </a:t>
+            </a:r>
+            <a:r>
+              <a:rPr lang="en-US" sz="2000" i="1" dirty="0" err="1" smtClean="0">
+                <a:latin typeface="Times New Roman" panose="02020603050405020304" pitchFamily="18" charset="0"/>
+                <a:cs typeface="Times New Roman" panose="02020603050405020304" pitchFamily="18" charset="0"/>
+              </a:rPr>
+              <a:t>Soderberg</a:t>
+            </a:r>
+            <a:r>
+              <a:rPr lang="en-US" sz="2000" i="1" dirty="0" smtClean="0">
+                <a:latin typeface="Times New Roman" panose="02020603050405020304" pitchFamily="18" charset="0"/>
+                <a:cs typeface="Times New Roman" panose="02020603050405020304" pitchFamily="18" charset="0"/>
+              </a:rPr>
+              <a:t> et. </a:t>
+            </a:r>
+            <a:r>
+              <a:rPr lang="en-US" sz="2000" i="1" dirty="0">
+                <a:latin typeface="Times New Roman" panose="02020603050405020304" pitchFamily="18" charset="0"/>
+                <a:cs typeface="Times New Roman" panose="02020603050405020304" pitchFamily="18" charset="0"/>
+              </a:rPr>
+              <a:t>a</a:t>
+            </a:r>
+            <a:r>
+              <a:rPr lang="en-US" sz="2000" i="1" dirty="0" smtClean="0">
+                <a:latin typeface="Times New Roman" panose="02020603050405020304" pitchFamily="18" charset="0"/>
+                <a:cs typeface="Times New Roman" panose="02020603050405020304" pitchFamily="18" charset="0"/>
+              </a:rPr>
+              <a:t>l. [1]</a:t>
+            </a:r>
+            <a:endParaRPr lang="ru-RU" sz="2000" i="1" dirty="0">
+              <a:latin typeface="Times New Roman" panose="02020603050405020304" pitchFamily="18" charset="0"/>
+              <a:cs typeface="Times New Roman" panose="02020603050405020304" pitchFamily="18" charset="0"/>
+            </a:endParaRPr>
+          </a:p>
+        </p:txBody>
+      </p:sp>
     </p:spTree>
     <p:extLst>
       <p:ext uri="{BB962C8B-B14F-4D97-AF65-F5344CB8AC3E}">
